--- a/machine learning learnings/perceptron - object detection.pptx
+++ b/machine learning learnings/perceptron - object detection.pptx
@@ -9,14 +9,22 @@
     <p:sldId id="259" r:id="rId3"/>
     <p:sldId id="257" r:id="rId4"/>
     <p:sldId id="258" r:id="rId5"/>
-    <p:sldId id="260" r:id="rId6"/>
-    <p:sldId id="265" r:id="rId7"/>
-    <p:sldId id="263" r:id="rId8"/>
-    <p:sldId id="261" r:id="rId9"/>
-    <p:sldId id="262" r:id="rId10"/>
-    <p:sldId id="264" r:id="rId11"/>
-    <p:sldId id="266" r:id="rId12"/>
-    <p:sldId id="267" r:id="rId13"/>
+    <p:sldId id="268" r:id="rId6"/>
+    <p:sldId id="269" r:id="rId7"/>
+    <p:sldId id="260" r:id="rId8"/>
+    <p:sldId id="270" r:id="rId9"/>
+    <p:sldId id="271" r:id="rId10"/>
+    <p:sldId id="272" r:id="rId11"/>
+    <p:sldId id="273" r:id="rId12"/>
+    <p:sldId id="275" r:id="rId13"/>
+    <p:sldId id="274" r:id="rId14"/>
+    <p:sldId id="263" r:id="rId15"/>
+    <p:sldId id="261" r:id="rId16"/>
+    <p:sldId id="262" r:id="rId17"/>
+    <p:sldId id="264" r:id="rId18"/>
+    <p:sldId id="276" r:id="rId19"/>
+    <p:sldId id="266" r:id="rId20"/>
+    <p:sldId id="267" r:id="rId21"/>
   </p:sldIdLst>
   <p:sldSz cx="12192000" cy="6858000"/>
   <p:notesSz cx="6858000" cy="9144000"/>
@@ -115,6 +123,11 @@
       </a:defRPr>
     </a:lvl9pPr>
   </p:defaultTextStyle>
+  <p:extLst>
+    <p:ext uri="{EFAFB233-063F-42B5-8137-9DF3F51BA10A}">
+      <p15:sldGuideLst xmlns:p15="http://schemas.microsoft.com/office/powerpoint/2012/main"/>
+    </p:ext>
+  </p:extLst>
 </p:presentation>
 </file>
 
@@ -941,7 +954,7 @@
           <a:p>
             <a:fld id="{B97F036D-9AE2-49D4-B3CC-AAE352F5CB11}" type="datetimeFigureOut">
               <a:rPr lang="en-NL" smtClean="0"/>
-              <a:t>12/11/2021</a:t>
+              <a:t>15/11/2021</a:t>
             </a:fld>
             <a:endParaRPr lang="en-NL"/>
           </a:p>
@@ -1141,7 +1154,7 @@
           <a:p>
             <a:fld id="{B97F036D-9AE2-49D4-B3CC-AAE352F5CB11}" type="datetimeFigureOut">
               <a:rPr lang="en-NL" smtClean="0"/>
-              <a:t>12/11/2021</a:t>
+              <a:t>15/11/2021</a:t>
             </a:fld>
             <a:endParaRPr lang="en-NL"/>
           </a:p>
@@ -1351,7 +1364,7 @@
           <a:p>
             <a:fld id="{B97F036D-9AE2-49D4-B3CC-AAE352F5CB11}" type="datetimeFigureOut">
               <a:rPr lang="en-NL" smtClean="0"/>
-              <a:t>12/11/2021</a:t>
+              <a:t>15/11/2021</a:t>
             </a:fld>
             <a:endParaRPr lang="en-NL"/>
           </a:p>
@@ -1551,7 +1564,7 @@
           <a:p>
             <a:fld id="{B97F036D-9AE2-49D4-B3CC-AAE352F5CB11}" type="datetimeFigureOut">
               <a:rPr lang="en-NL" smtClean="0"/>
-              <a:t>12/11/2021</a:t>
+              <a:t>15/11/2021</a:t>
             </a:fld>
             <a:endParaRPr lang="en-NL"/>
           </a:p>
@@ -1827,7 +1840,7 @@
           <a:p>
             <a:fld id="{B97F036D-9AE2-49D4-B3CC-AAE352F5CB11}" type="datetimeFigureOut">
               <a:rPr lang="en-NL" smtClean="0"/>
-              <a:t>12/11/2021</a:t>
+              <a:t>15/11/2021</a:t>
             </a:fld>
             <a:endParaRPr lang="en-NL"/>
           </a:p>
@@ -2095,7 +2108,7 @@
           <a:p>
             <a:fld id="{B97F036D-9AE2-49D4-B3CC-AAE352F5CB11}" type="datetimeFigureOut">
               <a:rPr lang="en-NL" smtClean="0"/>
-              <a:t>12/11/2021</a:t>
+              <a:t>15/11/2021</a:t>
             </a:fld>
             <a:endParaRPr lang="en-NL"/>
           </a:p>
@@ -2510,7 +2523,7 @@
           <a:p>
             <a:fld id="{B97F036D-9AE2-49D4-B3CC-AAE352F5CB11}" type="datetimeFigureOut">
               <a:rPr lang="en-NL" smtClean="0"/>
-              <a:t>12/11/2021</a:t>
+              <a:t>15/11/2021</a:t>
             </a:fld>
             <a:endParaRPr lang="en-NL"/>
           </a:p>
@@ -2652,7 +2665,7 @@
           <a:p>
             <a:fld id="{B97F036D-9AE2-49D4-B3CC-AAE352F5CB11}" type="datetimeFigureOut">
               <a:rPr lang="en-NL" smtClean="0"/>
-              <a:t>12/11/2021</a:t>
+              <a:t>15/11/2021</a:t>
             </a:fld>
             <a:endParaRPr lang="en-NL"/>
           </a:p>
@@ -2765,7 +2778,7 @@
           <a:p>
             <a:fld id="{B97F036D-9AE2-49D4-B3CC-AAE352F5CB11}" type="datetimeFigureOut">
               <a:rPr lang="en-NL" smtClean="0"/>
-              <a:t>12/11/2021</a:t>
+              <a:t>15/11/2021</a:t>
             </a:fld>
             <a:endParaRPr lang="en-NL"/>
           </a:p>
@@ -3078,7 +3091,7 @@
           <a:p>
             <a:fld id="{B97F036D-9AE2-49D4-B3CC-AAE352F5CB11}" type="datetimeFigureOut">
               <a:rPr lang="en-NL" smtClean="0"/>
-              <a:t>12/11/2021</a:t>
+              <a:t>15/11/2021</a:t>
             </a:fld>
             <a:endParaRPr lang="en-NL"/>
           </a:p>
@@ -3367,7 +3380,7 @@
           <a:p>
             <a:fld id="{B97F036D-9AE2-49D4-B3CC-AAE352F5CB11}" type="datetimeFigureOut">
               <a:rPr lang="en-NL" smtClean="0"/>
-              <a:t>12/11/2021</a:t>
+              <a:t>15/11/2021</a:t>
             </a:fld>
             <a:endParaRPr lang="en-NL"/>
           </a:p>
@@ -3610,7 +3623,7 @@
           <a:p>
             <a:fld id="{B97F036D-9AE2-49D4-B3CC-AAE352F5CB11}" type="datetimeFigureOut">
               <a:rPr lang="en-NL" smtClean="0"/>
-              <a:t>12/11/2021</a:t>
+              <a:t>15/11/2021</a:t>
             </a:fld>
             <a:endParaRPr lang="en-NL"/>
           </a:p>
@@ -4148,7 +4161,7 @@
           <p:cNvPr id="2" name="Title 1">
             <a:extLst>
               <a:ext uri="{FF2B5EF4-FFF2-40B4-BE49-F238E27FC236}">
-                <a16:creationId xmlns:a16="http://schemas.microsoft.com/office/drawing/2014/main" id="{CB81F083-E379-42EA-93C1-242C916398EE}"/>
+                <a16:creationId xmlns:a16="http://schemas.microsoft.com/office/drawing/2014/main" id="{24AE0252-5D9D-493B-AEF6-759AC50700B5}"/>
               </a:ext>
             </a:extLst>
           </p:cNvPr>
@@ -4165,62 +4178,1661 @@
           <a:lstStyle/>
           <a:p>
             <a:r>
-              <a:rPr lang="nl-NL" dirty="0"/>
-              <a:t>(</a:t>
-            </a:r>
-            <a:r>
-              <a:rPr lang="nl-NL" dirty="0" err="1"/>
-              <a:t>Deep</a:t>
-            </a:r>
-            <a:r>
-              <a:rPr lang="nl-NL" dirty="0"/>
-              <a:t>) </a:t>
-            </a:r>
-            <a:r>
-              <a:rPr lang="nl-NL" dirty="0" err="1"/>
-              <a:t>Neural</a:t>
-            </a:r>
-            <a:r>
-              <a:rPr lang="nl-NL" dirty="0"/>
-              <a:t> Networks</a:t>
+              <a:rPr lang="en-US" dirty="0"/>
+              <a:t>Gradient descent</a:t>
             </a:r>
             <a:endParaRPr lang="en-NL" dirty="0"/>
           </a:p>
         </p:txBody>
       </p:sp>
+      <mc:AlternateContent xmlns:mc="http://schemas.openxmlformats.org/markup-compatibility/2006" xmlns:a14="http://schemas.microsoft.com/office/drawing/2010/main">
+        <mc:Choice Requires="a14">
+          <p:sp>
+            <p:nvSpPr>
+              <p:cNvPr id="5" name="TextBox 4">
+                <a:extLst>
+                  <a:ext uri="{FF2B5EF4-FFF2-40B4-BE49-F238E27FC236}">
+                    <a16:creationId xmlns:a16="http://schemas.microsoft.com/office/drawing/2014/main" id="{A60B8D4B-FE9A-4A56-812B-BAD880D2710F}"/>
+                  </a:ext>
+                </a:extLst>
+              </p:cNvPr>
+              <p:cNvSpPr txBox="1"/>
+              <p:nvPr/>
+            </p:nvSpPr>
+            <p:spPr>
+              <a:xfrm>
+                <a:off x="674703" y="1690688"/>
+                <a:ext cx="4003089" cy="1496692"/>
+              </a:xfrm>
+              <a:prstGeom prst="rect">
+                <a:avLst/>
+              </a:prstGeom>
+              <a:noFill/>
+            </p:spPr>
+            <p:txBody>
+              <a:bodyPr wrap="square">
+                <a:spAutoFit/>
+              </a:bodyPr>
+              <a:lstStyle/>
+              <a:p>
+                <a:pPr/>
+                <a14:m>
+                  <m:oMathPara xmlns:m="http://schemas.openxmlformats.org/officeDocument/2006/math">
+                    <m:oMathParaPr>
+                      <m:jc m:val="centerGroup"/>
+                    </m:oMathParaPr>
+                    <m:oMath xmlns:m="http://schemas.openxmlformats.org/officeDocument/2006/math">
+                      <m:sSub>
+                        <m:sSubPr>
+                          <m:ctrlPr>
+                            <a:rPr lang="en-US" b="0" i="1" smtClean="0">
+                              <a:latin typeface="Cambria Math" panose="02040503050406030204" pitchFamily="18" charset="0"/>
+                            </a:rPr>
+                          </m:ctrlPr>
+                        </m:sSubPr>
+                        <m:e>
+                          <m:r>
+                            <a:rPr lang="en-US" b="0" i="1" smtClean="0">
+                              <a:latin typeface="Cambria Math" panose="02040503050406030204" pitchFamily="18" charset="0"/>
+                            </a:rPr>
+                            <m:t>𝜃</m:t>
+                          </m:r>
+                        </m:e>
+                        <m:sub>
+                          <m:r>
+                            <a:rPr lang="en-US" b="0" i="1" smtClean="0">
+                              <a:latin typeface="Cambria Math" panose="02040503050406030204" pitchFamily="18" charset="0"/>
+                            </a:rPr>
+                            <m:t>𝑖</m:t>
+                          </m:r>
+                        </m:sub>
+                      </m:sSub>
+                      <m:r>
+                        <a:rPr lang="en-US" b="0" i="1" smtClean="0">
+                          <a:latin typeface="Cambria Math" panose="02040503050406030204" pitchFamily="18" charset="0"/>
+                        </a:rPr>
+                        <m:t> ≔</m:t>
+                      </m:r>
+                      <m:sSub>
+                        <m:sSubPr>
+                          <m:ctrlPr>
+                            <a:rPr lang="en-US" b="0" i="1" smtClean="0">
+                              <a:latin typeface="Cambria Math" panose="02040503050406030204" pitchFamily="18" charset="0"/>
+                            </a:rPr>
+                          </m:ctrlPr>
+                        </m:sSubPr>
+                        <m:e>
+                          <m:r>
+                            <a:rPr lang="en-US" b="0" i="1" smtClean="0">
+                              <a:latin typeface="Cambria Math" panose="02040503050406030204" pitchFamily="18" charset="0"/>
+                            </a:rPr>
+                            <m:t>𝜃</m:t>
+                          </m:r>
+                        </m:e>
+                        <m:sub>
+                          <m:r>
+                            <a:rPr lang="en-US" b="0" i="1" smtClean="0">
+                              <a:latin typeface="Cambria Math" panose="02040503050406030204" pitchFamily="18" charset="0"/>
+                            </a:rPr>
+                            <m:t>𝑖</m:t>
+                          </m:r>
+                        </m:sub>
+                      </m:sSub>
+                      <m:r>
+                        <a:rPr lang="en-US" b="0" i="1" smtClean="0">
+                          <a:latin typeface="Cambria Math" panose="02040503050406030204" pitchFamily="18" charset="0"/>
+                        </a:rPr>
+                        <m:t>−</m:t>
+                      </m:r>
+                      <m:r>
+                        <a:rPr lang="en-US" b="0" i="1" smtClean="0">
+                          <a:latin typeface="Cambria Math" panose="02040503050406030204" pitchFamily="18" charset="0"/>
+                        </a:rPr>
+                        <m:t>𝛼</m:t>
+                      </m:r>
+                      <m:f>
+                        <m:fPr>
+                          <m:ctrlPr>
+                            <a:rPr lang="en-US" b="0" i="1" smtClean="0">
+                              <a:latin typeface="Cambria Math" panose="02040503050406030204" pitchFamily="18" charset="0"/>
+                            </a:rPr>
+                          </m:ctrlPr>
+                        </m:fPr>
+                        <m:num>
+                          <m:r>
+                            <a:rPr lang="en-US" b="0" i="1" smtClean="0">
+                              <a:latin typeface="Cambria Math" panose="02040503050406030204" pitchFamily="18" charset="0"/>
+                            </a:rPr>
+                            <m:t>𝜕</m:t>
+                          </m:r>
+                          <m:r>
+                            <a:rPr lang="en-US" b="0" i="1" smtClean="0">
+                              <a:latin typeface="Cambria Math" panose="02040503050406030204" pitchFamily="18" charset="0"/>
+                            </a:rPr>
+                            <m:t>𝐸</m:t>
+                          </m:r>
+                        </m:num>
+                        <m:den>
+                          <m:r>
+                            <a:rPr lang="en-US" b="0" i="1" smtClean="0">
+                              <a:latin typeface="Cambria Math" panose="02040503050406030204" pitchFamily="18" charset="0"/>
+                            </a:rPr>
+                            <m:t>𝜕𝜃</m:t>
+                          </m:r>
+                        </m:den>
+                      </m:f>
+                    </m:oMath>
+                  </m:oMathPara>
+                </a14:m>
+                <a:endParaRPr lang="en-US" b="0" dirty="0"/>
+              </a:p>
+              <a:p>
+                <a:endParaRPr lang="en-US" b="0" dirty="0"/>
+              </a:p>
+              <a:p>
+                <a:r>
+                  <a:rPr lang="en-US" dirty="0"/>
+                  <a:t>L is the loss function, e.g. MSE</a:t>
+                </a:r>
+              </a:p>
+              <a:p>
+                <a:r>
+                  <a:rPr lang="en-US" b="0" dirty="0"/>
+                  <a:t>W are the weights for </a:t>
+                </a:r>
+                <a:r>
+                  <a:rPr lang="en-US" dirty="0"/>
+                  <a:t>the inputs</a:t>
+                </a:r>
+                <a:endParaRPr lang="en-US" b="0" dirty="0"/>
+              </a:p>
+            </p:txBody>
+          </p:sp>
+        </mc:Choice>
+        <mc:Fallback xmlns="">
+          <p:sp>
+            <p:nvSpPr>
+              <p:cNvPr id="5" name="TextBox 4">
+                <a:extLst>
+                  <a:ext uri="{FF2B5EF4-FFF2-40B4-BE49-F238E27FC236}">
+                    <a16:creationId xmlns:a16="http://schemas.microsoft.com/office/drawing/2014/main" id="{A60B8D4B-FE9A-4A56-812B-BAD880D2710F}"/>
+                  </a:ext>
+                </a:extLst>
+              </p:cNvPr>
+              <p:cNvSpPr txBox="1">
+                <a:spLocks noRot="1" noChangeAspect="1" noMove="1" noResize="1" noEditPoints="1" noAdjustHandles="1" noChangeArrowheads="1" noChangeShapeType="1" noTextEdit="1"/>
+              </p:cNvSpPr>
+              <p:nvPr/>
+            </p:nvSpPr>
+            <p:spPr>
+              <a:xfrm>
+                <a:off x="674703" y="1690688"/>
+                <a:ext cx="4003089" cy="1496692"/>
+              </a:xfrm>
+              <a:prstGeom prst="rect">
+                <a:avLst/>
+              </a:prstGeom>
+              <a:blipFill>
+                <a:blip r:embed="rId2"/>
+                <a:stretch>
+                  <a:fillRect l="-1372" b="-2439"/>
+                </a:stretch>
+              </a:blipFill>
+            </p:spPr>
+            <p:txBody>
+              <a:bodyPr/>
+              <a:lstStyle/>
+              <a:p>
+                <a:r>
+                  <a:rPr lang="en-NL">
+                    <a:noFill/>
+                  </a:rPr>
+                  <a:t> </a:t>
+                </a:r>
+              </a:p>
+            </p:txBody>
+          </p:sp>
+        </mc:Fallback>
+      </mc:AlternateContent>
+      <mc:AlternateContent xmlns:mc="http://schemas.openxmlformats.org/markup-compatibility/2006" xmlns:a14="http://schemas.microsoft.com/office/drawing/2010/main">
+        <mc:Choice Requires="a14">
+          <p:sp>
+            <p:nvSpPr>
+              <p:cNvPr id="6" name="TextBox 5">
+                <a:extLst>
+                  <a:ext uri="{FF2B5EF4-FFF2-40B4-BE49-F238E27FC236}">
+                    <a16:creationId xmlns:a16="http://schemas.microsoft.com/office/drawing/2014/main" id="{F7E772E0-3491-4D5F-842F-4ED622AE46A4}"/>
+                  </a:ext>
+                </a:extLst>
+              </p:cNvPr>
+              <p:cNvSpPr txBox="1"/>
+              <p:nvPr/>
+            </p:nvSpPr>
+            <p:spPr>
+              <a:xfrm>
+                <a:off x="5113537" y="1690688"/>
+                <a:ext cx="1908699" cy="671209"/>
+              </a:xfrm>
+              <a:prstGeom prst="rect">
+                <a:avLst/>
+              </a:prstGeom>
+              <a:noFill/>
+            </p:spPr>
+            <p:txBody>
+              <a:bodyPr wrap="square" rtlCol="0">
+                <a:spAutoFit/>
+              </a:bodyPr>
+              <a:lstStyle/>
+              <a:p>
+                <a:pPr/>
+                <a14:m>
+                  <m:oMathPara xmlns:m="http://schemas.openxmlformats.org/officeDocument/2006/math">
+                    <m:oMathParaPr>
+                      <m:jc m:val="centerGroup"/>
+                    </m:oMathParaPr>
+                    <m:oMath xmlns:m="http://schemas.openxmlformats.org/officeDocument/2006/math">
+                      <m:sSub>
+                        <m:sSubPr>
+                          <m:ctrlPr>
+                            <a:rPr lang="en-US" b="0" i="1" smtClean="0">
+                              <a:latin typeface="Cambria Math" panose="02040503050406030204" pitchFamily="18" charset="0"/>
+                            </a:rPr>
+                          </m:ctrlPr>
+                        </m:sSubPr>
+                        <m:e>
+                          <m:r>
+                            <m:rPr>
+                              <m:sty m:val="p"/>
+                            </m:rPr>
+                            <a:rPr lang="en-US" b="0" i="0" smtClean="0">
+                              <a:latin typeface="Cambria Math" panose="02040503050406030204" pitchFamily="18" charset="0"/>
+                            </a:rPr>
+                            <m:t>∇</m:t>
+                          </m:r>
+                        </m:e>
+                        <m:sub>
+                          <m:r>
+                            <a:rPr lang="en-US" b="0" i="1" smtClean="0">
+                              <a:latin typeface="Cambria Math" panose="02040503050406030204" pitchFamily="18" charset="0"/>
+                            </a:rPr>
+                            <m:t>𝜃</m:t>
+                          </m:r>
+                        </m:sub>
+                      </m:sSub>
+                      <m:r>
+                        <a:rPr lang="en-US" b="0" i="1" smtClean="0">
+                          <a:latin typeface="Cambria Math" panose="02040503050406030204" pitchFamily="18" charset="0"/>
+                        </a:rPr>
+                        <m:t>𝐸</m:t>
+                      </m:r>
+                      <m:d>
+                        <m:dPr>
+                          <m:ctrlPr>
+                            <a:rPr lang="en-US" b="0" i="1" smtClean="0">
+                              <a:latin typeface="Cambria Math" panose="02040503050406030204" pitchFamily="18" charset="0"/>
+                            </a:rPr>
+                          </m:ctrlPr>
+                        </m:dPr>
+                        <m:e>
+                          <m:r>
+                            <a:rPr lang="en-US" b="0" i="1" smtClean="0">
+                              <a:latin typeface="Cambria Math" panose="02040503050406030204" pitchFamily="18" charset="0"/>
+                            </a:rPr>
+                            <m:t>𝜃</m:t>
+                          </m:r>
+                        </m:e>
+                      </m:d>
+                    </m:oMath>
+                  </m:oMathPara>
+                </a14:m>
+                <a:endParaRPr lang="en-US" b="0" dirty="0"/>
+              </a:p>
+              <a:p>
+                <a:r>
+                  <a:rPr lang="en-US" dirty="0"/>
+                  <a:t>(compact form)</a:t>
+                </a:r>
+                <a:endParaRPr lang="en-NL" dirty="0"/>
+              </a:p>
+            </p:txBody>
+          </p:sp>
+        </mc:Choice>
+        <mc:Fallback xmlns="">
+          <p:sp>
+            <p:nvSpPr>
+              <p:cNvPr id="6" name="TextBox 5">
+                <a:extLst>
+                  <a:ext uri="{FF2B5EF4-FFF2-40B4-BE49-F238E27FC236}">
+                    <a16:creationId xmlns:a16="http://schemas.microsoft.com/office/drawing/2014/main" id="{F7E772E0-3491-4D5F-842F-4ED622AE46A4}"/>
+                  </a:ext>
+                </a:extLst>
+              </p:cNvPr>
+              <p:cNvSpPr txBox="1">
+                <a:spLocks noRot="1" noChangeAspect="1" noMove="1" noResize="1" noEditPoints="1" noAdjustHandles="1" noChangeArrowheads="1" noChangeShapeType="1" noTextEdit="1"/>
+              </p:cNvSpPr>
+              <p:nvPr/>
+            </p:nvSpPr>
+            <p:spPr>
+              <a:xfrm>
+                <a:off x="5113537" y="1690688"/>
+                <a:ext cx="1908699" cy="671209"/>
+              </a:xfrm>
+              <a:prstGeom prst="rect">
+                <a:avLst/>
+              </a:prstGeom>
+              <a:blipFill>
+                <a:blip r:embed="rId3"/>
+                <a:stretch>
+                  <a:fillRect l="-2875" b="-10000"/>
+                </a:stretch>
+              </a:blipFill>
+            </p:spPr>
+            <p:txBody>
+              <a:bodyPr/>
+              <a:lstStyle/>
+              <a:p>
+                <a:r>
+                  <a:rPr lang="en-NL">
+                    <a:noFill/>
+                  </a:rPr>
+                  <a:t> </a:t>
+                </a:r>
+              </a:p>
+            </p:txBody>
+          </p:sp>
+        </mc:Fallback>
+      </mc:AlternateContent>
+      <p:cxnSp>
+        <p:nvCxnSpPr>
+          <p:cNvPr id="8" name="Straight Arrow Connector 7">
+            <a:extLst>
+              <a:ext uri="{FF2B5EF4-FFF2-40B4-BE49-F238E27FC236}">
+                <a16:creationId xmlns:a16="http://schemas.microsoft.com/office/drawing/2014/main" id="{C2D8882B-ED43-4B0C-A211-8C4CF97C5351}"/>
+              </a:ext>
+            </a:extLst>
+          </p:cNvPr>
+          <p:cNvCxnSpPr>
+            <a:cxnSpLocks/>
+            <a:stCxn id="6" idx="1"/>
+          </p:cNvCxnSpPr>
+          <p:nvPr/>
+        </p:nvCxnSpPr>
+        <p:spPr>
+          <a:xfrm flipH="1">
+            <a:off x="3622091" y="2026293"/>
+            <a:ext cx="1491446" cy="33728"/>
+          </a:xfrm>
+          <a:prstGeom prst="straightConnector1">
+            <a:avLst/>
+          </a:prstGeom>
+          <a:ln>
+            <a:tailEnd type="triangle"/>
+          </a:ln>
+        </p:spPr>
+        <p:style>
+          <a:lnRef idx="1">
+            <a:schemeClr val="accent1"/>
+          </a:lnRef>
+          <a:fillRef idx="0">
+            <a:schemeClr val="accent1"/>
+          </a:fillRef>
+          <a:effectRef idx="0">
+            <a:schemeClr val="accent1"/>
+          </a:effectRef>
+          <a:fontRef idx="minor">
+            <a:schemeClr val="tx1"/>
+          </a:fontRef>
+        </p:style>
+      </p:cxnSp>
       <p:sp>
         <p:nvSpPr>
-          <p:cNvPr id="3" name="Content Placeholder 2">
-            <a:extLst>
-              <a:ext uri="{FF2B5EF4-FFF2-40B4-BE49-F238E27FC236}">
-                <a16:creationId xmlns:a16="http://schemas.microsoft.com/office/drawing/2014/main" id="{289E854E-692E-4FBE-826F-4DACDC1A6D5F}"/>
-              </a:ext>
-            </a:extLst>
-          </p:cNvPr>
-          <p:cNvSpPr>
-            <a:spLocks noGrp="1"/>
-          </p:cNvSpPr>
-          <p:nvPr>
-            <p:ph idx="1"/>
-          </p:nvPr>
+          <p:cNvPr id="12" name="Rectangle 11">
+            <a:extLst>
+              <a:ext uri="{FF2B5EF4-FFF2-40B4-BE49-F238E27FC236}">
+                <a16:creationId xmlns:a16="http://schemas.microsoft.com/office/drawing/2014/main" id="{B50D37E7-0594-4EEF-8E3D-176575F7BB07}"/>
+              </a:ext>
+            </a:extLst>
+          </p:cNvPr>
+          <p:cNvSpPr/>
+          <p:nvPr/>
         </p:nvSpPr>
-        <p:spPr/>
+        <p:spPr>
+          <a:xfrm>
+            <a:off x="3089429" y="1690688"/>
+            <a:ext cx="408373" cy="646331"/>
+          </a:xfrm>
+          <a:prstGeom prst="rect">
+            <a:avLst/>
+          </a:prstGeom>
+          <a:noFill/>
+        </p:spPr>
+        <p:style>
+          <a:lnRef idx="2">
+            <a:schemeClr val="accent1">
+              <a:shade val="50000"/>
+            </a:schemeClr>
+          </a:lnRef>
+          <a:fillRef idx="1">
+            <a:schemeClr val="accent1"/>
+          </a:fillRef>
+          <a:effectRef idx="0">
+            <a:schemeClr val="accent1"/>
+          </a:effectRef>
+          <a:fontRef idx="minor">
+            <a:schemeClr val="lt1"/>
+          </a:fontRef>
+        </p:style>
         <p:txBody>
-          <a:bodyPr/>
+          <a:bodyPr rtlCol="0" anchor="ctr"/>
           <a:lstStyle/>
           <a:p>
-            <a:r>
-              <a:rPr lang="nl-NL" dirty="0"/>
-              <a:t>https://stats.stackexchange.com/questions/315402/multi-layer-perceptron-vs-deep-neural-network</a:t>
-            </a:r>
-            <a:endParaRPr lang="en-NL" dirty="0"/>
+            <a:pPr algn="ctr"/>
+            <a:endParaRPr lang="en-NL"/>
           </a:p>
         </p:txBody>
       </p:sp>
+      <mc:AlternateContent xmlns:mc="http://schemas.openxmlformats.org/markup-compatibility/2006" xmlns:a14="http://schemas.microsoft.com/office/drawing/2010/main">
+        <mc:Choice Requires="a14">
+          <p:sp>
+            <p:nvSpPr>
+              <p:cNvPr id="14" name="TextBox 13">
+                <a:extLst>
+                  <a:ext uri="{FF2B5EF4-FFF2-40B4-BE49-F238E27FC236}">
+                    <a16:creationId xmlns:a16="http://schemas.microsoft.com/office/drawing/2014/main" id="{341C0BAE-8EF1-4B30-B59C-38F2D7187A0D}"/>
+                  </a:ext>
+                </a:extLst>
+              </p:cNvPr>
+              <p:cNvSpPr txBox="1"/>
+              <p:nvPr/>
+            </p:nvSpPr>
+            <p:spPr>
+              <a:xfrm>
+                <a:off x="838199" y="3429000"/>
+                <a:ext cx="7151703" cy="2979662"/>
+              </a:xfrm>
+              <a:prstGeom prst="rect">
+                <a:avLst/>
+              </a:prstGeom>
+              <a:noFill/>
+            </p:spPr>
+            <p:txBody>
+              <a:bodyPr wrap="square">
+                <a:spAutoFit/>
+              </a:bodyPr>
+              <a:lstStyle/>
+              <a:p>
+                <a:pPr/>
+                <a14:m>
+                  <m:oMathPara xmlns:m="http://schemas.openxmlformats.org/officeDocument/2006/math">
+                    <m:oMathParaPr>
+                      <m:jc m:val="centerGroup"/>
+                    </m:oMathParaPr>
+                    <m:oMath xmlns:m="http://schemas.openxmlformats.org/officeDocument/2006/math">
+                      <m:r>
+                        <a:rPr lang="en-US" sz="2400" b="0" i="1" smtClean="0">
+                          <a:latin typeface="Cambria Math" panose="02040503050406030204" pitchFamily="18" charset="0"/>
+                        </a:rPr>
+                        <m:t>𝐸</m:t>
+                      </m:r>
+                      <m:d>
+                        <m:dPr>
+                          <m:ctrlPr>
+                            <a:rPr lang="en-US" sz="2400" b="0" i="1" smtClean="0">
+                              <a:latin typeface="Cambria Math" panose="02040503050406030204" pitchFamily="18" charset="0"/>
+                            </a:rPr>
+                          </m:ctrlPr>
+                        </m:dPr>
+                        <m:e>
+                          <m:r>
+                            <a:rPr lang="en-US" sz="2400" b="0" i="1" smtClean="0">
+                              <a:latin typeface="Cambria Math" panose="02040503050406030204" pitchFamily="18" charset="0"/>
+                            </a:rPr>
+                            <m:t>𝑤</m:t>
+                          </m:r>
+                        </m:e>
+                      </m:d>
+                      <m:r>
+                        <a:rPr lang="en-US" sz="2400" b="0" i="1" smtClean="0">
+                          <a:latin typeface="Cambria Math" panose="02040503050406030204" pitchFamily="18" charset="0"/>
+                        </a:rPr>
+                        <m:t>=</m:t>
+                      </m:r>
+                      <m:f>
+                        <m:fPr>
+                          <m:ctrlPr>
+                            <a:rPr lang="en-US" sz="2400" b="0" i="1" smtClean="0">
+                              <a:latin typeface="Cambria Math" panose="02040503050406030204" pitchFamily="18" charset="0"/>
+                            </a:rPr>
+                          </m:ctrlPr>
+                        </m:fPr>
+                        <m:num>
+                          <m:r>
+                            <a:rPr lang="en-US" sz="2400" b="0" i="1" smtClean="0">
+                              <a:latin typeface="Cambria Math" panose="02040503050406030204" pitchFamily="18" charset="0"/>
+                            </a:rPr>
+                            <m:t>1</m:t>
+                          </m:r>
+                        </m:num>
+                        <m:den>
+                          <m:r>
+                            <a:rPr lang="en-US" sz="2400" b="0" i="1" smtClean="0">
+                              <a:latin typeface="Cambria Math" panose="02040503050406030204" pitchFamily="18" charset="0"/>
+                            </a:rPr>
+                            <m:t>𝑛</m:t>
+                          </m:r>
+                        </m:den>
+                      </m:f>
+                      <m:r>
+                        <a:rPr lang="en-US" sz="2400" b="0" i="1" smtClean="0">
+                          <a:latin typeface="Cambria Math" panose="02040503050406030204" pitchFamily="18" charset="0"/>
+                        </a:rPr>
+                        <m:t>∑</m:t>
+                      </m:r>
+                      <m:sSup>
+                        <m:sSupPr>
+                          <m:ctrlPr>
+                            <a:rPr lang="en-US" sz="2400" b="0" i="1" smtClean="0">
+                              <a:latin typeface="Cambria Math" panose="02040503050406030204" pitchFamily="18" charset="0"/>
+                            </a:rPr>
+                          </m:ctrlPr>
+                        </m:sSupPr>
+                        <m:e>
+                          <m:d>
+                            <m:dPr>
+                              <m:ctrlPr>
+                                <a:rPr lang="en-US" sz="2400" b="0" i="1" smtClean="0">
+                                  <a:latin typeface="Cambria Math" panose="02040503050406030204" pitchFamily="18" charset="0"/>
+                                </a:rPr>
+                              </m:ctrlPr>
+                            </m:dPr>
+                            <m:e>
+                              <m:d>
+                                <m:dPr>
+                                  <m:ctrlPr>
+                                    <a:rPr lang="en-US" sz="2400" b="0" i="1" smtClean="0">
+                                      <a:latin typeface="Cambria Math" panose="02040503050406030204" pitchFamily="18" charset="0"/>
+                                    </a:rPr>
+                                  </m:ctrlPr>
+                                </m:dPr>
+                                <m:e>
+                                  <m:sSup>
+                                    <m:sSupPr>
+                                      <m:ctrlPr>
+                                        <a:rPr lang="en-US" sz="2400" i="1">
+                                          <a:latin typeface="Cambria Math" panose="02040503050406030204" pitchFamily="18" charset="0"/>
+                                        </a:rPr>
+                                      </m:ctrlPr>
+                                    </m:sSupPr>
+                                    <m:e>
+                                      <m:r>
+                                        <a:rPr lang="en-US" sz="2400" i="1">
+                                          <a:latin typeface="Cambria Math" panose="02040503050406030204" pitchFamily="18" charset="0"/>
+                                        </a:rPr>
+                                        <m:t>𝑤</m:t>
+                                      </m:r>
+                                    </m:e>
+                                    <m:sup>
+                                      <m:r>
+                                        <a:rPr lang="en-US" sz="2400" i="1">
+                                          <a:latin typeface="Cambria Math" panose="02040503050406030204" pitchFamily="18" charset="0"/>
+                                        </a:rPr>
+                                        <m:t>𝑇</m:t>
+                                      </m:r>
+                                    </m:sup>
+                                  </m:sSup>
+                                  <m:r>
+                                    <a:rPr lang="en-US" sz="2400" i="1">
+                                      <a:latin typeface="Cambria Math" panose="02040503050406030204" pitchFamily="18" charset="0"/>
+                                    </a:rPr>
+                                    <m:t>𝑥</m:t>
+                                  </m:r>
+                                </m:e>
+                              </m:d>
+                              <m:r>
+                                <a:rPr lang="en-US" sz="2400" i="1">
+                                  <a:latin typeface="Cambria Math" panose="02040503050406030204" pitchFamily="18" charset="0"/>
+                                </a:rPr>
+                                <m:t>−</m:t>
+                              </m:r>
+                              <m:r>
+                                <a:rPr lang="en-US" sz="2400" i="1">
+                                  <a:latin typeface="Cambria Math" panose="02040503050406030204" pitchFamily="18" charset="0"/>
+                                </a:rPr>
+                                <m:t>𝑡</m:t>
+                              </m:r>
+                            </m:e>
+                          </m:d>
+                        </m:e>
+                        <m:sup>
+                          <m:r>
+                            <a:rPr lang="en-US" sz="2400" b="0" i="1" smtClean="0">
+                              <a:latin typeface="Cambria Math" panose="02040503050406030204" pitchFamily="18" charset="0"/>
+                            </a:rPr>
+                            <m:t>2</m:t>
+                          </m:r>
+                        </m:sup>
+                      </m:sSup>
+                      <m:r>
+                        <a:rPr lang="en-US" sz="2400" b="0" i="1" smtClean="0">
+                          <a:latin typeface="Cambria Math" panose="02040503050406030204" pitchFamily="18" charset="0"/>
+                        </a:rPr>
+                        <m:t>)</m:t>
+                      </m:r>
+                    </m:oMath>
+                  </m:oMathPara>
+                </a14:m>
+                <a:endParaRPr lang="en-US" sz="2400" b="0" i="1" dirty="0">
+                  <a:latin typeface="Cambria Math" panose="02040503050406030204" pitchFamily="18" charset="0"/>
+                </a:endParaRPr>
+              </a:p>
+              <a:p>
+                <a:pPr/>
+                <a14:m>
+                  <m:oMathPara xmlns:m="http://schemas.openxmlformats.org/officeDocument/2006/math">
+                    <m:oMathParaPr>
+                      <m:jc m:val="centerGroup"/>
+                    </m:oMathParaPr>
+                    <m:oMath xmlns:m="http://schemas.openxmlformats.org/officeDocument/2006/math">
+                      <m:r>
+                        <a:rPr lang="en-US" b="0" i="1" smtClean="0">
+                          <a:latin typeface="Cambria Math" panose="02040503050406030204" pitchFamily="18" charset="0"/>
+                        </a:rPr>
+                        <m:t> </m:t>
+                      </m:r>
+                    </m:oMath>
+                  </m:oMathPara>
+                </a14:m>
+                <a:endParaRPr lang="en-US" b="0" dirty="0"/>
+              </a:p>
+              <a:p>
+                <a:r>
+                  <a:rPr lang="en-US" sz="2400" b="0" dirty="0"/>
+                  <a:t>		</a:t>
+                </a:r>
+                <a14:m>
+                  <m:oMath xmlns:m="http://schemas.openxmlformats.org/officeDocument/2006/math">
+                    <m:f>
+                      <m:fPr>
+                        <m:ctrlPr>
+                          <a:rPr lang="en-US" sz="2400" b="0" i="1" smtClean="0">
+                            <a:latin typeface="Cambria Math" panose="02040503050406030204" pitchFamily="18" charset="0"/>
+                          </a:rPr>
+                        </m:ctrlPr>
+                      </m:fPr>
+                      <m:num>
+                        <m:r>
+                          <a:rPr lang="en-US" sz="2400" b="0" i="1" smtClean="0">
+                            <a:latin typeface="Cambria Math" panose="02040503050406030204" pitchFamily="18" charset="0"/>
+                          </a:rPr>
+                          <m:t>𝜕</m:t>
+                        </m:r>
+                        <m:r>
+                          <a:rPr lang="en-US" sz="2400" b="0" i="1" smtClean="0">
+                            <a:latin typeface="Cambria Math" panose="02040503050406030204" pitchFamily="18" charset="0"/>
+                          </a:rPr>
+                          <m:t>𝐸</m:t>
+                        </m:r>
+                      </m:num>
+                      <m:den>
+                        <m:r>
+                          <a:rPr lang="en-US" sz="2400" b="0" i="1" smtClean="0">
+                            <a:latin typeface="Cambria Math" panose="02040503050406030204" pitchFamily="18" charset="0"/>
+                          </a:rPr>
+                          <m:t>𝜕</m:t>
+                        </m:r>
+                        <m:sSub>
+                          <m:sSubPr>
+                            <m:ctrlPr>
+                              <a:rPr lang="en-US" sz="2400" b="0" i="1" smtClean="0">
+                                <a:latin typeface="Cambria Math" panose="02040503050406030204" pitchFamily="18" charset="0"/>
+                              </a:rPr>
+                            </m:ctrlPr>
+                          </m:sSubPr>
+                          <m:e>
+                            <m:r>
+                              <a:rPr lang="en-US" sz="2400" b="0" i="1" smtClean="0">
+                                <a:latin typeface="Cambria Math" panose="02040503050406030204" pitchFamily="18" charset="0"/>
+                              </a:rPr>
+                              <m:t>𝑤</m:t>
+                            </m:r>
+                          </m:e>
+                          <m:sub>
+                            <m:r>
+                              <a:rPr lang="en-US" sz="2400" b="0" i="1" smtClean="0">
+                                <a:latin typeface="Cambria Math" panose="02040503050406030204" pitchFamily="18" charset="0"/>
+                              </a:rPr>
+                              <m:t>0</m:t>
+                            </m:r>
+                          </m:sub>
+                        </m:sSub>
+                      </m:den>
+                    </m:f>
+                    <m:r>
+                      <a:rPr lang="en-US" sz="2400" b="0" i="0" smtClean="0">
+                        <a:latin typeface="Cambria Math" panose="02040503050406030204" pitchFamily="18" charset="0"/>
+                      </a:rPr>
+                      <m:t>=</m:t>
+                    </m:r>
+                    <m:f>
+                      <m:fPr>
+                        <m:ctrlPr>
+                          <a:rPr lang="en-US" sz="2400" b="0" i="1" smtClean="0">
+                            <a:latin typeface="Cambria Math" panose="02040503050406030204" pitchFamily="18" charset="0"/>
+                          </a:rPr>
+                        </m:ctrlPr>
+                      </m:fPr>
+                      <m:num>
+                        <m:r>
+                          <a:rPr lang="en-US" sz="2400" b="0" i="0" smtClean="0">
+                            <a:latin typeface="Cambria Math" panose="02040503050406030204" pitchFamily="18" charset="0"/>
+                          </a:rPr>
+                          <m:t>2</m:t>
+                        </m:r>
+                      </m:num>
+                      <m:den>
+                        <m:r>
+                          <m:rPr>
+                            <m:sty m:val="p"/>
+                          </m:rPr>
+                          <a:rPr lang="en-US" sz="2400" b="0" i="0" smtClean="0">
+                            <a:latin typeface="Cambria Math" panose="02040503050406030204" pitchFamily="18" charset="0"/>
+                          </a:rPr>
+                          <m:t>n</m:t>
+                        </m:r>
+                      </m:den>
+                    </m:f>
+                    <m:r>
+                      <a:rPr lang="en-US" sz="2400" b="0" i="0" smtClean="0">
+                        <a:latin typeface="Cambria Math" panose="02040503050406030204" pitchFamily="18" charset="0"/>
+                      </a:rPr>
+                      <m:t>∗</m:t>
+                    </m:r>
+                    <m:sSup>
+                      <m:sSupPr>
+                        <m:ctrlPr>
+                          <a:rPr lang="en-US" sz="2400" b="0" i="1" smtClean="0">
+                            <a:latin typeface="Cambria Math" panose="02040503050406030204" pitchFamily="18" charset="0"/>
+                          </a:rPr>
+                        </m:ctrlPr>
+                      </m:sSupPr>
+                      <m:e>
+                        <m:r>
+                          <a:rPr lang="en-US" sz="2400" b="0" i="0" smtClean="0">
+                            <a:latin typeface="Cambria Math" panose="02040503050406030204" pitchFamily="18" charset="0"/>
+                          </a:rPr>
+                          <m:t>(</m:t>
+                        </m:r>
+                        <m:r>
+                          <m:rPr>
+                            <m:sty m:val="p"/>
+                          </m:rPr>
+                          <a:rPr lang="en-US" sz="2400" b="0" i="0" smtClean="0">
+                            <a:latin typeface="Cambria Math" panose="02040503050406030204" pitchFamily="18" charset="0"/>
+                          </a:rPr>
+                          <m:t>w</m:t>
+                        </m:r>
+                      </m:e>
+                      <m:sup>
+                        <m:r>
+                          <m:rPr>
+                            <m:sty m:val="p"/>
+                          </m:rPr>
+                          <a:rPr lang="en-US" sz="2400" b="0" i="0" smtClean="0">
+                            <a:latin typeface="Cambria Math" panose="02040503050406030204" pitchFamily="18" charset="0"/>
+                          </a:rPr>
+                          <m:t>T</m:t>
+                        </m:r>
+                      </m:sup>
+                    </m:sSup>
+                    <m:r>
+                      <m:rPr>
+                        <m:sty m:val="p"/>
+                      </m:rPr>
+                      <a:rPr lang="en-US" sz="2400" b="0" i="0" smtClean="0">
+                        <a:latin typeface="Cambria Math" panose="02040503050406030204" pitchFamily="18" charset="0"/>
+                      </a:rPr>
+                      <m:t>x</m:t>
+                    </m:r>
+                    <m:r>
+                      <a:rPr lang="en-US" sz="2400" b="0" i="0" smtClean="0">
+                        <a:latin typeface="Cambria Math" panose="02040503050406030204" pitchFamily="18" charset="0"/>
+                      </a:rPr>
+                      <m:t> −</m:t>
+                    </m:r>
+                    <m:r>
+                      <m:rPr>
+                        <m:sty m:val="p"/>
+                      </m:rPr>
+                      <a:rPr lang="en-US" sz="2400" b="0" i="0" smtClean="0">
+                        <a:latin typeface="Cambria Math" panose="02040503050406030204" pitchFamily="18" charset="0"/>
+                      </a:rPr>
+                      <m:t>t</m:t>
+                    </m:r>
+                    <m:r>
+                      <a:rPr lang="en-US" sz="2400" b="0" i="0" smtClean="0">
+                        <a:latin typeface="Cambria Math" panose="02040503050406030204" pitchFamily="18" charset="0"/>
+                      </a:rPr>
+                      <m:t>) ∗1</m:t>
+                    </m:r>
+                  </m:oMath>
+                </a14:m>
+                <a:endParaRPr lang="en-US" sz="2400" b="0" dirty="0"/>
+              </a:p>
+              <a:p>
+                <a:pPr/>
+                <a14:m>
+                  <m:oMathPara xmlns:m="http://schemas.openxmlformats.org/officeDocument/2006/math">
+                    <m:oMathParaPr>
+                      <m:jc m:val="centerGroup"/>
+                    </m:oMathParaPr>
+                    <m:oMath xmlns:m="http://schemas.openxmlformats.org/officeDocument/2006/math">
+                      <m:r>
+                        <a:rPr lang="en-US" sz="2400" b="0" i="1" smtClean="0">
+                          <a:latin typeface="Cambria Math" panose="02040503050406030204" pitchFamily="18" charset="0"/>
+                        </a:rPr>
+                        <m:t> </m:t>
+                      </m:r>
+                    </m:oMath>
+                  </m:oMathPara>
+                </a14:m>
+                <a:endParaRPr lang="en-US" sz="2400" b="0" dirty="0"/>
+              </a:p>
+              <a:p>
+                <a:r>
+                  <a:rPr lang="en-US" sz="2400" b="0" dirty="0"/>
+                  <a:t>		</a:t>
+                </a:r>
+                <a14:m>
+                  <m:oMath xmlns:m="http://schemas.openxmlformats.org/officeDocument/2006/math">
+                    <m:f>
+                      <m:fPr>
+                        <m:ctrlPr>
+                          <a:rPr lang="en-US" sz="2400" b="0" i="1" smtClean="0">
+                            <a:latin typeface="Cambria Math" panose="02040503050406030204" pitchFamily="18" charset="0"/>
+                          </a:rPr>
+                        </m:ctrlPr>
+                      </m:fPr>
+                      <m:num>
+                        <m:r>
+                          <a:rPr lang="en-US" sz="2400" b="0" i="1" smtClean="0">
+                            <a:latin typeface="Cambria Math" panose="02040503050406030204" pitchFamily="18" charset="0"/>
+                          </a:rPr>
+                          <m:t>𝜕</m:t>
+                        </m:r>
+                        <m:r>
+                          <a:rPr lang="en-US" sz="2400" b="0" i="1" smtClean="0">
+                            <a:latin typeface="Cambria Math" panose="02040503050406030204" pitchFamily="18" charset="0"/>
+                          </a:rPr>
+                          <m:t>𝐸</m:t>
+                        </m:r>
+                      </m:num>
+                      <m:den>
+                        <m:r>
+                          <a:rPr lang="en-US" sz="2400" b="0" i="1" smtClean="0">
+                            <a:latin typeface="Cambria Math" panose="02040503050406030204" pitchFamily="18" charset="0"/>
+                          </a:rPr>
+                          <m:t>𝜕</m:t>
+                        </m:r>
+                        <m:sSub>
+                          <m:sSubPr>
+                            <m:ctrlPr>
+                              <a:rPr lang="en-US" sz="2400" b="0" i="1" smtClean="0">
+                                <a:latin typeface="Cambria Math" panose="02040503050406030204" pitchFamily="18" charset="0"/>
+                              </a:rPr>
+                            </m:ctrlPr>
+                          </m:sSubPr>
+                          <m:e>
+                            <m:r>
+                              <a:rPr lang="en-US" sz="2400" b="0" i="1" smtClean="0">
+                                <a:latin typeface="Cambria Math" panose="02040503050406030204" pitchFamily="18" charset="0"/>
+                              </a:rPr>
+                              <m:t>𝑤</m:t>
+                            </m:r>
+                          </m:e>
+                          <m:sub>
+                            <m:r>
+                              <a:rPr lang="en-US" sz="2400" b="0" i="1" smtClean="0">
+                                <a:latin typeface="Cambria Math" panose="02040503050406030204" pitchFamily="18" charset="0"/>
+                              </a:rPr>
+                              <m:t>1</m:t>
+                            </m:r>
+                          </m:sub>
+                        </m:sSub>
+                      </m:den>
+                    </m:f>
+                    <m:r>
+                      <a:rPr lang="en-US" sz="2400" b="0" i="0" smtClean="0">
+                        <a:latin typeface="Cambria Math" panose="02040503050406030204" pitchFamily="18" charset="0"/>
+                      </a:rPr>
+                      <m:t>=</m:t>
+                    </m:r>
+                    <m:f>
+                      <m:fPr>
+                        <m:ctrlPr>
+                          <a:rPr lang="en-US" sz="2400" b="0" i="1" smtClean="0">
+                            <a:latin typeface="Cambria Math" panose="02040503050406030204" pitchFamily="18" charset="0"/>
+                          </a:rPr>
+                        </m:ctrlPr>
+                      </m:fPr>
+                      <m:num>
+                        <m:r>
+                          <a:rPr lang="en-US" sz="2400" b="0" i="0" smtClean="0">
+                            <a:latin typeface="Cambria Math" panose="02040503050406030204" pitchFamily="18" charset="0"/>
+                          </a:rPr>
+                          <m:t>2</m:t>
+                        </m:r>
+                      </m:num>
+                      <m:den>
+                        <m:r>
+                          <m:rPr>
+                            <m:sty m:val="p"/>
+                          </m:rPr>
+                          <a:rPr lang="en-US" sz="2400" b="0" i="0" smtClean="0">
+                            <a:latin typeface="Cambria Math" panose="02040503050406030204" pitchFamily="18" charset="0"/>
+                          </a:rPr>
+                          <m:t>n</m:t>
+                        </m:r>
+                      </m:den>
+                    </m:f>
+                    <m:r>
+                      <a:rPr lang="en-US" sz="2400" b="0" i="0" smtClean="0">
+                        <a:latin typeface="Cambria Math" panose="02040503050406030204" pitchFamily="18" charset="0"/>
+                      </a:rPr>
+                      <m:t>∗</m:t>
+                    </m:r>
+                    <m:sSup>
+                      <m:sSupPr>
+                        <m:ctrlPr>
+                          <a:rPr lang="en-US" sz="2400" b="0" i="1" smtClean="0">
+                            <a:latin typeface="Cambria Math" panose="02040503050406030204" pitchFamily="18" charset="0"/>
+                          </a:rPr>
+                        </m:ctrlPr>
+                      </m:sSupPr>
+                      <m:e>
+                        <m:r>
+                          <a:rPr lang="en-US" sz="2400" b="0" i="0" smtClean="0">
+                            <a:latin typeface="Cambria Math" panose="02040503050406030204" pitchFamily="18" charset="0"/>
+                          </a:rPr>
+                          <m:t>(</m:t>
+                        </m:r>
+                        <m:r>
+                          <m:rPr>
+                            <m:sty m:val="p"/>
+                          </m:rPr>
+                          <a:rPr lang="en-US" sz="2400" b="0" i="0" smtClean="0">
+                            <a:latin typeface="Cambria Math" panose="02040503050406030204" pitchFamily="18" charset="0"/>
+                          </a:rPr>
+                          <m:t>w</m:t>
+                        </m:r>
+                      </m:e>
+                      <m:sup>
+                        <m:r>
+                          <m:rPr>
+                            <m:sty m:val="p"/>
+                          </m:rPr>
+                          <a:rPr lang="en-US" sz="2400" b="0" i="0" smtClean="0">
+                            <a:latin typeface="Cambria Math" panose="02040503050406030204" pitchFamily="18" charset="0"/>
+                          </a:rPr>
+                          <m:t>T</m:t>
+                        </m:r>
+                      </m:sup>
+                    </m:sSup>
+                    <m:r>
+                      <m:rPr>
+                        <m:sty m:val="p"/>
+                      </m:rPr>
+                      <a:rPr lang="en-US" sz="2400" b="0" i="0" smtClean="0">
+                        <a:latin typeface="Cambria Math" panose="02040503050406030204" pitchFamily="18" charset="0"/>
+                      </a:rPr>
+                      <m:t>x</m:t>
+                    </m:r>
+                    <m:r>
+                      <a:rPr lang="en-US" sz="2400" b="0" i="0" smtClean="0">
+                        <a:latin typeface="Cambria Math" panose="02040503050406030204" pitchFamily="18" charset="0"/>
+                      </a:rPr>
+                      <m:t> −</m:t>
+                    </m:r>
+                    <m:r>
+                      <m:rPr>
+                        <m:sty m:val="p"/>
+                      </m:rPr>
+                      <a:rPr lang="en-US" sz="2400" b="0" i="0" smtClean="0">
+                        <a:latin typeface="Cambria Math" panose="02040503050406030204" pitchFamily="18" charset="0"/>
+                      </a:rPr>
+                      <m:t>t</m:t>
+                    </m:r>
+                    <m:r>
+                      <a:rPr lang="en-US" sz="2400" b="0" i="0" smtClean="0">
+                        <a:latin typeface="Cambria Math" panose="02040503050406030204" pitchFamily="18" charset="0"/>
+                      </a:rPr>
+                      <m:t>)∗</m:t>
+                    </m:r>
+                    <m:sSub>
+                      <m:sSubPr>
+                        <m:ctrlPr>
+                          <a:rPr lang="en-US" sz="2400" i="1">
+                            <a:latin typeface="Cambria Math" panose="02040503050406030204" pitchFamily="18" charset="0"/>
+                          </a:rPr>
+                        </m:ctrlPr>
+                      </m:sSubPr>
+                      <m:e>
+                        <m:r>
+                          <m:rPr>
+                            <m:sty m:val="p"/>
+                          </m:rPr>
+                          <a:rPr lang="en-US" sz="2400">
+                            <a:latin typeface="Cambria Math" panose="02040503050406030204" pitchFamily="18" charset="0"/>
+                          </a:rPr>
+                          <m:t>x</m:t>
+                        </m:r>
+                      </m:e>
+                      <m:sub>
+                        <m:r>
+                          <a:rPr lang="en-US" sz="2400" b="0" i="1" smtClean="0">
+                            <a:latin typeface="Cambria Math" panose="02040503050406030204" pitchFamily="18" charset="0"/>
+                          </a:rPr>
+                          <m:t>1</m:t>
+                        </m:r>
+                      </m:sub>
+                    </m:sSub>
+                  </m:oMath>
+                </a14:m>
+                <a:endParaRPr lang="en-US" sz="2400" dirty="0"/>
+              </a:p>
+              <a:p>
+                <a:r>
+                  <a:rPr lang="en-US" sz="2400" b="0" dirty="0"/>
+                  <a:t>…</a:t>
+                </a:r>
+              </a:p>
+            </p:txBody>
+          </p:sp>
+        </mc:Choice>
+        <mc:Fallback xmlns="">
+          <p:sp>
+            <p:nvSpPr>
+              <p:cNvPr id="14" name="TextBox 13">
+                <a:extLst>
+                  <a:ext uri="{FF2B5EF4-FFF2-40B4-BE49-F238E27FC236}">
+                    <a16:creationId xmlns:a16="http://schemas.microsoft.com/office/drawing/2014/main" id="{341C0BAE-8EF1-4B30-B59C-38F2D7187A0D}"/>
+                  </a:ext>
+                </a:extLst>
+              </p:cNvPr>
+              <p:cNvSpPr txBox="1">
+                <a:spLocks noRot="1" noChangeAspect="1" noMove="1" noResize="1" noEditPoints="1" noAdjustHandles="1" noChangeArrowheads="1" noChangeShapeType="1" noTextEdit="1"/>
+              </p:cNvSpPr>
+              <p:nvPr/>
+            </p:nvSpPr>
+            <p:spPr>
+              <a:xfrm>
+                <a:off x="838199" y="3429000"/>
+                <a:ext cx="7151703" cy="2979662"/>
+              </a:xfrm>
+              <a:prstGeom prst="rect">
+                <a:avLst/>
+              </a:prstGeom>
+              <a:blipFill>
+                <a:blip r:embed="rId4"/>
+                <a:stretch>
+                  <a:fillRect l="-1278" b="-3689"/>
+                </a:stretch>
+              </a:blipFill>
+            </p:spPr>
+            <p:txBody>
+              <a:bodyPr/>
+              <a:lstStyle/>
+              <a:p>
+                <a:r>
+                  <a:rPr lang="en-NL">
+                    <a:noFill/>
+                  </a:rPr>
+                  <a:t> </a:t>
+                </a:r>
+              </a:p>
+            </p:txBody>
+          </p:sp>
+        </mc:Fallback>
+      </mc:AlternateContent>
+      <mc:AlternateContent xmlns:mc="http://schemas.openxmlformats.org/markup-compatibility/2006" xmlns:a14="http://schemas.microsoft.com/office/drawing/2010/main">
+        <mc:Choice Requires="a14">
+          <p:sp>
+            <p:nvSpPr>
+              <p:cNvPr id="16" name="TextBox 15">
+                <a:extLst>
+                  <a:ext uri="{FF2B5EF4-FFF2-40B4-BE49-F238E27FC236}">
+                    <a16:creationId xmlns:a16="http://schemas.microsoft.com/office/drawing/2014/main" id="{1367E2AE-404D-42D8-8811-925B8A0ACDF9}"/>
+                  </a:ext>
+                </a:extLst>
+              </p:cNvPr>
+              <p:cNvSpPr txBox="1"/>
+              <p:nvPr/>
+            </p:nvSpPr>
+            <p:spPr>
+              <a:xfrm>
+                <a:off x="6181077" y="4393109"/>
+                <a:ext cx="6094520" cy="369332"/>
+              </a:xfrm>
+              <a:prstGeom prst="rect">
+                <a:avLst/>
+              </a:prstGeom>
+              <a:noFill/>
+            </p:spPr>
+            <p:txBody>
+              <a:bodyPr wrap="square">
+                <a:spAutoFit/>
+              </a:bodyPr>
+              <a:lstStyle/>
+              <a:p>
+                <a:pPr/>
+                <a14:m>
+                  <m:oMathPara xmlns:m="http://schemas.openxmlformats.org/officeDocument/2006/math">
+                    <m:oMathParaPr>
+                      <m:jc m:val="centerGroup"/>
+                    </m:oMathParaPr>
+                    <m:oMath xmlns:m="http://schemas.openxmlformats.org/officeDocument/2006/math">
+                      <m:sSub>
+                        <m:sSubPr>
+                          <m:ctrlPr>
+                            <a:rPr lang="en-US" b="0" i="1" smtClean="0">
+                              <a:latin typeface="Cambria Math" panose="02040503050406030204" pitchFamily="18" charset="0"/>
+                            </a:rPr>
+                          </m:ctrlPr>
+                        </m:sSubPr>
+                        <m:e>
+                          <m:r>
+                            <a:rPr lang="en-US" b="0" i="1" smtClean="0">
+                              <a:latin typeface="Cambria Math" panose="02040503050406030204" pitchFamily="18" charset="0"/>
+                            </a:rPr>
+                            <m:t>𝑤</m:t>
+                          </m:r>
+                        </m:e>
+                        <m:sub>
+                          <m:r>
+                            <a:rPr lang="en-US" b="0" i="1" smtClean="0">
+                              <a:latin typeface="Cambria Math" panose="02040503050406030204" pitchFamily="18" charset="0"/>
+                            </a:rPr>
+                            <m:t>0</m:t>
+                          </m:r>
+                        </m:sub>
+                      </m:sSub>
+                      <m:r>
+                        <a:rPr lang="en-US" b="0" i="1" smtClean="0">
+                          <a:latin typeface="Cambria Math" panose="02040503050406030204" pitchFamily="18" charset="0"/>
+                        </a:rPr>
+                        <m:t>+</m:t>
+                      </m:r>
+                      <m:sSub>
+                        <m:sSubPr>
+                          <m:ctrlPr>
+                            <a:rPr lang="en-US" b="0" i="1" smtClean="0">
+                              <a:latin typeface="Cambria Math" panose="02040503050406030204" pitchFamily="18" charset="0"/>
+                            </a:rPr>
+                          </m:ctrlPr>
+                        </m:sSubPr>
+                        <m:e>
+                          <m:r>
+                            <a:rPr lang="en-US" b="0" i="1" smtClean="0">
+                              <a:latin typeface="Cambria Math" panose="02040503050406030204" pitchFamily="18" charset="0"/>
+                            </a:rPr>
+                            <m:t>𝑤</m:t>
+                          </m:r>
+                        </m:e>
+                        <m:sub>
+                          <m:r>
+                            <a:rPr lang="en-US" b="0" i="1" smtClean="0">
+                              <a:latin typeface="Cambria Math" panose="02040503050406030204" pitchFamily="18" charset="0"/>
+                            </a:rPr>
+                            <m:t>1</m:t>
+                          </m:r>
+                        </m:sub>
+                      </m:sSub>
+                      <m:sSub>
+                        <m:sSubPr>
+                          <m:ctrlPr>
+                            <a:rPr lang="en-US" b="0" i="1" smtClean="0">
+                              <a:latin typeface="Cambria Math" panose="02040503050406030204" pitchFamily="18" charset="0"/>
+                            </a:rPr>
+                          </m:ctrlPr>
+                        </m:sSubPr>
+                        <m:e>
+                          <m:r>
+                            <a:rPr lang="en-US" b="0" i="1" smtClean="0">
+                              <a:latin typeface="Cambria Math" panose="02040503050406030204" pitchFamily="18" charset="0"/>
+                            </a:rPr>
+                            <m:t>𝑥</m:t>
+                          </m:r>
+                        </m:e>
+                        <m:sub>
+                          <m:r>
+                            <a:rPr lang="en-US" b="0" i="1" smtClean="0">
+                              <a:latin typeface="Cambria Math" panose="02040503050406030204" pitchFamily="18" charset="0"/>
+                            </a:rPr>
+                            <m:t>1</m:t>
+                          </m:r>
+                        </m:sub>
+                      </m:sSub>
+                      <m:r>
+                        <a:rPr lang="en-US" b="0" i="1" smtClean="0">
+                          <a:latin typeface="Cambria Math" panose="02040503050406030204" pitchFamily="18" charset="0"/>
+                        </a:rPr>
+                        <m:t>+</m:t>
+                      </m:r>
+                      <m:sSub>
+                        <m:sSubPr>
+                          <m:ctrlPr>
+                            <a:rPr lang="en-US" b="0" i="1" smtClean="0">
+                              <a:latin typeface="Cambria Math" panose="02040503050406030204" pitchFamily="18" charset="0"/>
+                            </a:rPr>
+                          </m:ctrlPr>
+                        </m:sSubPr>
+                        <m:e>
+                          <m:r>
+                            <a:rPr lang="en-US" b="0" i="1" smtClean="0">
+                              <a:latin typeface="Cambria Math" panose="02040503050406030204" pitchFamily="18" charset="0"/>
+                            </a:rPr>
+                            <m:t>𝑤</m:t>
+                          </m:r>
+                        </m:e>
+                        <m:sub>
+                          <m:r>
+                            <a:rPr lang="en-US" b="0" i="1" smtClean="0">
+                              <a:latin typeface="Cambria Math" panose="02040503050406030204" pitchFamily="18" charset="0"/>
+                            </a:rPr>
+                            <m:t>2</m:t>
+                          </m:r>
+                        </m:sub>
+                      </m:sSub>
+                      <m:sSub>
+                        <m:sSubPr>
+                          <m:ctrlPr>
+                            <a:rPr lang="en-US" b="0" i="1" smtClean="0">
+                              <a:latin typeface="Cambria Math" panose="02040503050406030204" pitchFamily="18" charset="0"/>
+                            </a:rPr>
+                          </m:ctrlPr>
+                        </m:sSubPr>
+                        <m:e>
+                          <m:r>
+                            <a:rPr lang="en-US" b="0" i="1" smtClean="0">
+                              <a:latin typeface="Cambria Math" panose="02040503050406030204" pitchFamily="18" charset="0"/>
+                            </a:rPr>
+                            <m:t>𝑥</m:t>
+                          </m:r>
+                        </m:e>
+                        <m:sub>
+                          <m:r>
+                            <a:rPr lang="en-US" b="0" i="1" smtClean="0">
+                              <a:latin typeface="Cambria Math" panose="02040503050406030204" pitchFamily="18" charset="0"/>
+                            </a:rPr>
+                            <m:t>2</m:t>
+                          </m:r>
+                        </m:sub>
+                      </m:sSub>
+                      <m:r>
+                        <a:rPr lang="en-US" b="0" i="1" smtClean="0">
+                          <a:latin typeface="Cambria Math" panose="02040503050406030204" pitchFamily="18" charset="0"/>
+                        </a:rPr>
+                        <m:t>=</m:t>
+                      </m:r>
+                      <m:r>
+                        <a:rPr lang="en-US" b="0" i="1" smtClean="0">
+                          <a:latin typeface="Cambria Math" panose="02040503050406030204" pitchFamily="18" charset="0"/>
+                        </a:rPr>
+                        <m:t>𝑡𝑎𝑟𝑔𝑒𝑡</m:t>
+                      </m:r>
+                    </m:oMath>
+                  </m:oMathPara>
+                </a14:m>
+                <a:endParaRPr lang="en-US" b="0" dirty="0"/>
+              </a:p>
+            </p:txBody>
+          </p:sp>
+        </mc:Choice>
+        <mc:Fallback xmlns="">
+          <p:sp>
+            <p:nvSpPr>
+              <p:cNvPr id="16" name="TextBox 15">
+                <a:extLst>
+                  <a:ext uri="{FF2B5EF4-FFF2-40B4-BE49-F238E27FC236}">
+                    <a16:creationId xmlns:a16="http://schemas.microsoft.com/office/drawing/2014/main" id="{1367E2AE-404D-42D8-8811-925B8A0ACDF9}"/>
+                  </a:ext>
+                </a:extLst>
+              </p:cNvPr>
+              <p:cNvSpPr txBox="1">
+                <a:spLocks noRot="1" noChangeAspect="1" noMove="1" noResize="1" noEditPoints="1" noAdjustHandles="1" noChangeArrowheads="1" noChangeShapeType="1" noTextEdit="1"/>
+              </p:cNvSpPr>
+              <p:nvPr/>
+            </p:nvSpPr>
+            <p:spPr>
+              <a:xfrm>
+                <a:off x="6181077" y="4393109"/>
+                <a:ext cx="6094520" cy="369332"/>
+              </a:xfrm>
+              <a:prstGeom prst="rect">
+                <a:avLst/>
+              </a:prstGeom>
+              <a:blipFill>
+                <a:blip r:embed="rId5"/>
+                <a:stretch>
+                  <a:fillRect b="-11667"/>
+                </a:stretch>
+              </a:blipFill>
+            </p:spPr>
+            <p:txBody>
+              <a:bodyPr/>
+              <a:lstStyle/>
+              <a:p>
+                <a:r>
+                  <a:rPr lang="en-NL">
+                    <a:noFill/>
+                  </a:rPr>
+                  <a:t> </a:t>
+                </a:r>
+              </a:p>
+            </p:txBody>
+          </p:sp>
+        </mc:Fallback>
+      </mc:AlternateContent>
+      <p:cxnSp>
+        <p:nvCxnSpPr>
+          <p:cNvPr id="18" name="Straight Arrow Connector 17">
+            <a:extLst>
+              <a:ext uri="{FF2B5EF4-FFF2-40B4-BE49-F238E27FC236}">
+                <a16:creationId xmlns:a16="http://schemas.microsoft.com/office/drawing/2014/main" id="{2620E8A3-A78F-4817-93FB-863E1160A490}"/>
+              </a:ext>
+            </a:extLst>
+          </p:cNvPr>
+          <p:cNvCxnSpPr>
+            <a:cxnSpLocks/>
+          </p:cNvCxnSpPr>
+          <p:nvPr/>
+        </p:nvCxnSpPr>
+        <p:spPr>
+          <a:xfrm>
+            <a:off x="6347534" y="3968318"/>
+            <a:ext cx="1305017" cy="532661"/>
+          </a:xfrm>
+          <a:prstGeom prst="straightConnector1">
+            <a:avLst/>
+          </a:prstGeom>
+          <a:ln>
+            <a:tailEnd type="triangle"/>
+          </a:ln>
+        </p:spPr>
+        <p:style>
+          <a:lnRef idx="1">
+            <a:schemeClr val="accent1"/>
+          </a:lnRef>
+          <a:fillRef idx="0">
+            <a:schemeClr val="accent1"/>
+          </a:fillRef>
+          <a:effectRef idx="0">
+            <a:schemeClr val="accent1"/>
+          </a:effectRef>
+          <a:fontRef idx="minor">
+            <a:schemeClr val="tx1"/>
+          </a:fontRef>
+        </p:style>
+      </p:cxnSp>
+      <p:cxnSp>
+        <p:nvCxnSpPr>
+          <p:cNvPr id="20" name="Straight Arrow Connector 19">
+            <a:extLst>
+              <a:ext uri="{FF2B5EF4-FFF2-40B4-BE49-F238E27FC236}">
+                <a16:creationId xmlns:a16="http://schemas.microsoft.com/office/drawing/2014/main" id="{EAF602BB-F72B-4C11-9688-4FE9A019F0B2}"/>
+              </a:ext>
+            </a:extLst>
+          </p:cNvPr>
+          <p:cNvCxnSpPr>
+            <a:cxnSpLocks/>
+          </p:cNvCxnSpPr>
+          <p:nvPr/>
+        </p:nvCxnSpPr>
+        <p:spPr>
+          <a:xfrm flipV="1">
+            <a:off x="6249880" y="4601306"/>
+            <a:ext cx="1331650" cy="121615"/>
+          </a:xfrm>
+          <a:prstGeom prst="straightConnector1">
+            <a:avLst/>
+          </a:prstGeom>
+          <a:ln>
+            <a:tailEnd type="triangle"/>
+          </a:ln>
+        </p:spPr>
+        <p:style>
+          <a:lnRef idx="1">
+            <a:schemeClr val="accent1"/>
+          </a:lnRef>
+          <a:fillRef idx="0">
+            <a:schemeClr val="accent1"/>
+          </a:fillRef>
+          <a:effectRef idx="0">
+            <a:schemeClr val="accent1"/>
+          </a:effectRef>
+          <a:fontRef idx="minor">
+            <a:schemeClr val="tx1"/>
+          </a:fontRef>
+        </p:style>
+      </p:cxnSp>
+      <p:cxnSp>
+        <p:nvCxnSpPr>
+          <p:cNvPr id="23" name="Straight Arrow Connector 22">
+            <a:extLst>
+              <a:ext uri="{FF2B5EF4-FFF2-40B4-BE49-F238E27FC236}">
+                <a16:creationId xmlns:a16="http://schemas.microsoft.com/office/drawing/2014/main" id="{BA68D9F2-B483-4BAC-BE29-F49EC6DCAA6A}"/>
+              </a:ext>
+            </a:extLst>
+          </p:cNvPr>
+          <p:cNvCxnSpPr>
+            <a:cxnSpLocks/>
+          </p:cNvCxnSpPr>
+          <p:nvPr/>
+        </p:nvCxnSpPr>
+        <p:spPr>
+          <a:xfrm flipV="1">
+            <a:off x="6181077" y="4722921"/>
+            <a:ext cx="1471474" cy="870040"/>
+          </a:xfrm>
+          <a:prstGeom prst="straightConnector1">
+            <a:avLst/>
+          </a:prstGeom>
+          <a:ln>
+            <a:tailEnd type="triangle"/>
+          </a:ln>
+        </p:spPr>
+        <p:style>
+          <a:lnRef idx="1">
+            <a:schemeClr val="accent1"/>
+          </a:lnRef>
+          <a:fillRef idx="0">
+            <a:schemeClr val="accent1"/>
+          </a:fillRef>
+          <a:effectRef idx="0">
+            <a:schemeClr val="accent1"/>
+          </a:effectRef>
+          <a:fontRef idx="minor">
+            <a:schemeClr val="tx1"/>
+          </a:fontRef>
+        </p:style>
+      </p:cxnSp>
+      <p:pic>
+        <p:nvPicPr>
+          <p:cNvPr id="26" name="Picture 25" descr="Chart&#10;&#10;Description automatically generated with medium confidence">
+            <a:extLst>
+              <a:ext uri="{FF2B5EF4-FFF2-40B4-BE49-F238E27FC236}">
+                <a16:creationId xmlns:a16="http://schemas.microsoft.com/office/drawing/2014/main" id="{B94F925F-6D64-48B9-BC62-74D38EF4D32A}"/>
+              </a:ext>
+            </a:extLst>
+          </p:cNvPr>
+          <p:cNvPicPr>
+            <a:picLocks noChangeAspect="1"/>
+          </p:cNvPicPr>
+          <p:nvPr/>
+        </p:nvPicPr>
+        <p:blipFill>
+          <a:blip r:embed="rId6">
+            <a:extLst>
+              <a:ext uri="{28A0092B-C50C-407E-A947-70E740481C1C}">
+                <a14:useLocalDpi xmlns:a14="http://schemas.microsoft.com/office/drawing/2010/main" val="0"/>
+              </a:ext>
+            </a:extLst>
+          </a:blip>
+          <a:stretch>
+            <a:fillRect/>
+          </a:stretch>
+        </p:blipFill>
+        <p:spPr>
+          <a:xfrm>
+            <a:off x="7581530" y="946193"/>
+            <a:ext cx="4060415" cy="2530992"/>
+          </a:xfrm>
+          <a:prstGeom prst="rect">
+            <a:avLst/>
+          </a:prstGeom>
+        </p:spPr>
+      </p:pic>
+      <p:sp>
+        <p:nvSpPr>
+          <p:cNvPr id="27" name="TextBox 26">
+            <a:extLst>
+              <a:ext uri="{FF2B5EF4-FFF2-40B4-BE49-F238E27FC236}">
+                <a16:creationId xmlns:a16="http://schemas.microsoft.com/office/drawing/2014/main" id="{BC725438-5F58-47AC-87E7-F7ADAC9635BD}"/>
+              </a:ext>
+            </a:extLst>
+          </p:cNvPr>
+          <p:cNvSpPr txBox="1"/>
+          <p:nvPr/>
+        </p:nvSpPr>
+        <p:spPr>
+          <a:xfrm>
+            <a:off x="7378824" y="5531256"/>
+            <a:ext cx="3222594" cy="646331"/>
+          </a:xfrm>
+          <a:prstGeom prst="rect">
+            <a:avLst/>
+          </a:prstGeom>
+          <a:noFill/>
+        </p:spPr>
+        <p:txBody>
+          <a:bodyPr wrap="square" rtlCol="0">
+            <a:spAutoFit/>
+          </a:bodyPr>
+          <a:lstStyle/>
+          <a:p>
+            <a:r>
+              <a:rPr lang="en-US" dirty="0"/>
+              <a:t>That’s why its better to normalize data</a:t>
+            </a:r>
+            <a:endParaRPr lang="en-NL" dirty="0"/>
+          </a:p>
+        </p:txBody>
+      </p:sp>
+      <p:cxnSp>
+        <p:nvCxnSpPr>
+          <p:cNvPr id="29" name="Straight Arrow Connector 28">
+            <a:extLst>
+              <a:ext uri="{FF2B5EF4-FFF2-40B4-BE49-F238E27FC236}">
+                <a16:creationId xmlns:a16="http://schemas.microsoft.com/office/drawing/2014/main" id="{D4720636-1025-446E-BC47-2E21BBE4F1E9}"/>
+              </a:ext>
+            </a:extLst>
+          </p:cNvPr>
+          <p:cNvCxnSpPr>
+            <a:cxnSpLocks/>
+            <a:stCxn id="27" idx="1"/>
+          </p:cNvCxnSpPr>
+          <p:nvPr/>
+        </p:nvCxnSpPr>
+        <p:spPr>
+          <a:xfrm flipH="1" flipV="1">
+            <a:off x="6096000" y="5792681"/>
+            <a:ext cx="1282824" cy="61741"/>
+          </a:xfrm>
+          <a:prstGeom prst="straightConnector1">
+            <a:avLst/>
+          </a:prstGeom>
+          <a:ln>
+            <a:tailEnd type="triangle"/>
+          </a:ln>
+        </p:spPr>
+        <p:style>
+          <a:lnRef idx="1">
+            <a:schemeClr val="accent1"/>
+          </a:lnRef>
+          <a:fillRef idx="0">
+            <a:schemeClr val="accent1"/>
+          </a:fillRef>
+          <a:effectRef idx="0">
+            <a:schemeClr val="accent1"/>
+          </a:effectRef>
+          <a:fontRef idx="minor">
+            <a:schemeClr val="tx1"/>
+          </a:fontRef>
+        </p:style>
+      </p:cxnSp>
+      <p:pic>
+        <p:nvPicPr>
+          <p:cNvPr id="33" name="Picture 32">
+            <a:extLst>
+              <a:ext uri="{FF2B5EF4-FFF2-40B4-BE49-F238E27FC236}">
+                <a16:creationId xmlns:a16="http://schemas.microsoft.com/office/drawing/2014/main" id="{06B12C17-7212-45FC-BB7B-1400E3F5C0F4}"/>
+              </a:ext>
+            </a:extLst>
+          </p:cNvPr>
+          <p:cNvPicPr>
+            <a:picLocks noChangeAspect="1"/>
+          </p:cNvPicPr>
+          <p:nvPr/>
+        </p:nvPicPr>
+        <p:blipFill>
+          <a:blip r:embed="rId7"/>
+          <a:stretch>
+            <a:fillRect/>
+          </a:stretch>
+        </p:blipFill>
+        <p:spPr>
+          <a:xfrm>
+            <a:off x="7882079" y="6150230"/>
+            <a:ext cx="3867690" cy="285790"/>
+          </a:xfrm>
+          <a:prstGeom prst="rect">
+            <a:avLst/>
+          </a:prstGeom>
+        </p:spPr>
+      </p:pic>
+      <p:pic>
+        <p:nvPicPr>
+          <p:cNvPr id="35" name="Picture 34">
+            <a:extLst>
+              <a:ext uri="{FF2B5EF4-FFF2-40B4-BE49-F238E27FC236}">
+                <a16:creationId xmlns:a16="http://schemas.microsoft.com/office/drawing/2014/main" id="{6FB44B65-62B9-4648-98A9-2B04C76E7EB7}"/>
+              </a:ext>
+            </a:extLst>
+          </p:cNvPr>
+          <p:cNvPicPr>
+            <a:picLocks noChangeAspect="1"/>
+          </p:cNvPicPr>
+          <p:nvPr/>
+        </p:nvPicPr>
+        <p:blipFill>
+          <a:blip r:embed="rId8"/>
+          <a:stretch>
+            <a:fillRect/>
+          </a:stretch>
+        </p:blipFill>
+        <p:spPr>
+          <a:xfrm>
+            <a:off x="7882079" y="6492875"/>
+            <a:ext cx="3848637" cy="276264"/>
+          </a:xfrm>
+          <a:prstGeom prst="rect">
+            <a:avLst/>
+          </a:prstGeom>
+        </p:spPr>
+      </p:pic>
     </p:spTree>
     <p:extLst>
       <p:ext uri="{BB962C8B-B14F-4D97-AF65-F5344CB8AC3E}">
-        <p14:creationId xmlns:p14="http://schemas.microsoft.com/office/powerpoint/2010/main" val="3991129261"/>
+        <p14:creationId xmlns:p14="http://schemas.microsoft.com/office/powerpoint/2010/main" val="2290327737"/>
       </p:ext>
     </p:extLst>
   </p:cSld>
@@ -4247,12 +5859,197 @@
           <a:chExt cx="0" cy="0"/>
         </a:xfrm>
       </p:grpSpPr>
+      <p:sp>
+        <p:nvSpPr>
+          <p:cNvPr id="3" name="Content Placeholder 2">
+            <a:extLst>
+              <a:ext uri="{FF2B5EF4-FFF2-40B4-BE49-F238E27FC236}">
+                <a16:creationId xmlns:a16="http://schemas.microsoft.com/office/drawing/2014/main" id="{98AB036E-8D6F-4811-9BBC-6A9F1A31EEA7}"/>
+              </a:ext>
+            </a:extLst>
+          </p:cNvPr>
+          <p:cNvSpPr>
+            <a:spLocks noGrp="1"/>
+          </p:cNvSpPr>
+          <p:nvPr>
+            <p:ph idx="1"/>
+          </p:nvPr>
+        </p:nvSpPr>
+        <p:spPr>
+          <a:xfrm>
+            <a:off x="838200" y="701337"/>
+            <a:ext cx="10515600" cy="5397622"/>
+          </a:xfrm>
+        </p:spPr>
+        <p:txBody>
+          <a:bodyPr>
+            <a:normAutofit/>
+          </a:bodyPr>
+          <a:lstStyle/>
+          <a:p>
+            <a:pPr marL="0" indent="0">
+              <a:buNone/>
+            </a:pPr>
+            <a:r>
+              <a:rPr lang="en-US" sz="2400" b="1" dirty="0">
+                <a:effectLst/>
+                <a:latin typeface="Consolas" panose="020B0609020204030204" pitchFamily="49" charset="0"/>
+              </a:rPr>
+              <a:t>def </a:t>
+            </a:r>
+            <a:r>
+              <a:rPr lang="en-US" sz="2400" b="1" dirty="0" err="1">
+                <a:effectLst/>
+                <a:latin typeface="Consolas" panose="020B0609020204030204" pitchFamily="49" charset="0"/>
+              </a:rPr>
+              <a:t>mse_gd</a:t>
+            </a:r>
+            <a:r>
+              <a:rPr lang="en-US" sz="2400" b="1" dirty="0">
+                <a:effectLst/>
+                <a:latin typeface="Consolas" panose="020B0609020204030204" pitchFamily="49" charset="0"/>
+              </a:rPr>
+              <a:t>(x, theta, t, alpha):</a:t>
+            </a:r>
+          </a:p>
+          <a:p>
+            <a:pPr marL="0" indent="0">
+              <a:buNone/>
+            </a:pPr>
+            <a:r>
+              <a:rPr lang="en-US" sz="2400" b="1" dirty="0">
+                <a:effectLst/>
+                <a:latin typeface="Consolas" panose="020B0609020204030204" pitchFamily="49" charset="0"/>
+              </a:rPr>
+              <a:t>    n = </a:t>
+            </a:r>
+            <a:r>
+              <a:rPr lang="en-US" sz="2400" b="1" dirty="0" err="1">
+                <a:effectLst/>
+                <a:latin typeface="Consolas" panose="020B0609020204030204" pitchFamily="49" charset="0"/>
+              </a:rPr>
+              <a:t>len</a:t>
+            </a:r>
+            <a:r>
+              <a:rPr lang="en-US" sz="2400" b="1" dirty="0">
+                <a:effectLst/>
+                <a:latin typeface="Consolas" panose="020B0609020204030204" pitchFamily="49" charset="0"/>
+              </a:rPr>
+              <a:t>(x)</a:t>
+            </a:r>
+          </a:p>
+          <a:p>
+            <a:pPr marL="0" indent="0">
+              <a:buNone/>
+            </a:pPr>
+            <a:r>
+              <a:rPr lang="en-US" sz="2400" b="1" dirty="0">
+                <a:effectLst/>
+                <a:latin typeface="Consolas" panose="020B0609020204030204" pitchFamily="49" charset="0"/>
+              </a:rPr>
+              <a:t>    theta -= alpha * (2/n * (theta.dot(</a:t>
+            </a:r>
+            <a:r>
+              <a:rPr lang="en-US" sz="2400" b="1" dirty="0" err="1">
+                <a:effectLst/>
+                <a:latin typeface="Consolas" panose="020B0609020204030204" pitchFamily="49" charset="0"/>
+              </a:rPr>
+              <a:t>x.T</a:t>
+            </a:r>
+            <a:r>
+              <a:rPr lang="en-US" sz="2400" b="1" dirty="0">
+                <a:effectLst/>
+                <a:latin typeface="Consolas" panose="020B0609020204030204" pitchFamily="49" charset="0"/>
+              </a:rPr>
+              <a:t>) - t) * x)</a:t>
+            </a:r>
+          </a:p>
+          <a:p>
+            <a:pPr marL="0" indent="0">
+              <a:buNone/>
+            </a:pPr>
+            <a:r>
+              <a:rPr lang="en-US" sz="2400" b="1" dirty="0">
+                <a:effectLst/>
+                <a:latin typeface="Consolas" panose="020B0609020204030204" pitchFamily="49" charset="0"/>
+              </a:rPr>
+              <a:t>    return theta</a:t>
+            </a:r>
+          </a:p>
+          <a:p>
+            <a:endParaRPr lang="en-US" sz="2400" dirty="0"/>
+          </a:p>
+          <a:p>
+            <a:pPr marL="0" indent="0">
+              <a:buNone/>
+            </a:pPr>
+            <a:r>
+              <a:rPr lang="en-US" sz="2400" dirty="0"/>
+              <a:t>(!) Data in the form of [1., data column] for x (1 is for the bias weight)</a:t>
+            </a:r>
+          </a:p>
+          <a:p>
+            <a:pPr marL="0" indent="0">
+              <a:buNone/>
+            </a:pPr>
+            <a:r>
+              <a:rPr lang="en-US" sz="2400" dirty="0"/>
+              <a:t>(!) There are multiple ways to initialize theta’s (weights)</a:t>
+            </a:r>
+          </a:p>
+          <a:p>
+            <a:pPr marL="457200" indent="-457200">
+              <a:buAutoNum type="arabicPeriod"/>
+            </a:pPr>
+            <a:r>
+              <a:rPr lang="en-US" sz="2400" dirty="0"/>
+              <a:t>Simply all weights to 0</a:t>
+            </a:r>
+          </a:p>
+          <a:p>
+            <a:pPr marL="457200" indent="-457200">
+              <a:buAutoNum type="arabicPeriod"/>
+            </a:pPr>
+            <a:r>
+              <a:rPr lang="en-US" sz="2400" dirty="0"/>
+              <a:t>Random initialization</a:t>
+            </a:r>
+          </a:p>
+          <a:p>
+            <a:pPr marL="457200" indent="-457200">
+              <a:buAutoNum type="arabicPeriod"/>
+            </a:pPr>
+            <a:r>
+              <a:rPr lang="en-US" sz="2400" dirty="0"/>
+              <a:t>(advanced/used for NN) Xavier initialization (also called </a:t>
+            </a:r>
+            <a:r>
+              <a:rPr lang="en-US" sz="2400" dirty="0" err="1"/>
+              <a:t>Glorot</a:t>
+            </a:r>
+            <a:r>
+              <a:rPr lang="en-US" sz="2400" dirty="0"/>
+              <a:t>)</a:t>
+            </a:r>
+          </a:p>
+          <a:p>
+            <a:pPr marL="457200" indent="-457200">
+              <a:buAutoNum type="arabicPeriod"/>
+            </a:pPr>
+            <a:r>
+              <a:rPr lang="en-US" sz="2400" dirty="0"/>
+              <a:t>(advanced/used for NN) He initialization</a:t>
+            </a:r>
+            <a:endParaRPr lang="en-NL" sz="2400" dirty="0"/>
+          </a:p>
+        </p:txBody>
+      </p:sp>
       <p:pic>
         <p:nvPicPr>
-          <p:cNvPr id="4" name="Picture 3">
-            <a:extLst>
-              <a:ext uri="{FF2B5EF4-FFF2-40B4-BE49-F238E27FC236}">
-                <a16:creationId xmlns:a16="http://schemas.microsoft.com/office/drawing/2014/main" id="{C35D6A4D-DEC2-4922-8044-9F911A63E7CC}"/>
+          <p:cNvPr id="5" name="Picture 4">
+            <a:extLst>
+              <a:ext uri="{FF2B5EF4-FFF2-40B4-BE49-F238E27FC236}">
+                <a16:creationId xmlns:a16="http://schemas.microsoft.com/office/drawing/2014/main" id="{B9CF603F-3C8C-4292-BD8C-C1879ADC1786}"/>
               </a:ext>
             </a:extLst>
           </p:cNvPr>
@@ -4269,107 +6066,57 @@
         </p:blipFill>
         <p:spPr>
           <a:xfrm>
-            <a:off x="544130" y="744376"/>
-            <a:ext cx="11096625" cy="5833888"/>
+            <a:off x="10625818" y="2762157"/>
+            <a:ext cx="847843" cy="666843"/>
           </a:xfrm>
           <a:prstGeom prst="rect">
             <a:avLst/>
           </a:prstGeom>
         </p:spPr>
       </p:pic>
-      <p:sp>
-        <p:nvSpPr>
-          <p:cNvPr id="2" name="Title 1">
-            <a:extLst>
-              <a:ext uri="{FF2B5EF4-FFF2-40B4-BE49-F238E27FC236}">
-                <a16:creationId xmlns:a16="http://schemas.microsoft.com/office/drawing/2014/main" id="{03D04F4F-7CA9-45BA-ADC6-D4E91F8B75CF}"/>
-              </a:ext>
-            </a:extLst>
-          </p:cNvPr>
-          <p:cNvSpPr>
-            <a:spLocks noGrp="1"/>
-          </p:cNvSpPr>
-          <p:nvPr>
-            <p:ph type="title"/>
-          </p:nvPr>
-        </p:nvSpPr>
+      <p:cxnSp>
+        <p:nvCxnSpPr>
+          <p:cNvPr id="7" name="Straight Arrow Connector 6">
+            <a:extLst>
+              <a:ext uri="{FF2B5EF4-FFF2-40B4-BE49-F238E27FC236}">
+                <a16:creationId xmlns:a16="http://schemas.microsoft.com/office/drawing/2014/main" id="{07A08452-9781-464B-A436-349DBAA79E65}"/>
+              </a:ext>
+            </a:extLst>
+          </p:cNvPr>
+          <p:cNvCxnSpPr/>
+          <p:nvPr/>
+        </p:nvCxnSpPr>
         <p:spPr>
           <a:xfrm>
-            <a:off x="834642" y="365125"/>
-            <a:ext cx="10515600" cy="1325563"/>
+            <a:off x="9676659" y="3113333"/>
+            <a:ext cx="621437" cy="0"/>
           </a:xfrm>
-        </p:spPr>
-        <p:txBody>
-          <a:bodyPr/>
-          <a:lstStyle/>
-          <a:p>
-            <a:r>
-              <a:rPr lang="nl-NL" dirty="0" err="1"/>
-              <a:t>Convolutional</a:t>
-            </a:r>
-            <a:r>
-              <a:rPr lang="nl-NL" dirty="0"/>
-              <a:t> </a:t>
-            </a:r>
-            <a:r>
-              <a:rPr lang="nl-NL" dirty="0" err="1"/>
-              <a:t>Neural</a:t>
-            </a:r>
-            <a:r>
-              <a:rPr lang="nl-NL" dirty="0"/>
-              <a:t> Network</a:t>
-            </a:r>
-            <a:endParaRPr lang="en-NL" dirty="0"/>
-          </a:p>
-        </p:txBody>
-      </p:sp>
-      <p:sp>
-        <p:nvSpPr>
-          <p:cNvPr id="5" name="TextBox 4">
-            <a:extLst>
-              <a:ext uri="{FF2B5EF4-FFF2-40B4-BE49-F238E27FC236}">
-                <a16:creationId xmlns:a16="http://schemas.microsoft.com/office/drawing/2014/main" id="{3FD3CF14-911A-4DF2-AC3A-5065E7BAA14A}"/>
-              </a:ext>
-            </a:extLst>
-          </p:cNvPr>
-          <p:cNvSpPr txBox="1"/>
-          <p:nvPr/>
-        </p:nvSpPr>
-        <p:spPr>
-          <a:xfrm>
-            <a:off x="95250" y="6301690"/>
-            <a:ext cx="11334750" cy="523220"/>
-          </a:xfrm>
-          <a:prstGeom prst="rect">
+          <a:prstGeom prst="straightConnector1">
             <a:avLst/>
           </a:prstGeom>
-          <a:noFill/>
+          <a:ln>
+            <a:tailEnd type="triangle"/>
+          </a:ln>
         </p:spPr>
-        <p:txBody>
-          <a:bodyPr wrap="square" rtlCol="0">
-            <a:spAutoFit/>
-          </a:bodyPr>
-          <a:lstStyle/>
-          <a:p>
-            <a:r>
-              <a:rPr lang="en-US" sz="1400" i="1" dirty="0"/>
-              <a:t>Source:</a:t>
-            </a:r>
-            <a:br>
-              <a:rPr lang="en-US" sz="1400" i="1" dirty="0"/>
-            </a:br>
-            <a:r>
-              <a:rPr lang="en-US" sz="1400" i="1" dirty="0"/>
-              <a:t>https://towardsdatascience.com/a-comprehensive-guide-to-convolutional-neural-networks-the-eli5-way-3bd2b1164a53</a:t>
-            </a:r>
-            <a:endParaRPr lang="en-NL" sz="1400" i="1" dirty="0"/>
-          </a:p>
-        </p:txBody>
-      </p:sp>
+        <p:style>
+          <a:lnRef idx="1">
+            <a:schemeClr val="accent1"/>
+          </a:lnRef>
+          <a:fillRef idx="0">
+            <a:schemeClr val="accent1"/>
+          </a:fillRef>
+          <a:effectRef idx="0">
+            <a:schemeClr val="accent1"/>
+          </a:effectRef>
+          <a:fontRef idx="minor">
+            <a:schemeClr val="tx1"/>
+          </a:fontRef>
+        </p:style>
+      </p:cxnSp>
     </p:spTree>
     <p:extLst>
       <p:ext uri="{BB962C8B-B14F-4D97-AF65-F5344CB8AC3E}">
-        <p14:creationId xmlns:p14="http://schemas.microsoft.com/office/powerpoint/2010/main" val="1505611136"/>
+        <p14:creationId xmlns:p14="http://schemas.microsoft.com/office/powerpoint/2010/main" val="1600862346"/>
       </p:ext>
     </p:extLst>
   </p:cSld>
@@ -4401,7 +6148,7 @@
           <p:cNvPr id="2" name="Title 1">
             <a:extLst>
               <a:ext uri="{FF2B5EF4-FFF2-40B4-BE49-F238E27FC236}">
-                <a16:creationId xmlns:a16="http://schemas.microsoft.com/office/drawing/2014/main" id="{4CBBFF87-E1FA-42DF-B39A-051C58CF2B5F}"/>
+                <a16:creationId xmlns:a16="http://schemas.microsoft.com/office/drawing/2014/main" id="{426E89F9-90F5-4B3D-9A6F-4D99D6AFC992}"/>
               </a:ext>
             </a:extLst>
           </p:cNvPr>
@@ -4418,42 +6165,10 @@
           <a:lstStyle/>
           <a:p>
             <a:r>
-              <a:rPr lang="nl-NL" dirty="0" err="1"/>
-              <a:t>Insert</a:t>
-            </a:r>
-            <a:r>
-              <a:rPr lang="nl-NL" dirty="0"/>
-              <a:t> </a:t>
-            </a:r>
-            <a:r>
-              <a:rPr lang="nl-NL" dirty="0" err="1"/>
-              <a:t>img</a:t>
-            </a:r>
-            <a:r>
-              <a:rPr lang="nl-NL" dirty="0"/>
-              <a:t> of </a:t>
-            </a:r>
-            <a:r>
-              <a:rPr lang="nl-NL" dirty="0" err="1"/>
-              <a:t>img</a:t>
-            </a:r>
-            <a:r>
-              <a:rPr lang="nl-NL" dirty="0"/>
-              <a:t> </a:t>
-            </a:r>
-            <a:r>
-              <a:rPr lang="nl-NL" dirty="0" err="1"/>
-              <a:t>classification</a:t>
-            </a:r>
-            <a:r>
-              <a:rPr lang="nl-NL" dirty="0"/>
-              <a:t> without </a:t>
-            </a:r>
-            <a:r>
-              <a:rPr lang="nl-NL"/>
-              <a:t>cnn</a:t>
-            </a:r>
-            <a:endParaRPr lang="en-NL"/>
+              <a:rPr lang="en-US" dirty="0"/>
+              <a:t>Gradient descent (more advanced)</a:t>
+            </a:r>
+            <a:endParaRPr lang="en-NL" dirty="0"/>
           </a:p>
         </p:txBody>
       </p:sp>
@@ -4462,7 +6177,7 @@
           <p:cNvPr id="3" name="Content Placeholder 2">
             <a:extLst>
               <a:ext uri="{FF2B5EF4-FFF2-40B4-BE49-F238E27FC236}">
-                <a16:creationId xmlns:a16="http://schemas.microsoft.com/office/drawing/2014/main" id="{6405443A-04F7-4A3C-AC60-5D7E9BF264C6}"/>
+                <a16:creationId xmlns:a16="http://schemas.microsoft.com/office/drawing/2014/main" id="{08B7B8C1-C19E-44ED-AF68-22DA2FC6F408}"/>
               </a:ext>
             </a:extLst>
           </p:cNvPr>
@@ -4478,14 +6193,801 @@
           <a:bodyPr/>
           <a:lstStyle/>
           <a:p>
+            <a:pPr marL="0" indent="0">
+              <a:buNone/>
+            </a:pPr>
+            <a:r>
+              <a:rPr lang="en-US" dirty="0"/>
+              <a:t>A simple normal gradient descent is too simple.. Learning rate is too important</a:t>
+            </a:r>
+          </a:p>
+          <a:p>
+            <a:endParaRPr lang="en-US" dirty="0"/>
+          </a:p>
+          <a:p>
+            <a:pPr marL="0" indent="0">
+              <a:buNone/>
+            </a:pPr>
+            <a:r>
+              <a:rPr lang="en-US" dirty="0"/>
+              <a:t>L1 </a:t>
+            </a:r>
+            <a:r>
+              <a:rPr lang="en-US" dirty="0" err="1"/>
+              <a:t>reguralization</a:t>
+            </a:r>
+            <a:r>
+              <a:rPr lang="en-US" dirty="0"/>
+              <a:t> – </a:t>
+            </a:r>
+          </a:p>
+          <a:p>
+            <a:pPr marL="0" indent="0">
+              <a:buNone/>
+            </a:pPr>
+            <a:endParaRPr lang="en-US" dirty="0"/>
+          </a:p>
+          <a:p>
+            <a:pPr marL="0" indent="0">
+              <a:buNone/>
+            </a:pPr>
+            <a:endParaRPr lang="en-US" dirty="0"/>
+          </a:p>
+          <a:p>
+            <a:pPr marL="0" indent="0">
+              <a:buNone/>
+            </a:pPr>
+            <a:r>
+              <a:rPr lang="en-US" dirty="0"/>
+              <a:t>L2 </a:t>
+            </a:r>
+            <a:r>
+              <a:rPr lang="en-US" dirty="0" err="1"/>
+              <a:t>reguralization</a:t>
+            </a:r>
+            <a:r>
+              <a:rPr lang="en-US" dirty="0"/>
+              <a:t> - </a:t>
+            </a:r>
+          </a:p>
+        </p:txBody>
+      </p:sp>
+      <mc:AlternateContent xmlns:mc="http://schemas.openxmlformats.org/markup-compatibility/2006" xmlns:a14="http://schemas.microsoft.com/office/drawing/2010/main">
+        <mc:Choice Requires="a14">
+          <p:sp>
+            <p:nvSpPr>
+              <p:cNvPr id="4" name="TextBox 3">
+                <a:extLst>
+                  <a:ext uri="{FF2B5EF4-FFF2-40B4-BE49-F238E27FC236}">
+                    <a16:creationId xmlns:a16="http://schemas.microsoft.com/office/drawing/2014/main" id="{9B2CE97A-336F-476D-B455-999BA3698914}"/>
+                  </a:ext>
+                </a:extLst>
+              </p:cNvPr>
+              <p:cNvSpPr txBox="1"/>
+              <p:nvPr/>
+            </p:nvSpPr>
+            <p:spPr>
+              <a:xfrm>
+                <a:off x="4094455" y="3249622"/>
+                <a:ext cx="4003089" cy="499560"/>
+              </a:xfrm>
+              <a:prstGeom prst="rect">
+                <a:avLst/>
+              </a:prstGeom>
+              <a:noFill/>
+            </p:spPr>
+            <p:txBody>
+              <a:bodyPr wrap="square">
+                <a:spAutoFit/>
+              </a:bodyPr>
+              <a:lstStyle/>
+              <a:p>
+                <a14:m>
+                  <m:oMath xmlns:m="http://schemas.openxmlformats.org/officeDocument/2006/math">
+                    <m:sSub>
+                      <m:sSubPr>
+                        <m:ctrlPr>
+                          <a:rPr lang="en-US" b="0" i="1" smtClean="0">
+                            <a:latin typeface="Cambria Math" panose="02040503050406030204" pitchFamily="18" charset="0"/>
+                          </a:rPr>
+                        </m:ctrlPr>
+                      </m:sSubPr>
+                      <m:e>
+                        <m:r>
+                          <a:rPr lang="en-US" b="0" i="1" smtClean="0">
+                            <a:latin typeface="Cambria Math" panose="02040503050406030204" pitchFamily="18" charset="0"/>
+                          </a:rPr>
+                          <m:t>𝜃</m:t>
+                        </m:r>
+                      </m:e>
+                      <m:sub>
+                        <m:r>
+                          <a:rPr lang="en-US" b="0" i="1" smtClean="0">
+                            <a:latin typeface="Cambria Math" panose="02040503050406030204" pitchFamily="18" charset="0"/>
+                          </a:rPr>
+                          <m:t>𝑖</m:t>
+                        </m:r>
+                      </m:sub>
+                    </m:sSub>
+                    <m:r>
+                      <a:rPr lang="en-US" b="0" i="1" smtClean="0">
+                        <a:latin typeface="Cambria Math" panose="02040503050406030204" pitchFamily="18" charset="0"/>
+                      </a:rPr>
+                      <m:t> ≔</m:t>
+                    </m:r>
+                    <m:sSub>
+                      <m:sSubPr>
+                        <m:ctrlPr>
+                          <a:rPr lang="en-US" b="0" i="1" smtClean="0">
+                            <a:latin typeface="Cambria Math" panose="02040503050406030204" pitchFamily="18" charset="0"/>
+                          </a:rPr>
+                        </m:ctrlPr>
+                      </m:sSubPr>
+                      <m:e>
+                        <m:r>
+                          <a:rPr lang="en-US" b="0" i="1" smtClean="0">
+                            <a:latin typeface="Cambria Math" panose="02040503050406030204" pitchFamily="18" charset="0"/>
+                          </a:rPr>
+                          <m:t>𝜃</m:t>
+                        </m:r>
+                      </m:e>
+                      <m:sub>
+                        <m:r>
+                          <a:rPr lang="en-US" b="0" i="1" smtClean="0">
+                            <a:latin typeface="Cambria Math" panose="02040503050406030204" pitchFamily="18" charset="0"/>
+                          </a:rPr>
+                          <m:t>𝑖</m:t>
+                        </m:r>
+                      </m:sub>
+                    </m:sSub>
+                    <m:r>
+                      <a:rPr lang="en-US" b="0" i="1" smtClean="0">
+                        <a:latin typeface="Cambria Math" panose="02040503050406030204" pitchFamily="18" charset="0"/>
+                      </a:rPr>
+                      <m:t>−</m:t>
+                    </m:r>
+                    <m:r>
+                      <a:rPr lang="en-US" b="0" i="1" smtClean="0">
+                        <a:latin typeface="Cambria Math" panose="02040503050406030204" pitchFamily="18" charset="0"/>
+                      </a:rPr>
+                      <m:t>𝛼</m:t>
+                    </m:r>
+                    <m:r>
+                      <a:rPr lang="en-US" b="0" i="1" smtClean="0">
+                        <a:latin typeface="Cambria Math" panose="02040503050406030204" pitchFamily="18" charset="0"/>
+                      </a:rPr>
+                      <m:t>(</m:t>
+                    </m:r>
+                    <m:f>
+                      <m:fPr>
+                        <m:ctrlPr>
+                          <a:rPr lang="en-US" b="0" i="1" smtClean="0">
+                            <a:latin typeface="Cambria Math" panose="02040503050406030204" pitchFamily="18" charset="0"/>
+                          </a:rPr>
+                        </m:ctrlPr>
+                      </m:fPr>
+                      <m:num>
+                        <m:r>
+                          <a:rPr lang="en-US" b="0" i="1" smtClean="0">
+                            <a:latin typeface="Cambria Math" panose="02040503050406030204" pitchFamily="18" charset="0"/>
+                          </a:rPr>
+                          <m:t>𝜕</m:t>
+                        </m:r>
+                        <m:r>
+                          <a:rPr lang="en-US" b="0" i="1" smtClean="0">
+                            <a:latin typeface="Cambria Math" panose="02040503050406030204" pitchFamily="18" charset="0"/>
+                          </a:rPr>
+                          <m:t>𝐸</m:t>
+                        </m:r>
+                      </m:num>
+                      <m:den>
+                        <m:r>
+                          <a:rPr lang="en-US" i="1">
+                            <a:latin typeface="Cambria Math" panose="02040503050406030204" pitchFamily="18" charset="0"/>
+                          </a:rPr>
+                          <m:t>𝜕𝜃</m:t>
+                        </m:r>
+                      </m:den>
+                    </m:f>
+                    <m:r>
+                      <a:rPr lang="en-US" b="0" i="0" smtClean="0">
+                        <a:latin typeface="Cambria Math" panose="02040503050406030204" pitchFamily="18" charset="0"/>
+                      </a:rPr>
+                      <m:t>+</m:t>
+                    </m:r>
+                    <m:f>
+                      <m:fPr>
+                        <m:ctrlPr>
+                          <a:rPr lang="en-US" b="0" i="1" smtClean="0">
+                            <a:latin typeface="Cambria Math" panose="02040503050406030204" pitchFamily="18" charset="0"/>
+                          </a:rPr>
+                        </m:ctrlPr>
+                      </m:fPr>
+                      <m:num>
+                        <m:r>
+                          <a:rPr lang="en-US" b="0" i="1" smtClean="0">
+                            <a:latin typeface="Cambria Math" panose="02040503050406030204" pitchFamily="18" charset="0"/>
+                          </a:rPr>
+                          <m:t>𝜆</m:t>
+                        </m:r>
+                      </m:num>
+                      <m:den>
+                        <m:r>
+                          <a:rPr lang="en-US" b="0" i="1" smtClean="0">
+                            <a:latin typeface="Cambria Math" panose="02040503050406030204" pitchFamily="18" charset="0"/>
+                          </a:rPr>
+                          <m:t>𝑚</m:t>
+                        </m:r>
+                      </m:den>
+                    </m:f>
+                    <m:r>
+                      <a:rPr lang="en-US" b="0" i="1" smtClean="0">
+                        <a:latin typeface="Cambria Math" panose="02040503050406030204" pitchFamily="18" charset="0"/>
+                      </a:rPr>
+                      <m:t>∑</m:t>
+                    </m:r>
+                    <m:d>
+                      <m:dPr>
+                        <m:begChr m:val="|"/>
+                        <m:endChr m:val="|"/>
+                        <m:ctrlPr>
+                          <a:rPr lang="en-US" b="0" i="1" smtClean="0">
+                            <a:latin typeface="Cambria Math" panose="02040503050406030204" pitchFamily="18" charset="0"/>
+                          </a:rPr>
+                        </m:ctrlPr>
+                      </m:dPr>
+                      <m:e>
+                        <m:r>
+                          <a:rPr lang="en-US" i="1">
+                            <a:latin typeface="Cambria Math" panose="02040503050406030204" pitchFamily="18" charset="0"/>
+                          </a:rPr>
+                          <m:t>𝜃</m:t>
+                        </m:r>
+                      </m:e>
+                    </m:d>
+                    <m:r>
+                      <a:rPr lang="en-US" b="0" i="1" smtClean="0">
+                        <a:latin typeface="Cambria Math" panose="02040503050406030204" pitchFamily="18" charset="0"/>
+                      </a:rPr>
+                      <m:t>)</m:t>
+                    </m:r>
+                  </m:oMath>
+                </a14:m>
+                <a:r>
+                  <a:rPr lang="en-US" b="0" dirty="0"/>
+                  <a:t> </a:t>
+                </a:r>
+              </a:p>
+            </p:txBody>
+          </p:sp>
+        </mc:Choice>
+        <mc:Fallback xmlns="">
+          <p:sp>
+            <p:nvSpPr>
+              <p:cNvPr id="4" name="TextBox 3">
+                <a:extLst>
+                  <a:ext uri="{FF2B5EF4-FFF2-40B4-BE49-F238E27FC236}">
+                    <a16:creationId xmlns:a16="http://schemas.microsoft.com/office/drawing/2014/main" id="{9B2CE97A-336F-476D-B455-999BA3698914}"/>
+                  </a:ext>
+                </a:extLst>
+              </p:cNvPr>
+              <p:cNvSpPr txBox="1">
+                <a:spLocks noRot="1" noChangeAspect="1" noMove="1" noResize="1" noEditPoints="1" noAdjustHandles="1" noChangeArrowheads="1" noChangeShapeType="1" noTextEdit="1"/>
+              </p:cNvSpPr>
+              <p:nvPr/>
+            </p:nvSpPr>
+            <p:spPr>
+              <a:xfrm>
+                <a:off x="4094455" y="3249622"/>
+                <a:ext cx="4003089" cy="499560"/>
+              </a:xfrm>
+              <a:prstGeom prst="rect">
+                <a:avLst/>
+              </a:prstGeom>
+              <a:blipFill>
+                <a:blip r:embed="rId2"/>
+                <a:stretch>
+                  <a:fillRect b="-2439"/>
+                </a:stretch>
+              </a:blipFill>
+            </p:spPr>
+            <p:txBody>
+              <a:bodyPr/>
+              <a:lstStyle/>
+              <a:p>
+                <a:r>
+                  <a:rPr lang="en-NL">
+                    <a:noFill/>
+                  </a:rPr>
+                  <a:t> </a:t>
+                </a:r>
+              </a:p>
+            </p:txBody>
+          </p:sp>
+        </mc:Fallback>
+      </mc:AlternateContent>
+      <mc:AlternateContent xmlns:mc="http://schemas.openxmlformats.org/markup-compatibility/2006" xmlns:a14="http://schemas.microsoft.com/office/drawing/2010/main">
+        <mc:Choice Requires="a14">
+          <p:sp>
+            <p:nvSpPr>
+              <p:cNvPr id="6" name="TextBox 5">
+                <a:extLst>
+                  <a:ext uri="{FF2B5EF4-FFF2-40B4-BE49-F238E27FC236}">
+                    <a16:creationId xmlns:a16="http://schemas.microsoft.com/office/drawing/2014/main" id="{C0972AA1-7530-4665-BD4B-AB57AF962404}"/>
+                  </a:ext>
+                </a:extLst>
+              </p:cNvPr>
+              <p:cNvSpPr txBox="1"/>
+              <p:nvPr/>
+            </p:nvSpPr>
+            <p:spPr>
+              <a:xfrm>
+                <a:off x="4156968" y="4713292"/>
+                <a:ext cx="6094520" cy="1053558"/>
+              </a:xfrm>
+              <a:prstGeom prst="rect">
+                <a:avLst/>
+              </a:prstGeom>
+              <a:noFill/>
+            </p:spPr>
+            <p:txBody>
+              <a:bodyPr wrap="square">
+                <a:spAutoFit/>
+              </a:bodyPr>
+              <a:lstStyle/>
+              <a:p>
+                <a14:m>
+                  <m:oMath xmlns:m="http://schemas.openxmlformats.org/officeDocument/2006/math">
+                    <m:sSub>
+                      <m:sSubPr>
+                        <m:ctrlPr>
+                          <a:rPr lang="en-US" b="0" i="1" smtClean="0">
+                            <a:latin typeface="Cambria Math" panose="02040503050406030204" pitchFamily="18" charset="0"/>
+                          </a:rPr>
+                        </m:ctrlPr>
+                      </m:sSubPr>
+                      <m:e>
+                        <m:r>
+                          <a:rPr lang="en-US" b="0" i="1" smtClean="0">
+                            <a:latin typeface="Cambria Math" panose="02040503050406030204" pitchFamily="18" charset="0"/>
+                          </a:rPr>
+                          <m:t>𝜃</m:t>
+                        </m:r>
+                      </m:e>
+                      <m:sub>
+                        <m:r>
+                          <a:rPr lang="en-US" b="0" i="1" smtClean="0">
+                            <a:latin typeface="Cambria Math" panose="02040503050406030204" pitchFamily="18" charset="0"/>
+                          </a:rPr>
+                          <m:t>𝑖</m:t>
+                        </m:r>
+                      </m:sub>
+                    </m:sSub>
+                    <m:r>
+                      <a:rPr lang="en-US" b="0" i="1" smtClean="0">
+                        <a:latin typeface="Cambria Math" panose="02040503050406030204" pitchFamily="18" charset="0"/>
+                      </a:rPr>
+                      <m:t> ≔</m:t>
+                    </m:r>
+                    <m:sSub>
+                      <m:sSubPr>
+                        <m:ctrlPr>
+                          <a:rPr lang="en-US" b="0" i="1" smtClean="0">
+                            <a:latin typeface="Cambria Math" panose="02040503050406030204" pitchFamily="18" charset="0"/>
+                          </a:rPr>
+                        </m:ctrlPr>
+                      </m:sSubPr>
+                      <m:e>
+                        <m:r>
+                          <a:rPr lang="en-US" b="0" i="1" smtClean="0">
+                            <a:latin typeface="Cambria Math" panose="02040503050406030204" pitchFamily="18" charset="0"/>
+                          </a:rPr>
+                          <m:t>𝜃</m:t>
+                        </m:r>
+                      </m:e>
+                      <m:sub>
+                        <m:r>
+                          <a:rPr lang="en-US" b="0" i="1" smtClean="0">
+                            <a:latin typeface="Cambria Math" panose="02040503050406030204" pitchFamily="18" charset="0"/>
+                          </a:rPr>
+                          <m:t>𝑖</m:t>
+                        </m:r>
+                      </m:sub>
+                    </m:sSub>
+                    <m:r>
+                      <a:rPr lang="en-US" b="0" i="1" smtClean="0">
+                        <a:latin typeface="Cambria Math" panose="02040503050406030204" pitchFamily="18" charset="0"/>
+                      </a:rPr>
+                      <m:t>−</m:t>
+                    </m:r>
+                    <m:r>
+                      <a:rPr lang="en-US" b="0" i="1" smtClean="0">
+                        <a:latin typeface="Cambria Math" panose="02040503050406030204" pitchFamily="18" charset="0"/>
+                      </a:rPr>
+                      <m:t>𝛼</m:t>
+                    </m:r>
+                    <m:r>
+                      <a:rPr lang="en-US" b="0" i="1" smtClean="0">
+                        <a:latin typeface="Cambria Math" panose="02040503050406030204" pitchFamily="18" charset="0"/>
+                      </a:rPr>
+                      <m:t>(</m:t>
+                    </m:r>
+                    <m:f>
+                      <m:fPr>
+                        <m:ctrlPr>
+                          <a:rPr lang="en-US" b="0" i="1" smtClean="0">
+                            <a:latin typeface="Cambria Math" panose="02040503050406030204" pitchFamily="18" charset="0"/>
+                          </a:rPr>
+                        </m:ctrlPr>
+                      </m:fPr>
+                      <m:num>
+                        <m:r>
+                          <a:rPr lang="en-US" b="0" i="1" smtClean="0">
+                            <a:latin typeface="Cambria Math" panose="02040503050406030204" pitchFamily="18" charset="0"/>
+                          </a:rPr>
+                          <m:t>𝜕</m:t>
+                        </m:r>
+                        <m:r>
+                          <a:rPr lang="en-US" b="0" i="1" smtClean="0">
+                            <a:latin typeface="Cambria Math" panose="02040503050406030204" pitchFamily="18" charset="0"/>
+                          </a:rPr>
+                          <m:t>𝐸</m:t>
+                        </m:r>
+                      </m:num>
+                      <m:den>
+                        <m:r>
+                          <a:rPr lang="en-US" b="0" i="1" smtClean="0">
+                            <a:latin typeface="Cambria Math" panose="02040503050406030204" pitchFamily="18" charset="0"/>
+                          </a:rPr>
+                          <m:t>𝜕</m:t>
+                        </m:r>
+                        <m:r>
+                          <a:rPr lang="en-US" i="1">
+                            <a:latin typeface="Cambria Math" panose="02040503050406030204" pitchFamily="18" charset="0"/>
+                          </a:rPr>
+                          <m:t>𝜃</m:t>
+                        </m:r>
+                      </m:den>
+                    </m:f>
+                    <m:r>
+                      <a:rPr lang="en-US" b="0" i="0" smtClean="0">
+                        <a:latin typeface="Cambria Math" panose="02040503050406030204" pitchFamily="18" charset="0"/>
+                      </a:rPr>
+                      <m:t>+</m:t>
+                    </m:r>
+                    <m:f>
+                      <m:fPr>
+                        <m:ctrlPr>
+                          <a:rPr lang="en-US" b="0" i="1" smtClean="0">
+                            <a:latin typeface="Cambria Math" panose="02040503050406030204" pitchFamily="18" charset="0"/>
+                          </a:rPr>
+                        </m:ctrlPr>
+                      </m:fPr>
+                      <m:num>
+                        <m:r>
+                          <a:rPr lang="en-US" b="0" i="1" smtClean="0">
+                            <a:latin typeface="Cambria Math" panose="02040503050406030204" pitchFamily="18" charset="0"/>
+                          </a:rPr>
+                          <m:t>𝜆</m:t>
+                        </m:r>
+                      </m:num>
+                      <m:den>
+                        <m:r>
+                          <a:rPr lang="en-US" b="0" i="1" smtClean="0">
+                            <a:latin typeface="Cambria Math" panose="02040503050406030204" pitchFamily="18" charset="0"/>
+                          </a:rPr>
+                          <m:t>𝑚</m:t>
+                        </m:r>
+                      </m:den>
+                    </m:f>
+                    <m:sSup>
+                      <m:sSupPr>
+                        <m:ctrlPr>
+                          <a:rPr lang="en-US" b="0" i="1" smtClean="0">
+                            <a:latin typeface="Cambria Math" panose="02040503050406030204" pitchFamily="18" charset="0"/>
+                          </a:rPr>
+                        </m:ctrlPr>
+                      </m:sSupPr>
+                      <m:e>
+                        <m:d>
+                          <m:dPr>
+                            <m:begChr m:val="|"/>
+                            <m:endChr m:val="|"/>
+                            <m:ctrlPr>
+                              <a:rPr lang="en-US" b="0" i="1" smtClean="0">
+                                <a:latin typeface="Cambria Math" panose="02040503050406030204" pitchFamily="18" charset="0"/>
+                              </a:rPr>
+                            </m:ctrlPr>
+                          </m:dPr>
+                          <m:e>
+                            <m:d>
+                              <m:dPr>
+                                <m:begChr m:val="|"/>
+                                <m:endChr m:val="|"/>
+                                <m:ctrlPr>
+                                  <a:rPr lang="en-US" b="0" i="1" smtClean="0">
+                                    <a:latin typeface="Cambria Math" panose="02040503050406030204" pitchFamily="18" charset="0"/>
+                                  </a:rPr>
+                                </m:ctrlPr>
+                              </m:dPr>
+                              <m:e>
+                                <m:r>
+                                  <a:rPr lang="en-US" i="1">
+                                    <a:latin typeface="Cambria Math" panose="02040503050406030204" pitchFamily="18" charset="0"/>
+                                  </a:rPr>
+                                  <m:t>𝜃</m:t>
+                                </m:r>
+                              </m:e>
+                            </m:d>
+                          </m:e>
+                        </m:d>
+                      </m:e>
+                      <m:sup>
+                        <m:r>
+                          <a:rPr lang="en-US" b="0" i="1" smtClean="0">
+                            <a:latin typeface="Cambria Math" panose="02040503050406030204" pitchFamily="18" charset="0"/>
+                          </a:rPr>
+                          <m:t>2</m:t>
+                        </m:r>
+                      </m:sup>
+                    </m:sSup>
+                    <m:r>
+                      <a:rPr lang="en-US" b="0" i="1" smtClean="0">
+                        <a:latin typeface="Cambria Math" panose="02040503050406030204" pitchFamily="18" charset="0"/>
+                      </a:rPr>
+                      <m:t>)</m:t>
+                    </m:r>
+                  </m:oMath>
+                </a14:m>
+                <a:r>
+                  <a:rPr lang="en-US" b="0" dirty="0"/>
+                  <a:t> </a:t>
+                </a:r>
+              </a:p>
+              <a:p>
+                <a:endParaRPr lang="en-US" b="0" dirty="0"/>
+              </a:p>
+              <a:p>
+                <a:r>
+                  <a:rPr lang="en-US" dirty="0"/>
+                  <a:t>Weights influence learning rate</a:t>
+                </a:r>
+              </a:p>
+            </p:txBody>
+          </p:sp>
+        </mc:Choice>
+        <mc:Fallback xmlns="">
+          <p:sp>
+            <p:nvSpPr>
+              <p:cNvPr id="6" name="TextBox 5">
+                <a:extLst>
+                  <a:ext uri="{FF2B5EF4-FFF2-40B4-BE49-F238E27FC236}">
+                    <a16:creationId xmlns:a16="http://schemas.microsoft.com/office/drawing/2014/main" id="{C0972AA1-7530-4665-BD4B-AB57AF962404}"/>
+                  </a:ext>
+                </a:extLst>
+              </p:cNvPr>
+              <p:cNvSpPr txBox="1">
+                <a:spLocks noRot="1" noChangeAspect="1" noMove="1" noResize="1" noEditPoints="1" noAdjustHandles="1" noChangeArrowheads="1" noChangeShapeType="1" noTextEdit="1"/>
+              </p:cNvSpPr>
+              <p:nvPr/>
+            </p:nvSpPr>
+            <p:spPr>
+              <a:xfrm>
+                <a:off x="4156968" y="4713292"/>
+                <a:ext cx="6094520" cy="1053558"/>
+              </a:xfrm>
+              <a:prstGeom prst="rect">
+                <a:avLst/>
+              </a:prstGeom>
+              <a:blipFill>
+                <a:blip r:embed="rId3"/>
+                <a:stretch>
+                  <a:fillRect l="-900" b="-8671"/>
+                </a:stretch>
+              </a:blipFill>
+            </p:spPr>
+            <p:txBody>
+              <a:bodyPr/>
+              <a:lstStyle/>
+              <a:p>
+                <a:r>
+                  <a:rPr lang="en-NL">
+                    <a:noFill/>
+                  </a:rPr>
+                  <a:t> </a:t>
+                </a:r>
+              </a:p>
+            </p:txBody>
+          </p:sp>
+        </mc:Fallback>
+      </mc:AlternateContent>
+      <p:sp>
+        <p:nvSpPr>
+          <p:cNvPr id="7" name="TextBox 6">
+            <a:extLst>
+              <a:ext uri="{FF2B5EF4-FFF2-40B4-BE49-F238E27FC236}">
+                <a16:creationId xmlns:a16="http://schemas.microsoft.com/office/drawing/2014/main" id="{C612CA6D-84AC-46B4-BAFB-C362F934AF88}"/>
+              </a:ext>
+            </a:extLst>
+          </p:cNvPr>
+          <p:cNvSpPr txBox="1"/>
+          <p:nvPr/>
+        </p:nvSpPr>
+        <p:spPr>
+          <a:xfrm>
+            <a:off x="8353887" y="2715461"/>
+            <a:ext cx="3322467" cy="1200329"/>
+          </a:xfrm>
+          <a:prstGeom prst="rect">
+            <a:avLst/>
+          </a:prstGeom>
+          <a:noFill/>
+        </p:spPr>
+        <p:txBody>
+          <a:bodyPr wrap="square" rtlCol="0">
+            <a:spAutoFit/>
+          </a:bodyPr>
+          <a:lstStyle/>
+          <a:p>
+            <a:r>
+              <a:rPr lang="en-US" dirty="0"/>
+              <a:t>Also.. To name a few optimizers…</a:t>
+            </a:r>
+          </a:p>
+          <a:p>
+            <a:r>
+              <a:rPr lang="en-US" dirty="0" err="1"/>
+              <a:t>RMSProp</a:t>
+            </a:r>
+            <a:endParaRPr lang="en-US" dirty="0"/>
+          </a:p>
+          <a:p>
+            <a:r>
+              <a:rPr lang="en-US" dirty="0"/>
+              <a:t>Adam Optimizer</a:t>
+            </a:r>
+          </a:p>
+          <a:p>
+            <a:r>
+              <a:rPr lang="en-US" dirty="0" err="1"/>
+              <a:t>Sgd</a:t>
+            </a:r>
+            <a:r>
+              <a:rPr lang="en-US" dirty="0"/>
+              <a:t> + momentum optimizer</a:t>
+            </a:r>
+            <a:endParaRPr lang="en-NL" dirty="0"/>
+          </a:p>
+        </p:txBody>
+      </p:sp>
+      <p:sp>
+        <p:nvSpPr>
+          <p:cNvPr id="8" name="Left Brace 7">
+            <a:extLst>
+              <a:ext uri="{FF2B5EF4-FFF2-40B4-BE49-F238E27FC236}">
+                <a16:creationId xmlns:a16="http://schemas.microsoft.com/office/drawing/2014/main" id="{D987F79B-E329-4487-B3B5-83BD14181E10}"/>
+              </a:ext>
+            </a:extLst>
+          </p:cNvPr>
+          <p:cNvSpPr/>
+          <p:nvPr/>
+        </p:nvSpPr>
+        <p:spPr>
+          <a:xfrm rot="16200000">
+            <a:off x="6276213" y="3507115"/>
+            <a:ext cx="110091" cy="707257"/>
+          </a:xfrm>
+          <a:prstGeom prst="leftBrace">
+            <a:avLst/>
+          </a:prstGeom>
+        </p:spPr>
+        <p:style>
+          <a:lnRef idx="1">
+            <a:schemeClr val="accent1"/>
+          </a:lnRef>
+          <a:fillRef idx="0">
+            <a:schemeClr val="accent1"/>
+          </a:fillRef>
+          <a:effectRef idx="0">
+            <a:schemeClr val="accent1"/>
+          </a:effectRef>
+          <a:fontRef idx="minor">
+            <a:schemeClr val="tx1"/>
+          </a:fontRef>
+        </p:style>
+        <p:txBody>
+          <a:bodyPr rtlCol="0" anchor="ctr"/>
+          <a:lstStyle/>
+          <a:p>
+            <a:pPr algn="ctr"/>
             <a:endParaRPr lang="en-NL"/>
+          </a:p>
+        </p:txBody>
+      </p:sp>
+      <p:sp>
+        <p:nvSpPr>
+          <p:cNvPr id="9" name="Left Brace 8">
+            <a:extLst>
+              <a:ext uri="{FF2B5EF4-FFF2-40B4-BE49-F238E27FC236}">
+                <a16:creationId xmlns:a16="http://schemas.microsoft.com/office/drawing/2014/main" id="{E5530F01-01CE-449E-8B3E-1686E2799026}"/>
+              </a:ext>
+            </a:extLst>
+          </p:cNvPr>
+          <p:cNvSpPr/>
+          <p:nvPr/>
+        </p:nvSpPr>
+        <p:spPr>
+          <a:xfrm rot="16200000">
+            <a:off x="6276213" y="4941488"/>
+            <a:ext cx="110091" cy="707257"/>
+          </a:xfrm>
+          <a:prstGeom prst="leftBrace">
+            <a:avLst/>
+          </a:prstGeom>
+        </p:spPr>
+        <p:style>
+          <a:lnRef idx="1">
+            <a:schemeClr val="accent1"/>
+          </a:lnRef>
+          <a:fillRef idx="0">
+            <a:schemeClr val="accent1"/>
+          </a:fillRef>
+          <a:effectRef idx="0">
+            <a:schemeClr val="accent1"/>
+          </a:effectRef>
+          <a:fontRef idx="minor">
+            <a:schemeClr val="tx1"/>
+          </a:fontRef>
+        </p:style>
+        <p:txBody>
+          <a:bodyPr rtlCol="0" anchor="ctr"/>
+          <a:lstStyle/>
+          <a:p>
+            <a:pPr algn="ctr"/>
+            <a:endParaRPr lang="en-NL"/>
+          </a:p>
+        </p:txBody>
+      </p:sp>
+      <p:sp>
+        <p:nvSpPr>
+          <p:cNvPr id="10" name="TextBox 9">
+            <a:extLst>
+              <a:ext uri="{FF2B5EF4-FFF2-40B4-BE49-F238E27FC236}">
+                <a16:creationId xmlns:a16="http://schemas.microsoft.com/office/drawing/2014/main" id="{676337ED-A885-4ABF-AF40-A2DDC30F355C}"/>
+              </a:ext>
+            </a:extLst>
+          </p:cNvPr>
+          <p:cNvSpPr txBox="1"/>
+          <p:nvPr/>
+        </p:nvSpPr>
+        <p:spPr>
+          <a:xfrm>
+            <a:off x="5925843" y="4133050"/>
+            <a:ext cx="914400" cy="369332"/>
+          </a:xfrm>
+          <a:prstGeom prst="rect">
+            <a:avLst/>
+          </a:prstGeom>
+          <a:noFill/>
+        </p:spPr>
+        <p:txBody>
+          <a:bodyPr wrap="square" rtlCol="0">
+            <a:spAutoFit/>
+          </a:bodyPr>
+          <a:lstStyle/>
+          <a:p>
+            <a:r>
+              <a:rPr lang="en-US" dirty="0"/>
+              <a:t>penalty</a:t>
+            </a:r>
+            <a:endParaRPr lang="en-NL" dirty="0"/>
           </a:p>
         </p:txBody>
       </p:sp>
     </p:spTree>
     <p:extLst>
       <p:ext uri="{BB962C8B-B14F-4D97-AF65-F5344CB8AC3E}">
-        <p14:creationId xmlns:p14="http://schemas.microsoft.com/office/powerpoint/2010/main" val="931138271"/>
+        <p14:creationId xmlns:p14="http://schemas.microsoft.com/office/powerpoint/2010/main" val="2490912563"/>
       </p:ext>
     </p:extLst>
   </p:cSld>
@@ -4495,7 +6997,7 @@
 </p:sld>
 </file>
 
-<file path=ppt/slides/slide2.xml><?xml version="1.0" encoding="utf-8"?>
+<file path=ppt/slides/slide13.xml><?xml version="1.0" encoding="utf-8"?>
 <p:sld xmlns:a="http://schemas.openxmlformats.org/drawingml/2006/main" xmlns:r="http://schemas.openxmlformats.org/officeDocument/2006/relationships" xmlns:p="http://schemas.openxmlformats.org/presentationml/2006/main">
   <p:cSld>
     <p:spTree>
@@ -4517,7 +7019,7 @@
           <p:cNvPr id="2" name="Title 1">
             <a:extLst>
               <a:ext uri="{FF2B5EF4-FFF2-40B4-BE49-F238E27FC236}">
-                <a16:creationId xmlns:a16="http://schemas.microsoft.com/office/drawing/2014/main" id="{45E45AB6-09D2-4B89-A105-D5F8E3CEECDA}"/>
+                <a16:creationId xmlns:a16="http://schemas.microsoft.com/office/drawing/2014/main" id="{292264B1-22AF-4EAF-BEA2-07BB7313CE5D}"/>
               </a:ext>
             </a:extLst>
           </p:cNvPr>
@@ -4534,107 +7036,531 @@
           <a:lstStyle/>
           <a:p>
             <a:r>
-              <a:rPr lang="nl-NL" dirty="0" err="1"/>
-              <a:t>Table</a:t>
-            </a:r>
-            <a:r>
-              <a:rPr lang="nl-NL" dirty="0"/>
-              <a:t> of Contents</a:t>
+              <a:rPr lang="en-US" dirty="0"/>
+              <a:t>Cost functions</a:t>
+            </a:r>
+            <a:br>
+              <a:rPr lang="en-US" dirty="0"/>
+            </a:br>
+            <a:r>
+              <a:rPr lang="en-US" sz="1800" dirty="0"/>
+              <a:t>(also called loss function or error function)</a:t>
             </a:r>
             <a:endParaRPr lang="en-NL" dirty="0"/>
           </a:p>
         </p:txBody>
       </p:sp>
-      <p:sp>
-        <p:nvSpPr>
-          <p:cNvPr id="3" name="Content Placeholder 2">
-            <a:extLst>
-              <a:ext uri="{FF2B5EF4-FFF2-40B4-BE49-F238E27FC236}">
-                <a16:creationId xmlns:a16="http://schemas.microsoft.com/office/drawing/2014/main" id="{682B7CE4-8B1A-4EF0-A52F-B481C1BB4E34}"/>
-              </a:ext>
-            </a:extLst>
-          </p:cNvPr>
-          <p:cNvSpPr>
-            <a:spLocks noGrp="1"/>
-          </p:cNvSpPr>
-          <p:nvPr>
-            <p:ph idx="1"/>
-          </p:nvPr>
-        </p:nvSpPr>
-        <p:spPr/>
-        <p:txBody>
-          <a:bodyPr/>
-          <a:lstStyle/>
-          <a:p>
-            <a:r>
-              <a:rPr lang="nl-NL" dirty="0" err="1"/>
-              <a:t>Perceptron</a:t>
-            </a:r>
-            <a:endParaRPr lang="nl-NL" dirty="0"/>
-          </a:p>
-          <a:p>
-            <a:pPr lvl="1"/>
-            <a:r>
-              <a:rPr lang="nl-NL" dirty="0" err="1"/>
-              <a:t>Biological</a:t>
-            </a:r>
-            <a:r>
-              <a:rPr lang="nl-NL" dirty="0"/>
-              <a:t> </a:t>
-            </a:r>
-            <a:r>
-              <a:rPr lang="nl-NL" dirty="0" err="1"/>
-              <a:t>representation</a:t>
-            </a:r>
-            <a:endParaRPr lang="nl-NL" dirty="0"/>
-          </a:p>
-          <a:p>
-            <a:pPr lvl="1"/>
-            <a:r>
-              <a:rPr lang="nl-NL" dirty="0" err="1"/>
-              <a:t>Artificial</a:t>
-            </a:r>
-            <a:r>
-              <a:rPr lang="nl-NL" dirty="0"/>
-              <a:t> </a:t>
-            </a:r>
-            <a:r>
-              <a:rPr lang="nl-NL" dirty="0" err="1"/>
-              <a:t>representation</a:t>
-            </a:r>
-            <a:endParaRPr lang="nl-NL" dirty="0"/>
-          </a:p>
-          <a:p>
-            <a:r>
-              <a:rPr lang="nl-NL" dirty="0"/>
-              <a:t>Feed-forward</a:t>
-            </a:r>
-          </a:p>
-          <a:p>
-            <a:pPr lvl="1"/>
-            <a:r>
-              <a:rPr lang="nl-NL" dirty="0" err="1"/>
-              <a:t>Classification</a:t>
-            </a:r>
-            <a:endParaRPr lang="nl-NL" dirty="0"/>
-          </a:p>
-          <a:p>
-            <a:pPr lvl="1"/>
-            <a:r>
-              <a:rPr lang="nl-NL" dirty="0" err="1"/>
-              <a:t>Regression</a:t>
-            </a:r>
-            <a:endParaRPr lang="nl-NL" dirty="0"/>
-          </a:p>
-          <a:p>
-            <a:endParaRPr lang="nl-NL" dirty="0"/>
-          </a:p>
-        </p:txBody>
-      </p:sp>
+      <mc:AlternateContent xmlns:mc="http://schemas.openxmlformats.org/markup-compatibility/2006" xmlns:a14="http://schemas.microsoft.com/office/drawing/2010/main">
+        <mc:Choice Requires="a14">
+          <p:sp>
+            <p:nvSpPr>
+              <p:cNvPr id="3" name="Content Placeholder 2">
+                <a:extLst>
+                  <a:ext uri="{FF2B5EF4-FFF2-40B4-BE49-F238E27FC236}">
+                    <a16:creationId xmlns:a16="http://schemas.microsoft.com/office/drawing/2014/main" id="{96F9CDF0-E388-45E9-ADE8-613611A5E95E}"/>
+                  </a:ext>
+                </a:extLst>
+              </p:cNvPr>
+              <p:cNvSpPr>
+                <a:spLocks noGrp="1"/>
+              </p:cNvSpPr>
+              <p:nvPr>
+                <p:ph idx="1"/>
+              </p:nvPr>
+            </p:nvSpPr>
+            <p:spPr/>
+            <p:txBody>
+              <a:bodyPr/>
+              <a:lstStyle/>
+              <a:p>
+                <a:r>
+                  <a:rPr lang="en-US" dirty="0"/>
+                  <a:t>Using probability (for classification)</a:t>
+                </a:r>
+              </a:p>
+              <a:p>
+                <a:pPr marL="0" indent="0">
+                  <a:buNone/>
+                </a:pPr>
+                <a14:m>
+                  <m:oMathPara xmlns:m="http://schemas.openxmlformats.org/officeDocument/2006/math">
+                    <m:oMathParaPr>
+                      <m:jc m:val="centerGroup"/>
+                    </m:oMathParaPr>
+                    <m:oMath xmlns:m="http://schemas.openxmlformats.org/officeDocument/2006/math">
+                      <m:r>
+                        <m:rPr>
+                          <m:sty m:val="p"/>
+                        </m:rPr>
+                        <a:rPr lang="en-US" i="1">
+                          <a:latin typeface="Cambria Math" panose="02040503050406030204" pitchFamily="18" charset="0"/>
+                        </a:rPr>
+                        <m:t>p</m:t>
+                      </m:r>
+                      <m:d>
+                        <m:dPr>
+                          <m:ctrlPr>
+                            <a:rPr lang="en-US" b="0" i="1" smtClean="0">
+                              <a:latin typeface="Cambria Math" panose="02040503050406030204" pitchFamily="18" charset="0"/>
+                            </a:rPr>
+                          </m:ctrlPr>
+                        </m:dPr>
+                        <m:e>
+                          <m:sSub>
+                            <m:sSubPr>
+                              <m:ctrlPr>
+                                <a:rPr lang="en-US" b="0" i="1" smtClean="0">
+                                  <a:latin typeface="Cambria Math" panose="02040503050406030204" pitchFamily="18" charset="0"/>
+                                </a:rPr>
+                              </m:ctrlPr>
+                            </m:sSubPr>
+                            <m:e>
+                              <m:r>
+                                <a:rPr lang="en-US" b="0" i="1" smtClean="0">
+                                  <a:latin typeface="Cambria Math" panose="02040503050406030204" pitchFamily="18" charset="0"/>
+                                </a:rPr>
+                                <m:t>𝑐</m:t>
+                              </m:r>
+                            </m:e>
+                            <m:sub>
+                              <m:r>
+                                <a:rPr lang="en-US" b="0" i="1" smtClean="0">
+                                  <a:latin typeface="Cambria Math" panose="02040503050406030204" pitchFamily="18" charset="0"/>
+                                </a:rPr>
+                                <m:t>1</m:t>
+                              </m:r>
+                            </m:sub>
+                          </m:sSub>
+                          <m:r>
+                            <a:rPr lang="en-US" b="0" i="1" smtClean="0">
+                              <a:latin typeface="Cambria Math" panose="02040503050406030204" pitchFamily="18" charset="0"/>
+                            </a:rPr>
+                            <m:t>…</m:t>
+                          </m:r>
+                          <m:sSub>
+                            <m:sSubPr>
+                              <m:ctrlPr>
+                                <a:rPr lang="en-US" b="0" i="1" smtClean="0">
+                                  <a:latin typeface="Cambria Math" panose="02040503050406030204" pitchFamily="18" charset="0"/>
+                                </a:rPr>
+                              </m:ctrlPr>
+                            </m:sSubPr>
+                            <m:e>
+                              <m:r>
+                                <a:rPr lang="en-US" b="0" i="1" smtClean="0">
+                                  <a:latin typeface="Cambria Math" panose="02040503050406030204" pitchFamily="18" charset="0"/>
+                                </a:rPr>
+                                <m:t>𝑐</m:t>
+                              </m:r>
+                            </m:e>
+                            <m:sub>
+                              <m:r>
+                                <a:rPr lang="en-US" b="0" i="1" smtClean="0">
+                                  <a:latin typeface="Cambria Math" panose="02040503050406030204" pitchFamily="18" charset="0"/>
+                                </a:rPr>
+                                <m:t>𝑛</m:t>
+                              </m:r>
+                            </m:sub>
+                          </m:sSub>
+                        </m:e>
+                        <m:e>
+                          <m:sSub>
+                            <m:sSubPr>
+                              <m:ctrlPr>
+                                <a:rPr lang="en-US" b="0" i="1" smtClean="0">
+                                  <a:latin typeface="Cambria Math" panose="02040503050406030204" pitchFamily="18" charset="0"/>
+                                </a:rPr>
+                              </m:ctrlPr>
+                            </m:sSubPr>
+                            <m:e>
+                              <m:r>
+                                <a:rPr lang="en-US" b="0" i="1" smtClean="0">
+                                  <a:latin typeface="Cambria Math" panose="02040503050406030204" pitchFamily="18" charset="0"/>
+                                </a:rPr>
+                                <m:t>𝑥</m:t>
+                              </m:r>
+                            </m:e>
+                            <m:sub>
+                              <m:r>
+                                <a:rPr lang="en-US" b="0" i="1" smtClean="0">
+                                  <a:latin typeface="Cambria Math" panose="02040503050406030204" pitchFamily="18" charset="0"/>
+                                </a:rPr>
+                                <m:t>1</m:t>
+                              </m:r>
+                            </m:sub>
+                          </m:sSub>
+                          <m:r>
+                            <a:rPr lang="en-US" b="0" i="1" smtClean="0">
+                              <a:latin typeface="Cambria Math" panose="02040503050406030204" pitchFamily="18" charset="0"/>
+                            </a:rPr>
+                            <m:t>…</m:t>
+                          </m:r>
+                          <m:sSub>
+                            <m:sSubPr>
+                              <m:ctrlPr>
+                                <a:rPr lang="en-US" b="0" i="1" smtClean="0">
+                                  <a:latin typeface="Cambria Math" panose="02040503050406030204" pitchFamily="18" charset="0"/>
+                                </a:rPr>
+                              </m:ctrlPr>
+                            </m:sSubPr>
+                            <m:e>
+                              <m:r>
+                                <a:rPr lang="en-US" b="0" i="1" smtClean="0">
+                                  <a:latin typeface="Cambria Math" panose="02040503050406030204" pitchFamily="18" charset="0"/>
+                                </a:rPr>
+                                <m:t>𝑥</m:t>
+                              </m:r>
+                            </m:e>
+                            <m:sub>
+                              <m:r>
+                                <a:rPr lang="en-US" b="0" i="1" smtClean="0">
+                                  <a:latin typeface="Cambria Math" panose="02040503050406030204" pitchFamily="18" charset="0"/>
+                                </a:rPr>
+                                <m:t>𝑛</m:t>
+                              </m:r>
+                            </m:sub>
+                          </m:sSub>
+                          <m:r>
+                            <a:rPr lang="en-US" b="0" i="1" smtClean="0">
+                              <a:latin typeface="Cambria Math" panose="02040503050406030204" pitchFamily="18" charset="0"/>
+                            </a:rPr>
+                            <m:t>,</m:t>
+                          </m:r>
+                          <m:r>
+                            <a:rPr lang="en-US" b="0" i="1" smtClean="0">
+                              <a:latin typeface="Cambria Math" panose="02040503050406030204" pitchFamily="18" charset="0"/>
+                            </a:rPr>
+                            <m:t>𝑤</m:t>
+                          </m:r>
+                        </m:e>
+                      </m:d>
+                      <m:r>
+                        <a:rPr lang="en-US" b="0" i="1" smtClean="0">
+                          <a:latin typeface="Cambria Math" panose="02040503050406030204" pitchFamily="18" charset="0"/>
+                        </a:rPr>
+                        <m:t>= </m:t>
+                      </m:r>
+                      <m:nary>
+                        <m:naryPr>
+                          <m:chr m:val="∏"/>
+                          <m:supHide m:val="on"/>
+                          <m:ctrlPr>
+                            <a:rPr lang="en-US" b="0" i="1" smtClean="0">
+                              <a:latin typeface="Cambria Math" panose="02040503050406030204" pitchFamily="18" charset="0"/>
+                            </a:rPr>
+                          </m:ctrlPr>
+                        </m:naryPr>
+                        <m:sub>
+                          <m:r>
+                            <a:rPr lang="en-US" b="0" i="1" smtClean="0">
+                              <a:latin typeface="Cambria Math" panose="02040503050406030204" pitchFamily="18" charset="0"/>
+                            </a:rPr>
+                            <m:t>𝑛</m:t>
+                          </m:r>
+                        </m:sub>
+                        <m:sup/>
+                        <m:e>
+                          <m:r>
+                            <a:rPr lang="en-US" b="0" i="1" smtClean="0">
+                              <a:latin typeface="Cambria Math" panose="02040503050406030204" pitchFamily="18" charset="0"/>
+                            </a:rPr>
+                            <m:t>𝑓</m:t>
+                          </m:r>
+                          <m:sSup>
+                            <m:sSupPr>
+                              <m:ctrlPr>
+                                <a:rPr lang="en-US" b="0" i="1" smtClean="0">
+                                  <a:latin typeface="Cambria Math" panose="02040503050406030204" pitchFamily="18" charset="0"/>
+                                </a:rPr>
+                              </m:ctrlPr>
+                            </m:sSupPr>
+                            <m:e>
+                              <m:d>
+                                <m:dPr>
+                                  <m:ctrlPr>
+                                    <a:rPr lang="en-US" b="0" i="1" smtClean="0">
+                                      <a:latin typeface="Cambria Math" panose="02040503050406030204" pitchFamily="18" charset="0"/>
+                                    </a:rPr>
+                                  </m:ctrlPr>
+                                </m:dPr>
+                                <m:e>
+                                  <m:sSup>
+                                    <m:sSupPr>
+                                      <m:ctrlPr>
+                                        <a:rPr lang="en-US" b="0" i="1" smtClean="0">
+                                          <a:latin typeface="Cambria Math" panose="02040503050406030204" pitchFamily="18" charset="0"/>
+                                        </a:rPr>
+                                      </m:ctrlPr>
+                                    </m:sSupPr>
+                                    <m:e>
+                                      <m:r>
+                                        <a:rPr lang="en-US" b="0" i="1" smtClean="0">
+                                          <a:latin typeface="Cambria Math" panose="02040503050406030204" pitchFamily="18" charset="0"/>
+                                        </a:rPr>
+                                        <m:t>𝑤</m:t>
+                                      </m:r>
+                                    </m:e>
+                                    <m:sup>
+                                      <m:r>
+                                        <a:rPr lang="en-US" b="0" i="1" smtClean="0">
+                                          <a:latin typeface="Cambria Math" panose="02040503050406030204" pitchFamily="18" charset="0"/>
+                                        </a:rPr>
+                                        <m:t>𝑇</m:t>
+                                      </m:r>
+                                    </m:sup>
+                                  </m:sSup>
+                                  <m:sSub>
+                                    <m:sSubPr>
+                                      <m:ctrlPr>
+                                        <a:rPr lang="en-US" b="0" i="1" smtClean="0">
+                                          <a:latin typeface="Cambria Math" panose="02040503050406030204" pitchFamily="18" charset="0"/>
+                                        </a:rPr>
+                                      </m:ctrlPr>
+                                    </m:sSubPr>
+                                    <m:e>
+                                      <m:r>
+                                        <a:rPr lang="en-US" b="0" i="1" smtClean="0">
+                                          <a:latin typeface="Cambria Math" panose="02040503050406030204" pitchFamily="18" charset="0"/>
+                                        </a:rPr>
+                                        <m:t>𝑥</m:t>
+                                      </m:r>
+                                    </m:e>
+                                    <m:sub>
+                                      <m:r>
+                                        <a:rPr lang="en-US" b="0" i="1" smtClean="0">
+                                          <a:latin typeface="Cambria Math" panose="02040503050406030204" pitchFamily="18" charset="0"/>
+                                        </a:rPr>
+                                        <m:t>𝑛</m:t>
+                                      </m:r>
+                                    </m:sub>
+                                  </m:sSub>
+                                </m:e>
+                              </m:d>
+                            </m:e>
+                            <m:sup>
+                              <m:sSub>
+                                <m:sSubPr>
+                                  <m:ctrlPr>
+                                    <a:rPr lang="en-US" b="0" i="1" smtClean="0">
+                                      <a:latin typeface="Cambria Math" panose="02040503050406030204" pitchFamily="18" charset="0"/>
+                                    </a:rPr>
+                                  </m:ctrlPr>
+                                </m:sSubPr>
+                                <m:e>
+                                  <m:r>
+                                    <a:rPr lang="en-US" b="0" i="1" smtClean="0">
+                                      <a:latin typeface="Cambria Math" panose="02040503050406030204" pitchFamily="18" charset="0"/>
+                                    </a:rPr>
+                                    <m:t>𝑐</m:t>
+                                  </m:r>
+                                </m:e>
+                                <m:sub>
+                                  <m:r>
+                                    <a:rPr lang="en-US" b="0" i="1" smtClean="0">
+                                      <a:latin typeface="Cambria Math" panose="02040503050406030204" pitchFamily="18" charset="0"/>
+                                    </a:rPr>
+                                    <m:t>𝑛</m:t>
+                                  </m:r>
+                                </m:sub>
+                              </m:sSub>
+                            </m:sup>
+                          </m:sSup>
+                        </m:e>
+                      </m:nary>
+                      <m:r>
+                        <a:rPr lang="en-US" b="0" i="1" smtClean="0">
+                          <a:latin typeface="Cambria Math" panose="02040503050406030204" pitchFamily="18" charset="0"/>
+                        </a:rPr>
+                        <m:t>(1−</m:t>
+                      </m:r>
+                      <m:r>
+                        <a:rPr lang="en-US" b="0" i="1" smtClean="0">
+                          <a:latin typeface="Cambria Math" panose="02040503050406030204" pitchFamily="18" charset="0"/>
+                        </a:rPr>
+                        <m:t>𝑓</m:t>
+                      </m:r>
+                      <m:sSup>
+                        <m:sSupPr>
+                          <m:ctrlPr>
+                            <a:rPr lang="en-US" b="0" i="1" smtClean="0">
+                              <a:latin typeface="Cambria Math" panose="02040503050406030204" pitchFamily="18" charset="0"/>
+                            </a:rPr>
+                          </m:ctrlPr>
+                        </m:sSupPr>
+                        <m:e>
+                          <m:d>
+                            <m:dPr>
+                              <m:ctrlPr>
+                                <a:rPr lang="en-US" b="0" i="1" smtClean="0">
+                                  <a:latin typeface="Cambria Math" panose="02040503050406030204" pitchFamily="18" charset="0"/>
+                                </a:rPr>
+                              </m:ctrlPr>
+                            </m:dPr>
+                            <m:e>
+                              <m:sSup>
+                                <m:sSupPr>
+                                  <m:ctrlPr>
+                                    <a:rPr lang="en-US" b="0" i="1" smtClean="0">
+                                      <a:latin typeface="Cambria Math" panose="02040503050406030204" pitchFamily="18" charset="0"/>
+                                    </a:rPr>
+                                  </m:ctrlPr>
+                                </m:sSupPr>
+                                <m:e>
+                                  <m:r>
+                                    <a:rPr lang="en-US" b="0" i="1" smtClean="0">
+                                      <a:latin typeface="Cambria Math" panose="02040503050406030204" pitchFamily="18" charset="0"/>
+                                    </a:rPr>
+                                    <m:t>𝑤</m:t>
+                                  </m:r>
+                                </m:e>
+                                <m:sup>
+                                  <m:r>
+                                    <a:rPr lang="en-US" b="0" i="1" smtClean="0">
+                                      <a:latin typeface="Cambria Math" panose="02040503050406030204" pitchFamily="18" charset="0"/>
+                                    </a:rPr>
+                                    <m:t>𝑇</m:t>
+                                  </m:r>
+                                </m:sup>
+                              </m:sSup>
+                              <m:sSub>
+                                <m:sSubPr>
+                                  <m:ctrlPr>
+                                    <a:rPr lang="en-US" b="0" i="1" smtClean="0">
+                                      <a:latin typeface="Cambria Math" panose="02040503050406030204" pitchFamily="18" charset="0"/>
+                                    </a:rPr>
+                                  </m:ctrlPr>
+                                </m:sSubPr>
+                                <m:e>
+                                  <m:r>
+                                    <a:rPr lang="en-US" b="0" i="1" smtClean="0">
+                                      <a:latin typeface="Cambria Math" panose="02040503050406030204" pitchFamily="18" charset="0"/>
+                                    </a:rPr>
+                                    <m:t>𝑥</m:t>
+                                  </m:r>
+                                </m:e>
+                                <m:sub>
+                                  <m:r>
+                                    <a:rPr lang="en-US" b="0" i="1" smtClean="0">
+                                      <a:latin typeface="Cambria Math" panose="02040503050406030204" pitchFamily="18" charset="0"/>
+                                    </a:rPr>
+                                    <m:t>𝑛</m:t>
+                                  </m:r>
+                                </m:sub>
+                              </m:sSub>
+                            </m:e>
+                          </m:d>
+                        </m:e>
+                        <m:sup>
+                          <m:r>
+                            <a:rPr lang="en-US" b="0" i="1" smtClean="0">
+                              <a:latin typeface="Cambria Math" panose="02040503050406030204" pitchFamily="18" charset="0"/>
+                            </a:rPr>
+                            <m:t>1−</m:t>
+                          </m:r>
+                          <m:sSub>
+                            <m:sSubPr>
+                              <m:ctrlPr>
+                                <a:rPr lang="en-US" b="0" i="1" smtClean="0">
+                                  <a:latin typeface="Cambria Math" panose="02040503050406030204" pitchFamily="18" charset="0"/>
+                                </a:rPr>
+                              </m:ctrlPr>
+                            </m:sSubPr>
+                            <m:e>
+                              <m:r>
+                                <a:rPr lang="en-US" b="0" i="1" smtClean="0">
+                                  <a:latin typeface="Cambria Math" panose="02040503050406030204" pitchFamily="18" charset="0"/>
+                                </a:rPr>
+                                <m:t>𝑐</m:t>
+                              </m:r>
+                            </m:e>
+                            <m:sub>
+                              <m:r>
+                                <a:rPr lang="en-US" b="0" i="1" smtClean="0">
+                                  <a:latin typeface="Cambria Math" panose="02040503050406030204" pitchFamily="18" charset="0"/>
+                                </a:rPr>
+                                <m:t>𝑛</m:t>
+                              </m:r>
+                            </m:sub>
+                          </m:sSub>
+                        </m:sup>
+                      </m:sSup>
+                    </m:oMath>
+                  </m:oMathPara>
+                </a14:m>
+                <a:endParaRPr lang="en-US" dirty="0"/>
+              </a:p>
+              <a:p>
+                <a:pPr marL="0" indent="0">
+                  <a:buNone/>
+                </a:pPr>
+                <a:r>
+                  <a:rPr lang="en-US" dirty="0"/>
+                  <a:t>c is class (true / false)</a:t>
+                </a:r>
+              </a:p>
+              <a:p>
+                <a:pPr marL="0" indent="0">
+                  <a:buNone/>
+                </a:pPr>
+                <a:r>
+                  <a:rPr lang="en-US" dirty="0" err="1"/>
+                  <a:t>Softmax</a:t>
+                </a:r>
+                <a:endParaRPr lang="en-US" dirty="0"/>
+              </a:p>
+              <a:p>
+                <a:pPr marL="0" indent="0">
+                  <a:buNone/>
+                </a:pPr>
+                <a:endParaRPr lang="en-US" dirty="0"/>
+              </a:p>
+            </p:txBody>
+          </p:sp>
+        </mc:Choice>
+        <mc:Fallback xmlns="">
+          <p:sp>
+            <p:nvSpPr>
+              <p:cNvPr id="3" name="Content Placeholder 2">
+                <a:extLst>
+                  <a:ext uri="{FF2B5EF4-FFF2-40B4-BE49-F238E27FC236}">
+                    <a16:creationId xmlns:a16="http://schemas.microsoft.com/office/drawing/2014/main" id="{96F9CDF0-E388-45E9-ADE8-613611A5E95E}"/>
+                  </a:ext>
+                </a:extLst>
+              </p:cNvPr>
+              <p:cNvSpPr>
+                <a:spLocks noGrp="1" noRot="1" noChangeAspect="1" noMove="1" noResize="1" noEditPoints="1" noAdjustHandles="1" noChangeArrowheads="1" noChangeShapeType="1" noTextEdit="1"/>
+              </p:cNvSpPr>
+              <p:nvPr>
+                <p:ph idx="1"/>
+              </p:nvPr>
+            </p:nvSpPr>
+            <p:spPr>
+              <a:blipFill>
+                <a:blip r:embed="rId2"/>
+                <a:stretch>
+                  <a:fillRect l="-1217" t="-2241"/>
+                </a:stretch>
+              </a:blipFill>
+            </p:spPr>
+            <p:txBody>
+              <a:bodyPr/>
+              <a:lstStyle/>
+              <a:p>
+                <a:r>
+                  <a:rPr lang="en-NL">
+                    <a:noFill/>
+                  </a:rPr>
+                  <a:t> </a:t>
+                </a:r>
+              </a:p>
+            </p:txBody>
+          </p:sp>
+        </mc:Fallback>
+      </mc:AlternateContent>
     </p:spTree>
     <p:extLst>
       <p:ext uri="{BB962C8B-B14F-4D97-AF65-F5344CB8AC3E}">
-        <p14:creationId xmlns:p14="http://schemas.microsoft.com/office/powerpoint/2010/main" val="1071321425"/>
+        <p14:creationId xmlns:p14="http://schemas.microsoft.com/office/powerpoint/2010/main" val="192424801"/>
       </p:ext>
     </p:extLst>
   </p:cSld>
@@ -4644,8 +7570,8 @@
 </p:sld>
 </file>
 
-<file path=ppt/slides/slide3.xml><?xml version="1.0" encoding="utf-8"?>
-<p:sld xmlns:a="http://schemas.openxmlformats.org/drawingml/2006/main" xmlns:r="http://schemas.openxmlformats.org/officeDocument/2006/relationships" xmlns:p="http://schemas.openxmlformats.org/presentationml/2006/main">
+<file path=ppt/slides/slide14.xml><?xml version="1.0" encoding="utf-8"?>
+<p:sld xmlns:a="http://schemas.openxmlformats.org/drawingml/2006/main" xmlns:r="http://schemas.openxmlformats.org/officeDocument/2006/relationships" xmlns:p="http://schemas.openxmlformats.org/presentationml/2006/main" show="0">
   <p:cSld>
     <p:spTree>
       <p:nvGrpSpPr>
@@ -4666,1000 +7592,6 @@
           <p:cNvPr id="2" name="Title 1">
             <a:extLst>
               <a:ext uri="{FF2B5EF4-FFF2-40B4-BE49-F238E27FC236}">
-                <a16:creationId xmlns:a16="http://schemas.microsoft.com/office/drawing/2014/main" id="{EEF90057-D3A7-4728-8036-C12B989DFDF2}"/>
-              </a:ext>
-            </a:extLst>
-          </p:cNvPr>
-          <p:cNvSpPr>
-            <a:spLocks noGrp="1"/>
-          </p:cNvSpPr>
-          <p:nvPr>
-            <p:ph type="title"/>
-          </p:nvPr>
-        </p:nvSpPr>
-        <p:spPr/>
-        <p:txBody>
-          <a:bodyPr/>
-          <a:lstStyle/>
-          <a:p>
-            <a:r>
-              <a:rPr lang="nl-NL" dirty="0" err="1"/>
-              <a:t>Perceptron</a:t>
-            </a:r>
-            <a:r>
-              <a:rPr lang="nl-NL" dirty="0"/>
-              <a:t>? Neuron?</a:t>
-            </a:r>
-            <a:endParaRPr lang="en-NL" dirty="0"/>
-          </a:p>
-        </p:txBody>
-      </p:sp>
-      <p:pic>
-        <p:nvPicPr>
-          <p:cNvPr id="5" name="Content Placeholder 4" descr="A picture containing text, vector graphics&#10;&#10;Description automatically generated">
-            <a:extLst>
-              <a:ext uri="{FF2B5EF4-FFF2-40B4-BE49-F238E27FC236}">
-                <a16:creationId xmlns:a16="http://schemas.microsoft.com/office/drawing/2014/main" id="{8F363392-7A52-42B1-B4CE-2F30C399D17C}"/>
-              </a:ext>
-            </a:extLst>
-          </p:cNvPr>
-          <p:cNvPicPr>
-            <a:picLocks noGrp="1" noChangeAspect="1"/>
-          </p:cNvPicPr>
-          <p:nvPr>
-            <p:ph idx="1"/>
-          </p:nvPr>
-        </p:nvPicPr>
-        <p:blipFill>
-          <a:blip r:embed="rId2">
-            <a:extLst>
-              <a:ext uri="{28A0092B-C50C-407E-A947-70E740481C1C}">
-                <a14:useLocalDpi xmlns:a14="http://schemas.microsoft.com/office/drawing/2010/main" val="0"/>
-              </a:ext>
-            </a:extLst>
-          </a:blip>
-          <a:stretch>
-            <a:fillRect/>
-          </a:stretch>
-        </p:blipFill>
-        <p:spPr>
-          <a:xfrm>
-            <a:off x="120945" y="2896080"/>
-            <a:ext cx="6234925" cy="3305262"/>
-          </a:xfrm>
-        </p:spPr>
-      </p:pic>
-      <p:sp>
-        <p:nvSpPr>
-          <p:cNvPr id="6" name="TextBox 5">
-            <a:extLst>
-              <a:ext uri="{FF2B5EF4-FFF2-40B4-BE49-F238E27FC236}">
-                <a16:creationId xmlns:a16="http://schemas.microsoft.com/office/drawing/2014/main" id="{7E70D870-3E39-4CCF-9BF1-135BBA749B1A}"/>
-              </a:ext>
-            </a:extLst>
-          </p:cNvPr>
-          <p:cNvSpPr txBox="1"/>
-          <p:nvPr/>
-        </p:nvSpPr>
-        <p:spPr>
-          <a:xfrm>
-            <a:off x="466528" y="2108718"/>
-            <a:ext cx="4780476" cy="369332"/>
-          </a:xfrm>
-          <a:prstGeom prst="rect">
-            <a:avLst/>
-          </a:prstGeom>
-          <a:noFill/>
-        </p:spPr>
-        <p:txBody>
-          <a:bodyPr wrap="none" rtlCol="0">
-            <a:spAutoFit/>
-          </a:bodyPr>
-          <a:lstStyle/>
-          <a:p>
-            <a:r>
-              <a:rPr lang="nl-NL" dirty="0"/>
-              <a:t>(</a:t>
-            </a:r>
-            <a:r>
-              <a:rPr lang="nl-NL" dirty="0" err="1"/>
-              <a:t>Insert</a:t>
-            </a:r>
-            <a:r>
-              <a:rPr lang="nl-NL" dirty="0"/>
-              <a:t> </a:t>
-            </a:r>
-            <a:r>
-              <a:rPr lang="nl-NL" dirty="0" err="1"/>
-              <a:t>mandatory</a:t>
-            </a:r>
-            <a:r>
-              <a:rPr lang="nl-NL" dirty="0"/>
-              <a:t> </a:t>
-            </a:r>
-            <a:r>
-              <a:rPr lang="nl-NL" dirty="0" err="1"/>
-              <a:t>biological</a:t>
-            </a:r>
-            <a:r>
-              <a:rPr lang="nl-NL" dirty="0"/>
-              <a:t> neuron </a:t>
-            </a:r>
-            <a:r>
-              <a:rPr lang="nl-NL" dirty="0" err="1"/>
-              <a:t>explanation</a:t>
-            </a:r>
-            <a:r>
-              <a:rPr lang="nl-NL" dirty="0"/>
-              <a:t>)</a:t>
-            </a:r>
-            <a:endParaRPr lang="en-NL" dirty="0"/>
-          </a:p>
-        </p:txBody>
-      </p:sp>
-      <p:pic>
-        <p:nvPicPr>
-          <p:cNvPr id="8" name="Picture 7">
-            <a:extLst>
-              <a:ext uri="{FF2B5EF4-FFF2-40B4-BE49-F238E27FC236}">
-                <a16:creationId xmlns:a16="http://schemas.microsoft.com/office/drawing/2014/main" id="{CA5C1D2F-CC81-4D4F-9D0F-776044603AC8}"/>
-              </a:ext>
-            </a:extLst>
-          </p:cNvPr>
-          <p:cNvPicPr>
-            <a:picLocks noChangeAspect="1"/>
-          </p:cNvPicPr>
-          <p:nvPr/>
-        </p:nvPicPr>
-        <p:blipFill>
-          <a:blip r:embed="rId3"/>
-          <a:stretch>
-            <a:fillRect/>
-          </a:stretch>
-        </p:blipFill>
-        <p:spPr>
-          <a:xfrm>
-            <a:off x="6408044" y="3686441"/>
-            <a:ext cx="5663011" cy="1325564"/>
-          </a:xfrm>
-          <a:prstGeom prst="rect">
-            <a:avLst/>
-          </a:prstGeom>
-        </p:spPr>
-      </p:pic>
-    </p:spTree>
-    <p:extLst>
-      <p:ext uri="{BB962C8B-B14F-4D97-AF65-F5344CB8AC3E}">
-        <p14:creationId xmlns:p14="http://schemas.microsoft.com/office/powerpoint/2010/main" val="1352991207"/>
-      </p:ext>
-    </p:extLst>
-  </p:cSld>
-  <p:clrMapOvr>
-    <a:masterClrMapping/>
-  </p:clrMapOvr>
-</p:sld>
-</file>
-
-<file path=ppt/slides/slide4.xml><?xml version="1.0" encoding="utf-8"?>
-<p:sld xmlns:a="http://schemas.openxmlformats.org/drawingml/2006/main" xmlns:r="http://schemas.openxmlformats.org/officeDocument/2006/relationships" xmlns:p="http://schemas.openxmlformats.org/presentationml/2006/main">
-  <p:cSld>
-    <p:spTree>
-      <p:nvGrpSpPr>
-        <p:cNvPr id="1" name=""/>
-        <p:cNvGrpSpPr/>
-        <p:nvPr/>
-      </p:nvGrpSpPr>
-      <p:grpSpPr>
-        <a:xfrm>
-          <a:off x="0" y="0"/>
-          <a:ext cx="0" cy="0"/>
-          <a:chOff x="0" y="0"/>
-          <a:chExt cx="0" cy="0"/>
-        </a:xfrm>
-      </p:grpSpPr>
-      <p:sp>
-        <p:nvSpPr>
-          <p:cNvPr id="2" name="Title 1">
-            <a:extLst>
-              <a:ext uri="{FF2B5EF4-FFF2-40B4-BE49-F238E27FC236}">
-                <a16:creationId xmlns:a16="http://schemas.microsoft.com/office/drawing/2014/main" id="{6794BD41-FF24-4B7A-8EC4-9FE1F1B11174}"/>
-              </a:ext>
-            </a:extLst>
-          </p:cNvPr>
-          <p:cNvSpPr>
-            <a:spLocks noGrp="1"/>
-          </p:cNvSpPr>
-          <p:nvPr>
-            <p:ph type="title"/>
-          </p:nvPr>
-        </p:nvSpPr>
-        <p:spPr/>
-        <p:txBody>
-          <a:bodyPr/>
-          <a:lstStyle/>
-          <a:p>
-            <a:endParaRPr lang="en-NL"/>
-          </a:p>
-        </p:txBody>
-      </p:sp>
-      <p:sp>
-        <p:nvSpPr>
-          <p:cNvPr id="4" name="Oval 3">
-            <a:extLst>
-              <a:ext uri="{FF2B5EF4-FFF2-40B4-BE49-F238E27FC236}">
-                <a16:creationId xmlns:a16="http://schemas.microsoft.com/office/drawing/2014/main" id="{E2DC36A4-A50A-4F6C-8D2F-B5DF5A7347C4}"/>
-              </a:ext>
-            </a:extLst>
-          </p:cNvPr>
-          <p:cNvSpPr/>
-          <p:nvPr/>
-        </p:nvSpPr>
-        <p:spPr>
-          <a:xfrm>
-            <a:off x="4092605" y="3429000"/>
-            <a:ext cx="1660124" cy="1606859"/>
-          </a:xfrm>
-          <a:prstGeom prst="ellipse">
-            <a:avLst/>
-          </a:prstGeom>
-        </p:spPr>
-        <p:style>
-          <a:lnRef idx="2">
-            <a:schemeClr val="accent1">
-              <a:shade val="50000"/>
-            </a:schemeClr>
-          </a:lnRef>
-          <a:fillRef idx="1">
-            <a:schemeClr val="accent1"/>
-          </a:fillRef>
-          <a:effectRef idx="0">
-            <a:schemeClr val="accent1"/>
-          </a:effectRef>
-          <a:fontRef idx="minor">
-            <a:schemeClr val="lt1"/>
-          </a:fontRef>
-        </p:style>
-        <p:txBody>
-          <a:bodyPr rtlCol="0" anchor="ctr"/>
-          <a:lstStyle/>
-          <a:p>
-            <a:pPr algn="ctr"/>
-            <a:endParaRPr lang="en-NL" dirty="0"/>
-          </a:p>
-        </p:txBody>
-      </p:sp>
-      <p:cxnSp>
-        <p:nvCxnSpPr>
-          <p:cNvPr id="6" name="Straight Arrow Connector 5">
-            <a:extLst>
-              <a:ext uri="{FF2B5EF4-FFF2-40B4-BE49-F238E27FC236}">
-                <a16:creationId xmlns:a16="http://schemas.microsoft.com/office/drawing/2014/main" id="{B65CC8FD-A084-4908-AAF8-17A3341EB540}"/>
-              </a:ext>
-            </a:extLst>
-          </p:cNvPr>
-          <p:cNvCxnSpPr>
-            <a:cxnSpLocks/>
-          </p:cNvCxnSpPr>
-          <p:nvPr/>
-        </p:nvCxnSpPr>
-        <p:spPr>
-          <a:xfrm>
-            <a:off x="3009530" y="2756517"/>
-            <a:ext cx="1326195" cy="892321"/>
-          </a:xfrm>
-          <a:prstGeom prst="straightConnector1">
-            <a:avLst/>
-          </a:prstGeom>
-          <a:ln>
-            <a:tailEnd type="triangle"/>
-          </a:ln>
-        </p:spPr>
-        <p:style>
-          <a:lnRef idx="1">
-            <a:schemeClr val="accent1"/>
-          </a:lnRef>
-          <a:fillRef idx="0">
-            <a:schemeClr val="accent1"/>
-          </a:fillRef>
-          <a:effectRef idx="0">
-            <a:schemeClr val="accent1"/>
-          </a:effectRef>
-          <a:fontRef idx="minor">
-            <a:schemeClr val="tx1"/>
-          </a:fontRef>
-        </p:style>
-      </p:cxnSp>
-      <p:cxnSp>
-        <p:nvCxnSpPr>
-          <p:cNvPr id="7" name="Straight Arrow Connector 6">
-            <a:extLst>
-              <a:ext uri="{FF2B5EF4-FFF2-40B4-BE49-F238E27FC236}">
-                <a16:creationId xmlns:a16="http://schemas.microsoft.com/office/drawing/2014/main" id="{0D3C0790-D326-4438-B2B9-4BD8394E10BD}"/>
-              </a:ext>
-            </a:extLst>
-          </p:cNvPr>
-          <p:cNvCxnSpPr>
-            <a:cxnSpLocks/>
-          </p:cNvCxnSpPr>
-          <p:nvPr/>
-        </p:nvCxnSpPr>
-        <p:spPr>
-          <a:xfrm flipV="1">
-            <a:off x="2139518" y="4232429"/>
-            <a:ext cx="1953087" cy="51844"/>
-          </a:xfrm>
-          <a:prstGeom prst="straightConnector1">
-            <a:avLst/>
-          </a:prstGeom>
-          <a:ln>
-            <a:tailEnd type="triangle"/>
-          </a:ln>
-        </p:spPr>
-        <p:style>
-          <a:lnRef idx="1">
-            <a:schemeClr val="accent1"/>
-          </a:lnRef>
-          <a:fillRef idx="0">
-            <a:schemeClr val="accent1"/>
-          </a:fillRef>
-          <a:effectRef idx="0">
-            <a:schemeClr val="accent1"/>
-          </a:effectRef>
-          <a:fontRef idx="minor">
-            <a:schemeClr val="tx1"/>
-          </a:fontRef>
-        </p:style>
-      </p:cxnSp>
-      <p:cxnSp>
-        <p:nvCxnSpPr>
-          <p:cNvPr id="12" name="Straight Arrow Connector 11">
-            <a:extLst>
-              <a:ext uri="{FF2B5EF4-FFF2-40B4-BE49-F238E27FC236}">
-                <a16:creationId xmlns:a16="http://schemas.microsoft.com/office/drawing/2014/main" id="{668B33B1-4FEB-48D2-89EE-CD0BAFE702CC}"/>
-              </a:ext>
-            </a:extLst>
-          </p:cNvPr>
-          <p:cNvCxnSpPr>
-            <a:cxnSpLocks/>
-            <a:endCxn id="4" idx="3"/>
-          </p:cNvCxnSpPr>
-          <p:nvPr/>
-        </p:nvCxnSpPr>
-        <p:spPr>
-          <a:xfrm flipV="1">
-            <a:off x="2396971" y="4800540"/>
-            <a:ext cx="1938754" cy="586610"/>
-          </a:xfrm>
-          <a:prstGeom prst="straightConnector1">
-            <a:avLst/>
-          </a:prstGeom>
-          <a:ln>
-            <a:tailEnd type="triangle"/>
-          </a:ln>
-        </p:spPr>
-        <p:style>
-          <a:lnRef idx="1">
-            <a:schemeClr val="accent1"/>
-          </a:lnRef>
-          <a:fillRef idx="0">
-            <a:schemeClr val="accent1"/>
-          </a:fillRef>
-          <a:effectRef idx="0">
-            <a:schemeClr val="accent1"/>
-          </a:effectRef>
-          <a:fontRef idx="minor">
-            <a:schemeClr val="tx1"/>
-          </a:fontRef>
-        </p:style>
-      </p:cxnSp>
-      <p:sp>
-        <p:nvSpPr>
-          <p:cNvPr id="16" name="TextBox 15">
-            <a:extLst>
-              <a:ext uri="{FF2B5EF4-FFF2-40B4-BE49-F238E27FC236}">
-                <a16:creationId xmlns:a16="http://schemas.microsoft.com/office/drawing/2014/main" id="{80A46883-CDD5-45D2-95BD-6304B443390D}"/>
-              </a:ext>
-            </a:extLst>
-          </p:cNvPr>
-          <p:cNvSpPr txBox="1"/>
-          <p:nvPr/>
-        </p:nvSpPr>
-        <p:spPr>
-          <a:xfrm>
-            <a:off x="2547891" y="2139518"/>
-            <a:ext cx="896645" cy="369332"/>
-          </a:xfrm>
-          <a:prstGeom prst="rect">
-            <a:avLst/>
-          </a:prstGeom>
-          <a:noFill/>
-        </p:spPr>
-        <p:txBody>
-          <a:bodyPr wrap="square" rtlCol="0">
-            <a:spAutoFit/>
-          </a:bodyPr>
-          <a:lstStyle/>
-          <a:p>
-            <a:r>
-              <a:rPr lang="nl-NL" dirty="0"/>
-              <a:t>bias</a:t>
-            </a:r>
-            <a:endParaRPr lang="en-NL" dirty="0"/>
-          </a:p>
-        </p:txBody>
-      </p:sp>
-      <p:sp>
-        <p:nvSpPr>
-          <p:cNvPr id="17" name="TextBox 16">
-            <a:extLst>
-              <a:ext uri="{FF2B5EF4-FFF2-40B4-BE49-F238E27FC236}">
-                <a16:creationId xmlns:a16="http://schemas.microsoft.com/office/drawing/2014/main" id="{9E47982B-3269-4B97-9B76-C05FD60DCC66}"/>
-              </a:ext>
-            </a:extLst>
-          </p:cNvPr>
-          <p:cNvSpPr txBox="1"/>
-          <p:nvPr/>
-        </p:nvSpPr>
-        <p:spPr>
-          <a:xfrm>
-            <a:off x="7048870" y="3648838"/>
-            <a:ext cx="2459114" cy="369332"/>
-          </a:xfrm>
-          <a:prstGeom prst="rect">
-            <a:avLst/>
-          </a:prstGeom>
-          <a:noFill/>
-        </p:spPr>
-        <p:txBody>
-          <a:bodyPr wrap="square" rtlCol="0">
-            <a:spAutoFit/>
-          </a:bodyPr>
-          <a:lstStyle/>
-          <a:p>
-            <a:r>
-              <a:rPr lang="nl-NL" dirty="0" err="1"/>
-              <a:t>classification</a:t>
-            </a:r>
-            <a:endParaRPr lang="en-NL" dirty="0"/>
-          </a:p>
-        </p:txBody>
-      </p:sp>
-      <p:sp>
-        <p:nvSpPr>
-          <p:cNvPr id="18" name="TextBox 17">
-            <a:extLst>
-              <a:ext uri="{FF2B5EF4-FFF2-40B4-BE49-F238E27FC236}">
-                <a16:creationId xmlns:a16="http://schemas.microsoft.com/office/drawing/2014/main" id="{ACA09C0D-3A56-4474-A5A7-A75B23411DD4}"/>
-              </a:ext>
-            </a:extLst>
-          </p:cNvPr>
-          <p:cNvSpPr txBox="1"/>
-          <p:nvPr/>
-        </p:nvSpPr>
-        <p:spPr>
-          <a:xfrm>
-            <a:off x="8886548" y="3311371"/>
-            <a:ext cx="1411549" cy="646331"/>
-          </a:xfrm>
-          <a:prstGeom prst="rect">
-            <a:avLst/>
-          </a:prstGeom>
-          <a:noFill/>
-        </p:spPr>
-        <p:txBody>
-          <a:bodyPr wrap="square" rtlCol="0">
-            <a:spAutoFit/>
-          </a:bodyPr>
-          <a:lstStyle/>
-          <a:p>
-            <a:r>
-              <a:rPr lang="nl-NL" dirty="0"/>
-              <a:t>(error </a:t>
-            </a:r>
-            <a:r>
-              <a:rPr lang="nl-NL" dirty="0" err="1"/>
-              <a:t>function</a:t>
-            </a:r>
-            <a:r>
-              <a:rPr lang="nl-NL" dirty="0"/>
-              <a:t>?)</a:t>
-            </a:r>
-          </a:p>
-        </p:txBody>
-      </p:sp>
-      <p:sp>
-        <p:nvSpPr>
-          <p:cNvPr id="19" name="TextBox 18">
-            <a:extLst>
-              <a:ext uri="{FF2B5EF4-FFF2-40B4-BE49-F238E27FC236}">
-                <a16:creationId xmlns:a16="http://schemas.microsoft.com/office/drawing/2014/main" id="{6826A76F-A0C7-49B3-A4D2-88C582A74F34}"/>
-              </a:ext>
-            </a:extLst>
-          </p:cNvPr>
-          <p:cNvSpPr txBox="1"/>
-          <p:nvPr/>
-        </p:nvSpPr>
-        <p:spPr>
-          <a:xfrm>
-            <a:off x="3444536" y="6072326"/>
-            <a:ext cx="2876365" cy="369332"/>
-          </a:xfrm>
-          <a:prstGeom prst="rect">
-            <a:avLst/>
-          </a:prstGeom>
-          <a:noFill/>
-        </p:spPr>
-        <p:txBody>
-          <a:bodyPr wrap="square" rtlCol="0">
-            <a:spAutoFit/>
-          </a:bodyPr>
-          <a:lstStyle/>
-          <a:p>
-            <a:r>
-              <a:rPr lang="nl-NL" dirty="0"/>
-              <a:t>W0 + w1x1 + w2x2 = 0  </a:t>
-            </a:r>
-            <a:endParaRPr lang="en-NL" dirty="0"/>
-          </a:p>
-        </p:txBody>
-      </p:sp>
-    </p:spTree>
-    <p:extLst>
-      <p:ext uri="{BB962C8B-B14F-4D97-AF65-F5344CB8AC3E}">
-        <p14:creationId xmlns:p14="http://schemas.microsoft.com/office/powerpoint/2010/main" val="3367735995"/>
-      </p:ext>
-    </p:extLst>
-  </p:cSld>
-  <p:clrMapOvr>
-    <a:masterClrMapping/>
-  </p:clrMapOvr>
-</p:sld>
-</file>
-
-<file path=ppt/slides/slide5.xml><?xml version="1.0" encoding="utf-8"?>
-<p:sld xmlns:a="http://schemas.openxmlformats.org/drawingml/2006/main" xmlns:r="http://schemas.openxmlformats.org/officeDocument/2006/relationships" xmlns:p="http://schemas.openxmlformats.org/presentationml/2006/main">
-  <p:cSld>
-    <p:spTree>
-      <p:nvGrpSpPr>
-        <p:cNvPr id="1" name=""/>
-        <p:cNvGrpSpPr/>
-        <p:nvPr/>
-      </p:nvGrpSpPr>
-      <p:grpSpPr>
-        <a:xfrm>
-          <a:off x="0" y="0"/>
-          <a:ext cx="0" cy="0"/>
-          <a:chOff x="0" y="0"/>
-          <a:chExt cx="0" cy="0"/>
-        </a:xfrm>
-      </p:grpSpPr>
-      <p:sp>
-        <p:nvSpPr>
-          <p:cNvPr id="2" name="Title 1">
-            <a:extLst>
-              <a:ext uri="{FF2B5EF4-FFF2-40B4-BE49-F238E27FC236}">
-                <a16:creationId xmlns:a16="http://schemas.microsoft.com/office/drawing/2014/main" id="{19380F5E-41A7-4DBC-A5EC-A6B085B7E1C3}"/>
-              </a:ext>
-            </a:extLst>
-          </p:cNvPr>
-          <p:cNvSpPr>
-            <a:spLocks noGrp="1"/>
-          </p:cNvSpPr>
-          <p:nvPr>
-            <p:ph type="title"/>
-          </p:nvPr>
-        </p:nvSpPr>
-        <p:spPr/>
-        <p:txBody>
-          <a:bodyPr/>
-          <a:lstStyle/>
-          <a:p>
-            <a:endParaRPr lang="en-NL" dirty="0"/>
-          </a:p>
-        </p:txBody>
-      </p:sp>
-      <p:sp>
-        <p:nvSpPr>
-          <p:cNvPr id="3" name="Content Placeholder 2">
-            <a:extLst>
-              <a:ext uri="{FF2B5EF4-FFF2-40B4-BE49-F238E27FC236}">
-                <a16:creationId xmlns:a16="http://schemas.microsoft.com/office/drawing/2014/main" id="{3643DCFA-E8EB-4CEF-8B6B-A7E36F03FC23}"/>
-              </a:ext>
-            </a:extLst>
-          </p:cNvPr>
-          <p:cNvSpPr>
-            <a:spLocks noGrp="1"/>
-          </p:cNvSpPr>
-          <p:nvPr>
-            <p:ph idx="1"/>
-          </p:nvPr>
-        </p:nvSpPr>
-        <p:spPr/>
-        <p:txBody>
-          <a:bodyPr/>
-          <a:lstStyle/>
-          <a:p>
-            <a:r>
-              <a:rPr lang="nl-NL" dirty="0" err="1"/>
-              <a:t>Insert</a:t>
-            </a:r>
-            <a:r>
-              <a:rPr lang="nl-NL" dirty="0"/>
-              <a:t> </a:t>
-            </a:r>
-            <a:r>
-              <a:rPr lang="nl-NL" dirty="0" err="1"/>
-              <a:t>regression</a:t>
-            </a:r>
-            <a:r>
-              <a:rPr lang="nl-NL" dirty="0"/>
-              <a:t> </a:t>
-            </a:r>
-            <a:endParaRPr lang="en-NL" dirty="0"/>
-          </a:p>
-        </p:txBody>
-      </p:sp>
-      <p:sp>
-        <p:nvSpPr>
-          <p:cNvPr id="4" name="Oval 3">
-            <a:extLst>
-              <a:ext uri="{FF2B5EF4-FFF2-40B4-BE49-F238E27FC236}">
-                <a16:creationId xmlns:a16="http://schemas.microsoft.com/office/drawing/2014/main" id="{3D2CCD92-E9FD-4380-9436-2DD15AF63FA8}"/>
-              </a:ext>
-            </a:extLst>
-          </p:cNvPr>
-          <p:cNvSpPr/>
-          <p:nvPr/>
-        </p:nvSpPr>
-        <p:spPr>
-          <a:xfrm>
-            <a:off x="4154749" y="3775229"/>
-            <a:ext cx="1660124" cy="1606859"/>
-          </a:xfrm>
-          <a:prstGeom prst="ellipse">
-            <a:avLst/>
-          </a:prstGeom>
-        </p:spPr>
-        <p:style>
-          <a:lnRef idx="2">
-            <a:schemeClr val="accent1">
-              <a:shade val="50000"/>
-            </a:schemeClr>
-          </a:lnRef>
-          <a:fillRef idx="1">
-            <a:schemeClr val="accent1"/>
-          </a:fillRef>
-          <a:effectRef idx="0">
-            <a:schemeClr val="accent1"/>
-          </a:effectRef>
-          <a:fontRef idx="minor">
-            <a:schemeClr val="lt1"/>
-          </a:fontRef>
-        </p:style>
-        <p:txBody>
-          <a:bodyPr rtlCol="0" anchor="ctr"/>
-          <a:lstStyle/>
-          <a:p>
-            <a:pPr algn="ctr"/>
-            <a:endParaRPr lang="en-NL" dirty="0"/>
-          </a:p>
-        </p:txBody>
-      </p:sp>
-      <p:cxnSp>
-        <p:nvCxnSpPr>
-          <p:cNvPr id="5" name="Straight Arrow Connector 4">
-            <a:extLst>
-              <a:ext uri="{FF2B5EF4-FFF2-40B4-BE49-F238E27FC236}">
-                <a16:creationId xmlns:a16="http://schemas.microsoft.com/office/drawing/2014/main" id="{8582CD8C-31E6-4F47-8B8C-E443245D6972}"/>
-              </a:ext>
-            </a:extLst>
-          </p:cNvPr>
-          <p:cNvCxnSpPr>
-            <a:cxnSpLocks/>
-          </p:cNvCxnSpPr>
-          <p:nvPr/>
-        </p:nvCxnSpPr>
-        <p:spPr>
-          <a:xfrm>
-            <a:off x="3071674" y="3102746"/>
-            <a:ext cx="1326195" cy="892321"/>
-          </a:xfrm>
-          <a:prstGeom prst="straightConnector1">
-            <a:avLst/>
-          </a:prstGeom>
-          <a:ln>
-            <a:tailEnd type="triangle"/>
-          </a:ln>
-        </p:spPr>
-        <p:style>
-          <a:lnRef idx="1">
-            <a:schemeClr val="accent1"/>
-          </a:lnRef>
-          <a:fillRef idx="0">
-            <a:schemeClr val="accent1"/>
-          </a:fillRef>
-          <a:effectRef idx="0">
-            <a:schemeClr val="accent1"/>
-          </a:effectRef>
-          <a:fontRef idx="minor">
-            <a:schemeClr val="tx1"/>
-          </a:fontRef>
-        </p:style>
-      </p:cxnSp>
-      <p:cxnSp>
-        <p:nvCxnSpPr>
-          <p:cNvPr id="6" name="Straight Arrow Connector 5">
-            <a:extLst>
-              <a:ext uri="{FF2B5EF4-FFF2-40B4-BE49-F238E27FC236}">
-                <a16:creationId xmlns:a16="http://schemas.microsoft.com/office/drawing/2014/main" id="{60E575FB-E429-4FED-B30C-FA0865BD386A}"/>
-              </a:ext>
-            </a:extLst>
-          </p:cNvPr>
-          <p:cNvCxnSpPr>
-            <a:cxnSpLocks/>
-          </p:cNvCxnSpPr>
-          <p:nvPr/>
-        </p:nvCxnSpPr>
-        <p:spPr>
-          <a:xfrm flipV="1">
-            <a:off x="2201662" y="4578658"/>
-            <a:ext cx="1953087" cy="51844"/>
-          </a:xfrm>
-          <a:prstGeom prst="straightConnector1">
-            <a:avLst/>
-          </a:prstGeom>
-          <a:ln>
-            <a:tailEnd type="triangle"/>
-          </a:ln>
-        </p:spPr>
-        <p:style>
-          <a:lnRef idx="1">
-            <a:schemeClr val="accent1"/>
-          </a:lnRef>
-          <a:fillRef idx="0">
-            <a:schemeClr val="accent1"/>
-          </a:fillRef>
-          <a:effectRef idx="0">
-            <a:schemeClr val="accent1"/>
-          </a:effectRef>
-          <a:fontRef idx="minor">
-            <a:schemeClr val="tx1"/>
-          </a:fontRef>
-        </p:style>
-      </p:cxnSp>
-      <p:cxnSp>
-        <p:nvCxnSpPr>
-          <p:cNvPr id="7" name="Straight Arrow Connector 6">
-            <a:extLst>
-              <a:ext uri="{FF2B5EF4-FFF2-40B4-BE49-F238E27FC236}">
-                <a16:creationId xmlns:a16="http://schemas.microsoft.com/office/drawing/2014/main" id="{72F97E81-5262-4F1A-B787-9A8DC5B06B3B}"/>
-              </a:ext>
-            </a:extLst>
-          </p:cNvPr>
-          <p:cNvCxnSpPr>
-            <a:cxnSpLocks/>
-            <a:endCxn id="4" idx="3"/>
-          </p:cNvCxnSpPr>
-          <p:nvPr/>
-        </p:nvCxnSpPr>
-        <p:spPr>
-          <a:xfrm flipV="1">
-            <a:off x="2459115" y="5146769"/>
-            <a:ext cx="1938754" cy="586610"/>
-          </a:xfrm>
-          <a:prstGeom prst="straightConnector1">
-            <a:avLst/>
-          </a:prstGeom>
-          <a:ln>
-            <a:tailEnd type="triangle"/>
-          </a:ln>
-        </p:spPr>
-        <p:style>
-          <a:lnRef idx="1">
-            <a:schemeClr val="accent1"/>
-          </a:lnRef>
-          <a:fillRef idx="0">
-            <a:schemeClr val="accent1"/>
-          </a:fillRef>
-          <a:effectRef idx="0">
-            <a:schemeClr val="accent1"/>
-          </a:effectRef>
-          <a:fontRef idx="minor">
-            <a:schemeClr val="tx1"/>
-          </a:fontRef>
-        </p:style>
-      </p:cxnSp>
-      <p:sp>
-        <p:nvSpPr>
-          <p:cNvPr id="8" name="TextBox 7">
-            <a:extLst>
-              <a:ext uri="{FF2B5EF4-FFF2-40B4-BE49-F238E27FC236}">
-                <a16:creationId xmlns:a16="http://schemas.microsoft.com/office/drawing/2014/main" id="{E45EB6F9-B365-4E89-BA78-0CEDD34739A6}"/>
-              </a:ext>
-            </a:extLst>
-          </p:cNvPr>
-          <p:cNvSpPr txBox="1"/>
-          <p:nvPr/>
-        </p:nvSpPr>
-        <p:spPr>
-          <a:xfrm>
-            <a:off x="2610035" y="2485747"/>
-            <a:ext cx="896645" cy="369332"/>
-          </a:xfrm>
-          <a:prstGeom prst="rect">
-            <a:avLst/>
-          </a:prstGeom>
-          <a:noFill/>
-        </p:spPr>
-        <p:txBody>
-          <a:bodyPr wrap="square" rtlCol="0">
-            <a:spAutoFit/>
-          </a:bodyPr>
-          <a:lstStyle/>
-          <a:p>
-            <a:r>
-              <a:rPr lang="nl-NL" dirty="0"/>
-              <a:t>bias</a:t>
-            </a:r>
-            <a:endParaRPr lang="en-NL" dirty="0"/>
-          </a:p>
-        </p:txBody>
-      </p:sp>
-    </p:spTree>
-    <p:extLst>
-      <p:ext uri="{BB962C8B-B14F-4D97-AF65-F5344CB8AC3E}">
-        <p14:creationId xmlns:p14="http://schemas.microsoft.com/office/powerpoint/2010/main" val="3431422623"/>
-      </p:ext>
-    </p:extLst>
-  </p:cSld>
-  <p:clrMapOvr>
-    <a:masterClrMapping/>
-  </p:clrMapOvr>
-</p:sld>
-</file>
-
-<file path=ppt/slides/slide6.xml><?xml version="1.0" encoding="utf-8"?>
-<p:sld xmlns:a="http://schemas.openxmlformats.org/drawingml/2006/main" xmlns:r="http://schemas.openxmlformats.org/officeDocument/2006/relationships" xmlns:p="http://schemas.openxmlformats.org/presentationml/2006/main">
-  <p:cSld>
-    <p:spTree>
-      <p:nvGrpSpPr>
-        <p:cNvPr id="1" name=""/>
-        <p:cNvGrpSpPr/>
-        <p:nvPr/>
-      </p:nvGrpSpPr>
-      <p:grpSpPr>
-        <a:xfrm>
-          <a:off x="0" y="0"/>
-          <a:ext cx="0" cy="0"/>
-          <a:chOff x="0" y="0"/>
-          <a:chExt cx="0" cy="0"/>
-        </a:xfrm>
-      </p:grpSpPr>
-      <p:sp>
-        <p:nvSpPr>
-          <p:cNvPr id="2" name="Title 1">
-            <a:extLst>
-              <a:ext uri="{FF2B5EF4-FFF2-40B4-BE49-F238E27FC236}">
-                <a16:creationId xmlns:a16="http://schemas.microsoft.com/office/drawing/2014/main" id="{09136717-84B3-448A-BBF2-F547F0A3B276}"/>
-              </a:ext>
-            </a:extLst>
-          </p:cNvPr>
-          <p:cNvSpPr>
-            <a:spLocks noGrp="1"/>
-          </p:cNvSpPr>
-          <p:nvPr>
-            <p:ph type="title"/>
-          </p:nvPr>
-        </p:nvSpPr>
-        <p:spPr/>
-        <p:txBody>
-          <a:bodyPr/>
-          <a:lstStyle/>
-          <a:p>
-            <a:endParaRPr lang="en-NL" dirty="0"/>
-          </a:p>
-        </p:txBody>
-      </p:sp>
-      <p:sp>
-        <p:nvSpPr>
-          <p:cNvPr id="3" name="Content Placeholder 2">
-            <a:extLst>
-              <a:ext uri="{FF2B5EF4-FFF2-40B4-BE49-F238E27FC236}">
-                <a16:creationId xmlns:a16="http://schemas.microsoft.com/office/drawing/2014/main" id="{D4048E35-14EB-4F7F-832D-378357B5AB21}"/>
-              </a:ext>
-            </a:extLst>
-          </p:cNvPr>
-          <p:cNvSpPr>
-            <a:spLocks noGrp="1"/>
-          </p:cNvSpPr>
-          <p:nvPr>
-            <p:ph idx="1"/>
-          </p:nvPr>
-        </p:nvSpPr>
-        <p:spPr/>
-        <p:txBody>
-          <a:bodyPr/>
-          <a:lstStyle/>
-          <a:p>
-            <a:r>
-              <a:rPr lang="nl-NL" dirty="0" err="1"/>
-              <a:t>Initial</a:t>
-            </a:r>
-            <a:r>
-              <a:rPr lang="nl-NL" dirty="0"/>
-              <a:t> </a:t>
-            </a:r>
-            <a:r>
-              <a:rPr lang="nl-NL" dirty="0" err="1"/>
-              <a:t>weights</a:t>
-            </a:r>
-            <a:r>
-              <a:rPr lang="nl-NL" dirty="0"/>
-              <a:t> (</a:t>
-            </a:r>
-            <a:r>
-              <a:rPr lang="nl-NL" dirty="0" err="1"/>
-              <a:t>glorot</a:t>
-            </a:r>
-            <a:r>
-              <a:rPr lang="nl-NL" dirty="0"/>
-              <a:t> </a:t>
-            </a:r>
-            <a:r>
-              <a:rPr lang="nl-NL" dirty="0" err="1"/>
-              <a:t>initializer</a:t>
-            </a:r>
-            <a:r>
-              <a:rPr lang="nl-NL" dirty="0"/>
-              <a:t> / </a:t>
-            </a:r>
-            <a:r>
-              <a:rPr lang="nl-NL" dirty="0" err="1"/>
-              <a:t>etc</a:t>
-            </a:r>
-            <a:r>
-              <a:rPr lang="nl-NL" dirty="0"/>
-              <a:t>)</a:t>
-            </a:r>
-            <a:endParaRPr lang="en-NL" dirty="0"/>
-          </a:p>
-        </p:txBody>
-      </p:sp>
-    </p:spTree>
-    <p:extLst>
-      <p:ext uri="{BB962C8B-B14F-4D97-AF65-F5344CB8AC3E}">
-        <p14:creationId xmlns:p14="http://schemas.microsoft.com/office/powerpoint/2010/main" val="2580825672"/>
-      </p:ext>
-    </p:extLst>
-  </p:cSld>
-  <p:clrMapOvr>
-    <a:masterClrMapping/>
-  </p:clrMapOvr>
-</p:sld>
-</file>
-
-<file path=ppt/slides/slide7.xml><?xml version="1.0" encoding="utf-8"?>
-<p:sld xmlns:a="http://schemas.openxmlformats.org/drawingml/2006/main" xmlns:r="http://schemas.openxmlformats.org/officeDocument/2006/relationships" xmlns:p="http://schemas.openxmlformats.org/presentationml/2006/main">
-  <p:cSld>
-    <p:spTree>
-      <p:nvGrpSpPr>
-        <p:cNvPr id="1" name=""/>
-        <p:cNvGrpSpPr/>
-        <p:nvPr/>
-      </p:nvGrpSpPr>
-      <p:grpSpPr>
-        <a:xfrm>
-          <a:off x="0" y="0"/>
-          <a:ext cx="0" cy="0"/>
-          <a:chOff x="0" y="0"/>
-          <a:chExt cx="0" cy="0"/>
-        </a:xfrm>
-      </p:grpSpPr>
-      <p:sp>
-        <p:nvSpPr>
-          <p:cNvPr id="2" name="Title 1">
-            <a:extLst>
-              <a:ext uri="{FF2B5EF4-FFF2-40B4-BE49-F238E27FC236}">
                 <a16:creationId xmlns:a16="http://schemas.microsoft.com/office/drawing/2014/main" id="{E6AC0FD9-16DA-49DA-ADE7-0441560A35FC}"/>
               </a:ext>
             </a:extLst>
@@ -5921,7 +7853,7 @@
 </p:sld>
 </file>
 
-<file path=ppt/slides/slide8.xml><?xml version="1.0" encoding="utf-8"?>
+<file path=ppt/slides/slide15.xml><?xml version="1.0" encoding="utf-8"?>
 <p:sld xmlns:a="http://schemas.openxmlformats.org/drawingml/2006/main" xmlns:r="http://schemas.openxmlformats.org/officeDocument/2006/relationships" xmlns:p="http://schemas.openxmlformats.org/presentationml/2006/main">
   <p:cSld>
     <p:spTree>
@@ -6407,7 +8339,7 @@
 </p:sld>
 </file>
 
-<file path=ppt/slides/slide9.xml><?xml version="1.0" encoding="utf-8"?>
+<file path=ppt/slides/slide16.xml><?xml version="1.0" encoding="utf-8"?>
 <p:sld xmlns:a="http://schemas.openxmlformats.org/drawingml/2006/main" xmlns:r="http://schemas.openxmlformats.org/officeDocument/2006/relationships" xmlns:p="http://schemas.openxmlformats.org/presentationml/2006/main">
   <p:cSld>
     <p:spTree>
@@ -6990,6 +8922,3759 @@
     <p:extLst>
       <p:ext uri="{BB962C8B-B14F-4D97-AF65-F5344CB8AC3E}">
         <p14:creationId xmlns:p14="http://schemas.microsoft.com/office/powerpoint/2010/main" val="3689991879"/>
+      </p:ext>
+    </p:extLst>
+  </p:cSld>
+  <p:clrMapOvr>
+    <a:masterClrMapping/>
+  </p:clrMapOvr>
+</p:sld>
+</file>
+
+<file path=ppt/slides/slide17.xml><?xml version="1.0" encoding="utf-8"?>
+<p:sld xmlns:a="http://schemas.openxmlformats.org/drawingml/2006/main" xmlns:r="http://schemas.openxmlformats.org/officeDocument/2006/relationships" xmlns:p="http://schemas.openxmlformats.org/presentationml/2006/main">
+  <p:cSld>
+    <p:spTree>
+      <p:nvGrpSpPr>
+        <p:cNvPr id="1" name=""/>
+        <p:cNvGrpSpPr/>
+        <p:nvPr/>
+      </p:nvGrpSpPr>
+      <p:grpSpPr>
+        <a:xfrm>
+          <a:off x="0" y="0"/>
+          <a:ext cx="0" cy="0"/>
+          <a:chOff x="0" y="0"/>
+          <a:chExt cx="0" cy="0"/>
+        </a:xfrm>
+      </p:grpSpPr>
+      <p:sp>
+        <p:nvSpPr>
+          <p:cNvPr id="2" name="Title 1">
+            <a:extLst>
+              <a:ext uri="{FF2B5EF4-FFF2-40B4-BE49-F238E27FC236}">
+                <a16:creationId xmlns:a16="http://schemas.microsoft.com/office/drawing/2014/main" id="{CB81F083-E379-42EA-93C1-242C916398EE}"/>
+              </a:ext>
+            </a:extLst>
+          </p:cNvPr>
+          <p:cNvSpPr>
+            <a:spLocks noGrp="1"/>
+          </p:cNvSpPr>
+          <p:nvPr>
+            <p:ph type="title"/>
+          </p:nvPr>
+        </p:nvSpPr>
+        <p:spPr/>
+        <p:txBody>
+          <a:bodyPr/>
+          <a:lstStyle/>
+          <a:p>
+            <a:r>
+              <a:rPr lang="nl-NL" dirty="0"/>
+              <a:t>(</a:t>
+            </a:r>
+            <a:r>
+              <a:rPr lang="nl-NL" dirty="0" err="1"/>
+              <a:t>Deep</a:t>
+            </a:r>
+            <a:r>
+              <a:rPr lang="nl-NL" dirty="0"/>
+              <a:t>) </a:t>
+            </a:r>
+            <a:r>
+              <a:rPr lang="nl-NL" dirty="0" err="1"/>
+              <a:t>Neural</a:t>
+            </a:r>
+            <a:r>
+              <a:rPr lang="nl-NL" dirty="0"/>
+              <a:t> Networks</a:t>
+            </a:r>
+            <a:endParaRPr lang="en-NL" dirty="0"/>
+          </a:p>
+        </p:txBody>
+      </p:sp>
+      <p:sp>
+        <p:nvSpPr>
+          <p:cNvPr id="3" name="Content Placeholder 2">
+            <a:extLst>
+              <a:ext uri="{FF2B5EF4-FFF2-40B4-BE49-F238E27FC236}">
+                <a16:creationId xmlns:a16="http://schemas.microsoft.com/office/drawing/2014/main" id="{289E854E-692E-4FBE-826F-4DACDC1A6D5F}"/>
+              </a:ext>
+            </a:extLst>
+          </p:cNvPr>
+          <p:cNvSpPr>
+            <a:spLocks noGrp="1"/>
+          </p:cNvSpPr>
+          <p:nvPr>
+            <p:ph idx="1"/>
+          </p:nvPr>
+        </p:nvSpPr>
+        <p:spPr/>
+        <p:txBody>
+          <a:bodyPr/>
+          <a:lstStyle/>
+          <a:p>
+            <a:r>
+              <a:rPr lang="nl-NL" dirty="0"/>
+              <a:t>https://stats.stackexchange.com/questions/315402/multi-layer-perceptron-vs-deep-neural-network</a:t>
+            </a:r>
+            <a:endParaRPr lang="en-NL" dirty="0"/>
+          </a:p>
+        </p:txBody>
+      </p:sp>
+    </p:spTree>
+    <p:extLst>
+      <p:ext uri="{BB962C8B-B14F-4D97-AF65-F5344CB8AC3E}">
+        <p14:creationId xmlns:p14="http://schemas.microsoft.com/office/powerpoint/2010/main" val="3991129261"/>
+      </p:ext>
+    </p:extLst>
+  </p:cSld>
+  <p:clrMapOvr>
+    <a:masterClrMapping/>
+  </p:clrMapOvr>
+</p:sld>
+</file>
+
+<file path=ppt/slides/slide18.xml><?xml version="1.0" encoding="utf-8"?>
+<p:sld xmlns:a="http://schemas.openxmlformats.org/drawingml/2006/main" xmlns:r="http://schemas.openxmlformats.org/officeDocument/2006/relationships" xmlns:p="http://schemas.openxmlformats.org/presentationml/2006/main">
+  <p:cSld>
+    <p:spTree>
+      <p:nvGrpSpPr>
+        <p:cNvPr id="1" name=""/>
+        <p:cNvGrpSpPr/>
+        <p:nvPr/>
+      </p:nvGrpSpPr>
+      <p:grpSpPr>
+        <a:xfrm>
+          <a:off x="0" y="0"/>
+          <a:ext cx="0" cy="0"/>
+          <a:chOff x="0" y="0"/>
+          <a:chExt cx="0" cy="0"/>
+        </a:xfrm>
+      </p:grpSpPr>
+      <p:sp>
+        <p:nvSpPr>
+          <p:cNvPr id="2" name="Title 1">
+            <a:extLst>
+              <a:ext uri="{FF2B5EF4-FFF2-40B4-BE49-F238E27FC236}">
+                <a16:creationId xmlns:a16="http://schemas.microsoft.com/office/drawing/2014/main" id="{186AFA6C-9AB5-4AF5-8A04-4A379A13CB12}"/>
+              </a:ext>
+            </a:extLst>
+          </p:cNvPr>
+          <p:cNvSpPr>
+            <a:spLocks noGrp="1"/>
+          </p:cNvSpPr>
+          <p:nvPr>
+            <p:ph type="title"/>
+          </p:nvPr>
+        </p:nvSpPr>
+        <p:spPr/>
+        <p:txBody>
+          <a:bodyPr/>
+          <a:lstStyle/>
+          <a:p>
+            <a:r>
+              <a:rPr lang="en-US" dirty="0"/>
+              <a:t>Insert gif</a:t>
+            </a:r>
+            <a:endParaRPr lang="en-NL" dirty="0"/>
+          </a:p>
+        </p:txBody>
+      </p:sp>
+      <p:sp>
+        <p:nvSpPr>
+          <p:cNvPr id="3" name="Content Placeholder 2">
+            <a:extLst>
+              <a:ext uri="{FF2B5EF4-FFF2-40B4-BE49-F238E27FC236}">
+                <a16:creationId xmlns:a16="http://schemas.microsoft.com/office/drawing/2014/main" id="{71E4BC89-4920-4741-B3DB-B7A136648002}"/>
+              </a:ext>
+            </a:extLst>
+          </p:cNvPr>
+          <p:cNvSpPr>
+            <a:spLocks noGrp="1"/>
+          </p:cNvSpPr>
+          <p:nvPr>
+            <p:ph idx="1"/>
+          </p:nvPr>
+        </p:nvSpPr>
+        <p:spPr/>
+        <p:txBody>
+          <a:bodyPr/>
+          <a:lstStyle/>
+          <a:p>
+            <a:r>
+              <a:rPr lang="en-US" dirty="0"/>
+              <a:t>Why not use NN</a:t>
+            </a:r>
+            <a:endParaRPr lang="en-NL" dirty="0"/>
+          </a:p>
+        </p:txBody>
+      </p:sp>
+    </p:spTree>
+    <p:extLst>
+      <p:ext uri="{BB962C8B-B14F-4D97-AF65-F5344CB8AC3E}">
+        <p14:creationId xmlns:p14="http://schemas.microsoft.com/office/powerpoint/2010/main" val="234860269"/>
+      </p:ext>
+    </p:extLst>
+  </p:cSld>
+  <p:clrMapOvr>
+    <a:masterClrMapping/>
+  </p:clrMapOvr>
+</p:sld>
+</file>
+
+<file path=ppt/slides/slide19.xml><?xml version="1.0" encoding="utf-8"?>
+<p:sld xmlns:a="http://schemas.openxmlformats.org/drawingml/2006/main" xmlns:r="http://schemas.openxmlformats.org/officeDocument/2006/relationships" xmlns:p="http://schemas.openxmlformats.org/presentationml/2006/main">
+  <p:cSld>
+    <p:spTree>
+      <p:nvGrpSpPr>
+        <p:cNvPr id="1" name=""/>
+        <p:cNvGrpSpPr/>
+        <p:nvPr/>
+      </p:nvGrpSpPr>
+      <p:grpSpPr>
+        <a:xfrm>
+          <a:off x="0" y="0"/>
+          <a:ext cx="0" cy="0"/>
+          <a:chOff x="0" y="0"/>
+          <a:chExt cx="0" cy="0"/>
+        </a:xfrm>
+      </p:grpSpPr>
+      <p:pic>
+        <p:nvPicPr>
+          <p:cNvPr id="4" name="Picture 3">
+            <a:extLst>
+              <a:ext uri="{FF2B5EF4-FFF2-40B4-BE49-F238E27FC236}">
+                <a16:creationId xmlns:a16="http://schemas.microsoft.com/office/drawing/2014/main" id="{C35D6A4D-DEC2-4922-8044-9F911A63E7CC}"/>
+              </a:ext>
+            </a:extLst>
+          </p:cNvPr>
+          <p:cNvPicPr>
+            <a:picLocks noChangeAspect="1"/>
+          </p:cNvPicPr>
+          <p:nvPr/>
+        </p:nvPicPr>
+        <p:blipFill>
+          <a:blip r:embed="rId2"/>
+          <a:stretch>
+            <a:fillRect/>
+          </a:stretch>
+        </p:blipFill>
+        <p:spPr>
+          <a:xfrm>
+            <a:off x="544130" y="744376"/>
+            <a:ext cx="11096625" cy="5833888"/>
+          </a:xfrm>
+          <a:prstGeom prst="rect">
+            <a:avLst/>
+          </a:prstGeom>
+        </p:spPr>
+      </p:pic>
+      <p:sp>
+        <p:nvSpPr>
+          <p:cNvPr id="2" name="Title 1">
+            <a:extLst>
+              <a:ext uri="{FF2B5EF4-FFF2-40B4-BE49-F238E27FC236}">
+                <a16:creationId xmlns:a16="http://schemas.microsoft.com/office/drawing/2014/main" id="{03D04F4F-7CA9-45BA-ADC6-D4E91F8B75CF}"/>
+              </a:ext>
+            </a:extLst>
+          </p:cNvPr>
+          <p:cNvSpPr>
+            <a:spLocks noGrp="1"/>
+          </p:cNvSpPr>
+          <p:nvPr>
+            <p:ph type="title"/>
+          </p:nvPr>
+        </p:nvSpPr>
+        <p:spPr>
+          <a:xfrm>
+            <a:off x="834642" y="365125"/>
+            <a:ext cx="10515600" cy="1325563"/>
+          </a:xfrm>
+        </p:spPr>
+        <p:txBody>
+          <a:bodyPr/>
+          <a:lstStyle/>
+          <a:p>
+            <a:r>
+              <a:rPr lang="nl-NL" dirty="0" err="1"/>
+              <a:t>Convolutional</a:t>
+            </a:r>
+            <a:r>
+              <a:rPr lang="nl-NL" dirty="0"/>
+              <a:t> </a:t>
+            </a:r>
+            <a:r>
+              <a:rPr lang="nl-NL" dirty="0" err="1"/>
+              <a:t>Neural</a:t>
+            </a:r>
+            <a:r>
+              <a:rPr lang="nl-NL" dirty="0"/>
+              <a:t> Network</a:t>
+            </a:r>
+            <a:endParaRPr lang="en-NL" dirty="0"/>
+          </a:p>
+        </p:txBody>
+      </p:sp>
+      <p:sp>
+        <p:nvSpPr>
+          <p:cNvPr id="5" name="TextBox 4">
+            <a:extLst>
+              <a:ext uri="{FF2B5EF4-FFF2-40B4-BE49-F238E27FC236}">
+                <a16:creationId xmlns:a16="http://schemas.microsoft.com/office/drawing/2014/main" id="{3FD3CF14-911A-4DF2-AC3A-5065E7BAA14A}"/>
+              </a:ext>
+            </a:extLst>
+          </p:cNvPr>
+          <p:cNvSpPr txBox="1"/>
+          <p:nvPr/>
+        </p:nvSpPr>
+        <p:spPr>
+          <a:xfrm>
+            <a:off x="95250" y="6301690"/>
+            <a:ext cx="11334750" cy="523220"/>
+          </a:xfrm>
+          <a:prstGeom prst="rect">
+            <a:avLst/>
+          </a:prstGeom>
+          <a:noFill/>
+        </p:spPr>
+        <p:txBody>
+          <a:bodyPr wrap="square" rtlCol="0">
+            <a:spAutoFit/>
+          </a:bodyPr>
+          <a:lstStyle/>
+          <a:p>
+            <a:r>
+              <a:rPr lang="en-US" sz="1400" i="1" dirty="0"/>
+              <a:t>Source:</a:t>
+            </a:r>
+            <a:br>
+              <a:rPr lang="en-US" sz="1400" i="1" dirty="0"/>
+            </a:br>
+            <a:r>
+              <a:rPr lang="en-US" sz="1400" i="1" dirty="0"/>
+              <a:t>https://towardsdatascience.com/a-comprehensive-guide-to-convolutional-neural-networks-the-eli5-way-3bd2b1164a53</a:t>
+            </a:r>
+            <a:endParaRPr lang="en-NL" sz="1400" i="1" dirty="0"/>
+          </a:p>
+        </p:txBody>
+      </p:sp>
+    </p:spTree>
+    <p:extLst>
+      <p:ext uri="{BB962C8B-B14F-4D97-AF65-F5344CB8AC3E}">
+        <p14:creationId xmlns:p14="http://schemas.microsoft.com/office/powerpoint/2010/main" val="1505611136"/>
+      </p:ext>
+    </p:extLst>
+  </p:cSld>
+  <p:clrMapOvr>
+    <a:masterClrMapping/>
+  </p:clrMapOvr>
+</p:sld>
+</file>
+
+<file path=ppt/slides/slide2.xml><?xml version="1.0" encoding="utf-8"?>
+<p:sld xmlns:a="http://schemas.openxmlformats.org/drawingml/2006/main" xmlns:r="http://schemas.openxmlformats.org/officeDocument/2006/relationships" xmlns:p="http://schemas.openxmlformats.org/presentationml/2006/main">
+  <p:cSld>
+    <p:spTree>
+      <p:nvGrpSpPr>
+        <p:cNvPr id="1" name=""/>
+        <p:cNvGrpSpPr/>
+        <p:nvPr/>
+      </p:nvGrpSpPr>
+      <p:grpSpPr>
+        <a:xfrm>
+          <a:off x="0" y="0"/>
+          <a:ext cx="0" cy="0"/>
+          <a:chOff x="0" y="0"/>
+          <a:chExt cx="0" cy="0"/>
+        </a:xfrm>
+      </p:grpSpPr>
+      <p:sp>
+        <p:nvSpPr>
+          <p:cNvPr id="2" name="Title 1">
+            <a:extLst>
+              <a:ext uri="{FF2B5EF4-FFF2-40B4-BE49-F238E27FC236}">
+                <a16:creationId xmlns:a16="http://schemas.microsoft.com/office/drawing/2014/main" id="{45E45AB6-09D2-4B89-A105-D5F8E3CEECDA}"/>
+              </a:ext>
+            </a:extLst>
+          </p:cNvPr>
+          <p:cNvSpPr>
+            <a:spLocks noGrp="1"/>
+          </p:cNvSpPr>
+          <p:nvPr>
+            <p:ph type="title"/>
+          </p:nvPr>
+        </p:nvSpPr>
+        <p:spPr/>
+        <p:txBody>
+          <a:bodyPr/>
+          <a:lstStyle/>
+          <a:p>
+            <a:r>
+              <a:rPr lang="nl-NL" dirty="0" err="1"/>
+              <a:t>Table</a:t>
+            </a:r>
+            <a:r>
+              <a:rPr lang="nl-NL" dirty="0"/>
+              <a:t> of Contents</a:t>
+            </a:r>
+            <a:endParaRPr lang="en-NL" dirty="0"/>
+          </a:p>
+        </p:txBody>
+      </p:sp>
+      <p:sp>
+        <p:nvSpPr>
+          <p:cNvPr id="3" name="Content Placeholder 2">
+            <a:extLst>
+              <a:ext uri="{FF2B5EF4-FFF2-40B4-BE49-F238E27FC236}">
+                <a16:creationId xmlns:a16="http://schemas.microsoft.com/office/drawing/2014/main" id="{682B7CE4-8B1A-4EF0-A52F-B481C1BB4E34}"/>
+              </a:ext>
+            </a:extLst>
+          </p:cNvPr>
+          <p:cNvSpPr>
+            <a:spLocks noGrp="1"/>
+          </p:cNvSpPr>
+          <p:nvPr>
+            <p:ph idx="1"/>
+          </p:nvPr>
+        </p:nvSpPr>
+        <p:spPr/>
+        <p:txBody>
+          <a:bodyPr/>
+          <a:lstStyle/>
+          <a:p>
+            <a:r>
+              <a:rPr lang="nl-NL" dirty="0" err="1"/>
+              <a:t>Perceptron</a:t>
+            </a:r>
+            <a:endParaRPr lang="nl-NL" dirty="0"/>
+          </a:p>
+          <a:p>
+            <a:pPr lvl="1"/>
+            <a:r>
+              <a:rPr lang="nl-NL" dirty="0" err="1"/>
+              <a:t>Biological</a:t>
+            </a:r>
+            <a:r>
+              <a:rPr lang="nl-NL" dirty="0"/>
+              <a:t> </a:t>
+            </a:r>
+            <a:r>
+              <a:rPr lang="nl-NL" dirty="0" err="1"/>
+              <a:t>representation</a:t>
+            </a:r>
+            <a:endParaRPr lang="nl-NL" dirty="0"/>
+          </a:p>
+          <a:p>
+            <a:pPr lvl="1"/>
+            <a:r>
+              <a:rPr lang="nl-NL" dirty="0" err="1"/>
+              <a:t>Artificial</a:t>
+            </a:r>
+            <a:r>
+              <a:rPr lang="nl-NL" dirty="0"/>
+              <a:t> </a:t>
+            </a:r>
+            <a:r>
+              <a:rPr lang="nl-NL" dirty="0" err="1"/>
+              <a:t>representation</a:t>
+            </a:r>
+            <a:endParaRPr lang="nl-NL" dirty="0"/>
+          </a:p>
+          <a:p>
+            <a:r>
+              <a:rPr lang="nl-NL" dirty="0"/>
+              <a:t>Feed-forward</a:t>
+            </a:r>
+          </a:p>
+          <a:p>
+            <a:pPr lvl="1"/>
+            <a:r>
+              <a:rPr lang="nl-NL" dirty="0" err="1"/>
+              <a:t>Classification</a:t>
+            </a:r>
+            <a:endParaRPr lang="nl-NL" dirty="0"/>
+          </a:p>
+          <a:p>
+            <a:pPr lvl="1"/>
+            <a:r>
+              <a:rPr lang="nl-NL" dirty="0" err="1"/>
+              <a:t>Regression</a:t>
+            </a:r>
+            <a:endParaRPr lang="nl-NL" dirty="0"/>
+          </a:p>
+          <a:p>
+            <a:endParaRPr lang="nl-NL" dirty="0"/>
+          </a:p>
+        </p:txBody>
+      </p:sp>
+    </p:spTree>
+    <p:extLst>
+      <p:ext uri="{BB962C8B-B14F-4D97-AF65-F5344CB8AC3E}">
+        <p14:creationId xmlns:p14="http://schemas.microsoft.com/office/powerpoint/2010/main" val="1071321425"/>
+      </p:ext>
+    </p:extLst>
+  </p:cSld>
+  <p:clrMapOvr>
+    <a:masterClrMapping/>
+  </p:clrMapOvr>
+</p:sld>
+</file>
+
+<file path=ppt/slides/slide20.xml><?xml version="1.0" encoding="utf-8"?>
+<p:sld xmlns:a="http://schemas.openxmlformats.org/drawingml/2006/main" xmlns:r="http://schemas.openxmlformats.org/officeDocument/2006/relationships" xmlns:p="http://schemas.openxmlformats.org/presentationml/2006/main">
+  <p:cSld>
+    <p:spTree>
+      <p:nvGrpSpPr>
+        <p:cNvPr id="1" name=""/>
+        <p:cNvGrpSpPr/>
+        <p:nvPr/>
+      </p:nvGrpSpPr>
+      <p:grpSpPr>
+        <a:xfrm>
+          <a:off x="0" y="0"/>
+          <a:ext cx="0" cy="0"/>
+          <a:chOff x="0" y="0"/>
+          <a:chExt cx="0" cy="0"/>
+        </a:xfrm>
+      </p:grpSpPr>
+      <p:sp>
+        <p:nvSpPr>
+          <p:cNvPr id="2" name="Title 1">
+            <a:extLst>
+              <a:ext uri="{FF2B5EF4-FFF2-40B4-BE49-F238E27FC236}">
+                <a16:creationId xmlns:a16="http://schemas.microsoft.com/office/drawing/2014/main" id="{4CBBFF87-E1FA-42DF-B39A-051C58CF2B5F}"/>
+              </a:ext>
+            </a:extLst>
+          </p:cNvPr>
+          <p:cNvSpPr>
+            <a:spLocks noGrp="1"/>
+          </p:cNvSpPr>
+          <p:nvPr>
+            <p:ph type="title"/>
+          </p:nvPr>
+        </p:nvSpPr>
+        <p:spPr/>
+        <p:txBody>
+          <a:bodyPr/>
+          <a:lstStyle/>
+          <a:p>
+            <a:r>
+              <a:rPr lang="nl-NL" dirty="0" err="1"/>
+              <a:t>Insert</a:t>
+            </a:r>
+            <a:r>
+              <a:rPr lang="nl-NL" dirty="0"/>
+              <a:t> </a:t>
+            </a:r>
+            <a:r>
+              <a:rPr lang="nl-NL" dirty="0" err="1"/>
+              <a:t>img</a:t>
+            </a:r>
+            <a:r>
+              <a:rPr lang="nl-NL" dirty="0"/>
+              <a:t> of </a:t>
+            </a:r>
+            <a:r>
+              <a:rPr lang="nl-NL" dirty="0" err="1"/>
+              <a:t>img</a:t>
+            </a:r>
+            <a:r>
+              <a:rPr lang="nl-NL" dirty="0"/>
+              <a:t> </a:t>
+            </a:r>
+            <a:r>
+              <a:rPr lang="nl-NL" dirty="0" err="1"/>
+              <a:t>classification</a:t>
+            </a:r>
+            <a:r>
+              <a:rPr lang="nl-NL" dirty="0"/>
+              <a:t> without </a:t>
+            </a:r>
+            <a:r>
+              <a:rPr lang="nl-NL"/>
+              <a:t>cnn</a:t>
+            </a:r>
+            <a:endParaRPr lang="en-NL"/>
+          </a:p>
+        </p:txBody>
+      </p:sp>
+      <p:sp>
+        <p:nvSpPr>
+          <p:cNvPr id="3" name="Content Placeholder 2">
+            <a:extLst>
+              <a:ext uri="{FF2B5EF4-FFF2-40B4-BE49-F238E27FC236}">
+                <a16:creationId xmlns:a16="http://schemas.microsoft.com/office/drawing/2014/main" id="{6405443A-04F7-4A3C-AC60-5D7E9BF264C6}"/>
+              </a:ext>
+            </a:extLst>
+          </p:cNvPr>
+          <p:cNvSpPr>
+            <a:spLocks noGrp="1"/>
+          </p:cNvSpPr>
+          <p:nvPr>
+            <p:ph idx="1"/>
+          </p:nvPr>
+        </p:nvSpPr>
+        <p:spPr/>
+        <p:txBody>
+          <a:bodyPr/>
+          <a:lstStyle/>
+          <a:p>
+            <a:endParaRPr lang="en-NL"/>
+          </a:p>
+        </p:txBody>
+      </p:sp>
+    </p:spTree>
+    <p:extLst>
+      <p:ext uri="{BB962C8B-B14F-4D97-AF65-F5344CB8AC3E}">
+        <p14:creationId xmlns:p14="http://schemas.microsoft.com/office/powerpoint/2010/main" val="931138271"/>
+      </p:ext>
+    </p:extLst>
+  </p:cSld>
+  <p:clrMapOvr>
+    <a:masterClrMapping/>
+  </p:clrMapOvr>
+</p:sld>
+</file>
+
+<file path=ppt/slides/slide3.xml><?xml version="1.0" encoding="utf-8"?>
+<p:sld xmlns:a="http://schemas.openxmlformats.org/drawingml/2006/main" xmlns:r="http://schemas.openxmlformats.org/officeDocument/2006/relationships" xmlns:p="http://schemas.openxmlformats.org/presentationml/2006/main">
+  <p:cSld>
+    <p:spTree>
+      <p:nvGrpSpPr>
+        <p:cNvPr id="1" name=""/>
+        <p:cNvGrpSpPr/>
+        <p:nvPr/>
+      </p:nvGrpSpPr>
+      <p:grpSpPr>
+        <a:xfrm>
+          <a:off x="0" y="0"/>
+          <a:ext cx="0" cy="0"/>
+          <a:chOff x="0" y="0"/>
+          <a:chExt cx="0" cy="0"/>
+        </a:xfrm>
+      </p:grpSpPr>
+      <p:sp>
+        <p:nvSpPr>
+          <p:cNvPr id="2" name="Title 1">
+            <a:extLst>
+              <a:ext uri="{FF2B5EF4-FFF2-40B4-BE49-F238E27FC236}">
+                <a16:creationId xmlns:a16="http://schemas.microsoft.com/office/drawing/2014/main" id="{EEF90057-D3A7-4728-8036-C12B989DFDF2}"/>
+              </a:ext>
+            </a:extLst>
+          </p:cNvPr>
+          <p:cNvSpPr>
+            <a:spLocks noGrp="1"/>
+          </p:cNvSpPr>
+          <p:nvPr>
+            <p:ph type="title"/>
+          </p:nvPr>
+        </p:nvSpPr>
+        <p:spPr/>
+        <p:txBody>
+          <a:bodyPr/>
+          <a:lstStyle/>
+          <a:p>
+            <a:r>
+              <a:rPr lang="nl-NL" dirty="0" err="1"/>
+              <a:t>Perceptron</a:t>
+            </a:r>
+            <a:r>
+              <a:rPr lang="nl-NL" dirty="0"/>
+              <a:t>? Neuron?</a:t>
+            </a:r>
+            <a:endParaRPr lang="en-NL" dirty="0"/>
+          </a:p>
+        </p:txBody>
+      </p:sp>
+      <p:pic>
+        <p:nvPicPr>
+          <p:cNvPr id="5" name="Content Placeholder 4" descr="A picture containing text, vector graphics&#10;&#10;Description automatically generated">
+            <a:extLst>
+              <a:ext uri="{FF2B5EF4-FFF2-40B4-BE49-F238E27FC236}">
+                <a16:creationId xmlns:a16="http://schemas.microsoft.com/office/drawing/2014/main" id="{8F363392-7A52-42B1-B4CE-2F30C399D17C}"/>
+              </a:ext>
+            </a:extLst>
+          </p:cNvPr>
+          <p:cNvPicPr>
+            <a:picLocks noGrp="1" noChangeAspect="1"/>
+          </p:cNvPicPr>
+          <p:nvPr>
+            <p:ph idx="1"/>
+          </p:nvPr>
+        </p:nvPicPr>
+        <p:blipFill>
+          <a:blip r:embed="rId2">
+            <a:extLst>
+              <a:ext uri="{28A0092B-C50C-407E-A947-70E740481C1C}">
+                <a14:useLocalDpi xmlns:a14="http://schemas.microsoft.com/office/drawing/2010/main" val="0"/>
+              </a:ext>
+            </a:extLst>
+          </a:blip>
+          <a:stretch>
+            <a:fillRect/>
+          </a:stretch>
+        </p:blipFill>
+        <p:spPr>
+          <a:xfrm>
+            <a:off x="120945" y="2896080"/>
+            <a:ext cx="6234925" cy="3305262"/>
+          </a:xfrm>
+        </p:spPr>
+      </p:pic>
+      <p:sp>
+        <p:nvSpPr>
+          <p:cNvPr id="6" name="TextBox 5">
+            <a:extLst>
+              <a:ext uri="{FF2B5EF4-FFF2-40B4-BE49-F238E27FC236}">
+                <a16:creationId xmlns:a16="http://schemas.microsoft.com/office/drawing/2014/main" id="{7E70D870-3E39-4CCF-9BF1-135BBA749B1A}"/>
+              </a:ext>
+            </a:extLst>
+          </p:cNvPr>
+          <p:cNvSpPr txBox="1"/>
+          <p:nvPr/>
+        </p:nvSpPr>
+        <p:spPr>
+          <a:xfrm>
+            <a:off x="466528" y="2108718"/>
+            <a:ext cx="4780476" cy="369332"/>
+          </a:xfrm>
+          <a:prstGeom prst="rect">
+            <a:avLst/>
+          </a:prstGeom>
+          <a:noFill/>
+        </p:spPr>
+        <p:txBody>
+          <a:bodyPr wrap="none" rtlCol="0">
+            <a:spAutoFit/>
+          </a:bodyPr>
+          <a:lstStyle/>
+          <a:p>
+            <a:r>
+              <a:rPr lang="nl-NL" dirty="0"/>
+              <a:t>(</a:t>
+            </a:r>
+            <a:r>
+              <a:rPr lang="nl-NL" dirty="0" err="1"/>
+              <a:t>Insert</a:t>
+            </a:r>
+            <a:r>
+              <a:rPr lang="nl-NL" dirty="0"/>
+              <a:t> </a:t>
+            </a:r>
+            <a:r>
+              <a:rPr lang="nl-NL" dirty="0" err="1"/>
+              <a:t>mandatory</a:t>
+            </a:r>
+            <a:r>
+              <a:rPr lang="nl-NL" dirty="0"/>
+              <a:t> </a:t>
+            </a:r>
+            <a:r>
+              <a:rPr lang="nl-NL" dirty="0" err="1"/>
+              <a:t>biological</a:t>
+            </a:r>
+            <a:r>
+              <a:rPr lang="nl-NL" dirty="0"/>
+              <a:t> neuron </a:t>
+            </a:r>
+            <a:r>
+              <a:rPr lang="nl-NL" dirty="0" err="1"/>
+              <a:t>explanation</a:t>
+            </a:r>
+            <a:r>
+              <a:rPr lang="nl-NL" dirty="0"/>
+              <a:t>)</a:t>
+            </a:r>
+            <a:endParaRPr lang="en-NL" dirty="0"/>
+          </a:p>
+        </p:txBody>
+      </p:sp>
+      <p:pic>
+        <p:nvPicPr>
+          <p:cNvPr id="8" name="Picture 7">
+            <a:extLst>
+              <a:ext uri="{FF2B5EF4-FFF2-40B4-BE49-F238E27FC236}">
+                <a16:creationId xmlns:a16="http://schemas.microsoft.com/office/drawing/2014/main" id="{CA5C1D2F-CC81-4D4F-9D0F-776044603AC8}"/>
+              </a:ext>
+            </a:extLst>
+          </p:cNvPr>
+          <p:cNvPicPr>
+            <a:picLocks noChangeAspect="1"/>
+          </p:cNvPicPr>
+          <p:nvPr/>
+        </p:nvPicPr>
+        <p:blipFill>
+          <a:blip r:embed="rId3"/>
+          <a:stretch>
+            <a:fillRect/>
+          </a:stretch>
+        </p:blipFill>
+        <p:spPr>
+          <a:xfrm>
+            <a:off x="6408044" y="3686441"/>
+            <a:ext cx="5663011" cy="1325564"/>
+          </a:xfrm>
+          <a:prstGeom prst="rect">
+            <a:avLst/>
+          </a:prstGeom>
+        </p:spPr>
+      </p:pic>
+    </p:spTree>
+    <p:extLst>
+      <p:ext uri="{BB962C8B-B14F-4D97-AF65-F5344CB8AC3E}">
+        <p14:creationId xmlns:p14="http://schemas.microsoft.com/office/powerpoint/2010/main" val="1352991207"/>
+      </p:ext>
+    </p:extLst>
+  </p:cSld>
+  <p:clrMapOvr>
+    <a:masterClrMapping/>
+  </p:clrMapOvr>
+</p:sld>
+</file>
+
+<file path=ppt/slides/slide4.xml><?xml version="1.0" encoding="utf-8"?>
+<p:sld xmlns:a="http://schemas.openxmlformats.org/drawingml/2006/main" xmlns:r="http://schemas.openxmlformats.org/officeDocument/2006/relationships" xmlns:p="http://schemas.openxmlformats.org/presentationml/2006/main">
+  <p:cSld>
+    <p:spTree>
+      <p:nvGrpSpPr>
+        <p:cNvPr id="1" name=""/>
+        <p:cNvGrpSpPr/>
+        <p:nvPr/>
+      </p:nvGrpSpPr>
+      <p:grpSpPr>
+        <a:xfrm>
+          <a:off x="0" y="0"/>
+          <a:ext cx="0" cy="0"/>
+          <a:chOff x="0" y="0"/>
+          <a:chExt cx="0" cy="0"/>
+        </a:xfrm>
+      </p:grpSpPr>
+      <p:sp>
+        <p:nvSpPr>
+          <p:cNvPr id="2" name="Title 1">
+            <a:extLst>
+              <a:ext uri="{FF2B5EF4-FFF2-40B4-BE49-F238E27FC236}">
+                <a16:creationId xmlns:a16="http://schemas.microsoft.com/office/drawing/2014/main" id="{6794BD41-FF24-4B7A-8EC4-9FE1F1B11174}"/>
+              </a:ext>
+            </a:extLst>
+          </p:cNvPr>
+          <p:cNvSpPr>
+            <a:spLocks noGrp="1"/>
+          </p:cNvSpPr>
+          <p:nvPr>
+            <p:ph type="title"/>
+          </p:nvPr>
+        </p:nvSpPr>
+        <p:spPr/>
+        <p:txBody>
+          <a:bodyPr/>
+          <a:lstStyle/>
+          <a:p>
+            <a:r>
+              <a:rPr lang="en-US" dirty="0"/>
+              <a:t>Linear perceptron</a:t>
+            </a:r>
+            <a:endParaRPr lang="en-NL" dirty="0"/>
+          </a:p>
+        </p:txBody>
+      </p:sp>
+      <mc:AlternateContent xmlns:mc="http://schemas.openxmlformats.org/markup-compatibility/2006" xmlns:a14="http://schemas.microsoft.com/office/drawing/2010/main">
+        <mc:Choice Requires="a14">
+          <p:sp>
+            <p:nvSpPr>
+              <p:cNvPr id="4" name="Oval 3">
+                <a:extLst>
+                  <a:ext uri="{FF2B5EF4-FFF2-40B4-BE49-F238E27FC236}">
+                    <a16:creationId xmlns:a16="http://schemas.microsoft.com/office/drawing/2014/main" id="{E2DC36A4-A50A-4F6C-8D2F-B5DF5A7347C4}"/>
+                  </a:ext>
+                </a:extLst>
+              </p:cNvPr>
+              <p:cNvSpPr/>
+              <p:nvPr/>
+            </p:nvSpPr>
+            <p:spPr>
+              <a:xfrm>
+                <a:off x="2791287" y="3146821"/>
+                <a:ext cx="1660124" cy="1606859"/>
+              </a:xfrm>
+              <a:prstGeom prst="ellipse">
+                <a:avLst/>
+              </a:prstGeom>
+            </p:spPr>
+            <p:style>
+              <a:lnRef idx="2">
+                <a:schemeClr val="accent1">
+                  <a:shade val="50000"/>
+                </a:schemeClr>
+              </a:lnRef>
+              <a:fillRef idx="1">
+                <a:schemeClr val="accent1"/>
+              </a:fillRef>
+              <a:effectRef idx="0">
+                <a:schemeClr val="accent1"/>
+              </a:effectRef>
+              <a:fontRef idx="minor">
+                <a:schemeClr val="lt1"/>
+              </a:fontRef>
+            </p:style>
+            <p:txBody>
+              <a:bodyPr rtlCol="0" anchor="ctr"/>
+              <a:lstStyle/>
+              <a:p>
+                <a:pPr algn="ctr"/>
+                <a14:m>
+                  <m:oMath xmlns:m="http://schemas.openxmlformats.org/officeDocument/2006/math">
+                    <m:r>
+                      <a:rPr lang="en-US" sz="1600" b="0" i="1" smtClean="0">
+                        <a:latin typeface="Cambria Math" panose="02040503050406030204" pitchFamily="18" charset="0"/>
+                      </a:rPr>
+                      <m:t>∑</m:t>
+                    </m:r>
+                    <m:d>
+                      <m:dPr>
+                        <m:ctrlPr>
+                          <a:rPr lang="en-US" sz="1600" b="0" i="1" smtClean="0">
+                            <a:latin typeface="Cambria Math" panose="02040503050406030204" pitchFamily="18" charset="0"/>
+                          </a:rPr>
+                        </m:ctrlPr>
+                      </m:dPr>
+                      <m:e>
+                        <m:sSub>
+                          <m:sSubPr>
+                            <m:ctrlPr>
+                              <a:rPr lang="en-US" sz="1600" b="0" i="1" smtClean="0">
+                                <a:latin typeface="Cambria Math" panose="02040503050406030204" pitchFamily="18" charset="0"/>
+                              </a:rPr>
+                            </m:ctrlPr>
+                          </m:sSubPr>
+                          <m:e>
+                            <m:r>
+                              <a:rPr lang="en-US" sz="1600" b="0" i="1" smtClean="0">
+                                <a:latin typeface="Cambria Math" panose="02040503050406030204" pitchFamily="18" charset="0"/>
+                              </a:rPr>
+                              <m:t>𝑤</m:t>
+                            </m:r>
+                          </m:e>
+                          <m:sub>
+                            <m:r>
+                              <a:rPr lang="en-US" sz="1600" b="0" i="1" smtClean="0">
+                                <a:latin typeface="Cambria Math" panose="02040503050406030204" pitchFamily="18" charset="0"/>
+                              </a:rPr>
+                              <m:t>𝑖</m:t>
+                            </m:r>
+                          </m:sub>
+                        </m:sSub>
+                        <m:sSub>
+                          <m:sSubPr>
+                            <m:ctrlPr>
+                              <a:rPr lang="en-US" sz="1600" b="0" i="1" smtClean="0">
+                                <a:latin typeface="Cambria Math" panose="02040503050406030204" pitchFamily="18" charset="0"/>
+                              </a:rPr>
+                            </m:ctrlPr>
+                          </m:sSubPr>
+                          <m:e>
+                            <m:r>
+                              <a:rPr lang="en-US" sz="1600" b="0" i="1" smtClean="0">
+                                <a:latin typeface="Cambria Math" panose="02040503050406030204" pitchFamily="18" charset="0"/>
+                              </a:rPr>
+                              <m:t>𝑥</m:t>
+                            </m:r>
+                          </m:e>
+                          <m:sub>
+                            <m:r>
+                              <a:rPr lang="en-US" sz="1600" b="0" i="1" smtClean="0">
+                                <a:latin typeface="Cambria Math" panose="02040503050406030204" pitchFamily="18" charset="0"/>
+                              </a:rPr>
+                              <m:t>𝑖</m:t>
+                            </m:r>
+                          </m:sub>
+                        </m:sSub>
+                      </m:e>
+                    </m:d>
+                  </m:oMath>
+                </a14:m>
+                <a:r>
+                  <a:rPr lang="en-US" sz="1600" dirty="0"/>
+                  <a:t>+b</a:t>
+                </a:r>
+                <a:endParaRPr lang="en-NL" sz="1600" dirty="0"/>
+              </a:p>
+            </p:txBody>
+          </p:sp>
+        </mc:Choice>
+        <mc:Fallback xmlns="">
+          <p:sp>
+            <p:nvSpPr>
+              <p:cNvPr id="4" name="Oval 3">
+                <a:extLst>
+                  <a:ext uri="{FF2B5EF4-FFF2-40B4-BE49-F238E27FC236}">
+                    <a16:creationId xmlns:a16="http://schemas.microsoft.com/office/drawing/2014/main" id="{E2DC36A4-A50A-4F6C-8D2F-B5DF5A7347C4}"/>
+                  </a:ext>
+                </a:extLst>
+              </p:cNvPr>
+              <p:cNvSpPr>
+                <a:spLocks noRot="1" noChangeAspect="1" noMove="1" noResize="1" noEditPoints="1" noAdjustHandles="1" noChangeArrowheads="1" noChangeShapeType="1" noTextEdit="1"/>
+              </p:cNvSpPr>
+              <p:nvPr/>
+            </p:nvSpPr>
+            <p:spPr>
+              <a:xfrm>
+                <a:off x="2791287" y="3146821"/>
+                <a:ext cx="1660124" cy="1606859"/>
+              </a:xfrm>
+              <a:prstGeom prst="ellipse">
+                <a:avLst/>
+              </a:prstGeom>
+              <a:blipFill>
+                <a:blip r:embed="rId2"/>
+                <a:stretch>
+                  <a:fillRect/>
+                </a:stretch>
+              </a:blipFill>
+            </p:spPr>
+            <p:txBody>
+              <a:bodyPr/>
+              <a:lstStyle/>
+              <a:p>
+                <a:r>
+                  <a:rPr lang="en-NL">
+                    <a:noFill/>
+                  </a:rPr>
+                  <a:t> </a:t>
+                </a:r>
+              </a:p>
+            </p:txBody>
+          </p:sp>
+        </mc:Fallback>
+      </mc:AlternateContent>
+      <p:cxnSp>
+        <p:nvCxnSpPr>
+          <p:cNvPr id="6" name="Straight Arrow Connector 5">
+            <a:extLst>
+              <a:ext uri="{FF2B5EF4-FFF2-40B4-BE49-F238E27FC236}">
+                <a16:creationId xmlns:a16="http://schemas.microsoft.com/office/drawing/2014/main" id="{B65CC8FD-A084-4908-AAF8-17A3341EB540}"/>
+              </a:ext>
+            </a:extLst>
+          </p:cNvPr>
+          <p:cNvCxnSpPr>
+            <a:cxnSpLocks/>
+          </p:cNvCxnSpPr>
+          <p:nvPr/>
+        </p:nvCxnSpPr>
+        <p:spPr>
+          <a:xfrm>
+            <a:off x="1708212" y="2474338"/>
+            <a:ext cx="1326195" cy="892321"/>
+          </a:xfrm>
+          <a:prstGeom prst="straightConnector1">
+            <a:avLst/>
+          </a:prstGeom>
+          <a:ln>
+            <a:tailEnd type="triangle"/>
+          </a:ln>
+        </p:spPr>
+        <p:style>
+          <a:lnRef idx="1">
+            <a:schemeClr val="accent1"/>
+          </a:lnRef>
+          <a:fillRef idx="0">
+            <a:schemeClr val="accent1"/>
+          </a:fillRef>
+          <a:effectRef idx="0">
+            <a:schemeClr val="accent1"/>
+          </a:effectRef>
+          <a:fontRef idx="minor">
+            <a:schemeClr val="tx1"/>
+          </a:fontRef>
+        </p:style>
+      </p:cxnSp>
+      <p:cxnSp>
+        <p:nvCxnSpPr>
+          <p:cNvPr id="7" name="Straight Arrow Connector 6">
+            <a:extLst>
+              <a:ext uri="{FF2B5EF4-FFF2-40B4-BE49-F238E27FC236}">
+                <a16:creationId xmlns:a16="http://schemas.microsoft.com/office/drawing/2014/main" id="{0D3C0790-D326-4438-B2B9-4BD8394E10BD}"/>
+              </a:ext>
+            </a:extLst>
+          </p:cNvPr>
+          <p:cNvCxnSpPr>
+            <a:cxnSpLocks/>
+          </p:cNvCxnSpPr>
+          <p:nvPr/>
+        </p:nvCxnSpPr>
+        <p:spPr>
+          <a:xfrm flipV="1">
+            <a:off x="838200" y="3950250"/>
+            <a:ext cx="1953087" cy="51844"/>
+          </a:xfrm>
+          <a:prstGeom prst="straightConnector1">
+            <a:avLst/>
+          </a:prstGeom>
+          <a:ln>
+            <a:tailEnd type="triangle"/>
+          </a:ln>
+        </p:spPr>
+        <p:style>
+          <a:lnRef idx="1">
+            <a:schemeClr val="accent1"/>
+          </a:lnRef>
+          <a:fillRef idx="0">
+            <a:schemeClr val="accent1"/>
+          </a:fillRef>
+          <a:effectRef idx="0">
+            <a:schemeClr val="accent1"/>
+          </a:effectRef>
+          <a:fontRef idx="minor">
+            <a:schemeClr val="tx1"/>
+          </a:fontRef>
+        </p:style>
+      </p:cxnSp>
+      <p:cxnSp>
+        <p:nvCxnSpPr>
+          <p:cNvPr id="12" name="Straight Arrow Connector 11">
+            <a:extLst>
+              <a:ext uri="{FF2B5EF4-FFF2-40B4-BE49-F238E27FC236}">
+                <a16:creationId xmlns:a16="http://schemas.microsoft.com/office/drawing/2014/main" id="{668B33B1-4FEB-48D2-89EE-CD0BAFE702CC}"/>
+              </a:ext>
+            </a:extLst>
+          </p:cNvPr>
+          <p:cNvCxnSpPr>
+            <a:cxnSpLocks/>
+            <a:endCxn id="4" idx="3"/>
+          </p:cNvCxnSpPr>
+          <p:nvPr/>
+        </p:nvCxnSpPr>
+        <p:spPr>
+          <a:xfrm flipV="1">
+            <a:off x="1095653" y="4518361"/>
+            <a:ext cx="1938754" cy="586610"/>
+          </a:xfrm>
+          <a:prstGeom prst="straightConnector1">
+            <a:avLst/>
+          </a:prstGeom>
+          <a:ln>
+            <a:tailEnd type="triangle"/>
+          </a:ln>
+        </p:spPr>
+        <p:style>
+          <a:lnRef idx="1">
+            <a:schemeClr val="accent1"/>
+          </a:lnRef>
+          <a:fillRef idx="0">
+            <a:schemeClr val="accent1"/>
+          </a:fillRef>
+          <a:effectRef idx="0">
+            <a:schemeClr val="accent1"/>
+          </a:effectRef>
+          <a:fontRef idx="minor">
+            <a:schemeClr val="tx1"/>
+          </a:fontRef>
+        </p:style>
+      </p:cxnSp>
+      <p:sp>
+        <p:nvSpPr>
+          <p:cNvPr id="16" name="TextBox 15">
+            <a:extLst>
+              <a:ext uri="{FF2B5EF4-FFF2-40B4-BE49-F238E27FC236}">
+                <a16:creationId xmlns:a16="http://schemas.microsoft.com/office/drawing/2014/main" id="{80A46883-CDD5-45D2-95BD-6304B443390D}"/>
+              </a:ext>
+            </a:extLst>
+          </p:cNvPr>
+          <p:cNvSpPr txBox="1"/>
+          <p:nvPr/>
+        </p:nvSpPr>
+        <p:spPr>
+          <a:xfrm>
+            <a:off x="1246573" y="1857339"/>
+            <a:ext cx="896645" cy="369332"/>
+          </a:xfrm>
+          <a:prstGeom prst="rect">
+            <a:avLst/>
+          </a:prstGeom>
+          <a:noFill/>
+        </p:spPr>
+        <p:txBody>
+          <a:bodyPr wrap="square" rtlCol="0">
+            <a:spAutoFit/>
+          </a:bodyPr>
+          <a:lstStyle/>
+          <a:p>
+            <a:r>
+              <a:rPr lang="nl-NL" dirty="0"/>
+              <a:t>bias</a:t>
+            </a:r>
+            <a:endParaRPr lang="en-NL" dirty="0"/>
+          </a:p>
+        </p:txBody>
+      </p:sp>
+      <p:sp>
+        <p:nvSpPr>
+          <p:cNvPr id="17" name="TextBox 16">
+            <a:extLst>
+              <a:ext uri="{FF2B5EF4-FFF2-40B4-BE49-F238E27FC236}">
+                <a16:creationId xmlns:a16="http://schemas.microsoft.com/office/drawing/2014/main" id="{9E47982B-3269-4B97-9B76-C05FD60DCC66}"/>
+              </a:ext>
+            </a:extLst>
+          </p:cNvPr>
+          <p:cNvSpPr txBox="1"/>
+          <p:nvPr/>
+        </p:nvSpPr>
+        <p:spPr>
+          <a:xfrm>
+            <a:off x="5258999" y="3765584"/>
+            <a:ext cx="2459114" cy="369332"/>
+          </a:xfrm>
+          <a:prstGeom prst="rect">
+            <a:avLst/>
+          </a:prstGeom>
+          <a:noFill/>
+        </p:spPr>
+        <p:txBody>
+          <a:bodyPr wrap="square" rtlCol="0">
+            <a:spAutoFit/>
+          </a:bodyPr>
+          <a:lstStyle/>
+          <a:p>
+            <a:r>
+              <a:rPr lang="nl-NL" dirty="0" err="1"/>
+              <a:t>classification</a:t>
+            </a:r>
+            <a:endParaRPr lang="en-NL" dirty="0"/>
+          </a:p>
+        </p:txBody>
+      </p:sp>
+      <mc:AlternateContent xmlns:mc="http://schemas.openxmlformats.org/markup-compatibility/2006" xmlns:a14="http://schemas.microsoft.com/office/drawing/2010/main">
+        <mc:Choice Requires="a14">
+          <p:sp>
+            <p:nvSpPr>
+              <p:cNvPr id="19" name="TextBox 18">
+                <a:extLst>
+                  <a:ext uri="{FF2B5EF4-FFF2-40B4-BE49-F238E27FC236}">
+                    <a16:creationId xmlns:a16="http://schemas.microsoft.com/office/drawing/2014/main" id="{6826A76F-A0C7-49B3-A4D2-88C582A74F34}"/>
+                  </a:ext>
+                </a:extLst>
+              </p:cNvPr>
+              <p:cNvSpPr txBox="1"/>
+              <p:nvPr/>
+            </p:nvSpPr>
+            <p:spPr>
+              <a:xfrm>
+                <a:off x="2440342" y="5337271"/>
+                <a:ext cx="2876365" cy="369332"/>
+              </a:xfrm>
+              <a:prstGeom prst="rect">
+                <a:avLst/>
+              </a:prstGeom>
+              <a:noFill/>
+            </p:spPr>
+            <p:txBody>
+              <a:bodyPr wrap="square" rtlCol="0">
+                <a:spAutoFit/>
+              </a:bodyPr>
+              <a:lstStyle/>
+              <a:p>
+                <a:pPr/>
+                <a14:m>
+                  <m:oMathPara xmlns:m="http://schemas.openxmlformats.org/officeDocument/2006/math">
+                    <m:oMathParaPr>
+                      <m:jc m:val="centerGroup"/>
+                    </m:oMathParaPr>
+                    <m:oMath xmlns:m="http://schemas.openxmlformats.org/officeDocument/2006/math">
+                      <m:sSub>
+                        <m:sSubPr>
+                          <m:ctrlPr>
+                            <a:rPr lang="en-US" b="0" i="1" smtClean="0">
+                              <a:latin typeface="Cambria Math" panose="02040503050406030204" pitchFamily="18" charset="0"/>
+                            </a:rPr>
+                          </m:ctrlPr>
+                        </m:sSubPr>
+                        <m:e>
+                          <m:r>
+                            <a:rPr lang="en-US" b="0" i="1" smtClean="0">
+                              <a:latin typeface="Cambria Math" panose="02040503050406030204" pitchFamily="18" charset="0"/>
+                            </a:rPr>
+                            <m:t>𝑤</m:t>
+                          </m:r>
+                        </m:e>
+                        <m:sub>
+                          <m:r>
+                            <a:rPr lang="en-US" b="0" i="1" smtClean="0">
+                              <a:latin typeface="Cambria Math" panose="02040503050406030204" pitchFamily="18" charset="0"/>
+                            </a:rPr>
+                            <m:t>0</m:t>
+                          </m:r>
+                        </m:sub>
+                      </m:sSub>
+                      <m:r>
+                        <a:rPr lang="en-US" b="0" i="1" smtClean="0">
+                          <a:latin typeface="Cambria Math" panose="02040503050406030204" pitchFamily="18" charset="0"/>
+                        </a:rPr>
+                        <m:t>+</m:t>
+                      </m:r>
+                      <m:sSub>
+                        <m:sSubPr>
+                          <m:ctrlPr>
+                            <a:rPr lang="en-US" b="0" i="1" smtClean="0">
+                              <a:latin typeface="Cambria Math" panose="02040503050406030204" pitchFamily="18" charset="0"/>
+                            </a:rPr>
+                          </m:ctrlPr>
+                        </m:sSubPr>
+                        <m:e>
+                          <m:r>
+                            <a:rPr lang="en-US" b="0" i="1" smtClean="0">
+                              <a:latin typeface="Cambria Math" panose="02040503050406030204" pitchFamily="18" charset="0"/>
+                            </a:rPr>
+                            <m:t>𝑤</m:t>
+                          </m:r>
+                        </m:e>
+                        <m:sub>
+                          <m:r>
+                            <a:rPr lang="en-US" b="0" i="1" smtClean="0">
+                              <a:latin typeface="Cambria Math" panose="02040503050406030204" pitchFamily="18" charset="0"/>
+                            </a:rPr>
+                            <m:t>1</m:t>
+                          </m:r>
+                        </m:sub>
+                      </m:sSub>
+                      <m:sSub>
+                        <m:sSubPr>
+                          <m:ctrlPr>
+                            <a:rPr lang="en-US" b="0" i="1" smtClean="0">
+                              <a:latin typeface="Cambria Math" panose="02040503050406030204" pitchFamily="18" charset="0"/>
+                            </a:rPr>
+                          </m:ctrlPr>
+                        </m:sSubPr>
+                        <m:e>
+                          <m:r>
+                            <a:rPr lang="en-US" b="0" i="1" smtClean="0">
+                              <a:latin typeface="Cambria Math" panose="02040503050406030204" pitchFamily="18" charset="0"/>
+                            </a:rPr>
+                            <m:t>𝑥</m:t>
+                          </m:r>
+                        </m:e>
+                        <m:sub>
+                          <m:r>
+                            <a:rPr lang="en-US" b="0" i="1" smtClean="0">
+                              <a:latin typeface="Cambria Math" panose="02040503050406030204" pitchFamily="18" charset="0"/>
+                            </a:rPr>
+                            <m:t>1</m:t>
+                          </m:r>
+                        </m:sub>
+                      </m:sSub>
+                      <m:r>
+                        <a:rPr lang="en-US" b="0" i="1" smtClean="0">
+                          <a:latin typeface="Cambria Math" panose="02040503050406030204" pitchFamily="18" charset="0"/>
+                        </a:rPr>
+                        <m:t>+</m:t>
+                      </m:r>
+                      <m:sSub>
+                        <m:sSubPr>
+                          <m:ctrlPr>
+                            <a:rPr lang="en-US" b="0" i="1" smtClean="0">
+                              <a:latin typeface="Cambria Math" panose="02040503050406030204" pitchFamily="18" charset="0"/>
+                            </a:rPr>
+                          </m:ctrlPr>
+                        </m:sSubPr>
+                        <m:e>
+                          <m:r>
+                            <a:rPr lang="en-US" b="0" i="1" smtClean="0">
+                              <a:latin typeface="Cambria Math" panose="02040503050406030204" pitchFamily="18" charset="0"/>
+                            </a:rPr>
+                            <m:t>𝑤</m:t>
+                          </m:r>
+                        </m:e>
+                        <m:sub>
+                          <m:r>
+                            <a:rPr lang="en-US" b="0" i="1" smtClean="0">
+                              <a:latin typeface="Cambria Math" panose="02040503050406030204" pitchFamily="18" charset="0"/>
+                            </a:rPr>
+                            <m:t>2</m:t>
+                          </m:r>
+                        </m:sub>
+                      </m:sSub>
+                      <m:sSub>
+                        <m:sSubPr>
+                          <m:ctrlPr>
+                            <a:rPr lang="en-US" b="0" i="1" smtClean="0">
+                              <a:latin typeface="Cambria Math" panose="02040503050406030204" pitchFamily="18" charset="0"/>
+                            </a:rPr>
+                          </m:ctrlPr>
+                        </m:sSubPr>
+                        <m:e>
+                          <m:r>
+                            <a:rPr lang="en-US" b="0" i="1" smtClean="0">
+                              <a:latin typeface="Cambria Math" panose="02040503050406030204" pitchFamily="18" charset="0"/>
+                            </a:rPr>
+                            <m:t>𝑥</m:t>
+                          </m:r>
+                        </m:e>
+                        <m:sub>
+                          <m:r>
+                            <a:rPr lang="en-US" b="0" i="1" smtClean="0">
+                              <a:latin typeface="Cambria Math" panose="02040503050406030204" pitchFamily="18" charset="0"/>
+                            </a:rPr>
+                            <m:t>2</m:t>
+                          </m:r>
+                        </m:sub>
+                      </m:sSub>
+                      <m:r>
+                        <a:rPr lang="en-US" b="0" i="1" smtClean="0">
+                          <a:latin typeface="Cambria Math" panose="02040503050406030204" pitchFamily="18" charset="0"/>
+                        </a:rPr>
+                        <m:t>=0</m:t>
+                      </m:r>
+                    </m:oMath>
+                  </m:oMathPara>
+                </a14:m>
+                <a:endParaRPr lang="en-US" b="0" dirty="0"/>
+              </a:p>
+            </p:txBody>
+          </p:sp>
+        </mc:Choice>
+        <mc:Fallback xmlns="">
+          <p:sp>
+            <p:nvSpPr>
+              <p:cNvPr id="19" name="TextBox 18">
+                <a:extLst>
+                  <a:ext uri="{FF2B5EF4-FFF2-40B4-BE49-F238E27FC236}">
+                    <a16:creationId xmlns:a16="http://schemas.microsoft.com/office/drawing/2014/main" id="{6826A76F-A0C7-49B3-A4D2-88C582A74F34}"/>
+                  </a:ext>
+                </a:extLst>
+              </p:cNvPr>
+              <p:cNvSpPr txBox="1">
+                <a:spLocks noRot="1" noChangeAspect="1" noMove="1" noResize="1" noEditPoints="1" noAdjustHandles="1" noChangeArrowheads="1" noChangeShapeType="1" noTextEdit="1"/>
+              </p:cNvSpPr>
+              <p:nvPr/>
+            </p:nvSpPr>
+            <p:spPr>
+              <a:xfrm>
+                <a:off x="2440342" y="5337271"/>
+                <a:ext cx="2876365" cy="369332"/>
+              </a:xfrm>
+              <a:prstGeom prst="rect">
+                <a:avLst/>
+              </a:prstGeom>
+              <a:blipFill>
+                <a:blip r:embed="rId3"/>
+                <a:stretch>
+                  <a:fillRect/>
+                </a:stretch>
+              </a:blipFill>
+            </p:spPr>
+            <p:txBody>
+              <a:bodyPr/>
+              <a:lstStyle/>
+              <a:p>
+                <a:r>
+                  <a:rPr lang="en-NL">
+                    <a:noFill/>
+                  </a:rPr>
+                  <a:t> </a:t>
+                </a:r>
+              </a:p>
+            </p:txBody>
+          </p:sp>
+        </mc:Fallback>
+      </mc:AlternateContent>
+      <p:pic>
+        <p:nvPicPr>
+          <p:cNvPr id="11" name="Picture 10">
+            <a:extLst>
+              <a:ext uri="{FF2B5EF4-FFF2-40B4-BE49-F238E27FC236}">
+                <a16:creationId xmlns:a16="http://schemas.microsoft.com/office/drawing/2014/main" id="{FDCF9CE5-F4E5-4BDC-BABA-E3E84C149135}"/>
+              </a:ext>
+            </a:extLst>
+          </p:cNvPr>
+          <p:cNvPicPr>
+            <a:picLocks noChangeAspect="1"/>
+          </p:cNvPicPr>
+          <p:nvPr/>
+        </p:nvPicPr>
+        <p:blipFill>
+          <a:blip r:embed="rId4"/>
+          <a:stretch>
+            <a:fillRect/>
+          </a:stretch>
+        </p:blipFill>
+        <p:spPr>
+          <a:xfrm>
+            <a:off x="7430734" y="2514005"/>
+            <a:ext cx="2467319" cy="628738"/>
+          </a:xfrm>
+          <a:prstGeom prst="rect">
+            <a:avLst/>
+          </a:prstGeom>
+        </p:spPr>
+      </p:pic>
+      <p:pic>
+        <p:nvPicPr>
+          <p:cNvPr id="13" name="Picture 12">
+            <a:extLst>
+              <a:ext uri="{FF2B5EF4-FFF2-40B4-BE49-F238E27FC236}">
+                <a16:creationId xmlns:a16="http://schemas.microsoft.com/office/drawing/2014/main" id="{19EDB6C3-97BC-4BCC-9C88-8302474726F4}"/>
+              </a:ext>
+            </a:extLst>
+          </p:cNvPr>
+          <p:cNvPicPr>
+            <a:picLocks noChangeAspect="1"/>
+          </p:cNvPicPr>
+          <p:nvPr/>
+        </p:nvPicPr>
+        <p:blipFill>
+          <a:blip r:embed="rId5"/>
+          <a:stretch>
+            <a:fillRect/>
+          </a:stretch>
+        </p:blipFill>
+        <p:spPr>
+          <a:xfrm>
+            <a:off x="7351196" y="4198469"/>
+            <a:ext cx="2943636" cy="990738"/>
+          </a:xfrm>
+          <a:prstGeom prst="rect">
+            <a:avLst/>
+          </a:prstGeom>
+        </p:spPr>
+      </p:pic>
+    </p:spTree>
+    <p:extLst>
+      <p:ext uri="{BB962C8B-B14F-4D97-AF65-F5344CB8AC3E}">
+        <p14:creationId xmlns:p14="http://schemas.microsoft.com/office/powerpoint/2010/main" val="3367735995"/>
+      </p:ext>
+    </p:extLst>
+  </p:cSld>
+  <p:clrMapOvr>
+    <a:masterClrMapping/>
+  </p:clrMapOvr>
+</p:sld>
+</file>
+
+<file path=ppt/slides/slide5.xml><?xml version="1.0" encoding="utf-8"?>
+<p:sld xmlns:a="http://schemas.openxmlformats.org/drawingml/2006/main" xmlns:r="http://schemas.openxmlformats.org/officeDocument/2006/relationships" xmlns:p="http://schemas.openxmlformats.org/presentationml/2006/main">
+  <p:cSld>
+    <p:spTree>
+      <p:nvGrpSpPr>
+        <p:cNvPr id="1" name=""/>
+        <p:cNvGrpSpPr/>
+        <p:nvPr/>
+      </p:nvGrpSpPr>
+      <p:grpSpPr>
+        <a:xfrm>
+          <a:off x="0" y="0"/>
+          <a:ext cx="0" cy="0"/>
+          <a:chOff x="0" y="0"/>
+          <a:chExt cx="0" cy="0"/>
+        </a:xfrm>
+      </p:grpSpPr>
+      <p:pic>
+        <p:nvPicPr>
+          <p:cNvPr id="5" name="Picture 4">
+            <a:extLst>
+              <a:ext uri="{FF2B5EF4-FFF2-40B4-BE49-F238E27FC236}">
+                <a16:creationId xmlns:a16="http://schemas.microsoft.com/office/drawing/2014/main" id="{14C3A410-9FEA-4723-A9D9-2AB2C932A41B}"/>
+              </a:ext>
+            </a:extLst>
+          </p:cNvPr>
+          <p:cNvPicPr>
+            <a:picLocks noChangeAspect="1"/>
+          </p:cNvPicPr>
+          <p:nvPr/>
+        </p:nvPicPr>
+        <p:blipFill>
+          <a:blip r:embed="rId2"/>
+          <a:stretch>
+            <a:fillRect/>
+          </a:stretch>
+        </p:blipFill>
+        <p:spPr>
+          <a:xfrm>
+            <a:off x="0" y="390617"/>
+            <a:ext cx="6698056" cy="6467383"/>
+          </a:xfrm>
+          <a:prstGeom prst="rect">
+            <a:avLst/>
+          </a:prstGeom>
+        </p:spPr>
+      </p:pic>
+      <p:cxnSp>
+        <p:nvCxnSpPr>
+          <p:cNvPr id="11" name="Straight Arrow Connector 10">
+            <a:extLst>
+              <a:ext uri="{FF2B5EF4-FFF2-40B4-BE49-F238E27FC236}">
+                <a16:creationId xmlns:a16="http://schemas.microsoft.com/office/drawing/2014/main" id="{A63FE543-AC6D-4B81-8992-3842A581EF8D}"/>
+              </a:ext>
+            </a:extLst>
+          </p:cNvPr>
+          <p:cNvCxnSpPr>
+            <a:cxnSpLocks/>
+          </p:cNvCxnSpPr>
+          <p:nvPr/>
+        </p:nvCxnSpPr>
+        <p:spPr>
+          <a:xfrm flipH="1">
+            <a:off x="2707689" y="2086252"/>
+            <a:ext cx="4722921" cy="2192785"/>
+          </a:xfrm>
+          <a:prstGeom prst="straightConnector1">
+            <a:avLst/>
+          </a:prstGeom>
+          <a:ln>
+            <a:tailEnd type="triangle"/>
+          </a:ln>
+        </p:spPr>
+        <p:style>
+          <a:lnRef idx="1">
+            <a:schemeClr val="accent1"/>
+          </a:lnRef>
+          <a:fillRef idx="0">
+            <a:schemeClr val="accent1"/>
+          </a:fillRef>
+          <a:effectRef idx="0">
+            <a:schemeClr val="accent1"/>
+          </a:effectRef>
+          <a:fontRef idx="minor">
+            <a:schemeClr val="tx1"/>
+          </a:fontRef>
+        </p:style>
+      </p:cxnSp>
+      <p:sp>
+        <p:nvSpPr>
+          <p:cNvPr id="15" name="TextBox 14">
+            <a:extLst>
+              <a:ext uri="{FF2B5EF4-FFF2-40B4-BE49-F238E27FC236}">
+                <a16:creationId xmlns:a16="http://schemas.microsoft.com/office/drawing/2014/main" id="{DD778D47-8192-4A6F-AB4B-1BB5FD422909}"/>
+              </a:ext>
+            </a:extLst>
+          </p:cNvPr>
+          <p:cNvSpPr txBox="1"/>
+          <p:nvPr/>
+        </p:nvSpPr>
+        <p:spPr>
+          <a:xfrm>
+            <a:off x="7865616" y="1313895"/>
+            <a:ext cx="2796466" cy="646331"/>
+          </a:xfrm>
+          <a:prstGeom prst="rect">
+            <a:avLst/>
+          </a:prstGeom>
+          <a:noFill/>
+        </p:spPr>
+        <p:txBody>
+          <a:bodyPr wrap="square" rtlCol="0">
+            <a:spAutoFit/>
+          </a:bodyPr>
+          <a:lstStyle/>
+          <a:p>
+            <a:r>
+              <a:rPr lang="en-US" dirty="0"/>
+              <a:t>Line which best splits the two classes</a:t>
+            </a:r>
+            <a:endParaRPr lang="en-NL" dirty="0"/>
+          </a:p>
+        </p:txBody>
+      </p:sp>
+      <mc:AlternateContent xmlns:mc="http://schemas.openxmlformats.org/markup-compatibility/2006" xmlns:a14="http://schemas.microsoft.com/office/drawing/2010/main">
+        <mc:Choice Requires="a14">
+          <p:sp>
+            <p:nvSpPr>
+              <p:cNvPr id="16" name="TextBox 15">
+                <a:extLst>
+                  <a:ext uri="{FF2B5EF4-FFF2-40B4-BE49-F238E27FC236}">
+                    <a16:creationId xmlns:a16="http://schemas.microsoft.com/office/drawing/2014/main" id="{786FFCB1-440F-4635-9222-BEF689590C85}"/>
+                  </a:ext>
+                </a:extLst>
+              </p:cNvPr>
+              <p:cNvSpPr txBox="1"/>
+              <p:nvPr/>
+            </p:nvSpPr>
+            <p:spPr>
+              <a:xfrm>
+                <a:off x="7785716" y="2450237"/>
+                <a:ext cx="2627791" cy="2302810"/>
+              </a:xfrm>
+              <a:prstGeom prst="rect">
+                <a:avLst/>
+              </a:prstGeom>
+              <a:noFill/>
+            </p:spPr>
+            <p:txBody>
+              <a:bodyPr wrap="square" rtlCol="0">
+                <a:spAutoFit/>
+              </a:bodyPr>
+              <a:lstStyle/>
+              <a:p>
+                <a:r>
+                  <a:rPr lang="en-US" dirty="0"/>
+                  <a:t>Since we have</a:t>
+                </a:r>
+              </a:p>
+              <a:p>
+                <a:endParaRPr lang="en-US" dirty="0"/>
+              </a:p>
+              <a:p>
+                <a:pPr/>
+                <a14:m>
+                  <m:oMathPara xmlns:m="http://schemas.openxmlformats.org/officeDocument/2006/math">
+                    <m:oMathParaPr>
+                      <m:jc m:val="centerGroup"/>
+                    </m:oMathParaPr>
+                    <m:oMath xmlns:m="http://schemas.openxmlformats.org/officeDocument/2006/math">
+                      <m:sSub>
+                        <m:sSubPr>
+                          <m:ctrlPr>
+                            <a:rPr lang="en-US" b="0" i="1" smtClean="0">
+                              <a:latin typeface="Cambria Math" panose="02040503050406030204" pitchFamily="18" charset="0"/>
+                            </a:rPr>
+                          </m:ctrlPr>
+                        </m:sSubPr>
+                        <m:e>
+                          <m:r>
+                            <a:rPr lang="en-US" b="0" i="1" smtClean="0">
+                              <a:latin typeface="Cambria Math" panose="02040503050406030204" pitchFamily="18" charset="0"/>
+                            </a:rPr>
+                            <m:t>𝑤</m:t>
+                          </m:r>
+                        </m:e>
+                        <m:sub>
+                          <m:r>
+                            <a:rPr lang="en-US" b="0" i="1" smtClean="0">
+                              <a:latin typeface="Cambria Math" panose="02040503050406030204" pitchFamily="18" charset="0"/>
+                            </a:rPr>
+                            <m:t>0</m:t>
+                          </m:r>
+                        </m:sub>
+                      </m:sSub>
+                      <m:r>
+                        <a:rPr lang="en-US" b="0" i="1" smtClean="0">
+                          <a:latin typeface="Cambria Math" panose="02040503050406030204" pitchFamily="18" charset="0"/>
+                        </a:rPr>
+                        <m:t>+</m:t>
+                      </m:r>
+                      <m:sSub>
+                        <m:sSubPr>
+                          <m:ctrlPr>
+                            <a:rPr lang="en-US" b="0" i="1" smtClean="0">
+                              <a:latin typeface="Cambria Math" panose="02040503050406030204" pitchFamily="18" charset="0"/>
+                            </a:rPr>
+                          </m:ctrlPr>
+                        </m:sSubPr>
+                        <m:e>
+                          <m:r>
+                            <a:rPr lang="en-US" b="0" i="1" smtClean="0">
+                              <a:latin typeface="Cambria Math" panose="02040503050406030204" pitchFamily="18" charset="0"/>
+                            </a:rPr>
+                            <m:t>𝑤</m:t>
+                          </m:r>
+                        </m:e>
+                        <m:sub>
+                          <m:r>
+                            <a:rPr lang="en-US" b="0" i="1" smtClean="0">
+                              <a:latin typeface="Cambria Math" panose="02040503050406030204" pitchFamily="18" charset="0"/>
+                            </a:rPr>
+                            <m:t>1</m:t>
+                          </m:r>
+                        </m:sub>
+                      </m:sSub>
+                      <m:sSub>
+                        <m:sSubPr>
+                          <m:ctrlPr>
+                            <a:rPr lang="en-US" b="0" i="1" smtClean="0">
+                              <a:latin typeface="Cambria Math" panose="02040503050406030204" pitchFamily="18" charset="0"/>
+                            </a:rPr>
+                          </m:ctrlPr>
+                        </m:sSubPr>
+                        <m:e>
+                          <m:r>
+                            <a:rPr lang="en-US" b="0" i="1" smtClean="0">
+                              <a:latin typeface="Cambria Math" panose="02040503050406030204" pitchFamily="18" charset="0"/>
+                            </a:rPr>
+                            <m:t>𝑥</m:t>
+                          </m:r>
+                        </m:e>
+                        <m:sub>
+                          <m:r>
+                            <a:rPr lang="en-US" b="0" i="1" smtClean="0">
+                              <a:latin typeface="Cambria Math" panose="02040503050406030204" pitchFamily="18" charset="0"/>
+                            </a:rPr>
+                            <m:t>1</m:t>
+                          </m:r>
+                        </m:sub>
+                      </m:sSub>
+                      <m:r>
+                        <a:rPr lang="en-US" b="0" i="1" smtClean="0">
+                          <a:latin typeface="Cambria Math" panose="02040503050406030204" pitchFamily="18" charset="0"/>
+                        </a:rPr>
+                        <m:t>+</m:t>
+                      </m:r>
+                      <m:sSub>
+                        <m:sSubPr>
+                          <m:ctrlPr>
+                            <a:rPr lang="en-US" b="0" i="1" smtClean="0">
+                              <a:latin typeface="Cambria Math" panose="02040503050406030204" pitchFamily="18" charset="0"/>
+                            </a:rPr>
+                          </m:ctrlPr>
+                        </m:sSubPr>
+                        <m:e>
+                          <m:r>
+                            <a:rPr lang="en-US" b="0" i="1" smtClean="0">
+                              <a:latin typeface="Cambria Math" panose="02040503050406030204" pitchFamily="18" charset="0"/>
+                            </a:rPr>
+                            <m:t>𝑤</m:t>
+                          </m:r>
+                        </m:e>
+                        <m:sub>
+                          <m:r>
+                            <a:rPr lang="en-US" b="0" i="1" smtClean="0">
+                              <a:latin typeface="Cambria Math" panose="02040503050406030204" pitchFamily="18" charset="0"/>
+                            </a:rPr>
+                            <m:t>2</m:t>
+                          </m:r>
+                        </m:sub>
+                      </m:sSub>
+                      <m:sSub>
+                        <m:sSubPr>
+                          <m:ctrlPr>
+                            <a:rPr lang="en-US" b="0" i="1" smtClean="0">
+                              <a:latin typeface="Cambria Math" panose="02040503050406030204" pitchFamily="18" charset="0"/>
+                            </a:rPr>
+                          </m:ctrlPr>
+                        </m:sSubPr>
+                        <m:e>
+                          <m:r>
+                            <a:rPr lang="en-US" b="0" i="1" smtClean="0">
+                              <a:latin typeface="Cambria Math" panose="02040503050406030204" pitchFamily="18" charset="0"/>
+                            </a:rPr>
+                            <m:t>𝑥</m:t>
+                          </m:r>
+                        </m:e>
+                        <m:sub>
+                          <m:r>
+                            <a:rPr lang="en-US" b="0" i="1" smtClean="0">
+                              <a:latin typeface="Cambria Math" panose="02040503050406030204" pitchFamily="18" charset="0"/>
+                            </a:rPr>
+                            <m:t>2</m:t>
+                          </m:r>
+                        </m:sub>
+                      </m:sSub>
+                      <m:r>
+                        <a:rPr lang="en-US" b="0" i="1" smtClean="0">
+                          <a:latin typeface="Cambria Math" panose="02040503050406030204" pitchFamily="18" charset="0"/>
+                        </a:rPr>
+                        <m:t>=0</m:t>
+                      </m:r>
+                    </m:oMath>
+                  </m:oMathPara>
+                </a14:m>
+                <a:endParaRPr lang="en-US" b="0" dirty="0"/>
+              </a:p>
+              <a:p>
+                <a:endParaRPr lang="en-US" b="0" dirty="0"/>
+              </a:p>
+              <a:p>
+                <a:r>
+                  <a:rPr lang="en-US" dirty="0"/>
+                  <a:t>Then</a:t>
+                </a:r>
+              </a:p>
+              <a:p>
+                <a:endParaRPr lang="en-US" dirty="0"/>
+              </a:p>
+              <a:p>
+                <a:pPr/>
+                <a14:m>
+                  <m:oMathPara xmlns:m="http://schemas.openxmlformats.org/officeDocument/2006/math">
+                    <m:oMathParaPr>
+                      <m:jc m:val="centerGroup"/>
+                    </m:oMathParaPr>
+                    <m:oMath xmlns:m="http://schemas.openxmlformats.org/officeDocument/2006/math">
+                      <m:sSub>
+                        <m:sSubPr>
+                          <m:ctrlPr>
+                            <a:rPr lang="en-US" b="0" i="1" smtClean="0">
+                              <a:latin typeface="Cambria Math" panose="02040503050406030204" pitchFamily="18" charset="0"/>
+                            </a:rPr>
+                          </m:ctrlPr>
+                        </m:sSubPr>
+                        <m:e>
+                          <m:r>
+                            <a:rPr lang="en-US" b="0" i="1" smtClean="0">
+                              <a:latin typeface="Cambria Math" panose="02040503050406030204" pitchFamily="18" charset="0"/>
+                            </a:rPr>
+                            <m:t>𝑥</m:t>
+                          </m:r>
+                        </m:e>
+                        <m:sub>
+                          <m:r>
+                            <a:rPr lang="en-US" b="0" i="1" smtClean="0">
+                              <a:latin typeface="Cambria Math" panose="02040503050406030204" pitchFamily="18" charset="0"/>
+                            </a:rPr>
+                            <m:t>1</m:t>
+                          </m:r>
+                        </m:sub>
+                      </m:sSub>
+                      <m:r>
+                        <a:rPr lang="en-US" b="0" i="1" smtClean="0">
+                          <a:latin typeface="Cambria Math" panose="02040503050406030204" pitchFamily="18" charset="0"/>
+                        </a:rPr>
+                        <m:t>=</m:t>
+                      </m:r>
+                      <m:f>
+                        <m:fPr>
+                          <m:ctrlPr>
+                            <a:rPr lang="en-US" b="0" i="1" smtClean="0">
+                              <a:latin typeface="Cambria Math" panose="02040503050406030204" pitchFamily="18" charset="0"/>
+                            </a:rPr>
+                          </m:ctrlPr>
+                        </m:fPr>
+                        <m:num>
+                          <m:sSub>
+                            <m:sSubPr>
+                              <m:ctrlPr>
+                                <a:rPr lang="en-US" b="0" i="1" smtClean="0">
+                                  <a:latin typeface="Cambria Math" panose="02040503050406030204" pitchFamily="18" charset="0"/>
+                                </a:rPr>
+                              </m:ctrlPr>
+                            </m:sSubPr>
+                            <m:e>
+                              <m:r>
+                                <a:rPr lang="en-US" b="0" i="1" smtClean="0">
+                                  <a:latin typeface="Cambria Math" panose="02040503050406030204" pitchFamily="18" charset="0"/>
+                                </a:rPr>
+                                <m:t>𝑤</m:t>
+                              </m:r>
+                            </m:e>
+                            <m:sub>
+                              <m:r>
+                                <a:rPr lang="en-US" b="0" i="1" smtClean="0">
+                                  <a:latin typeface="Cambria Math" panose="02040503050406030204" pitchFamily="18" charset="0"/>
+                                </a:rPr>
+                                <m:t>2</m:t>
+                              </m:r>
+                            </m:sub>
+                          </m:sSub>
+                          <m:sSub>
+                            <m:sSubPr>
+                              <m:ctrlPr>
+                                <a:rPr lang="en-US" b="0" i="1" smtClean="0">
+                                  <a:latin typeface="Cambria Math" panose="02040503050406030204" pitchFamily="18" charset="0"/>
+                                </a:rPr>
+                              </m:ctrlPr>
+                            </m:sSubPr>
+                            <m:e>
+                              <m:r>
+                                <a:rPr lang="en-US" b="0" i="1" smtClean="0">
+                                  <a:latin typeface="Cambria Math" panose="02040503050406030204" pitchFamily="18" charset="0"/>
+                                </a:rPr>
+                                <m:t>𝑥</m:t>
+                              </m:r>
+                            </m:e>
+                            <m:sub>
+                              <m:r>
+                                <a:rPr lang="en-US" b="0" i="1" smtClean="0">
+                                  <a:latin typeface="Cambria Math" panose="02040503050406030204" pitchFamily="18" charset="0"/>
+                                </a:rPr>
+                                <m:t>2</m:t>
+                              </m:r>
+                            </m:sub>
+                          </m:sSub>
+                          <m:r>
+                            <a:rPr lang="en-US" b="0" i="1" smtClean="0">
+                              <a:latin typeface="Cambria Math" panose="02040503050406030204" pitchFamily="18" charset="0"/>
+                            </a:rPr>
+                            <m:t>+</m:t>
+                          </m:r>
+                          <m:sSub>
+                            <m:sSubPr>
+                              <m:ctrlPr>
+                                <a:rPr lang="en-US" b="0" i="1" smtClean="0">
+                                  <a:latin typeface="Cambria Math" panose="02040503050406030204" pitchFamily="18" charset="0"/>
+                                </a:rPr>
+                              </m:ctrlPr>
+                            </m:sSubPr>
+                            <m:e>
+                              <m:r>
+                                <a:rPr lang="en-US" b="0" i="1" smtClean="0">
+                                  <a:latin typeface="Cambria Math" panose="02040503050406030204" pitchFamily="18" charset="0"/>
+                                </a:rPr>
+                                <m:t>𝑤</m:t>
+                              </m:r>
+                            </m:e>
+                            <m:sub>
+                              <m:r>
+                                <a:rPr lang="en-US" b="0" i="1" smtClean="0">
+                                  <a:latin typeface="Cambria Math" panose="02040503050406030204" pitchFamily="18" charset="0"/>
+                                </a:rPr>
+                                <m:t>0</m:t>
+                              </m:r>
+                            </m:sub>
+                          </m:sSub>
+                        </m:num>
+                        <m:den>
+                          <m:sSub>
+                            <m:sSubPr>
+                              <m:ctrlPr>
+                                <a:rPr lang="en-US" b="0" i="1" smtClean="0">
+                                  <a:latin typeface="Cambria Math" panose="02040503050406030204" pitchFamily="18" charset="0"/>
+                                </a:rPr>
+                              </m:ctrlPr>
+                            </m:sSubPr>
+                            <m:e>
+                              <m:r>
+                                <a:rPr lang="en-US" b="0" i="1" smtClean="0">
+                                  <a:latin typeface="Cambria Math" panose="02040503050406030204" pitchFamily="18" charset="0"/>
+                                </a:rPr>
+                                <m:t>𝑤</m:t>
+                              </m:r>
+                            </m:e>
+                            <m:sub>
+                              <m:r>
+                                <a:rPr lang="en-US" b="0" i="1" smtClean="0">
+                                  <a:latin typeface="Cambria Math" panose="02040503050406030204" pitchFamily="18" charset="0"/>
+                                </a:rPr>
+                                <m:t>1</m:t>
+                              </m:r>
+                            </m:sub>
+                          </m:sSub>
+                        </m:den>
+                      </m:f>
+                    </m:oMath>
+                  </m:oMathPara>
+                </a14:m>
+                <a:endParaRPr lang="en-NL" dirty="0"/>
+              </a:p>
+            </p:txBody>
+          </p:sp>
+        </mc:Choice>
+        <mc:Fallback xmlns="">
+          <p:sp>
+            <p:nvSpPr>
+              <p:cNvPr id="16" name="TextBox 15">
+                <a:extLst>
+                  <a:ext uri="{FF2B5EF4-FFF2-40B4-BE49-F238E27FC236}">
+                    <a16:creationId xmlns:a16="http://schemas.microsoft.com/office/drawing/2014/main" id="{786FFCB1-440F-4635-9222-BEF689590C85}"/>
+                  </a:ext>
+                </a:extLst>
+              </p:cNvPr>
+              <p:cNvSpPr txBox="1">
+                <a:spLocks noRot="1" noChangeAspect="1" noMove="1" noResize="1" noEditPoints="1" noAdjustHandles="1" noChangeArrowheads="1" noChangeShapeType="1" noTextEdit="1"/>
+              </p:cNvSpPr>
+              <p:nvPr/>
+            </p:nvSpPr>
+            <p:spPr>
+              <a:xfrm>
+                <a:off x="7785716" y="2450237"/>
+                <a:ext cx="2627791" cy="2302810"/>
+              </a:xfrm>
+              <a:prstGeom prst="rect">
+                <a:avLst/>
+              </a:prstGeom>
+              <a:blipFill>
+                <a:blip r:embed="rId3"/>
+                <a:stretch>
+                  <a:fillRect l="-1856" t="-1587"/>
+                </a:stretch>
+              </a:blipFill>
+            </p:spPr>
+            <p:txBody>
+              <a:bodyPr/>
+              <a:lstStyle/>
+              <a:p>
+                <a:r>
+                  <a:rPr lang="en-NL">
+                    <a:noFill/>
+                  </a:rPr>
+                  <a:t> </a:t>
+                </a:r>
+              </a:p>
+            </p:txBody>
+          </p:sp>
+        </mc:Fallback>
+      </mc:AlternateContent>
+    </p:spTree>
+    <p:extLst>
+      <p:ext uri="{BB962C8B-B14F-4D97-AF65-F5344CB8AC3E}">
+        <p14:creationId xmlns:p14="http://schemas.microsoft.com/office/powerpoint/2010/main" val="1854228775"/>
+      </p:ext>
+    </p:extLst>
+  </p:cSld>
+  <p:clrMapOvr>
+    <a:masterClrMapping/>
+  </p:clrMapOvr>
+</p:sld>
+</file>
+
+<file path=ppt/slides/slide6.xml><?xml version="1.0" encoding="utf-8"?>
+<p:sld xmlns:a="http://schemas.openxmlformats.org/drawingml/2006/main" xmlns:r="http://schemas.openxmlformats.org/officeDocument/2006/relationships" xmlns:p="http://schemas.openxmlformats.org/presentationml/2006/main">
+  <p:cSld>
+    <p:spTree>
+      <p:nvGrpSpPr>
+        <p:cNvPr id="1" name=""/>
+        <p:cNvGrpSpPr/>
+        <p:nvPr/>
+      </p:nvGrpSpPr>
+      <p:grpSpPr>
+        <a:xfrm>
+          <a:off x="0" y="0"/>
+          <a:ext cx="0" cy="0"/>
+          <a:chOff x="0" y="0"/>
+          <a:chExt cx="0" cy="0"/>
+        </a:xfrm>
+      </p:grpSpPr>
+      <p:pic>
+        <p:nvPicPr>
+          <p:cNvPr id="5" name="Picture 4">
+            <a:extLst>
+              <a:ext uri="{FF2B5EF4-FFF2-40B4-BE49-F238E27FC236}">
+                <a16:creationId xmlns:a16="http://schemas.microsoft.com/office/drawing/2014/main" id="{F9447EDA-B49C-4B90-86C9-0198A84D82DF}"/>
+              </a:ext>
+            </a:extLst>
+          </p:cNvPr>
+          <p:cNvPicPr>
+            <a:picLocks noChangeAspect="1"/>
+          </p:cNvPicPr>
+          <p:nvPr/>
+        </p:nvPicPr>
+        <p:blipFill>
+          <a:blip r:embed="rId2"/>
+          <a:stretch>
+            <a:fillRect/>
+          </a:stretch>
+        </p:blipFill>
+        <p:spPr>
+          <a:xfrm>
+            <a:off x="97654" y="608728"/>
+            <a:ext cx="6573167" cy="6249272"/>
+          </a:xfrm>
+          <a:prstGeom prst="rect">
+            <a:avLst/>
+          </a:prstGeom>
+        </p:spPr>
+      </p:pic>
+      <mc:AlternateContent xmlns:mc="http://schemas.openxmlformats.org/markup-compatibility/2006" xmlns:a14="http://schemas.microsoft.com/office/drawing/2010/main">
+        <mc:Choice Requires="a14">
+          <p:sp>
+            <p:nvSpPr>
+              <p:cNvPr id="6" name="TextBox 5">
+                <a:extLst>
+                  <a:ext uri="{FF2B5EF4-FFF2-40B4-BE49-F238E27FC236}">
+                    <a16:creationId xmlns:a16="http://schemas.microsoft.com/office/drawing/2014/main" id="{3FE5AFBD-746F-4901-9D43-3E6B869A9AD4}"/>
+                  </a:ext>
+                </a:extLst>
+              </p:cNvPr>
+              <p:cNvSpPr txBox="1"/>
+              <p:nvPr/>
+            </p:nvSpPr>
+            <p:spPr>
+              <a:xfrm>
+                <a:off x="7359587" y="1473692"/>
+                <a:ext cx="4625267" cy="1477328"/>
+              </a:xfrm>
+              <a:prstGeom prst="rect">
+                <a:avLst/>
+              </a:prstGeom>
+              <a:noFill/>
+            </p:spPr>
+            <p:txBody>
+              <a:bodyPr wrap="square" rtlCol="0">
+                <a:spAutoFit/>
+              </a:bodyPr>
+              <a:lstStyle/>
+              <a:p>
+                <a:r>
+                  <a:rPr lang="en-US" dirty="0"/>
+                  <a:t>Using gradient descent, we  can adjust ‘weights’ which are in the formula </a:t>
+                </a:r>
+              </a:p>
+              <a:p>
+                <a:endParaRPr lang="en-US" b="0" i="1" dirty="0">
+                  <a:latin typeface="Cambria Math" panose="02040503050406030204" pitchFamily="18" charset="0"/>
+                </a:endParaRPr>
+              </a:p>
+              <a:p>
+                <a:pPr/>
+                <a14:m>
+                  <m:oMathPara xmlns:m="http://schemas.openxmlformats.org/officeDocument/2006/math">
+                    <m:oMathParaPr>
+                      <m:jc m:val="centerGroup"/>
+                    </m:oMathParaPr>
+                    <m:oMath xmlns:m="http://schemas.openxmlformats.org/officeDocument/2006/math">
+                      <m:sSub>
+                        <m:sSubPr>
+                          <m:ctrlPr>
+                            <a:rPr lang="en-US" b="0" i="1" smtClean="0">
+                              <a:latin typeface="Cambria Math" panose="02040503050406030204" pitchFamily="18" charset="0"/>
+                            </a:rPr>
+                          </m:ctrlPr>
+                        </m:sSubPr>
+                        <m:e>
+                          <m:r>
+                            <a:rPr lang="en-US" b="0" i="1" smtClean="0">
+                              <a:latin typeface="Cambria Math" panose="02040503050406030204" pitchFamily="18" charset="0"/>
+                            </a:rPr>
+                            <m:t>𝑤</m:t>
+                          </m:r>
+                        </m:e>
+                        <m:sub>
+                          <m:r>
+                            <a:rPr lang="en-US" b="0" i="1" smtClean="0">
+                              <a:latin typeface="Cambria Math" panose="02040503050406030204" pitchFamily="18" charset="0"/>
+                            </a:rPr>
+                            <m:t>0</m:t>
+                          </m:r>
+                        </m:sub>
+                      </m:sSub>
+                      <m:r>
+                        <a:rPr lang="en-US" b="0" i="1" smtClean="0">
+                          <a:latin typeface="Cambria Math" panose="02040503050406030204" pitchFamily="18" charset="0"/>
+                        </a:rPr>
+                        <m:t>+</m:t>
+                      </m:r>
+                      <m:sSub>
+                        <m:sSubPr>
+                          <m:ctrlPr>
+                            <a:rPr lang="en-US" b="0" i="1" smtClean="0">
+                              <a:latin typeface="Cambria Math" panose="02040503050406030204" pitchFamily="18" charset="0"/>
+                            </a:rPr>
+                          </m:ctrlPr>
+                        </m:sSubPr>
+                        <m:e>
+                          <m:r>
+                            <a:rPr lang="en-US" b="0" i="1" smtClean="0">
+                              <a:latin typeface="Cambria Math" panose="02040503050406030204" pitchFamily="18" charset="0"/>
+                            </a:rPr>
+                            <m:t>𝑤</m:t>
+                          </m:r>
+                        </m:e>
+                        <m:sub>
+                          <m:r>
+                            <a:rPr lang="en-US" b="0" i="1" smtClean="0">
+                              <a:latin typeface="Cambria Math" panose="02040503050406030204" pitchFamily="18" charset="0"/>
+                            </a:rPr>
+                            <m:t>1</m:t>
+                          </m:r>
+                        </m:sub>
+                      </m:sSub>
+                      <m:sSub>
+                        <m:sSubPr>
+                          <m:ctrlPr>
+                            <a:rPr lang="en-US" b="0" i="1" smtClean="0">
+                              <a:latin typeface="Cambria Math" panose="02040503050406030204" pitchFamily="18" charset="0"/>
+                            </a:rPr>
+                          </m:ctrlPr>
+                        </m:sSubPr>
+                        <m:e>
+                          <m:r>
+                            <a:rPr lang="en-US" b="0" i="1" smtClean="0">
+                              <a:latin typeface="Cambria Math" panose="02040503050406030204" pitchFamily="18" charset="0"/>
+                            </a:rPr>
+                            <m:t>𝑥</m:t>
+                          </m:r>
+                        </m:e>
+                        <m:sub>
+                          <m:r>
+                            <a:rPr lang="en-US" b="0" i="1" smtClean="0">
+                              <a:latin typeface="Cambria Math" panose="02040503050406030204" pitchFamily="18" charset="0"/>
+                            </a:rPr>
+                            <m:t>1</m:t>
+                          </m:r>
+                        </m:sub>
+                      </m:sSub>
+                      <m:r>
+                        <a:rPr lang="en-US" b="0" i="1" smtClean="0">
+                          <a:latin typeface="Cambria Math" panose="02040503050406030204" pitchFamily="18" charset="0"/>
+                        </a:rPr>
+                        <m:t>+</m:t>
+                      </m:r>
+                      <m:sSub>
+                        <m:sSubPr>
+                          <m:ctrlPr>
+                            <a:rPr lang="en-US" b="0" i="1" smtClean="0">
+                              <a:latin typeface="Cambria Math" panose="02040503050406030204" pitchFamily="18" charset="0"/>
+                            </a:rPr>
+                          </m:ctrlPr>
+                        </m:sSubPr>
+                        <m:e>
+                          <m:r>
+                            <a:rPr lang="en-US" b="0" i="1" smtClean="0">
+                              <a:latin typeface="Cambria Math" panose="02040503050406030204" pitchFamily="18" charset="0"/>
+                            </a:rPr>
+                            <m:t>𝑤</m:t>
+                          </m:r>
+                        </m:e>
+                        <m:sub>
+                          <m:r>
+                            <a:rPr lang="en-US" b="0" i="1" smtClean="0">
+                              <a:latin typeface="Cambria Math" panose="02040503050406030204" pitchFamily="18" charset="0"/>
+                            </a:rPr>
+                            <m:t>2</m:t>
+                          </m:r>
+                        </m:sub>
+                      </m:sSub>
+                      <m:sSub>
+                        <m:sSubPr>
+                          <m:ctrlPr>
+                            <a:rPr lang="en-US" b="0" i="1" smtClean="0">
+                              <a:latin typeface="Cambria Math" panose="02040503050406030204" pitchFamily="18" charset="0"/>
+                            </a:rPr>
+                          </m:ctrlPr>
+                        </m:sSubPr>
+                        <m:e>
+                          <m:r>
+                            <a:rPr lang="en-US" b="0" i="1" smtClean="0">
+                              <a:latin typeface="Cambria Math" panose="02040503050406030204" pitchFamily="18" charset="0"/>
+                            </a:rPr>
+                            <m:t>𝑥</m:t>
+                          </m:r>
+                        </m:e>
+                        <m:sub>
+                          <m:r>
+                            <a:rPr lang="en-US" b="0" i="1" smtClean="0">
+                              <a:latin typeface="Cambria Math" panose="02040503050406030204" pitchFamily="18" charset="0"/>
+                            </a:rPr>
+                            <m:t>2</m:t>
+                          </m:r>
+                        </m:sub>
+                      </m:sSub>
+                      <m:r>
+                        <a:rPr lang="en-US" b="0" i="1" smtClean="0">
+                          <a:latin typeface="Cambria Math" panose="02040503050406030204" pitchFamily="18" charset="0"/>
+                        </a:rPr>
+                        <m:t>=0</m:t>
+                      </m:r>
+                    </m:oMath>
+                  </m:oMathPara>
+                </a14:m>
+                <a:endParaRPr lang="en-US" b="0" dirty="0"/>
+              </a:p>
+              <a:p>
+                <a:endParaRPr lang="en-NL" dirty="0"/>
+              </a:p>
+            </p:txBody>
+          </p:sp>
+        </mc:Choice>
+        <mc:Fallback xmlns="">
+          <p:sp>
+            <p:nvSpPr>
+              <p:cNvPr id="6" name="TextBox 5">
+                <a:extLst>
+                  <a:ext uri="{FF2B5EF4-FFF2-40B4-BE49-F238E27FC236}">
+                    <a16:creationId xmlns:a16="http://schemas.microsoft.com/office/drawing/2014/main" id="{3FE5AFBD-746F-4901-9D43-3E6B869A9AD4}"/>
+                  </a:ext>
+                </a:extLst>
+              </p:cNvPr>
+              <p:cNvSpPr txBox="1">
+                <a:spLocks noRot="1" noChangeAspect="1" noMove="1" noResize="1" noEditPoints="1" noAdjustHandles="1" noChangeArrowheads="1" noChangeShapeType="1" noTextEdit="1"/>
+              </p:cNvSpPr>
+              <p:nvPr/>
+            </p:nvSpPr>
+            <p:spPr>
+              <a:xfrm>
+                <a:off x="7359587" y="1473692"/>
+                <a:ext cx="4625267" cy="1477328"/>
+              </a:xfrm>
+              <a:prstGeom prst="rect">
+                <a:avLst/>
+              </a:prstGeom>
+              <a:blipFill>
+                <a:blip r:embed="rId3"/>
+                <a:stretch>
+                  <a:fillRect l="-1054" t="-2479"/>
+                </a:stretch>
+              </a:blipFill>
+            </p:spPr>
+            <p:txBody>
+              <a:bodyPr/>
+              <a:lstStyle/>
+              <a:p>
+                <a:r>
+                  <a:rPr lang="en-NL">
+                    <a:noFill/>
+                  </a:rPr>
+                  <a:t> </a:t>
+                </a:r>
+              </a:p>
+            </p:txBody>
+          </p:sp>
+        </mc:Fallback>
+      </mc:AlternateContent>
+      <p:sp>
+        <p:nvSpPr>
+          <p:cNvPr id="7" name="TextBox 6">
+            <a:extLst>
+              <a:ext uri="{FF2B5EF4-FFF2-40B4-BE49-F238E27FC236}">
+                <a16:creationId xmlns:a16="http://schemas.microsoft.com/office/drawing/2014/main" id="{DB973F0B-F8FB-4F93-A512-32469C4A52E5}"/>
+              </a:ext>
+            </a:extLst>
+          </p:cNvPr>
+          <p:cNvSpPr txBox="1"/>
+          <p:nvPr/>
+        </p:nvSpPr>
+        <p:spPr>
+          <a:xfrm>
+            <a:off x="1808451" y="424062"/>
+            <a:ext cx="3471169" cy="369332"/>
+          </a:xfrm>
+          <a:prstGeom prst="rect">
+            <a:avLst/>
+          </a:prstGeom>
+          <a:noFill/>
+        </p:spPr>
+        <p:txBody>
+          <a:bodyPr wrap="square" rtlCol="0">
+            <a:spAutoFit/>
+          </a:bodyPr>
+          <a:lstStyle/>
+          <a:p>
+            <a:r>
+              <a:rPr lang="en-US" dirty="0"/>
+              <a:t>Linear discriminants</a:t>
+            </a:r>
+            <a:endParaRPr lang="en-NL" dirty="0"/>
+          </a:p>
+        </p:txBody>
+      </p:sp>
+    </p:spTree>
+    <p:extLst>
+      <p:ext uri="{BB962C8B-B14F-4D97-AF65-F5344CB8AC3E}">
+        <p14:creationId xmlns:p14="http://schemas.microsoft.com/office/powerpoint/2010/main" val="2780113636"/>
+      </p:ext>
+    </p:extLst>
+  </p:cSld>
+  <p:clrMapOvr>
+    <a:masterClrMapping/>
+  </p:clrMapOvr>
+</p:sld>
+</file>
+
+<file path=ppt/slides/slide7.xml><?xml version="1.0" encoding="utf-8"?>
+<p:sld xmlns:a="http://schemas.openxmlformats.org/drawingml/2006/main" xmlns:r="http://schemas.openxmlformats.org/officeDocument/2006/relationships" xmlns:p="http://schemas.openxmlformats.org/presentationml/2006/main">
+  <p:cSld>
+    <p:spTree>
+      <p:nvGrpSpPr>
+        <p:cNvPr id="1" name=""/>
+        <p:cNvGrpSpPr/>
+        <p:nvPr/>
+      </p:nvGrpSpPr>
+      <p:grpSpPr>
+        <a:xfrm>
+          <a:off x="0" y="0"/>
+          <a:ext cx="0" cy="0"/>
+          <a:chOff x="0" y="0"/>
+          <a:chExt cx="0" cy="0"/>
+        </a:xfrm>
+      </p:grpSpPr>
+      <p:sp>
+        <p:nvSpPr>
+          <p:cNvPr id="2" name="Title 1">
+            <a:extLst>
+              <a:ext uri="{FF2B5EF4-FFF2-40B4-BE49-F238E27FC236}">
+                <a16:creationId xmlns:a16="http://schemas.microsoft.com/office/drawing/2014/main" id="{19380F5E-41A7-4DBC-A5EC-A6B085B7E1C3}"/>
+              </a:ext>
+            </a:extLst>
+          </p:cNvPr>
+          <p:cNvSpPr>
+            <a:spLocks noGrp="1"/>
+          </p:cNvSpPr>
+          <p:nvPr>
+            <p:ph type="title"/>
+          </p:nvPr>
+        </p:nvSpPr>
+        <p:spPr/>
+        <p:txBody>
+          <a:bodyPr/>
+          <a:lstStyle/>
+          <a:p>
+            <a:endParaRPr lang="en-NL" dirty="0"/>
+          </a:p>
+        </p:txBody>
+      </p:sp>
+      <p:sp>
+        <p:nvSpPr>
+          <p:cNvPr id="3" name="Content Placeholder 2">
+            <a:extLst>
+              <a:ext uri="{FF2B5EF4-FFF2-40B4-BE49-F238E27FC236}">
+                <a16:creationId xmlns:a16="http://schemas.microsoft.com/office/drawing/2014/main" id="{3643DCFA-E8EB-4CEF-8B6B-A7E36F03FC23}"/>
+              </a:ext>
+            </a:extLst>
+          </p:cNvPr>
+          <p:cNvSpPr>
+            <a:spLocks noGrp="1"/>
+          </p:cNvSpPr>
+          <p:nvPr>
+            <p:ph idx="1"/>
+          </p:nvPr>
+        </p:nvSpPr>
+        <p:spPr/>
+        <p:txBody>
+          <a:bodyPr/>
+          <a:lstStyle/>
+          <a:p>
+            <a:r>
+              <a:rPr lang="nl-NL" dirty="0" err="1"/>
+              <a:t>Insert</a:t>
+            </a:r>
+            <a:r>
+              <a:rPr lang="nl-NL" dirty="0"/>
+              <a:t> </a:t>
+            </a:r>
+            <a:r>
+              <a:rPr lang="nl-NL" dirty="0" err="1"/>
+              <a:t>regression</a:t>
+            </a:r>
+            <a:r>
+              <a:rPr lang="nl-NL" dirty="0"/>
+              <a:t> </a:t>
+            </a:r>
+            <a:endParaRPr lang="en-NL" dirty="0"/>
+          </a:p>
+        </p:txBody>
+      </p:sp>
+      <mc:AlternateContent xmlns:mc="http://schemas.openxmlformats.org/markup-compatibility/2006" xmlns:a14="http://schemas.microsoft.com/office/drawing/2010/main">
+        <mc:Choice Requires="a14">
+          <p:sp>
+            <p:nvSpPr>
+              <p:cNvPr id="4" name="Oval 3">
+                <a:extLst>
+                  <a:ext uri="{FF2B5EF4-FFF2-40B4-BE49-F238E27FC236}">
+                    <a16:creationId xmlns:a16="http://schemas.microsoft.com/office/drawing/2014/main" id="{3D2CCD92-E9FD-4380-9436-2DD15AF63FA8}"/>
+                  </a:ext>
+                </a:extLst>
+              </p:cNvPr>
+              <p:cNvSpPr/>
+              <p:nvPr/>
+            </p:nvSpPr>
+            <p:spPr>
+              <a:xfrm>
+                <a:off x="4154749" y="3775229"/>
+                <a:ext cx="1660124" cy="1606859"/>
+              </a:xfrm>
+              <a:prstGeom prst="ellipse">
+                <a:avLst/>
+              </a:prstGeom>
+            </p:spPr>
+            <p:style>
+              <a:lnRef idx="2">
+                <a:schemeClr val="accent1">
+                  <a:shade val="50000"/>
+                </a:schemeClr>
+              </a:lnRef>
+              <a:fillRef idx="1">
+                <a:schemeClr val="accent1"/>
+              </a:fillRef>
+              <a:effectRef idx="0">
+                <a:schemeClr val="accent1"/>
+              </a:effectRef>
+              <a:fontRef idx="minor">
+                <a:schemeClr val="lt1"/>
+              </a:fontRef>
+            </p:style>
+            <p:txBody>
+              <a:bodyPr rtlCol="0" anchor="ctr"/>
+              <a:lstStyle/>
+              <a:p>
+                <a:pPr algn="ctr"/>
+                <a14:m>
+                  <m:oMath xmlns:m="http://schemas.openxmlformats.org/officeDocument/2006/math">
+                    <m:r>
+                      <a:rPr lang="en-US" sz="1600" b="0" i="1" smtClean="0">
+                        <a:latin typeface="Cambria Math" panose="02040503050406030204" pitchFamily="18" charset="0"/>
+                      </a:rPr>
+                      <m:t>∑</m:t>
+                    </m:r>
+                    <m:d>
+                      <m:dPr>
+                        <m:ctrlPr>
+                          <a:rPr lang="en-US" sz="1600" b="0" i="1" smtClean="0">
+                            <a:latin typeface="Cambria Math" panose="02040503050406030204" pitchFamily="18" charset="0"/>
+                          </a:rPr>
+                        </m:ctrlPr>
+                      </m:dPr>
+                      <m:e>
+                        <m:sSub>
+                          <m:sSubPr>
+                            <m:ctrlPr>
+                              <a:rPr lang="en-US" sz="1600" b="0" i="1" smtClean="0">
+                                <a:latin typeface="Cambria Math" panose="02040503050406030204" pitchFamily="18" charset="0"/>
+                              </a:rPr>
+                            </m:ctrlPr>
+                          </m:sSubPr>
+                          <m:e>
+                            <m:r>
+                              <a:rPr lang="en-US" sz="1600" b="0" i="1" smtClean="0">
+                                <a:latin typeface="Cambria Math" panose="02040503050406030204" pitchFamily="18" charset="0"/>
+                              </a:rPr>
+                              <m:t>𝑤</m:t>
+                            </m:r>
+                          </m:e>
+                          <m:sub>
+                            <m:r>
+                              <a:rPr lang="en-US" sz="1600" b="0" i="1" smtClean="0">
+                                <a:latin typeface="Cambria Math" panose="02040503050406030204" pitchFamily="18" charset="0"/>
+                              </a:rPr>
+                              <m:t>𝑖</m:t>
+                            </m:r>
+                          </m:sub>
+                        </m:sSub>
+                        <m:sSub>
+                          <m:sSubPr>
+                            <m:ctrlPr>
+                              <a:rPr lang="en-US" sz="1600" b="0" i="1" smtClean="0">
+                                <a:latin typeface="Cambria Math" panose="02040503050406030204" pitchFamily="18" charset="0"/>
+                              </a:rPr>
+                            </m:ctrlPr>
+                          </m:sSubPr>
+                          <m:e>
+                            <m:r>
+                              <a:rPr lang="en-US" sz="1600" b="0" i="1" smtClean="0">
+                                <a:latin typeface="Cambria Math" panose="02040503050406030204" pitchFamily="18" charset="0"/>
+                              </a:rPr>
+                              <m:t>𝑥</m:t>
+                            </m:r>
+                          </m:e>
+                          <m:sub>
+                            <m:r>
+                              <a:rPr lang="en-US" sz="1600" b="0" i="1" smtClean="0">
+                                <a:latin typeface="Cambria Math" panose="02040503050406030204" pitchFamily="18" charset="0"/>
+                              </a:rPr>
+                              <m:t>𝑖</m:t>
+                            </m:r>
+                          </m:sub>
+                        </m:sSub>
+                      </m:e>
+                    </m:d>
+                  </m:oMath>
+                </a14:m>
+                <a:r>
+                  <a:rPr lang="en-US" sz="1600" dirty="0"/>
+                  <a:t>+b</a:t>
+                </a:r>
+                <a:endParaRPr lang="en-NL" sz="1600" dirty="0"/>
+              </a:p>
+            </p:txBody>
+          </p:sp>
+        </mc:Choice>
+        <mc:Fallback xmlns="">
+          <p:sp>
+            <p:nvSpPr>
+              <p:cNvPr id="4" name="Oval 3">
+                <a:extLst>
+                  <a:ext uri="{FF2B5EF4-FFF2-40B4-BE49-F238E27FC236}">
+                    <a16:creationId xmlns:a16="http://schemas.microsoft.com/office/drawing/2014/main" id="{3D2CCD92-E9FD-4380-9436-2DD15AF63FA8}"/>
+                  </a:ext>
+                </a:extLst>
+              </p:cNvPr>
+              <p:cNvSpPr>
+                <a:spLocks noRot="1" noChangeAspect="1" noMove="1" noResize="1" noEditPoints="1" noAdjustHandles="1" noChangeArrowheads="1" noChangeShapeType="1" noTextEdit="1"/>
+              </p:cNvSpPr>
+              <p:nvPr/>
+            </p:nvSpPr>
+            <p:spPr>
+              <a:xfrm>
+                <a:off x="4154749" y="3775229"/>
+                <a:ext cx="1660124" cy="1606859"/>
+              </a:xfrm>
+              <a:prstGeom prst="ellipse">
+                <a:avLst/>
+              </a:prstGeom>
+              <a:blipFill>
+                <a:blip r:embed="rId2"/>
+                <a:stretch>
+                  <a:fillRect/>
+                </a:stretch>
+              </a:blipFill>
+            </p:spPr>
+            <p:txBody>
+              <a:bodyPr/>
+              <a:lstStyle/>
+              <a:p>
+                <a:r>
+                  <a:rPr lang="en-NL">
+                    <a:noFill/>
+                  </a:rPr>
+                  <a:t> </a:t>
+                </a:r>
+              </a:p>
+            </p:txBody>
+          </p:sp>
+        </mc:Fallback>
+      </mc:AlternateContent>
+      <p:cxnSp>
+        <p:nvCxnSpPr>
+          <p:cNvPr id="5" name="Straight Arrow Connector 4">
+            <a:extLst>
+              <a:ext uri="{FF2B5EF4-FFF2-40B4-BE49-F238E27FC236}">
+                <a16:creationId xmlns:a16="http://schemas.microsoft.com/office/drawing/2014/main" id="{8582CD8C-31E6-4F47-8B8C-E443245D6972}"/>
+              </a:ext>
+            </a:extLst>
+          </p:cNvPr>
+          <p:cNvCxnSpPr>
+            <a:cxnSpLocks/>
+          </p:cNvCxnSpPr>
+          <p:nvPr/>
+        </p:nvCxnSpPr>
+        <p:spPr>
+          <a:xfrm>
+            <a:off x="3071674" y="3102746"/>
+            <a:ext cx="1326195" cy="892321"/>
+          </a:xfrm>
+          <a:prstGeom prst="straightConnector1">
+            <a:avLst/>
+          </a:prstGeom>
+          <a:ln>
+            <a:tailEnd type="triangle"/>
+          </a:ln>
+        </p:spPr>
+        <p:style>
+          <a:lnRef idx="1">
+            <a:schemeClr val="accent1"/>
+          </a:lnRef>
+          <a:fillRef idx="0">
+            <a:schemeClr val="accent1"/>
+          </a:fillRef>
+          <a:effectRef idx="0">
+            <a:schemeClr val="accent1"/>
+          </a:effectRef>
+          <a:fontRef idx="minor">
+            <a:schemeClr val="tx1"/>
+          </a:fontRef>
+        </p:style>
+      </p:cxnSp>
+      <p:cxnSp>
+        <p:nvCxnSpPr>
+          <p:cNvPr id="6" name="Straight Arrow Connector 5">
+            <a:extLst>
+              <a:ext uri="{FF2B5EF4-FFF2-40B4-BE49-F238E27FC236}">
+                <a16:creationId xmlns:a16="http://schemas.microsoft.com/office/drawing/2014/main" id="{60E575FB-E429-4FED-B30C-FA0865BD386A}"/>
+              </a:ext>
+            </a:extLst>
+          </p:cNvPr>
+          <p:cNvCxnSpPr>
+            <a:cxnSpLocks/>
+          </p:cNvCxnSpPr>
+          <p:nvPr/>
+        </p:nvCxnSpPr>
+        <p:spPr>
+          <a:xfrm flipV="1">
+            <a:off x="2201662" y="4578658"/>
+            <a:ext cx="1953087" cy="51844"/>
+          </a:xfrm>
+          <a:prstGeom prst="straightConnector1">
+            <a:avLst/>
+          </a:prstGeom>
+          <a:ln>
+            <a:tailEnd type="triangle"/>
+          </a:ln>
+        </p:spPr>
+        <p:style>
+          <a:lnRef idx="1">
+            <a:schemeClr val="accent1"/>
+          </a:lnRef>
+          <a:fillRef idx="0">
+            <a:schemeClr val="accent1"/>
+          </a:fillRef>
+          <a:effectRef idx="0">
+            <a:schemeClr val="accent1"/>
+          </a:effectRef>
+          <a:fontRef idx="minor">
+            <a:schemeClr val="tx1"/>
+          </a:fontRef>
+        </p:style>
+      </p:cxnSp>
+      <p:cxnSp>
+        <p:nvCxnSpPr>
+          <p:cNvPr id="7" name="Straight Arrow Connector 6">
+            <a:extLst>
+              <a:ext uri="{FF2B5EF4-FFF2-40B4-BE49-F238E27FC236}">
+                <a16:creationId xmlns:a16="http://schemas.microsoft.com/office/drawing/2014/main" id="{72F97E81-5262-4F1A-B787-9A8DC5B06B3B}"/>
+              </a:ext>
+            </a:extLst>
+          </p:cNvPr>
+          <p:cNvCxnSpPr>
+            <a:cxnSpLocks/>
+            <a:endCxn id="4" idx="3"/>
+          </p:cNvCxnSpPr>
+          <p:nvPr/>
+        </p:nvCxnSpPr>
+        <p:spPr>
+          <a:xfrm flipV="1">
+            <a:off x="2459115" y="5146769"/>
+            <a:ext cx="1938754" cy="586610"/>
+          </a:xfrm>
+          <a:prstGeom prst="straightConnector1">
+            <a:avLst/>
+          </a:prstGeom>
+          <a:ln>
+            <a:tailEnd type="triangle"/>
+          </a:ln>
+        </p:spPr>
+        <p:style>
+          <a:lnRef idx="1">
+            <a:schemeClr val="accent1"/>
+          </a:lnRef>
+          <a:fillRef idx="0">
+            <a:schemeClr val="accent1"/>
+          </a:fillRef>
+          <a:effectRef idx="0">
+            <a:schemeClr val="accent1"/>
+          </a:effectRef>
+          <a:fontRef idx="minor">
+            <a:schemeClr val="tx1"/>
+          </a:fontRef>
+        </p:style>
+      </p:cxnSp>
+      <p:sp>
+        <p:nvSpPr>
+          <p:cNvPr id="8" name="TextBox 7">
+            <a:extLst>
+              <a:ext uri="{FF2B5EF4-FFF2-40B4-BE49-F238E27FC236}">
+                <a16:creationId xmlns:a16="http://schemas.microsoft.com/office/drawing/2014/main" id="{E45EB6F9-B365-4E89-BA78-0CEDD34739A6}"/>
+              </a:ext>
+            </a:extLst>
+          </p:cNvPr>
+          <p:cNvSpPr txBox="1"/>
+          <p:nvPr/>
+        </p:nvSpPr>
+        <p:spPr>
+          <a:xfrm>
+            <a:off x="2610035" y="2485747"/>
+            <a:ext cx="896645" cy="369332"/>
+          </a:xfrm>
+          <a:prstGeom prst="rect">
+            <a:avLst/>
+          </a:prstGeom>
+          <a:noFill/>
+        </p:spPr>
+        <p:txBody>
+          <a:bodyPr wrap="square" rtlCol="0">
+            <a:spAutoFit/>
+          </a:bodyPr>
+          <a:lstStyle/>
+          <a:p>
+            <a:r>
+              <a:rPr lang="nl-NL" dirty="0"/>
+              <a:t>bias</a:t>
+            </a:r>
+            <a:endParaRPr lang="en-NL" dirty="0"/>
+          </a:p>
+        </p:txBody>
+      </p:sp>
+      <mc:AlternateContent xmlns:mc="http://schemas.openxmlformats.org/markup-compatibility/2006" xmlns:a14="http://schemas.microsoft.com/office/drawing/2010/main">
+        <mc:Choice Requires="a14">
+          <p:sp>
+            <p:nvSpPr>
+              <p:cNvPr id="10" name="TextBox 9">
+                <a:extLst>
+                  <a:ext uri="{FF2B5EF4-FFF2-40B4-BE49-F238E27FC236}">
+                    <a16:creationId xmlns:a16="http://schemas.microsoft.com/office/drawing/2014/main" id="{A30F8246-A34D-4122-BD1B-7B2A2C95ADFC}"/>
+                  </a:ext>
+                </a:extLst>
+              </p:cNvPr>
+              <p:cNvSpPr txBox="1"/>
+              <p:nvPr/>
+            </p:nvSpPr>
+            <p:spPr>
+              <a:xfrm>
+                <a:off x="5537077" y="4145418"/>
+                <a:ext cx="6094520" cy="369332"/>
+              </a:xfrm>
+              <a:prstGeom prst="rect">
+                <a:avLst/>
+              </a:prstGeom>
+              <a:noFill/>
+            </p:spPr>
+            <p:txBody>
+              <a:bodyPr wrap="square">
+                <a:spAutoFit/>
+              </a:bodyPr>
+              <a:lstStyle/>
+              <a:p>
+                <a:pPr/>
+                <a14:m>
+                  <m:oMathPara xmlns:m="http://schemas.openxmlformats.org/officeDocument/2006/math">
+                    <m:oMathParaPr>
+                      <m:jc m:val="centerGroup"/>
+                    </m:oMathParaPr>
+                    <m:oMath xmlns:m="http://schemas.openxmlformats.org/officeDocument/2006/math">
+                      <m:sSub>
+                        <m:sSubPr>
+                          <m:ctrlPr>
+                            <a:rPr lang="en-US" b="0" i="1" smtClean="0">
+                              <a:latin typeface="Cambria Math" panose="02040503050406030204" pitchFamily="18" charset="0"/>
+                            </a:rPr>
+                          </m:ctrlPr>
+                        </m:sSubPr>
+                        <m:e>
+                          <m:r>
+                            <a:rPr lang="en-US" b="0" i="1" smtClean="0">
+                              <a:latin typeface="Cambria Math" panose="02040503050406030204" pitchFamily="18" charset="0"/>
+                            </a:rPr>
+                            <m:t>𝑤</m:t>
+                          </m:r>
+                        </m:e>
+                        <m:sub>
+                          <m:r>
+                            <a:rPr lang="en-US" b="0" i="1" smtClean="0">
+                              <a:latin typeface="Cambria Math" panose="02040503050406030204" pitchFamily="18" charset="0"/>
+                            </a:rPr>
+                            <m:t>0</m:t>
+                          </m:r>
+                        </m:sub>
+                      </m:sSub>
+                      <m:r>
+                        <a:rPr lang="en-US" b="0" i="1" smtClean="0">
+                          <a:latin typeface="Cambria Math" panose="02040503050406030204" pitchFamily="18" charset="0"/>
+                        </a:rPr>
+                        <m:t>+</m:t>
+                      </m:r>
+                      <m:sSub>
+                        <m:sSubPr>
+                          <m:ctrlPr>
+                            <a:rPr lang="en-US" b="0" i="1" smtClean="0">
+                              <a:latin typeface="Cambria Math" panose="02040503050406030204" pitchFamily="18" charset="0"/>
+                            </a:rPr>
+                          </m:ctrlPr>
+                        </m:sSubPr>
+                        <m:e>
+                          <m:r>
+                            <a:rPr lang="en-US" b="0" i="1" smtClean="0">
+                              <a:latin typeface="Cambria Math" panose="02040503050406030204" pitchFamily="18" charset="0"/>
+                            </a:rPr>
+                            <m:t>𝑤</m:t>
+                          </m:r>
+                        </m:e>
+                        <m:sub>
+                          <m:r>
+                            <a:rPr lang="en-US" b="0" i="1" smtClean="0">
+                              <a:latin typeface="Cambria Math" panose="02040503050406030204" pitchFamily="18" charset="0"/>
+                            </a:rPr>
+                            <m:t>1</m:t>
+                          </m:r>
+                        </m:sub>
+                      </m:sSub>
+                      <m:sSub>
+                        <m:sSubPr>
+                          <m:ctrlPr>
+                            <a:rPr lang="en-US" b="0" i="1" smtClean="0">
+                              <a:latin typeface="Cambria Math" panose="02040503050406030204" pitchFamily="18" charset="0"/>
+                            </a:rPr>
+                          </m:ctrlPr>
+                        </m:sSubPr>
+                        <m:e>
+                          <m:r>
+                            <a:rPr lang="en-US" b="0" i="1" smtClean="0">
+                              <a:latin typeface="Cambria Math" panose="02040503050406030204" pitchFamily="18" charset="0"/>
+                            </a:rPr>
+                            <m:t>𝑥</m:t>
+                          </m:r>
+                        </m:e>
+                        <m:sub>
+                          <m:r>
+                            <a:rPr lang="en-US" b="0" i="1" smtClean="0">
+                              <a:latin typeface="Cambria Math" panose="02040503050406030204" pitchFamily="18" charset="0"/>
+                            </a:rPr>
+                            <m:t>1</m:t>
+                          </m:r>
+                        </m:sub>
+                      </m:sSub>
+                      <m:r>
+                        <a:rPr lang="en-US" b="0" i="1" smtClean="0">
+                          <a:latin typeface="Cambria Math" panose="02040503050406030204" pitchFamily="18" charset="0"/>
+                        </a:rPr>
+                        <m:t>+</m:t>
+                      </m:r>
+                      <m:sSub>
+                        <m:sSubPr>
+                          <m:ctrlPr>
+                            <a:rPr lang="en-US" b="0" i="1" smtClean="0">
+                              <a:latin typeface="Cambria Math" panose="02040503050406030204" pitchFamily="18" charset="0"/>
+                            </a:rPr>
+                          </m:ctrlPr>
+                        </m:sSubPr>
+                        <m:e>
+                          <m:r>
+                            <a:rPr lang="en-US" b="0" i="1" smtClean="0">
+                              <a:latin typeface="Cambria Math" panose="02040503050406030204" pitchFamily="18" charset="0"/>
+                            </a:rPr>
+                            <m:t>𝑤</m:t>
+                          </m:r>
+                        </m:e>
+                        <m:sub>
+                          <m:r>
+                            <a:rPr lang="en-US" b="0" i="1" smtClean="0">
+                              <a:latin typeface="Cambria Math" panose="02040503050406030204" pitchFamily="18" charset="0"/>
+                            </a:rPr>
+                            <m:t>2</m:t>
+                          </m:r>
+                        </m:sub>
+                      </m:sSub>
+                      <m:sSub>
+                        <m:sSubPr>
+                          <m:ctrlPr>
+                            <a:rPr lang="en-US" b="0" i="1" smtClean="0">
+                              <a:latin typeface="Cambria Math" panose="02040503050406030204" pitchFamily="18" charset="0"/>
+                            </a:rPr>
+                          </m:ctrlPr>
+                        </m:sSubPr>
+                        <m:e>
+                          <m:r>
+                            <a:rPr lang="en-US" b="0" i="1" smtClean="0">
+                              <a:latin typeface="Cambria Math" panose="02040503050406030204" pitchFamily="18" charset="0"/>
+                            </a:rPr>
+                            <m:t>𝑥</m:t>
+                          </m:r>
+                        </m:e>
+                        <m:sub>
+                          <m:r>
+                            <a:rPr lang="en-US" b="0" i="1" smtClean="0">
+                              <a:latin typeface="Cambria Math" panose="02040503050406030204" pitchFamily="18" charset="0"/>
+                            </a:rPr>
+                            <m:t>2</m:t>
+                          </m:r>
+                        </m:sub>
+                      </m:sSub>
+                      <m:r>
+                        <a:rPr lang="en-US" b="0" i="1" smtClean="0">
+                          <a:latin typeface="Cambria Math" panose="02040503050406030204" pitchFamily="18" charset="0"/>
+                        </a:rPr>
+                        <m:t>=</m:t>
+                      </m:r>
+                      <m:r>
+                        <a:rPr lang="en-US" b="0" i="1" smtClean="0">
+                          <a:latin typeface="Cambria Math" panose="02040503050406030204" pitchFamily="18" charset="0"/>
+                        </a:rPr>
+                        <m:t>𝑡𝑎𝑟𝑔𝑒𝑡</m:t>
+                      </m:r>
+                    </m:oMath>
+                  </m:oMathPara>
+                </a14:m>
+                <a:endParaRPr lang="en-US" b="0" dirty="0"/>
+              </a:p>
+            </p:txBody>
+          </p:sp>
+        </mc:Choice>
+        <mc:Fallback xmlns="">
+          <p:sp>
+            <p:nvSpPr>
+              <p:cNvPr id="10" name="TextBox 9">
+                <a:extLst>
+                  <a:ext uri="{FF2B5EF4-FFF2-40B4-BE49-F238E27FC236}">
+                    <a16:creationId xmlns:a16="http://schemas.microsoft.com/office/drawing/2014/main" id="{A30F8246-A34D-4122-BD1B-7B2A2C95ADFC}"/>
+                  </a:ext>
+                </a:extLst>
+              </p:cNvPr>
+              <p:cNvSpPr txBox="1">
+                <a:spLocks noRot="1" noChangeAspect="1" noMove="1" noResize="1" noEditPoints="1" noAdjustHandles="1" noChangeArrowheads="1" noChangeShapeType="1" noTextEdit="1"/>
+              </p:cNvSpPr>
+              <p:nvPr/>
+            </p:nvSpPr>
+            <p:spPr>
+              <a:xfrm>
+                <a:off x="5537077" y="4145418"/>
+                <a:ext cx="6094520" cy="369332"/>
+              </a:xfrm>
+              <a:prstGeom prst="rect">
+                <a:avLst/>
+              </a:prstGeom>
+              <a:blipFill>
+                <a:blip r:embed="rId3"/>
+                <a:stretch>
+                  <a:fillRect b="-9836"/>
+                </a:stretch>
+              </a:blipFill>
+            </p:spPr>
+            <p:txBody>
+              <a:bodyPr/>
+              <a:lstStyle/>
+              <a:p>
+                <a:r>
+                  <a:rPr lang="en-NL">
+                    <a:noFill/>
+                  </a:rPr>
+                  <a:t> </a:t>
+                </a:r>
+              </a:p>
+            </p:txBody>
+          </p:sp>
+        </mc:Fallback>
+      </mc:AlternateContent>
+    </p:spTree>
+    <p:extLst>
+      <p:ext uri="{BB962C8B-B14F-4D97-AF65-F5344CB8AC3E}">
+        <p14:creationId xmlns:p14="http://schemas.microsoft.com/office/powerpoint/2010/main" val="3431422623"/>
+      </p:ext>
+    </p:extLst>
+  </p:cSld>
+  <p:clrMapOvr>
+    <a:masterClrMapping/>
+  </p:clrMapOvr>
+</p:sld>
+</file>
+
+<file path=ppt/slides/slide8.xml><?xml version="1.0" encoding="utf-8"?>
+<p:sld xmlns:a="http://schemas.openxmlformats.org/drawingml/2006/main" xmlns:r="http://schemas.openxmlformats.org/officeDocument/2006/relationships" xmlns:p="http://schemas.openxmlformats.org/presentationml/2006/main">
+  <p:cSld>
+    <p:spTree>
+      <p:nvGrpSpPr>
+        <p:cNvPr id="1" name=""/>
+        <p:cNvGrpSpPr/>
+        <p:nvPr/>
+      </p:nvGrpSpPr>
+      <p:grpSpPr>
+        <a:xfrm>
+          <a:off x="0" y="0"/>
+          <a:ext cx="0" cy="0"/>
+          <a:chOff x="0" y="0"/>
+          <a:chExt cx="0" cy="0"/>
+        </a:xfrm>
+      </p:grpSpPr>
+      <p:pic>
+        <p:nvPicPr>
+          <p:cNvPr id="4" name="Picture 3">
+            <a:extLst>
+              <a:ext uri="{FF2B5EF4-FFF2-40B4-BE49-F238E27FC236}">
+                <a16:creationId xmlns:a16="http://schemas.microsoft.com/office/drawing/2014/main" id="{4A5D080A-8C4E-4436-BE2D-F4C57A8AC301}"/>
+              </a:ext>
+            </a:extLst>
+          </p:cNvPr>
+          <p:cNvPicPr>
+            <a:picLocks noChangeAspect="1"/>
+          </p:cNvPicPr>
+          <p:nvPr/>
+        </p:nvPicPr>
+        <p:blipFill>
+          <a:blip r:embed="rId2"/>
+          <a:stretch>
+            <a:fillRect/>
+          </a:stretch>
+        </p:blipFill>
+        <p:spPr>
+          <a:xfrm>
+            <a:off x="149289" y="195308"/>
+            <a:ext cx="6698056" cy="6467383"/>
+          </a:xfrm>
+          <a:prstGeom prst="rect">
+            <a:avLst/>
+          </a:prstGeom>
+        </p:spPr>
+      </p:pic>
+      <p:sp>
+        <p:nvSpPr>
+          <p:cNvPr id="5" name="TextBox 4">
+            <a:extLst>
+              <a:ext uri="{FF2B5EF4-FFF2-40B4-BE49-F238E27FC236}">
+                <a16:creationId xmlns:a16="http://schemas.microsoft.com/office/drawing/2014/main" id="{F97387A8-A1FF-4403-AE8C-097170769C93}"/>
+              </a:ext>
+            </a:extLst>
+          </p:cNvPr>
+          <p:cNvSpPr txBox="1"/>
+          <p:nvPr/>
+        </p:nvSpPr>
+        <p:spPr>
+          <a:xfrm>
+            <a:off x="7651102" y="1371600"/>
+            <a:ext cx="3670886" cy="1754326"/>
+          </a:xfrm>
+          <a:prstGeom prst="rect">
+            <a:avLst/>
+          </a:prstGeom>
+          <a:noFill/>
+        </p:spPr>
+        <p:txBody>
+          <a:bodyPr wrap="square" rtlCol="0">
+            <a:spAutoFit/>
+          </a:bodyPr>
+          <a:lstStyle/>
+          <a:p>
+            <a:r>
+              <a:rPr lang="en-US" dirty="0"/>
+              <a:t>Line which would fit best?</a:t>
+            </a:r>
+          </a:p>
+          <a:p>
+            <a:endParaRPr lang="en-US" dirty="0"/>
+          </a:p>
+          <a:p>
+            <a:endParaRPr lang="en-US" dirty="0"/>
+          </a:p>
+          <a:p>
+            <a:r>
+              <a:rPr lang="en-US" dirty="0"/>
+              <a:t>We can implement ‘cost function’</a:t>
+            </a:r>
+          </a:p>
+          <a:p>
+            <a:endParaRPr lang="en-US" dirty="0"/>
+          </a:p>
+          <a:p>
+            <a:r>
+              <a:rPr lang="en-US" dirty="0"/>
+              <a:t>Thing that we are trying to minimize </a:t>
+            </a:r>
+            <a:endParaRPr lang="en-NL" dirty="0"/>
+          </a:p>
+        </p:txBody>
+      </p:sp>
+      <p:cxnSp>
+        <p:nvCxnSpPr>
+          <p:cNvPr id="7" name="Straight Arrow Connector 6">
+            <a:extLst>
+              <a:ext uri="{FF2B5EF4-FFF2-40B4-BE49-F238E27FC236}">
+                <a16:creationId xmlns:a16="http://schemas.microsoft.com/office/drawing/2014/main" id="{C1CBEEAD-7CEF-46F4-A8C9-76B962E31191}"/>
+              </a:ext>
+            </a:extLst>
+          </p:cNvPr>
+          <p:cNvCxnSpPr>
+            <a:cxnSpLocks/>
+            <a:stCxn id="5" idx="1"/>
+          </p:cNvCxnSpPr>
+          <p:nvPr/>
+        </p:nvCxnSpPr>
+        <p:spPr>
+          <a:xfrm flipH="1">
+            <a:off x="4749282" y="2248763"/>
+            <a:ext cx="2901820" cy="1250217"/>
+          </a:xfrm>
+          <a:prstGeom prst="straightConnector1">
+            <a:avLst/>
+          </a:prstGeom>
+          <a:ln>
+            <a:tailEnd type="triangle"/>
+          </a:ln>
+        </p:spPr>
+        <p:style>
+          <a:lnRef idx="1">
+            <a:schemeClr val="accent1"/>
+          </a:lnRef>
+          <a:fillRef idx="0">
+            <a:schemeClr val="accent1"/>
+          </a:fillRef>
+          <a:effectRef idx="0">
+            <a:schemeClr val="accent1"/>
+          </a:effectRef>
+          <a:fontRef idx="minor">
+            <a:schemeClr val="tx1"/>
+          </a:fontRef>
+        </p:style>
+      </p:cxnSp>
+      <p:cxnSp>
+        <p:nvCxnSpPr>
+          <p:cNvPr id="9" name="Straight Connector 8">
+            <a:extLst>
+              <a:ext uri="{FF2B5EF4-FFF2-40B4-BE49-F238E27FC236}">
+                <a16:creationId xmlns:a16="http://schemas.microsoft.com/office/drawing/2014/main" id="{E157BADD-860C-400E-9AAD-5E2520B1566E}"/>
+              </a:ext>
+            </a:extLst>
+          </p:cNvPr>
+          <p:cNvCxnSpPr/>
+          <p:nvPr/>
+        </p:nvCxnSpPr>
+        <p:spPr>
+          <a:xfrm flipV="1">
+            <a:off x="870012" y="648070"/>
+            <a:ext cx="5131293" cy="5282213"/>
+          </a:xfrm>
+          <a:prstGeom prst="line">
+            <a:avLst/>
+          </a:prstGeom>
+          <a:ln w="19050"/>
+        </p:spPr>
+        <p:style>
+          <a:lnRef idx="1">
+            <a:schemeClr val="dk1"/>
+          </a:lnRef>
+          <a:fillRef idx="0">
+            <a:schemeClr val="dk1"/>
+          </a:fillRef>
+          <a:effectRef idx="0">
+            <a:schemeClr val="dk1"/>
+          </a:effectRef>
+          <a:fontRef idx="minor">
+            <a:schemeClr val="tx1"/>
+          </a:fontRef>
+        </p:style>
+      </p:cxnSp>
+      <mc:AlternateContent xmlns:mc="http://schemas.openxmlformats.org/markup-compatibility/2006" xmlns:a14="http://schemas.microsoft.com/office/drawing/2010/main">
+        <mc:Choice Requires="a14">
+          <p:sp>
+            <p:nvSpPr>
+              <p:cNvPr id="11" name="TextBox 10">
+                <a:extLst>
+                  <a:ext uri="{FF2B5EF4-FFF2-40B4-BE49-F238E27FC236}">
+                    <a16:creationId xmlns:a16="http://schemas.microsoft.com/office/drawing/2014/main" id="{8A86215F-0317-47B7-B6C2-1F70CDF98575}"/>
+                  </a:ext>
+                </a:extLst>
+              </p:cNvPr>
+              <p:cNvSpPr txBox="1"/>
+              <p:nvPr/>
+            </p:nvSpPr>
+            <p:spPr>
+              <a:xfrm>
+                <a:off x="7434960" y="3498980"/>
+                <a:ext cx="4095412" cy="2088072"/>
+              </a:xfrm>
+              <a:prstGeom prst="rect">
+                <a:avLst/>
+              </a:prstGeom>
+              <a:noFill/>
+            </p:spPr>
+            <p:txBody>
+              <a:bodyPr wrap="square">
+                <a:spAutoFit/>
+              </a:bodyPr>
+              <a:lstStyle/>
+              <a:p>
+                <a:r>
+                  <a:rPr lang="en-US" b="0" dirty="0"/>
+                  <a:t>Common approach: Mean Squared Error</a:t>
+                </a:r>
+              </a:p>
+              <a:p>
+                <a:pPr/>
+                <a14:m>
+                  <m:oMathPara xmlns:m="http://schemas.openxmlformats.org/officeDocument/2006/math">
+                    <m:oMathParaPr>
+                      <m:jc m:val="centerGroup"/>
+                    </m:oMathParaPr>
+                    <m:oMath xmlns:m="http://schemas.openxmlformats.org/officeDocument/2006/math">
+                      <m:r>
+                        <a:rPr lang="en-US" b="0" i="1" smtClean="0">
+                          <a:latin typeface="Cambria Math" panose="02040503050406030204" pitchFamily="18" charset="0"/>
+                        </a:rPr>
+                        <m:t>𝐸</m:t>
+                      </m:r>
+                      <m:r>
+                        <a:rPr lang="en-US" b="0" i="1" smtClean="0">
+                          <a:latin typeface="Cambria Math" panose="02040503050406030204" pitchFamily="18" charset="0"/>
+                        </a:rPr>
+                        <m:t>[</m:t>
+                      </m:r>
+                      <m:sSup>
+                        <m:sSupPr>
+                          <m:ctrlPr>
+                            <a:rPr lang="en-US" b="0" i="1" smtClean="0">
+                              <a:latin typeface="Cambria Math" panose="02040503050406030204" pitchFamily="18" charset="0"/>
+                            </a:rPr>
+                          </m:ctrlPr>
+                        </m:sSupPr>
+                        <m:e>
+                          <m:d>
+                            <m:dPr>
+                              <m:ctrlPr>
+                                <a:rPr lang="en-US" b="0" i="1" smtClean="0">
+                                  <a:latin typeface="Cambria Math" panose="02040503050406030204" pitchFamily="18" charset="0"/>
+                                </a:rPr>
+                              </m:ctrlPr>
+                            </m:dPr>
+                            <m:e>
+                              <m:r>
+                                <a:rPr lang="en-US" b="0" i="1" smtClean="0">
+                                  <a:latin typeface="Cambria Math" panose="02040503050406030204" pitchFamily="18" charset="0"/>
+                                </a:rPr>
+                                <m:t>𝜃</m:t>
+                              </m:r>
+                              <m:r>
+                                <a:rPr lang="en-US" b="0" i="1" smtClean="0">
+                                  <a:latin typeface="Cambria Math" panose="02040503050406030204" pitchFamily="18" charset="0"/>
+                                </a:rPr>
+                                <m:t>−</m:t>
+                              </m:r>
+                              <m:acc>
+                                <m:accPr>
+                                  <m:chr m:val="̂"/>
+                                  <m:ctrlPr>
+                                    <a:rPr lang="en-US" b="0" i="1" smtClean="0">
+                                      <a:latin typeface="Cambria Math" panose="02040503050406030204" pitchFamily="18" charset="0"/>
+                                    </a:rPr>
+                                  </m:ctrlPr>
+                                </m:accPr>
+                                <m:e>
+                                  <m:r>
+                                    <a:rPr lang="en-US" b="0" i="1" smtClean="0">
+                                      <a:latin typeface="Cambria Math" panose="02040503050406030204" pitchFamily="18" charset="0"/>
+                                    </a:rPr>
+                                    <m:t>𝜃</m:t>
+                                  </m:r>
+                                </m:e>
+                              </m:acc>
+                            </m:e>
+                          </m:d>
+                        </m:e>
+                        <m:sup>
+                          <m:r>
+                            <a:rPr lang="en-US" b="0" i="1" smtClean="0">
+                              <a:latin typeface="Cambria Math" panose="02040503050406030204" pitchFamily="18" charset="0"/>
+                            </a:rPr>
+                            <m:t>2</m:t>
+                          </m:r>
+                        </m:sup>
+                      </m:sSup>
+                      <m:r>
+                        <a:rPr lang="en-US" b="0" i="1" smtClean="0">
+                          <a:latin typeface="Cambria Math" panose="02040503050406030204" pitchFamily="18" charset="0"/>
+                        </a:rPr>
+                        <m:t>]</m:t>
+                      </m:r>
+                    </m:oMath>
+                  </m:oMathPara>
+                </a14:m>
+                <a:endParaRPr lang="en-US" b="0" dirty="0"/>
+              </a:p>
+              <a:p>
+                <a:endParaRPr lang="en-US" dirty="0"/>
+              </a:p>
+              <a:p>
+                <a:pPr/>
+                <a14:m>
+                  <m:oMathPara xmlns:m="http://schemas.openxmlformats.org/officeDocument/2006/math">
+                    <m:oMathParaPr>
+                      <m:jc m:val="centerGroup"/>
+                    </m:oMathParaPr>
+                    <m:oMath xmlns:m="http://schemas.openxmlformats.org/officeDocument/2006/math">
+                      <m:r>
+                        <a:rPr lang="en-US" b="0" i="1" smtClean="0">
+                          <a:latin typeface="Cambria Math" panose="02040503050406030204" pitchFamily="18" charset="0"/>
+                        </a:rPr>
+                        <m:t>𝐸</m:t>
+                      </m:r>
+                      <m:d>
+                        <m:dPr>
+                          <m:ctrlPr>
+                            <a:rPr lang="en-US" b="0" i="1" smtClean="0">
+                              <a:latin typeface="Cambria Math" panose="02040503050406030204" pitchFamily="18" charset="0"/>
+                            </a:rPr>
+                          </m:ctrlPr>
+                        </m:dPr>
+                        <m:e>
+                          <m:r>
+                            <a:rPr lang="en-US" b="0" i="1" smtClean="0">
+                              <a:latin typeface="Cambria Math" panose="02040503050406030204" pitchFamily="18" charset="0"/>
+                            </a:rPr>
+                            <m:t>𝑤</m:t>
+                          </m:r>
+                        </m:e>
+                      </m:d>
+                      <m:r>
+                        <a:rPr lang="en-US" b="0" i="1" smtClean="0">
+                          <a:latin typeface="Cambria Math" panose="02040503050406030204" pitchFamily="18" charset="0"/>
+                        </a:rPr>
+                        <m:t>=</m:t>
+                      </m:r>
+                      <m:f>
+                        <m:fPr>
+                          <m:ctrlPr>
+                            <a:rPr lang="en-US" b="0" i="1" smtClean="0">
+                              <a:latin typeface="Cambria Math" panose="02040503050406030204" pitchFamily="18" charset="0"/>
+                            </a:rPr>
+                          </m:ctrlPr>
+                        </m:fPr>
+                        <m:num>
+                          <m:r>
+                            <a:rPr lang="en-US" b="0" i="1" smtClean="0">
+                              <a:latin typeface="Cambria Math" panose="02040503050406030204" pitchFamily="18" charset="0"/>
+                            </a:rPr>
+                            <m:t>1</m:t>
+                          </m:r>
+                        </m:num>
+                        <m:den>
+                          <m:r>
+                            <a:rPr lang="en-US" b="0" i="1" smtClean="0">
+                              <a:latin typeface="Cambria Math" panose="02040503050406030204" pitchFamily="18" charset="0"/>
+                            </a:rPr>
+                            <m:t>𝑛</m:t>
+                          </m:r>
+                        </m:den>
+                      </m:f>
+                      <m:r>
+                        <a:rPr lang="en-US" b="0" i="1" smtClean="0">
+                          <a:latin typeface="Cambria Math" panose="02040503050406030204" pitchFamily="18" charset="0"/>
+                        </a:rPr>
+                        <m:t>∑</m:t>
+                      </m:r>
+                      <m:sSup>
+                        <m:sSupPr>
+                          <m:ctrlPr>
+                            <a:rPr lang="en-US" b="0" i="1" smtClean="0">
+                              <a:latin typeface="Cambria Math" panose="02040503050406030204" pitchFamily="18" charset="0"/>
+                            </a:rPr>
+                          </m:ctrlPr>
+                        </m:sSupPr>
+                        <m:e>
+                          <m:d>
+                            <m:dPr>
+                              <m:ctrlPr>
+                                <a:rPr lang="en-US" b="0" i="1" smtClean="0">
+                                  <a:latin typeface="Cambria Math" panose="02040503050406030204" pitchFamily="18" charset="0"/>
+                                </a:rPr>
+                              </m:ctrlPr>
+                            </m:dPr>
+                            <m:e>
+                              <m:sSup>
+                                <m:sSupPr>
+                                  <m:ctrlPr>
+                                    <a:rPr lang="en-US" i="1">
+                                      <a:latin typeface="Cambria Math" panose="02040503050406030204" pitchFamily="18" charset="0"/>
+                                    </a:rPr>
+                                  </m:ctrlPr>
+                                </m:sSupPr>
+                                <m:e>
+                                  <m:r>
+                                    <a:rPr lang="en-US" b="0" i="1" smtClean="0">
+                                      <a:latin typeface="Cambria Math" panose="02040503050406030204" pitchFamily="18" charset="0"/>
+                                    </a:rPr>
+                                    <m:t>(</m:t>
+                                  </m:r>
+                                  <m:r>
+                                    <a:rPr lang="en-US" i="1">
+                                      <a:latin typeface="Cambria Math" panose="02040503050406030204" pitchFamily="18" charset="0"/>
+                                    </a:rPr>
+                                    <m:t>𝑤</m:t>
+                                  </m:r>
+                                </m:e>
+                                <m:sup>
+                                  <m:r>
+                                    <a:rPr lang="en-US" i="1">
+                                      <a:latin typeface="Cambria Math" panose="02040503050406030204" pitchFamily="18" charset="0"/>
+                                    </a:rPr>
+                                    <m:t>𝑇</m:t>
+                                  </m:r>
+                                </m:sup>
+                              </m:sSup>
+                              <m:r>
+                                <a:rPr lang="en-US" i="1">
+                                  <a:latin typeface="Cambria Math" panose="02040503050406030204" pitchFamily="18" charset="0"/>
+                                </a:rPr>
+                                <m:t>𝑥</m:t>
+                              </m:r>
+                              <m:r>
+                                <a:rPr lang="en-US" b="0" i="1" smtClean="0">
+                                  <a:latin typeface="Cambria Math" panose="02040503050406030204" pitchFamily="18" charset="0"/>
+                                </a:rPr>
+                                <m:t>)−</m:t>
+                              </m:r>
+                              <m:r>
+                                <a:rPr lang="en-US" b="0" i="1" smtClean="0">
+                                  <a:latin typeface="Cambria Math" panose="02040503050406030204" pitchFamily="18" charset="0"/>
+                                </a:rPr>
+                                <m:t>𝑡</m:t>
+                              </m:r>
+                            </m:e>
+                          </m:d>
+                        </m:e>
+                        <m:sup>
+                          <m:r>
+                            <a:rPr lang="en-US" b="0" i="1" smtClean="0">
+                              <a:latin typeface="Cambria Math" panose="02040503050406030204" pitchFamily="18" charset="0"/>
+                            </a:rPr>
+                            <m:t>2</m:t>
+                          </m:r>
+                        </m:sup>
+                      </m:sSup>
+                      <m:r>
+                        <a:rPr lang="en-US" b="0" i="1" smtClean="0">
+                          <a:latin typeface="Cambria Math" panose="02040503050406030204" pitchFamily="18" charset="0"/>
+                        </a:rPr>
+                        <m:t>) </m:t>
+                      </m:r>
+                    </m:oMath>
+                  </m:oMathPara>
+                </a14:m>
+                <a:endParaRPr lang="en-US" b="0" dirty="0"/>
+              </a:p>
+              <a:p>
+                <a:endParaRPr lang="en-US" b="0" dirty="0"/>
+              </a:p>
+              <a:p>
+                <a:r>
+                  <a:rPr lang="en-US" dirty="0"/>
+                  <a:t>T is our target variable</a:t>
+                </a:r>
+                <a:endParaRPr lang="en-US" b="0" dirty="0"/>
+              </a:p>
+            </p:txBody>
+          </p:sp>
+        </mc:Choice>
+        <mc:Fallback xmlns="">
+          <p:sp>
+            <p:nvSpPr>
+              <p:cNvPr id="11" name="TextBox 10">
+                <a:extLst>
+                  <a:ext uri="{FF2B5EF4-FFF2-40B4-BE49-F238E27FC236}">
+                    <a16:creationId xmlns:a16="http://schemas.microsoft.com/office/drawing/2014/main" id="{8A86215F-0317-47B7-B6C2-1F70CDF98575}"/>
+                  </a:ext>
+                </a:extLst>
+              </p:cNvPr>
+              <p:cNvSpPr txBox="1">
+                <a:spLocks noRot="1" noChangeAspect="1" noMove="1" noResize="1" noEditPoints="1" noAdjustHandles="1" noChangeArrowheads="1" noChangeShapeType="1" noTextEdit="1"/>
+              </p:cNvSpPr>
+              <p:nvPr/>
+            </p:nvSpPr>
+            <p:spPr>
+              <a:xfrm>
+                <a:off x="7434960" y="3498980"/>
+                <a:ext cx="4095412" cy="2088072"/>
+              </a:xfrm>
+              <a:prstGeom prst="rect">
+                <a:avLst/>
+              </a:prstGeom>
+              <a:blipFill>
+                <a:blip r:embed="rId3"/>
+                <a:stretch>
+                  <a:fillRect l="-1341" t="-1749" b="-3499"/>
+                </a:stretch>
+              </a:blipFill>
+            </p:spPr>
+            <p:txBody>
+              <a:bodyPr/>
+              <a:lstStyle/>
+              <a:p>
+                <a:r>
+                  <a:rPr lang="en-NL">
+                    <a:noFill/>
+                  </a:rPr>
+                  <a:t> </a:t>
+                </a:r>
+              </a:p>
+            </p:txBody>
+          </p:sp>
+        </mc:Fallback>
+      </mc:AlternateContent>
+    </p:spTree>
+    <p:extLst>
+      <p:ext uri="{BB962C8B-B14F-4D97-AF65-F5344CB8AC3E}">
+        <p14:creationId xmlns:p14="http://schemas.microsoft.com/office/powerpoint/2010/main" val="1689621518"/>
+      </p:ext>
+    </p:extLst>
+  </p:cSld>
+  <p:clrMapOvr>
+    <a:masterClrMapping/>
+  </p:clrMapOvr>
+</p:sld>
+</file>
+
+<file path=ppt/slides/slide9.xml><?xml version="1.0" encoding="utf-8"?>
+<p:sld xmlns:a="http://schemas.openxmlformats.org/drawingml/2006/main" xmlns:r="http://schemas.openxmlformats.org/officeDocument/2006/relationships" xmlns:p="http://schemas.openxmlformats.org/presentationml/2006/main">
+  <p:cSld>
+    <p:spTree>
+      <p:nvGrpSpPr>
+        <p:cNvPr id="1" name=""/>
+        <p:cNvGrpSpPr/>
+        <p:nvPr/>
+      </p:nvGrpSpPr>
+      <p:grpSpPr>
+        <a:xfrm>
+          <a:off x="0" y="0"/>
+          <a:ext cx="0" cy="0"/>
+          <a:chOff x="0" y="0"/>
+          <a:chExt cx="0" cy="0"/>
+        </a:xfrm>
+      </p:grpSpPr>
+      <p:pic>
+        <p:nvPicPr>
+          <p:cNvPr id="5" name="Picture 4">
+            <a:extLst>
+              <a:ext uri="{FF2B5EF4-FFF2-40B4-BE49-F238E27FC236}">
+                <a16:creationId xmlns:a16="http://schemas.microsoft.com/office/drawing/2014/main" id="{9D76DB08-9F2F-4F19-83AF-190DDD4E4CFD}"/>
+              </a:ext>
+            </a:extLst>
+          </p:cNvPr>
+          <p:cNvPicPr>
+            <a:picLocks noChangeAspect="1"/>
+          </p:cNvPicPr>
+          <p:nvPr/>
+        </p:nvPicPr>
+        <p:blipFill>
+          <a:blip r:embed="rId2"/>
+          <a:stretch>
+            <a:fillRect/>
+          </a:stretch>
+        </p:blipFill>
+        <p:spPr>
+          <a:xfrm>
+            <a:off x="362830" y="738972"/>
+            <a:ext cx="5944430" cy="5753903"/>
+          </a:xfrm>
+          <a:prstGeom prst="rect">
+            <a:avLst/>
+          </a:prstGeom>
+        </p:spPr>
+      </p:pic>
+      <p:sp>
+        <p:nvSpPr>
+          <p:cNvPr id="6" name="TextBox 5">
+            <a:extLst>
+              <a:ext uri="{FF2B5EF4-FFF2-40B4-BE49-F238E27FC236}">
+                <a16:creationId xmlns:a16="http://schemas.microsoft.com/office/drawing/2014/main" id="{AB97965F-E08B-4A35-9C12-1938FC329564}"/>
+              </a:ext>
+            </a:extLst>
+          </p:cNvPr>
+          <p:cNvSpPr txBox="1"/>
+          <p:nvPr/>
+        </p:nvSpPr>
+        <p:spPr>
+          <a:xfrm>
+            <a:off x="6699381" y="858416"/>
+            <a:ext cx="3396341" cy="646331"/>
+          </a:xfrm>
+          <a:prstGeom prst="rect">
+            <a:avLst/>
+          </a:prstGeom>
+          <a:noFill/>
+        </p:spPr>
+        <p:txBody>
+          <a:bodyPr wrap="square" rtlCol="0">
+            <a:spAutoFit/>
+          </a:bodyPr>
+          <a:lstStyle/>
+          <a:p>
+            <a:r>
+              <a:rPr lang="en-US" dirty="0"/>
+              <a:t>300 iterations (weight updates) with learning rate 0.01</a:t>
+            </a:r>
+            <a:endParaRPr lang="en-NL" dirty="0"/>
+          </a:p>
+        </p:txBody>
+      </p:sp>
+      <p:sp>
+        <p:nvSpPr>
+          <p:cNvPr id="7" name="TextBox 6">
+            <a:extLst>
+              <a:ext uri="{FF2B5EF4-FFF2-40B4-BE49-F238E27FC236}">
+                <a16:creationId xmlns:a16="http://schemas.microsoft.com/office/drawing/2014/main" id="{69023AFE-1109-4882-9124-DABBE9C0164D}"/>
+              </a:ext>
+            </a:extLst>
+          </p:cNvPr>
+          <p:cNvSpPr txBox="1"/>
+          <p:nvPr/>
+        </p:nvSpPr>
+        <p:spPr>
+          <a:xfrm>
+            <a:off x="6447452" y="2547257"/>
+            <a:ext cx="5187821" cy="646331"/>
+          </a:xfrm>
+          <a:prstGeom prst="rect">
+            <a:avLst/>
+          </a:prstGeom>
+          <a:noFill/>
+        </p:spPr>
+        <p:txBody>
+          <a:bodyPr wrap="square" rtlCol="0">
+            <a:spAutoFit/>
+          </a:bodyPr>
+          <a:lstStyle/>
+          <a:p>
+            <a:r>
+              <a:rPr lang="en-US" sz="3600" dirty="0"/>
+              <a:t>But how does it work??!</a:t>
+            </a:r>
+            <a:endParaRPr lang="en-NL" sz="3600" dirty="0"/>
+          </a:p>
+        </p:txBody>
+      </p:sp>
+    </p:spTree>
+    <p:extLst>
+      <p:ext uri="{BB962C8B-B14F-4D97-AF65-F5344CB8AC3E}">
+        <p14:creationId xmlns:p14="http://schemas.microsoft.com/office/powerpoint/2010/main" val="400160812"/>
       </p:ext>
     </p:extLst>
   </p:cSld>

--- a/machine learning learnings/perceptron - object detection.pptx
+++ b/machine learning learnings/perceptron - object detection.pptx
@@ -18,13 +18,16 @@
     <p:sldId id="273" r:id="rId12"/>
     <p:sldId id="275" r:id="rId13"/>
     <p:sldId id="274" r:id="rId14"/>
-    <p:sldId id="263" r:id="rId15"/>
-    <p:sldId id="261" r:id="rId16"/>
-    <p:sldId id="262" r:id="rId17"/>
-    <p:sldId id="264" r:id="rId18"/>
-    <p:sldId id="276" r:id="rId19"/>
-    <p:sldId id="266" r:id="rId20"/>
-    <p:sldId id="267" r:id="rId21"/>
+    <p:sldId id="277" r:id="rId15"/>
+    <p:sldId id="263" r:id="rId16"/>
+    <p:sldId id="261" r:id="rId17"/>
+    <p:sldId id="262" r:id="rId18"/>
+    <p:sldId id="278" r:id="rId19"/>
+    <p:sldId id="264" r:id="rId20"/>
+    <p:sldId id="276" r:id="rId21"/>
+    <p:sldId id="266" r:id="rId22"/>
+    <p:sldId id="279" r:id="rId23"/>
+    <p:sldId id="280" r:id="rId24"/>
   </p:sldIdLst>
   <p:sldSz cx="12192000" cy="6858000"/>
   <p:notesSz cx="6858000" cy="9144000"/>
@@ -805,6 +808,110 @@
 </pc:chgInfo>
 </file>
 
+<file path=ppt/ink/ink1.xml><?xml version="1.0" encoding="utf-8"?>
+<inkml:ink xmlns:inkml="http://www.w3.org/2003/InkML">
+  <inkml:definitions>
+    <inkml:context xml:id="ctx0">
+      <inkml:inkSource xml:id="inkSrc0">
+        <inkml:traceFormat>
+          <inkml:channel name="X" type="integer" min="-2.14748E9" max="2.14748E9" units="cm"/>
+          <inkml:channel name="Y" type="integer" min="-2.14748E9" max="2.14748E9" units="cm"/>
+        </inkml:traceFormat>
+        <inkml:channelProperties>
+          <inkml:channelProperty channel="X" name="resolution" value="1000" units="1/cm"/>
+          <inkml:channelProperty channel="Y" name="resolution" value="1000" units="1/cm"/>
+        </inkml:channelProperties>
+      </inkml:inkSource>
+      <inkml:timestamp xml:id="ts0" timeString="2021-11-16T10:57:15.857"/>
+    </inkml:context>
+    <inkml:brush xml:id="br0">
+      <inkml:brushProperty name="width" value="0.05" units="cm"/>
+      <inkml:brushProperty name="height" value="0.05" units="cm"/>
+      <inkml:brushProperty name="ignorePressure" value="1"/>
+    </inkml:brush>
+  </inkml:definitions>
+  <inkml:trace contextRef="#ctx0" brushRef="#br0">1 268,'29'-2,"0"-2,0-2,-1 0,45-17,-23 8,278-79,-244 73,140-18,-126 25,-61 8,65-4,-68 8,51-9,-50 6,50-3,14 7,173 4,-217 4,68 18,-37-6,-1 2,124 48,-186-61,25 13,84 48,-75-37,60 38,-4 5,-3 6,140 130,14 27,-174-155,74 78,-102-91,-17-22,-2 3,65 101,-48-45,-5 2,80 229,-100-236,19 60,-13-25,9 44,50 190,-20-55,4 53,-71-318,32 164,-35-148,-3-22,3 82,-8-91,9 59,-5-58,1 58,-7-49,1 16,-3 0,-14 87,8-84,2 0,7 130,2-70,-1-5,-5 129,-10-177,9-53,0 0,-2 30,5 475,3-254,-2-247</inkml:trace>
+</inkml:ink>
+</file>
+
+<file path=ppt/ink/ink2.xml><?xml version="1.0" encoding="utf-8"?>
+<inkml:ink xmlns:inkml="http://www.w3.org/2003/InkML">
+  <inkml:definitions>
+    <inkml:context xml:id="ctx0">
+      <inkml:inkSource xml:id="inkSrc0">
+        <inkml:traceFormat>
+          <inkml:channel name="X" type="integer" min="-2.14748E9" max="2.14748E9" units="cm"/>
+          <inkml:channel name="Y" type="integer" min="-2.14748E9" max="2.14748E9" units="cm"/>
+        </inkml:traceFormat>
+        <inkml:channelProperties>
+          <inkml:channelProperty channel="X" name="resolution" value="1000" units="1/cm"/>
+          <inkml:channelProperty channel="Y" name="resolution" value="1000" units="1/cm"/>
+        </inkml:channelProperties>
+      </inkml:inkSource>
+      <inkml:timestamp xml:id="ts0" timeString="2021-11-16T10:57:15.858"/>
+    </inkml:context>
+    <inkml:brush xml:id="br0">
+      <inkml:brushProperty name="width" value="0.05" units="cm"/>
+      <inkml:brushProperty name="height" value="0.05" units="cm"/>
+      <inkml:brushProperty name="ignorePressure" value="1"/>
+    </inkml:brush>
+  </inkml:definitions>
+  <inkml:trace contextRef="#ctx0" brushRef="#br0">1 0,'0'25,"2"0,0-1,2 1,1-1,0 0,2 0,1-1,1 0,1 0,17 29,5 18,-27-56,0-1,1 0,0 0,1-1,1 0,0 0,17 20,-23-31,-1 0,1 0,0 1,-1-1,1 0,0-1,-1 1,1 0,0 0,0-1,0 1,0-1,-1 0,1 1,0-1,0 0,0 0,0 0,0 0,0-1,3 0,0 0,0-1,-1 0,1 0,-1-1,1 1,-1-1,0 0,5-5,2-2,0-1,-1-1,0 0,14-24,16-28,-19 32,-2-1,-1-1,16-40,-29 57</inkml:trace>
+</inkml:ink>
+</file>
+
+<file path=ppt/ink/ink3.xml><?xml version="1.0" encoding="utf-8"?>
+<inkml:ink xmlns:inkml="http://www.w3.org/2003/InkML">
+  <inkml:definitions>
+    <inkml:context xml:id="ctx0">
+      <inkml:inkSource xml:id="inkSrc0">
+        <inkml:traceFormat>
+          <inkml:channel name="X" type="integer" min="-2.14748E9" max="2.14748E9" units="cm"/>
+          <inkml:channel name="Y" type="integer" min="-2.14748E9" max="2.14748E9" units="cm"/>
+        </inkml:traceFormat>
+        <inkml:channelProperties>
+          <inkml:channelProperty channel="X" name="resolution" value="1000" units="1/cm"/>
+          <inkml:channelProperty channel="Y" name="resolution" value="1000" units="1/cm"/>
+        </inkml:channelProperties>
+      </inkml:inkSource>
+      <inkml:timestamp xml:id="ts0" timeString="2021-11-16T10:57:15.859"/>
+    </inkml:context>
+    <inkml:brush xml:id="br0">
+      <inkml:brushProperty name="width" value="0.05" units="cm"/>
+      <inkml:brushProperty name="height" value="0.05" units="cm"/>
+      <inkml:brushProperty name="ignorePressure" value="1"/>
+    </inkml:brush>
+  </inkml:definitions>
+  <inkml:trace contextRef="#ctx0" brushRef="#br0">13826 136,'-161'2,"-180"-5,206-10,97 9,3 0,-59-2,-963 5,511 3,486-4,-108-10,108 7,-103-3,-57 10,-162-4,215-11,105 7,-110-3,-49 11,-160-3,214-12,104 7,-108-2,-101 10,-207-4,312-11,107 7,-115-2,-1127 9,1244 0,-111 12,111-7,-109 2,-15-10,-134 4,179 10,99-7,1-1,-53 1,-1202-3,629-5,605 5,-111 10,111-6,-109 3,-101 4,178-7,-103 1,184-7,-85-1,-2 3,-157 12,135-5,-2-4,0-2,-138-6,23 0,-715 3,907 0</inkml:trace>
+</inkml:ink>
+</file>
+
+<file path=ppt/ink/ink4.xml><?xml version="1.0" encoding="utf-8"?>
+<inkml:ink xmlns:inkml="http://www.w3.org/2003/InkML">
+  <inkml:definitions>
+    <inkml:context xml:id="ctx0">
+      <inkml:inkSource xml:id="inkSrc0">
+        <inkml:traceFormat>
+          <inkml:channel name="X" type="integer" min="-2.14748E9" max="2.14748E9" units="cm"/>
+          <inkml:channel name="Y" type="integer" min="-2.14748E9" max="2.14748E9" units="cm"/>
+        </inkml:traceFormat>
+        <inkml:channelProperties>
+          <inkml:channelProperty channel="X" name="resolution" value="1000" units="1/cm"/>
+          <inkml:channelProperty channel="Y" name="resolution" value="1000" units="1/cm"/>
+        </inkml:channelProperties>
+      </inkml:inkSource>
+      <inkml:timestamp xml:id="ts0" timeString="2021-11-16T10:57:15.860"/>
+    </inkml:context>
+    <inkml:brush xml:id="br0">
+      <inkml:brushProperty name="width" value="0.05" units="cm"/>
+      <inkml:brushProperty name="height" value="0.05" units="cm"/>
+      <inkml:brushProperty name="ignorePressure" value="1"/>
+    </inkml:brush>
+  </inkml:definitions>
+  <inkml:trace contextRef="#ctx0" brushRef="#br0">807 1,'2'0,"0"0,0 0,-1-1,1 1,0 0,0 0,0 0,0 0,2 0,-3 0,1 0,0 1,0-1,0 0,0 1,0-1,0 0,-1 1,1 0,0-1,0 1,0-1,-2 1,2 0,0 0,0-1,-2 1,1 0,3 1,-6 0,2-1,-2 1,2 0,-1-1,-1 1,2-1,-2 1,0-1,0 0,0 1,0-1,0 0,-1 1,1-1,0 0,-4 1,-112 42,-88 13,-38 14,192-54,28-10,1 0,1 1,-1 1,1 0,1 1,-20 12,37-19,0 0,0 0,1 1,-1-1,2 0,-2 1,2-1,1 1,-1-1,0 1,0 0,2 0,0-1,0 1,0 0,0 0,0-1,2 1,-2 0,2-1,0 1,-1-1,3 1,-2-1,2 1,-2-1,1 0,1 1,7 3,18 12,1 0,0-1,1 0,5-2,-2 0,3-1,1-1,1-1,0 0,3-2,-1-1,51 9,-58-11,1-2,-1 0,2-1,1-1,-1-1,54 2,-60-4,1 1,52 7,-18-2,-27-4</inkml:trace>
+</inkml:ink>
+</file>
+
 <file path=ppt/slideLayouts/slideLayout1.xml><?xml version="1.0" encoding="utf-8"?>
 <p:sldLayout xmlns:a="http://schemas.openxmlformats.org/drawingml/2006/main" xmlns:r="http://schemas.openxmlformats.org/officeDocument/2006/relationships" xmlns:p="http://schemas.openxmlformats.org/presentationml/2006/main" type="title" preserve="1">
   <p:cSld name="Title Slide">
@@ -954,7 +1061,7 @@
           <a:p>
             <a:fld id="{B97F036D-9AE2-49D4-B3CC-AAE352F5CB11}" type="datetimeFigureOut">
               <a:rPr lang="en-NL" smtClean="0"/>
-              <a:t>15/11/2021</a:t>
+              <a:t>16/11/2021</a:t>
             </a:fld>
             <a:endParaRPr lang="en-NL"/>
           </a:p>
@@ -1154,7 +1261,7 @@
           <a:p>
             <a:fld id="{B97F036D-9AE2-49D4-B3CC-AAE352F5CB11}" type="datetimeFigureOut">
               <a:rPr lang="en-NL" smtClean="0"/>
-              <a:t>15/11/2021</a:t>
+              <a:t>16/11/2021</a:t>
             </a:fld>
             <a:endParaRPr lang="en-NL"/>
           </a:p>
@@ -1364,7 +1471,7 @@
           <a:p>
             <a:fld id="{B97F036D-9AE2-49D4-B3CC-AAE352F5CB11}" type="datetimeFigureOut">
               <a:rPr lang="en-NL" smtClean="0"/>
-              <a:t>15/11/2021</a:t>
+              <a:t>16/11/2021</a:t>
             </a:fld>
             <a:endParaRPr lang="en-NL"/>
           </a:p>
@@ -1564,7 +1671,7 @@
           <a:p>
             <a:fld id="{B97F036D-9AE2-49D4-B3CC-AAE352F5CB11}" type="datetimeFigureOut">
               <a:rPr lang="en-NL" smtClean="0"/>
-              <a:t>15/11/2021</a:t>
+              <a:t>16/11/2021</a:t>
             </a:fld>
             <a:endParaRPr lang="en-NL"/>
           </a:p>
@@ -1840,7 +1947,7 @@
           <a:p>
             <a:fld id="{B97F036D-9AE2-49D4-B3CC-AAE352F5CB11}" type="datetimeFigureOut">
               <a:rPr lang="en-NL" smtClean="0"/>
-              <a:t>15/11/2021</a:t>
+              <a:t>16/11/2021</a:t>
             </a:fld>
             <a:endParaRPr lang="en-NL"/>
           </a:p>
@@ -2108,7 +2215,7 @@
           <a:p>
             <a:fld id="{B97F036D-9AE2-49D4-B3CC-AAE352F5CB11}" type="datetimeFigureOut">
               <a:rPr lang="en-NL" smtClean="0"/>
-              <a:t>15/11/2021</a:t>
+              <a:t>16/11/2021</a:t>
             </a:fld>
             <a:endParaRPr lang="en-NL"/>
           </a:p>
@@ -2523,7 +2630,7 @@
           <a:p>
             <a:fld id="{B97F036D-9AE2-49D4-B3CC-AAE352F5CB11}" type="datetimeFigureOut">
               <a:rPr lang="en-NL" smtClean="0"/>
-              <a:t>15/11/2021</a:t>
+              <a:t>16/11/2021</a:t>
             </a:fld>
             <a:endParaRPr lang="en-NL"/>
           </a:p>
@@ -2665,7 +2772,7 @@
           <a:p>
             <a:fld id="{B97F036D-9AE2-49D4-B3CC-AAE352F5CB11}" type="datetimeFigureOut">
               <a:rPr lang="en-NL" smtClean="0"/>
-              <a:t>15/11/2021</a:t>
+              <a:t>16/11/2021</a:t>
             </a:fld>
             <a:endParaRPr lang="en-NL"/>
           </a:p>
@@ -2778,7 +2885,7 @@
           <a:p>
             <a:fld id="{B97F036D-9AE2-49D4-B3CC-AAE352F5CB11}" type="datetimeFigureOut">
               <a:rPr lang="en-NL" smtClean="0"/>
-              <a:t>15/11/2021</a:t>
+              <a:t>16/11/2021</a:t>
             </a:fld>
             <a:endParaRPr lang="en-NL"/>
           </a:p>
@@ -3091,7 +3198,7 @@
           <a:p>
             <a:fld id="{B97F036D-9AE2-49D4-B3CC-AAE352F5CB11}" type="datetimeFigureOut">
               <a:rPr lang="en-NL" smtClean="0"/>
-              <a:t>15/11/2021</a:t>
+              <a:t>16/11/2021</a:t>
             </a:fld>
             <a:endParaRPr lang="en-NL"/>
           </a:p>
@@ -3380,7 +3487,7 @@
           <a:p>
             <a:fld id="{B97F036D-9AE2-49D4-B3CC-AAE352F5CB11}" type="datetimeFigureOut">
               <a:rPr lang="en-NL" smtClean="0"/>
-              <a:t>15/11/2021</a:t>
+              <a:t>16/11/2021</a:t>
             </a:fld>
             <a:endParaRPr lang="en-NL"/>
           </a:p>
@@ -3623,7 +3730,7 @@
           <a:p>
             <a:fld id="{B97F036D-9AE2-49D4-B3CC-AAE352F5CB11}" type="datetimeFigureOut">
               <a:rPr lang="en-NL" smtClean="0"/>
-              <a:t>15/11/2021</a:t>
+              <a:t>16/11/2021</a:t>
             </a:fld>
             <a:endParaRPr lang="en-NL"/>
           </a:p>
@@ -5877,13 +5984,13 @@
         </p:nvSpPr>
         <p:spPr>
           <a:xfrm>
-            <a:off x="838200" y="701337"/>
-            <a:ext cx="10515600" cy="5397622"/>
+            <a:off x="838200" y="319596"/>
+            <a:ext cx="10515600" cy="6338655"/>
           </a:xfrm>
         </p:spPr>
         <p:txBody>
           <a:bodyPr>
-            <a:normAutofit/>
+            <a:normAutofit fontScale="92500" lnSpcReduction="10000"/>
           </a:bodyPr>
           <a:lstStyle/>
           <a:p>
@@ -5974,6 +6081,65 @@
                 <a:latin typeface="Consolas" panose="020B0609020204030204" pitchFamily="49" charset="0"/>
               </a:rPr>
               <a:t>    return theta</a:t>
+            </a:r>
+          </a:p>
+          <a:p>
+            <a:pPr marL="0" indent="0">
+              <a:buNone/>
+            </a:pPr>
+            <a:endParaRPr lang="en-US" sz="2400" b="1" dirty="0">
+              <a:effectLst/>
+              <a:latin typeface="Consolas" panose="020B0609020204030204" pitchFamily="49" charset="0"/>
+            </a:endParaRPr>
+          </a:p>
+          <a:p>
+            <a:pPr marL="0" indent="0">
+              <a:buNone/>
+            </a:pPr>
+            <a:r>
+              <a:rPr lang="en-US" sz="2400" b="1" dirty="0">
+                <a:effectLst/>
+                <a:latin typeface="Consolas" panose="020B0609020204030204" pitchFamily="49" charset="0"/>
+              </a:rPr>
+              <a:t>def </a:t>
+            </a:r>
+            <a:r>
+              <a:rPr lang="en-US" sz="2400" b="1" dirty="0" err="1">
+                <a:effectLst/>
+                <a:latin typeface="Consolas" panose="020B0609020204030204" pitchFamily="49" charset="0"/>
+              </a:rPr>
+              <a:t>gradient_descent</a:t>
+            </a:r>
+            <a:r>
+              <a:rPr lang="en-US" sz="2400" b="1" dirty="0">
+                <a:effectLst/>
+                <a:latin typeface="Consolas" panose="020B0609020204030204" pitchFamily="49" charset="0"/>
+              </a:rPr>
+              <a:t>(x, theta, alpha, err):</a:t>
+            </a:r>
+          </a:p>
+          <a:p>
+            <a:pPr marL="0" indent="0">
+              <a:buNone/>
+            </a:pPr>
+            <a:r>
+              <a:rPr lang="en-US" sz="2400" b="1" dirty="0">
+                <a:effectLst/>
+                <a:latin typeface="Consolas" panose="020B0609020204030204" pitchFamily="49" charset="0"/>
+              </a:rPr>
+              <a:t>    theta += alpha * (err) * x # err &lt;- (expected – predicted)</a:t>
+            </a:r>
+          </a:p>
+          <a:p>
+            <a:pPr marL="0" indent="0">
+              <a:buNone/>
+            </a:pPr>
+            <a:r>
+              <a:rPr lang="en-US" sz="2400" b="1" dirty="0">
+                <a:effectLst/>
+                <a:latin typeface="Consolas" panose="020B0609020204030204" pitchFamily="49" charset="0"/>
+              </a:rPr>
+              <a:t>    return theta</a:t>
             </a:r>
           </a:p>
           <a:p>
@@ -6066,7 +6232,7 @@
         </p:blipFill>
         <p:spPr>
           <a:xfrm>
-            <a:off x="10625818" y="2762157"/>
+            <a:off x="10625818" y="3703191"/>
             <a:ext cx="847843" cy="666843"/>
           </a:xfrm>
           <a:prstGeom prst="rect">
@@ -6088,7 +6254,7 @@
         </p:nvCxnSpPr>
         <p:spPr>
           <a:xfrm>
-            <a:off x="9676659" y="3113333"/>
+            <a:off x="9676659" y="4054367"/>
             <a:ext cx="621437" cy="0"/>
           </a:xfrm>
           <a:prstGeom prst="straightConnector1">
@@ -6198,8 +6364,14 @@
             </a:pPr>
             <a:r>
               <a:rPr lang="en-US" dirty="0"/>
-              <a:t>A simple normal gradient descent is too simple.. Learning rate is too important</a:t>
-            </a:r>
+              <a:t>A simple normal gradient descent is too simple.. </a:t>
+            </a:r>
+          </a:p>
+          <a:p>
+            <a:pPr marL="0" indent="0">
+              <a:buNone/>
+            </a:pPr>
+            <a:endParaRPr lang="en-US" dirty="0"/>
           </a:p>
           <a:p>
             <a:endParaRPr lang="en-US" dirty="0"/>
@@ -7050,8 +7222,8 @@
           </a:p>
         </p:txBody>
       </p:sp>
-      <mc:AlternateContent xmlns:mc="http://schemas.openxmlformats.org/markup-compatibility/2006" xmlns:a14="http://schemas.microsoft.com/office/drawing/2010/main">
-        <mc:Choice Requires="a14">
+      <mc:AlternateContent xmlns:mc="http://schemas.openxmlformats.org/markup-compatibility/2006">
+        <mc:Choice xmlns:a14="http://schemas.microsoft.com/office/drawing/2010/main" Requires="a14">
           <p:sp>
             <p:nvSpPr>
               <p:cNvPr id="3" name="Content Placeholder 2">
@@ -7493,31 +7665,357 @@
                 <a:pPr marL="0" indent="0">
                   <a:buNone/>
                 </a:pPr>
-                <a:r>
-                  <a:rPr lang="en-US" dirty="0"/>
-                  <a:t>c is class (true / false)</a:t>
-                </a:r>
-              </a:p>
-              <a:p>
-                <a:pPr marL="0" indent="0">
-                  <a:buNone/>
-                </a:pPr>
-                <a:r>
-                  <a:rPr lang="en-US" dirty="0" err="1"/>
-                  <a:t>Softmax</a:t>
-                </a:r>
                 <a:endParaRPr lang="en-US" dirty="0"/>
               </a:p>
               <a:p>
                 <a:pPr marL="0" indent="0">
                   <a:buNone/>
                 </a:pPr>
+                <a14:m>
+                  <m:oMathPara xmlns:m="http://schemas.openxmlformats.org/officeDocument/2006/math">
+                    <m:oMathParaPr>
+                      <m:jc m:val="centerGroup"/>
+                    </m:oMathParaPr>
+                    <m:oMath xmlns:m="http://schemas.openxmlformats.org/officeDocument/2006/math">
+                      <m:sSub>
+                        <m:sSubPr>
+                          <m:ctrlPr>
+                            <a:rPr lang="nl-NL" b="0" i="1" smtClean="0">
+                              <a:latin typeface="Cambria Math" panose="02040503050406030204" pitchFamily="18" charset="0"/>
+                            </a:rPr>
+                          </m:ctrlPr>
+                        </m:sSubPr>
+                        <m:e>
+                          <m:r>
+                            <a:rPr lang="nl-NL" b="0" i="1" smtClean="0">
+                              <a:latin typeface="Cambria Math" panose="02040503050406030204" pitchFamily="18" charset="0"/>
+                            </a:rPr>
+                            <m:t>𝐸</m:t>
+                          </m:r>
+                          <m:d>
+                            <m:dPr>
+                              <m:ctrlPr>
+                                <a:rPr lang="nl-NL" b="0" i="1" smtClean="0">
+                                  <a:latin typeface="Cambria Math" panose="02040503050406030204" pitchFamily="18" charset="0"/>
+                                </a:rPr>
+                              </m:ctrlPr>
+                            </m:dPr>
+                            <m:e>
+                              <m:r>
+                                <a:rPr lang="nl-NL" b="0" i="1" smtClean="0">
+                                  <a:latin typeface="Cambria Math" panose="02040503050406030204" pitchFamily="18" charset="0"/>
+                                </a:rPr>
+                                <m:t>𝑊</m:t>
+                              </m:r>
+                            </m:e>
+                          </m:d>
+                          <m:r>
+                            <a:rPr lang="nl-NL" b="0" i="1" smtClean="0">
+                              <a:latin typeface="Cambria Math" panose="02040503050406030204" pitchFamily="18" charset="0"/>
+                            </a:rPr>
+                            <m:t>=−</m:t>
+                          </m:r>
+                          <m:r>
+                            <m:rPr>
+                              <m:sty m:val="p"/>
+                            </m:rPr>
+                            <a:rPr lang="nl-NL" b="0" i="0" smtClean="0">
+                              <a:latin typeface="Cambria Math" panose="02040503050406030204" pitchFamily="18" charset="0"/>
+                            </a:rPr>
+                            <m:t>Σ</m:t>
+                          </m:r>
+                        </m:e>
+                        <m:sub>
+                          <m:r>
+                            <a:rPr lang="nl-NL" b="0" i="1" smtClean="0">
+                              <a:latin typeface="Cambria Math" panose="02040503050406030204" pitchFamily="18" charset="0"/>
+                            </a:rPr>
+                            <m:t>𝑛</m:t>
+                          </m:r>
+                          <m:r>
+                            <a:rPr lang="nl-NL" b="0" i="1" smtClean="0">
+                              <a:latin typeface="Cambria Math" panose="02040503050406030204" pitchFamily="18" charset="0"/>
+                            </a:rPr>
+                            <m:t>=1</m:t>
+                          </m:r>
+                        </m:sub>
+                      </m:sSub>
+                      <m:r>
+                        <a:rPr lang="nl-NL" b="0" i="1" smtClean="0">
+                          <a:latin typeface="Cambria Math" panose="02040503050406030204" pitchFamily="18" charset="0"/>
+                        </a:rPr>
+                        <m:t> </m:t>
+                      </m:r>
+                      <m:sSub>
+                        <m:sSubPr>
+                          <m:ctrlPr>
+                            <a:rPr lang="nl-NL" b="0" i="1" smtClean="0">
+                              <a:latin typeface="Cambria Math" panose="02040503050406030204" pitchFamily="18" charset="0"/>
+                            </a:rPr>
+                          </m:ctrlPr>
+                        </m:sSubPr>
+                        <m:e>
+                          <m:r>
+                            <a:rPr lang="nl-NL" b="0" i="1" smtClean="0">
+                              <a:latin typeface="Cambria Math" panose="02040503050406030204" pitchFamily="18" charset="0"/>
+                            </a:rPr>
+                            <m:t>𝑐</m:t>
+                          </m:r>
+                        </m:e>
+                        <m:sub>
+                          <m:r>
+                            <a:rPr lang="nl-NL" b="0" i="1" smtClean="0">
+                              <a:latin typeface="Cambria Math" panose="02040503050406030204" pitchFamily="18" charset="0"/>
+                            </a:rPr>
+                            <m:t>𝑛</m:t>
+                          </m:r>
+                        </m:sub>
+                      </m:sSub>
+                      <m:func>
+                        <m:funcPr>
+                          <m:ctrlPr>
+                            <a:rPr lang="nl-NL" b="0" i="1" smtClean="0">
+                              <a:latin typeface="Cambria Math" panose="02040503050406030204" pitchFamily="18" charset="0"/>
+                            </a:rPr>
+                          </m:ctrlPr>
+                        </m:funcPr>
+                        <m:fName>
+                          <m:r>
+                            <m:rPr>
+                              <m:sty m:val="p"/>
+                            </m:rPr>
+                            <a:rPr lang="nl-NL" b="0" i="0" smtClean="0">
+                              <a:latin typeface="Cambria Math" panose="02040503050406030204" pitchFamily="18" charset="0"/>
+                            </a:rPr>
+                            <m:t>log</m:t>
+                          </m:r>
+                        </m:fName>
+                        <m:e>
+                          <m:d>
+                            <m:dPr>
+                              <m:ctrlPr>
+                                <a:rPr lang="nl-NL" b="0" i="1" smtClean="0">
+                                  <a:latin typeface="Cambria Math" panose="02040503050406030204" pitchFamily="18" charset="0"/>
+                                </a:rPr>
+                              </m:ctrlPr>
+                            </m:dPr>
+                            <m:e>
+                              <m:r>
+                                <a:rPr lang="nl-NL" b="0" i="1" smtClean="0">
+                                  <a:latin typeface="Cambria Math" panose="02040503050406030204" pitchFamily="18" charset="0"/>
+                                </a:rPr>
+                                <m:t>𝑓</m:t>
+                              </m:r>
+                              <m:d>
+                                <m:dPr>
+                                  <m:ctrlPr>
+                                    <a:rPr lang="nl-NL" b="0" i="1" smtClean="0">
+                                      <a:latin typeface="Cambria Math" panose="02040503050406030204" pitchFamily="18" charset="0"/>
+                                    </a:rPr>
+                                  </m:ctrlPr>
+                                </m:dPr>
+                                <m:e>
+                                  <m:sSup>
+                                    <m:sSupPr>
+                                      <m:ctrlPr>
+                                        <a:rPr lang="nl-NL" b="0" i="1" smtClean="0">
+                                          <a:latin typeface="Cambria Math" panose="02040503050406030204" pitchFamily="18" charset="0"/>
+                                        </a:rPr>
+                                      </m:ctrlPr>
+                                    </m:sSupPr>
+                                    <m:e>
+                                      <m:r>
+                                        <a:rPr lang="nl-NL" b="0" i="1" smtClean="0">
+                                          <a:latin typeface="Cambria Math" panose="02040503050406030204" pitchFamily="18" charset="0"/>
+                                        </a:rPr>
+                                        <m:t>𝑤</m:t>
+                                      </m:r>
+                                    </m:e>
+                                    <m:sup>
+                                      <m:r>
+                                        <a:rPr lang="nl-NL" b="0" i="1" smtClean="0">
+                                          <a:latin typeface="Cambria Math" panose="02040503050406030204" pitchFamily="18" charset="0"/>
+                                        </a:rPr>
+                                        <m:t>𝑇</m:t>
+                                      </m:r>
+                                    </m:sup>
+                                  </m:sSup>
+                                  <m:sSub>
+                                    <m:sSubPr>
+                                      <m:ctrlPr>
+                                        <a:rPr lang="nl-NL" b="0" i="1" smtClean="0">
+                                          <a:latin typeface="Cambria Math" panose="02040503050406030204" pitchFamily="18" charset="0"/>
+                                        </a:rPr>
+                                      </m:ctrlPr>
+                                    </m:sSubPr>
+                                    <m:e>
+                                      <m:r>
+                                        <a:rPr lang="nl-NL" b="0" i="1" smtClean="0">
+                                          <a:latin typeface="Cambria Math" panose="02040503050406030204" pitchFamily="18" charset="0"/>
+                                        </a:rPr>
+                                        <m:t>𝑥</m:t>
+                                      </m:r>
+                                    </m:e>
+                                    <m:sub>
+                                      <m:r>
+                                        <a:rPr lang="nl-NL" b="0" i="1" smtClean="0">
+                                          <a:latin typeface="Cambria Math" panose="02040503050406030204" pitchFamily="18" charset="0"/>
+                                        </a:rPr>
+                                        <m:t>𝑛</m:t>
+                                      </m:r>
+                                    </m:sub>
+                                  </m:sSub>
+                                </m:e>
+                              </m:d>
+                            </m:e>
+                          </m:d>
+                        </m:e>
+                      </m:func>
+                      <m:r>
+                        <a:rPr lang="nl-NL" b="0" i="1" smtClean="0">
+                          <a:latin typeface="Cambria Math" panose="02040503050406030204" pitchFamily="18" charset="0"/>
+                        </a:rPr>
+                        <m:t>+</m:t>
+                      </m:r>
+                      <m:d>
+                        <m:dPr>
+                          <m:ctrlPr>
+                            <a:rPr lang="nl-NL" b="0" i="1" smtClean="0">
+                              <a:latin typeface="Cambria Math" panose="02040503050406030204" pitchFamily="18" charset="0"/>
+                            </a:rPr>
+                          </m:ctrlPr>
+                        </m:dPr>
+                        <m:e>
+                          <m:r>
+                            <a:rPr lang="nl-NL" b="0" i="1" smtClean="0">
+                              <a:latin typeface="Cambria Math" panose="02040503050406030204" pitchFamily="18" charset="0"/>
+                            </a:rPr>
+                            <m:t>1−</m:t>
+                          </m:r>
+                          <m:sSub>
+                            <m:sSubPr>
+                              <m:ctrlPr>
+                                <a:rPr lang="nl-NL" b="0" i="1" smtClean="0">
+                                  <a:latin typeface="Cambria Math" panose="02040503050406030204" pitchFamily="18" charset="0"/>
+                                </a:rPr>
+                              </m:ctrlPr>
+                            </m:sSubPr>
+                            <m:e>
+                              <m:r>
+                                <a:rPr lang="nl-NL" b="0" i="1" smtClean="0">
+                                  <a:latin typeface="Cambria Math" panose="02040503050406030204" pitchFamily="18" charset="0"/>
+                                </a:rPr>
+                                <m:t>𝑐</m:t>
+                              </m:r>
+                            </m:e>
+                            <m:sub>
+                              <m:r>
+                                <a:rPr lang="nl-NL" b="0" i="1" smtClean="0">
+                                  <a:latin typeface="Cambria Math" panose="02040503050406030204" pitchFamily="18" charset="0"/>
+                                </a:rPr>
+                                <m:t>𝑛</m:t>
+                              </m:r>
+                            </m:sub>
+                          </m:sSub>
+                        </m:e>
+                      </m:d>
+                      <m:r>
+                        <m:rPr>
+                          <m:sty m:val="p"/>
+                        </m:rPr>
+                        <a:rPr lang="nl-NL" b="0" i="0" smtClean="0">
+                          <a:latin typeface="Cambria Math" panose="02040503050406030204" pitchFamily="18" charset="0"/>
+                        </a:rPr>
+                        <m:t>log</m:t>
+                      </m:r>
+                      <m:r>
+                        <a:rPr lang="nl-NL" b="0" i="1" smtClean="0">
+                          <a:latin typeface="Cambria Math" panose="02040503050406030204" pitchFamily="18" charset="0"/>
+                        </a:rPr>
+                        <m:t>⁡(1−</m:t>
+                      </m:r>
+                      <m:r>
+                        <a:rPr lang="nl-NL" b="0" i="1" smtClean="0">
+                          <a:latin typeface="Cambria Math" panose="02040503050406030204" pitchFamily="18" charset="0"/>
+                        </a:rPr>
+                        <m:t>𝑓</m:t>
+                      </m:r>
+                      <m:d>
+                        <m:dPr>
+                          <m:ctrlPr>
+                            <a:rPr lang="nl-NL" b="0" i="1" smtClean="0">
+                              <a:latin typeface="Cambria Math" panose="02040503050406030204" pitchFamily="18" charset="0"/>
+                            </a:rPr>
+                          </m:ctrlPr>
+                        </m:dPr>
+                        <m:e>
+                          <m:sSup>
+                            <m:sSupPr>
+                              <m:ctrlPr>
+                                <a:rPr lang="nl-NL" b="0" i="1" smtClean="0">
+                                  <a:latin typeface="Cambria Math" panose="02040503050406030204" pitchFamily="18" charset="0"/>
+                                </a:rPr>
+                              </m:ctrlPr>
+                            </m:sSupPr>
+                            <m:e>
+                              <m:r>
+                                <a:rPr lang="nl-NL" b="0" i="1" smtClean="0">
+                                  <a:latin typeface="Cambria Math" panose="02040503050406030204" pitchFamily="18" charset="0"/>
+                                </a:rPr>
+                                <m:t>𝑤</m:t>
+                              </m:r>
+                            </m:e>
+                            <m:sup>
+                              <m:r>
+                                <a:rPr lang="nl-NL" b="0" i="1" smtClean="0">
+                                  <a:latin typeface="Cambria Math" panose="02040503050406030204" pitchFamily="18" charset="0"/>
+                                </a:rPr>
+                                <m:t>𝑇</m:t>
+                              </m:r>
+                            </m:sup>
+                          </m:sSup>
+                          <m:sSub>
+                            <m:sSubPr>
+                              <m:ctrlPr>
+                                <a:rPr lang="nl-NL" b="0" i="1" smtClean="0">
+                                  <a:latin typeface="Cambria Math" panose="02040503050406030204" pitchFamily="18" charset="0"/>
+                                </a:rPr>
+                              </m:ctrlPr>
+                            </m:sSubPr>
+                            <m:e>
+                              <m:r>
+                                <a:rPr lang="nl-NL" b="0" i="1" smtClean="0">
+                                  <a:latin typeface="Cambria Math" panose="02040503050406030204" pitchFamily="18" charset="0"/>
+                                </a:rPr>
+                                <m:t>𝑥</m:t>
+                              </m:r>
+                            </m:e>
+                            <m:sub>
+                              <m:r>
+                                <a:rPr lang="nl-NL" b="0" i="1" smtClean="0">
+                                  <a:latin typeface="Cambria Math" panose="02040503050406030204" pitchFamily="18" charset="0"/>
+                                </a:rPr>
+                                <m:t>𝑛</m:t>
+                              </m:r>
+                            </m:sub>
+                          </m:sSub>
+                        </m:e>
+                      </m:d>
+                      <m:r>
+                        <a:rPr lang="nl-NL" b="0" i="1" smtClean="0">
+                          <a:latin typeface="Cambria Math" panose="02040503050406030204" pitchFamily="18" charset="0"/>
+                        </a:rPr>
+                        <m:t>)</m:t>
+                      </m:r>
+                    </m:oMath>
+                  </m:oMathPara>
+                </a14:m>
                 <a:endParaRPr lang="en-US" dirty="0"/>
               </a:p>
             </p:txBody>
           </p:sp>
         </mc:Choice>
-        <mc:Fallback xmlns="">
+        <mc:Fallback>
           <p:sp>
             <p:nvSpPr>
               <p:cNvPr id="3" name="Content Placeholder 2">
@@ -7538,7 +8036,7 @@
               <a:blipFill>
                 <a:blip r:embed="rId2"/>
                 <a:stretch>
-                  <a:fillRect l="-1217" t="-2241"/>
+                  <a:fillRect l="-1043" t="-2241"/>
                 </a:stretch>
               </a:blipFill>
             </p:spPr>
@@ -7587,6 +8085,66 @@
           <a:chExt cx="0" cy="0"/>
         </a:xfrm>
       </p:grpSpPr>
+      <p:pic>
+        <p:nvPicPr>
+          <p:cNvPr id="5" name="Picture 4">
+            <a:extLst>
+              <a:ext uri="{FF2B5EF4-FFF2-40B4-BE49-F238E27FC236}">
+                <a16:creationId xmlns:a16="http://schemas.microsoft.com/office/drawing/2014/main" id="{FB86EC60-C6E0-4BB2-BAE8-3AD0D413C0C7}"/>
+              </a:ext>
+            </a:extLst>
+          </p:cNvPr>
+          <p:cNvPicPr>
+            <a:picLocks noChangeAspect="1"/>
+          </p:cNvPicPr>
+          <p:nvPr/>
+        </p:nvPicPr>
+        <p:blipFill>
+          <a:blip r:embed="rId2"/>
+          <a:stretch>
+            <a:fillRect/>
+          </a:stretch>
+        </p:blipFill>
+        <p:spPr>
+          <a:xfrm>
+            <a:off x="1911199" y="1023602"/>
+            <a:ext cx="7268589" cy="4810796"/>
+          </a:xfrm>
+          <a:prstGeom prst="rect">
+            <a:avLst/>
+          </a:prstGeom>
+        </p:spPr>
+      </p:pic>
+    </p:spTree>
+    <p:extLst>
+      <p:ext uri="{BB962C8B-B14F-4D97-AF65-F5344CB8AC3E}">
+        <p14:creationId xmlns:p14="http://schemas.microsoft.com/office/powerpoint/2010/main" val="4199955370"/>
+      </p:ext>
+    </p:extLst>
+  </p:cSld>
+  <p:clrMapOvr>
+    <a:masterClrMapping/>
+  </p:clrMapOvr>
+</p:sld>
+</file>
+
+<file path=ppt/slides/slide15.xml><?xml version="1.0" encoding="utf-8"?>
+<p:sld xmlns:a="http://schemas.openxmlformats.org/drawingml/2006/main" xmlns:r="http://schemas.openxmlformats.org/officeDocument/2006/relationships" xmlns:p="http://schemas.openxmlformats.org/presentationml/2006/main" show="0">
+  <p:cSld>
+    <p:spTree>
+      <p:nvGrpSpPr>
+        <p:cNvPr id="1" name=""/>
+        <p:cNvGrpSpPr/>
+        <p:nvPr/>
+      </p:nvGrpSpPr>
+      <p:grpSpPr>
+        <a:xfrm>
+          <a:off x="0" y="0"/>
+          <a:ext cx="0" cy="0"/>
+          <a:chOff x="0" y="0"/>
+          <a:chExt cx="0" cy="0"/>
+        </a:xfrm>
+      </p:grpSpPr>
       <p:sp>
         <p:nvSpPr>
           <p:cNvPr id="2" name="Title 1">
@@ -7844,492 +8402,6 @@
     <p:extLst>
       <p:ext uri="{BB962C8B-B14F-4D97-AF65-F5344CB8AC3E}">
         <p14:creationId xmlns:p14="http://schemas.microsoft.com/office/powerpoint/2010/main" val="3655898147"/>
-      </p:ext>
-    </p:extLst>
-  </p:cSld>
-  <p:clrMapOvr>
-    <a:masterClrMapping/>
-  </p:clrMapOvr>
-</p:sld>
-</file>
-
-<file path=ppt/slides/slide15.xml><?xml version="1.0" encoding="utf-8"?>
-<p:sld xmlns:a="http://schemas.openxmlformats.org/drawingml/2006/main" xmlns:r="http://schemas.openxmlformats.org/officeDocument/2006/relationships" xmlns:p="http://schemas.openxmlformats.org/presentationml/2006/main">
-  <p:cSld>
-    <p:spTree>
-      <p:nvGrpSpPr>
-        <p:cNvPr id="1" name=""/>
-        <p:cNvGrpSpPr/>
-        <p:nvPr/>
-      </p:nvGrpSpPr>
-      <p:grpSpPr>
-        <a:xfrm>
-          <a:off x="0" y="0"/>
-          <a:ext cx="0" cy="0"/>
-          <a:chOff x="0" y="0"/>
-          <a:chExt cx="0" cy="0"/>
-        </a:xfrm>
-      </p:grpSpPr>
-      <p:sp>
-        <p:nvSpPr>
-          <p:cNvPr id="2" name="Title 1">
-            <a:extLst>
-              <a:ext uri="{FF2B5EF4-FFF2-40B4-BE49-F238E27FC236}">
-                <a16:creationId xmlns:a16="http://schemas.microsoft.com/office/drawing/2014/main" id="{03B4E09C-A276-46EC-8487-BB41A0A46F8E}"/>
-              </a:ext>
-            </a:extLst>
-          </p:cNvPr>
-          <p:cNvSpPr>
-            <a:spLocks noGrp="1"/>
-          </p:cNvSpPr>
-          <p:nvPr>
-            <p:ph type="title"/>
-          </p:nvPr>
-        </p:nvSpPr>
-        <p:spPr/>
-        <p:txBody>
-          <a:bodyPr/>
-          <a:lstStyle/>
-          <a:p>
-            <a:r>
-              <a:rPr lang="nl-NL" dirty="0" err="1"/>
-              <a:t>Introducing</a:t>
-            </a:r>
-            <a:r>
-              <a:rPr lang="nl-NL" dirty="0"/>
-              <a:t> non-</a:t>
-            </a:r>
-            <a:r>
-              <a:rPr lang="nl-NL" dirty="0" err="1"/>
-              <a:t>linearity</a:t>
-            </a:r>
-            <a:endParaRPr lang="en-NL" dirty="0"/>
-          </a:p>
-        </p:txBody>
-      </p:sp>
-      <p:sp>
-        <p:nvSpPr>
-          <p:cNvPr id="3" name="Content Placeholder 2">
-            <a:extLst>
-              <a:ext uri="{FF2B5EF4-FFF2-40B4-BE49-F238E27FC236}">
-                <a16:creationId xmlns:a16="http://schemas.microsoft.com/office/drawing/2014/main" id="{985890B0-8FB2-4CB4-B5E5-CC049D3D272D}"/>
-              </a:ext>
-            </a:extLst>
-          </p:cNvPr>
-          <p:cNvSpPr>
-            <a:spLocks noGrp="1"/>
-          </p:cNvSpPr>
-          <p:nvPr>
-            <p:ph idx="1"/>
-          </p:nvPr>
-        </p:nvSpPr>
-        <p:spPr/>
-        <p:txBody>
-          <a:bodyPr/>
-          <a:lstStyle/>
-          <a:p>
-            <a:r>
-              <a:rPr lang="nl-NL" dirty="0" err="1"/>
-              <a:t>ReLU</a:t>
-            </a:r>
-            <a:r>
-              <a:rPr lang="nl-NL" dirty="0"/>
-              <a:t>/</a:t>
-            </a:r>
-            <a:r>
-              <a:rPr lang="nl-NL" dirty="0" err="1"/>
-              <a:t>Sigmoid</a:t>
-            </a:r>
-            <a:r>
-              <a:rPr lang="nl-NL" dirty="0"/>
-              <a:t>/</a:t>
-            </a:r>
-            <a:r>
-              <a:rPr lang="nl-NL" dirty="0" err="1"/>
-              <a:t>TanH</a:t>
-            </a:r>
-            <a:r>
-              <a:rPr lang="nl-NL" dirty="0"/>
-              <a:t>/ </a:t>
-            </a:r>
-            <a:r>
-              <a:rPr lang="nl-NL" dirty="0" err="1"/>
-              <a:t>etc</a:t>
-            </a:r>
-            <a:r>
-              <a:rPr lang="nl-NL" dirty="0"/>
-              <a:t>…</a:t>
-            </a:r>
-            <a:endParaRPr lang="en-NL" dirty="0"/>
-          </a:p>
-        </p:txBody>
-      </p:sp>
-      <p:sp>
-        <p:nvSpPr>
-          <p:cNvPr id="6" name="Oval 5">
-            <a:extLst>
-              <a:ext uri="{FF2B5EF4-FFF2-40B4-BE49-F238E27FC236}">
-                <a16:creationId xmlns:a16="http://schemas.microsoft.com/office/drawing/2014/main" id="{DB0408EA-4BEC-4325-8A58-65AD58F5E4A5}"/>
-              </a:ext>
-            </a:extLst>
-          </p:cNvPr>
-          <p:cNvSpPr/>
-          <p:nvPr/>
-        </p:nvSpPr>
-        <p:spPr>
-          <a:xfrm>
-            <a:off x="4092605" y="3429000"/>
-            <a:ext cx="1660124" cy="1606859"/>
-          </a:xfrm>
-          <a:prstGeom prst="ellipse">
-            <a:avLst/>
-          </a:prstGeom>
-        </p:spPr>
-        <p:style>
-          <a:lnRef idx="2">
-            <a:schemeClr val="accent1">
-              <a:shade val="50000"/>
-            </a:schemeClr>
-          </a:lnRef>
-          <a:fillRef idx="1">
-            <a:schemeClr val="accent1"/>
-          </a:fillRef>
-          <a:effectRef idx="0">
-            <a:schemeClr val="accent1"/>
-          </a:effectRef>
-          <a:fontRef idx="minor">
-            <a:schemeClr val="lt1"/>
-          </a:fontRef>
-        </p:style>
-        <p:txBody>
-          <a:bodyPr rtlCol="0" anchor="ctr"/>
-          <a:lstStyle/>
-          <a:p>
-            <a:pPr algn="ctr"/>
-            <a:endParaRPr lang="en-NL" dirty="0"/>
-          </a:p>
-        </p:txBody>
-      </p:sp>
-      <p:cxnSp>
-        <p:nvCxnSpPr>
-          <p:cNvPr id="7" name="Straight Arrow Connector 6">
-            <a:extLst>
-              <a:ext uri="{FF2B5EF4-FFF2-40B4-BE49-F238E27FC236}">
-                <a16:creationId xmlns:a16="http://schemas.microsoft.com/office/drawing/2014/main" id="{74BB1E5E-7A6A-4192-A341-9CF113F4DEE8}"/>
-              </a:ext>
-            </a:extLst>
-          </p:cNvPr>
-          <p:cNvCxnSpPr>
-            <a:cxnSpLocks/>
-          </p:cNvCxnSpPr>
-          <p:nvPr/>
-        </p:nvCxnSpPr>
-        <p:spPr>
-          <a:xfrm>
-            <a:off x="3009530" y="2756517"/>
-            <a:ext cx="1326195" cy="892321"/>
-          </a:xfrm>
-          <a:prstGeom prst="straightConnector1">
-            <a:avLst/>
-          </a:prstGeom>
-          <a:ln>
-            <a:tailEnd type="triangle"/>
-          </a:ln>
-        </p:spPr>
-        <p:style>
-          <a:lnRef idx="1">
-            <a:schemeClr val="accent1"/>
-          </a:lnRef>
-          <a:fillRef idx="0">
-            <a:schemeClr val="accent1"/>
-          </a:fillRef>
-          <a:effectRef idx="0">
-            <a:schemeClr val="accent1"/>
-          </a:effectRef>
-          <a:fontRef idx="minor">
-            <a:schemeClr val="tx1"/>
-          </a:fontRef>
-        </p:style>
-      </p:cxnSp>
-      <p:cxnSp>
-        <p:nvCxnSpPr>
-          <p:cNvPr id="8" name="Straight Arrow Connector 7">
-            <a:extLst>
-              <a:ext uri="{FF2B5EF4-FFF2-40B4-BE49-F238E27FC236}">
-                <a16:creationId xmlns:a16="http://schemas.microsoft.com/office/drawing/2014/main" id="{CC98C479-B052-497E-81DB-60B7CCEB8526}"/>
-              </a:ext>
-            </a:extLst>
-          </p:cNvPr>
-          <p:cNvCxnSpPr>
-            <a:cxnSpLocks/>
-          </p:cNvCxnSpPr>
-          <p:nvPr/>
-        </p:nvCxnSpPr>
-        <p:spPr>
-          <a:xfrm flipV="1">
-            <a:off x="2139518" y="4232429"/>
-            <a:ext cx="1953087" cy="51844"/>
-          </a:xfrm>
-          <a:prstGeom prst="straightConnector1">
-            <a:avLst/>
-          </a:prstGeom>
-          <a:ln>
-            <a:tailEnd type="triangle"/>
-          </a:ln>
-        </p:spPr>
-        <p:style>
-          <a:lnRef idx="1">
-            <a:schemeClr val="accent1"/>
-          </a:lnRef>
-          <a:fillRef idx="0">
-            <a:schemeClr val="accent1"/>
-          </a:fillRef>
-          <a:effectRef idx="0">
-            <a:schemeClr val="accent1"/>
-          </a:effectRef>
-          <a:fontRef idx="minor">
-            <a:schemeClr val="tx1"/>
-          </a:fontRef>
-        </p:style>
-      </p:cxnSp>
-      <p:cxnSp>
-        <p:nvCxnSpPr>
-          <p:cNvPr id="9" name="Straight Arrow Connector 8">
-            <a:extLst>
-              <a:ext uri="{FF2B5EF4-FFF2-40B4-BE49-F238E27FC236}">
-                <a16:creationId xmlns:a16="http://schemas.microsoft.com/office/drawing/2014/main" id="{9DCD171B-7642-46C6-9C8F-0BF96E74093B}"/>
-              </a:ext>
-            </a:extLst>
-          </p:cNvPr>
-          <p:cNvCxnSpPr>
-            <a:cxnSpLocks/>
-            <a:endCxn id="6" idx="3"/>
-          </p:cNvCxnSpPr>
-          <p:nvPr/>
-        </p:nvCxnSpPr>
-        <p:spPr>
-          <a:xfrm flipV="1">
-            <a:off x="2396971" y="4800540"/>
-            <a:ext cx="1938754" cy="586610"/>
-          </a:xfrm>
-          <a:prstGeom prst="straightConnector1">
-            <a:avLst/>
-          </a:prstGeom>
-          <a:ln>
-            <a:tailEnd type="triangle"/>
-          </a:ln>
-        </p:spPr>
-        <p:style>
-          <a:lnRef idx="1">
-            <a:schemeClr val="accent1"/>
-          </a:lnRef>
-          <a:fillRef idx="0">
-            <a:schemeClr val="accent1"/>
-          </a:fillRef>
-          <a:effectRef idx="0">
-            <a:schemeClr val="accent1"/>
-          </a:effectRef>
-          <a:fontRef idx="minor">
-            <a:schemeClr val="tx1"/>
-          </a:fontRef>
-        </p:style>
-      </p:cxnSp>
-      <p:sp>
-        <p:nvSpPr>
-          <p:cNvPr id="10" name="TextBox 9">
-            <a:extLst>
-              <a:ext uri="{FF2B5EF4-FFF2-40B4-BE49-F238E27FC236}">
-                <a16:creationId xmlns:a16="http://schemas.microsoft.com/office/drawing/2014/main" id="{BA07E404-17CB-4E12-8C2E-7E9AF7028824}"/>
-              </a:ext>
-            </a:extLst>
-          </p:cNvPr>
-          <p:cNvSpPr txBox="1"/>
-          <p:nvPr/>
-        </p:nvSpPr>
-        <p:spPr>
-          <a:xfrm>
-            <a:off x="2547891" y="2139518"/>
-            <a:ext cx="896645" cy="369332"/>
-          </a:xfrm>
-          <a:prstGeom prst="rect">
-            <a:avLst/>
-          </a:prstGeom>
-          <a:noFill/>
-        </p:spPr>
-        <p:txBody>
-          <a:bodyPr wrap="square" rtlCol="0">
-            <a:spAutoFit/>
-          </a:bodyPr>
-          <a:lstStyle/>
-          <a:p>
-            <a:r>
-              <a:rPr lang="nl-NL" dirty="0"/>
-              <a:t>bias</a:t>
-            </a:r>
-            <a:endParaRPr lang="en-NL" dirty="0"/>
-          </a:p>
-        </p:txBody>
-      </p:sp>
-      <p:sp>
-        <p:nvSpPr>
-          <p:cNvPr id="11" name="Rectangle 10">
-            <a:extLst>
-              <a:ext uri="{FF2B5EF4-FFF2-40B4-BE49-F238E27FC236}">
-                <a16:creationId xmlns:a16="http://schemas.microsoft.com/office/drawing/2014/main" id="{F43E6207-71E0-4AC5-B915-B65AA320E2BB}"/>
-              </a:ext>
-            </a:extLst>
-          </p:cNvPr>
-          <p:cNvSpPr/>
-          <p:nvPr/>
-        </p:nvSpPr>
-        <p:spPr>
-          <a:xfrm>
-            <a:off x="6489576" y="3808521"/>
-            <a:ext cx="1180729" cy="710213"/>
-          </a:xfrm>
-          <a:prstGeom prst="rect">
-            <a:avLst/>
-          </a:prstGeom>
-        </p:spPr>
-        <p:style>
-          <a:lnRef idx="2">
-            <a:schemeClr val="accent1">
-              <a:shade val="50000"/>
-            </a:schemeClr>
-          </a:lnRef>
-          <a:fillRef idx="1">
-            <a:schemeClr val="accent1"/>
-          </a:fillRef>
-          <a:effectRef idx="0">
-            <a:schemeClr val="accent1"/>
-          </a:effectRef>
-          <a:fontRef idx="minor">
-            <a:schemeClr val="lt1"/>
-          </a:fontRef>
-        </p:style>
-        <p:txBody>
-          <a:bodyPr rtlCol="0" anchor="ctr"/>
-          <a:lstStyle/>
-          <a:p>
-            <a:pPr algn="ctr"/>
-            <a:r>
-              <a:rPr lang="nl-NL" dirty="0" err="1"/>
-              <a:t>Activation</a:t>
-            </a:r>
-            <a:endParaRPr lang="nl-NL" dirty="0"/>
-          </a:p>
-          <a:p>
-            <a:pPr algn="ctr"/>
-            <a:r>
-              <a:rPr lang="nl-NL" dirty="0" err="1"/>
-              <a:t>function</a:t>
-            </a:r>
-            <a:endParaRPr lang="en-NL" dirty="0"/>
-          </a:p>
-        </p:txBody>
-      </p:sp>
-      <p:cxnSp>
-        <p:nvCxnSpPr>
-          <p:cNvPr id="12" name="Straight Arrow Connector 11">
-            <a:extLst>
-              <a:ext uri="{FF2B5EF4-FFF2-40B4-BE49-F238E27FC236}">
-                <a16:creationId xmlns:a16="http://schemas.microsoft.com/office/drawing/2014/main" id="{F8B4E078-30DC-4664-8F5C-A456BD26C836}"/>
-              </a:ext>
-            </a:extLst>
-          </p:cNvPr>
-          <p:cNvCxnSpPr>
-            <a:cxnSpLocks/>
-            <a:stCxn id="6" idx="6"/>
-          </p:cNvCxnSpPr>
-          <p:nvPr/>
-        </p:nvCxnSpPr>
-        <p:spPr>
-          <a:xfrm>
-            <a:off x="5752729" y="4232430"/>
-            <a:ext cx="701337" cy="0"/>
-          </a:xfrm>
-          <a:prstGeom prst="straightConnector1">
-            <a:avLst/>
-          </a:prstGeom>
-          <a:ln>
-            <a:tailEnd type="triangle"/>
-          </a:ln>
-        </p:spPr>
-        <p:style>
-          <a:lnRef idx="1">
-            <a:schemeClr val="accent1"/>
-          </a:lnRef>
-          <a:fillRef idx="0">
-            <a:schemeClr val="accent1"/>
-          </a:fillRef>
-          <a:effectRef idx="0">
-            <a:schemeClr val="accent1"/>
-          </a:effectRef>
-          <a:fontRef idx="minor">
-            <a:schemeClr val="tx1"/>
-          </a:fontRef>
-        </p:style>
-      </p:cxnSp>
-      <p:sp>
-        <p:nvSpPr>
-          <p:cNvPr id="15" name="TextBox 14">
-            <a:extLst>
-              <a:ext uri="{FF2B5EF4-FFF2-40B4-BE49-F238E27FC236}">
-                <a16:creationId xmlns:a16="http://schemas.microsoft.com/office/drawing/2014/main" id="{4E1B9E5E-A42B-4F7D-9E60-ED03633850CC}"/>
-              </a:ext>
-            </a:extLst>
-          </p:cNvPr>
-          <p:cNvSpPr txBox="1"/>
-          <p:nvPr/>
-        </p:nvSpPr>
-        <p:spPr>
-          <a:xfrm>
-            <a:off x="8238478" y="3577701"/>
-            <a:ext cx="1660124" cy="646331"/>
-          </a:xfrm>
-          <a:prstGeom prst="rect">
-            <a:avLst/>
-          </a:prstGeom>
-          <a:noFill/>
-        </p:spPr>
-        <p:txBody>
-          <a:bodyPr wrap="square" rtlCol="0">
-            <a:spAutoFit/>
-          </a:bodyPr>
-          <a:lstStyle/>
-          <a:p>
-            <a:r>
-              <a:rPr lang="nl-NL" dirty="0" err="1"/>
-              <a:t>Classification</a:t>
-            </a:r>
-            <a:r>
-              <a:rPr lang="nl-NL" dirty="0"/>
-              <a:t> </a:t>
-            </a:r>
-            <a:r>
-              <a:rPr lang="nl-NL" dirty="0" err="1"/>
-              <a:t>vs</a:t>
-            </a:r>
-            <a:r>
-              <a:rPr lang="nl-NL" dirty="0"/>
-              <a:t> </a:t>
-            </a:r>
-            <a:r>
-              <a:rPr lang="nl-NL" dirty="0" err="1"/>
-              <a:t>regression</a:t>
-            </a:r>
-            <a:r>
-              <a:rPr lang="nl-NL" dirty="0"/>
-              <a:t>…</a:t>
-            </a:r>
-            <a:endParaRPr lang="en-NL" dirty="0"/>
-          </a:p>
-        </p:txBody>
-      </p:sp>
-    </p:spTree>
-    <p:extLst>
-      <p:ext uri="{BB962C8B-B14F-4D97-AF65-F5344CB8AC3E}">
-        <p14:creationId xmlns:p14="http://schemas.microsoft.com/office/powerpoint/2010/main" val="467819374"/>
       </p:ext>
     </p:extLst>
   </p:cSld>
@@ -8361,7 +8433,7 @@
           <p:cNvPr id="2" name="Title 1">
             <a:extLst>
               <a:ext uri="{FF2B5EF4-FFF2-40B4-BE49-F238E27FC236}">
-                <a16:creationId xmlns:a16="http://schemas.microsoft.com/office/drawing/2014/main" id="{139ACD00-8CAE-4B34-B003-B0314897DC48}"/>
+                <a16:creationId xmlns:a16="http://schemas.microsoft.com/office/drawing/2014/main" id="{03B4E09C-A276-46EC-8487-BB41A0A46F8E}"/>
               </a:ext>
             </a:extLst>
           </p:cNvPr>
@@ -8379,217 +8451,83 @@
           <a:p>
             <a:r>
               <a:rPr lang="nl-NL" dirty="0" err="1"/>
-              <a:t>Multilayer</a:t>
+              <a:t>Introducing</a:t>
             </a:r>
             <a:r>
               <a:rPr lang="nl-NL" dirty="0"/>
-              <a:t> </a:t>
+              <a:t> non-</a:t>
             </a:r>
             <a:r>
               <a:rPr lang="nl-NL" dirty="0" err="1"/>
-              <a:t>perceptron</a:t>
+              <a:t>linearity</a:t>
             </a:r>
             <a:endParaRPr lang="en-NL" dirty="0"/>
           </a:p>
         </p:txBody>
       </p:sp>
-      <p:grpSp>
-        <p:nvGrpSpPr>
-          <p:cNvPr id="10" name="Group 9">
-            <a:extLst>
-              <a:ext uri="{FF2B5EF4-FFF2-40B4-BE49-F238E27FC236}">
-                <a16:creationId xmlns:a16="http://schemas.microsoft.com/office/drawing/2014/main" id="{D3D44DCD-592F-4934-9380-76665FD49840}"/>
-              </a:ext>
-            </a:extLst>
-          </p:cNvPr>
-          <p:cNvGrpSpPr/>
-          <p:nvPr/>
-        </p:nvGrpSpPr>
-        <p:grpSpPr>
-          <a:xfrm>
-            <a:off x="2130640" y="2275403"/>
-            <a:ext cx="2095131" cy="1398233"/>
-            <a:chOff x="2139518" y="2756517"/>
-            <a:chExt cx="3613211" cy="2630633"/>
-          </a:xfrm>
-        </p:grpSpPr>
-        <p:sp>
-          <p:nvSpPr>
-            <p:cNvPr id="4" name="Oval 3">
-              <a:extLst>
-                <a:ext uri="{FF2B5EF4-FFF2-40B4-BE49-F238E27FC236}">
-                  <a16:creationId xmlns:a16="http://schemas.microsoft.com/office/drawing/2014/main" id="{0C8DCA2B-3BD2-4736-9050-617325F67D26}"/>
-                </a:ext>
-              </a:extLst>
-            </p:cNvPr>
-            <p:cNvSpPr/>
-            <p:nvPr/>
-          </p:nvSpPr>
-          <p:spPr>
-            <a:xfrm>
-              <a:off x="4092605" y="3429000"/>
-              <a:ext cx="1660124" cy="1606859"/>
-            </a:xfrm>
-            <a:prstGeom prst="ellipse">
-              <a:avLst/>
-            </a:prstGeom>
-          </p:spPr>
-          <p:style>
-            <a:lnRef idx="2">
-              <a:schemeClr val="accent1">
-                <a:shade val="50000"/>
-              </a:schemeClr>
-            </a:lnRef>
-            <a:fillRef idx="1">
-              <a:schemeClr val="accent1"/>
-            </a:fillRef>
-            <a:effectRef idx="0">
-              <a:schemeClr val="accent1"/>
-            </a:effectRef>
-            <a:fontRef idx="minor">
-              <a:schemeClr val="lt1"/>
-            </a:fontRef>
-          </p:style>
-          <p:txBody>
-            <a:bodyPr rtlCol="0" anchor="ctr"/>
-            <a:lstStyle/>
-            <a:p>
-              <a:pPr algn="ctr"/>
-              <a:endParaRPr lang="en-NL" dirty="0"/>
-            </a:p>
-          </p:txBody>
-        </p:sp>
-        <p:cxnSp>
-          <p:nvCxnSpPr>
-            <p:cNvPr id="5" name="Straight Arrow Connector 4">
-              <a:extLst>
-                <a:ext uri="{FF2B5EF4-FFF2-40B4-BE49-F238E27FC236}">
-                  <a16:creationId xmlns:a16="http://schemas.microsoft.com/office/drawing/2014/main" id="{EFAE691D-6E04-4F15-85BB-F998A861A498}"/>
-                </a:ext>
-              </a:extLst>
-            </p:cNvPr>
-            <p:cNvCxnSpPr>
-              <a:cxnSpLocks/>
-            </p:cNvCxnSpPr>
-            <p:nvPr/>
-          </p:nvCxnSpPr>
-          <p:spPr>
-            <a:xfrm>
-              <a:off x="3009530" y="2756517"/>
-              <a:ext cx="1326195" cy="892321"/>
-            </a:xfrm>
-            <a:prstGeom prst="straightConnector1">
-              <a:avLst/>
-            </a:prstGeom>
-            <a:ln>
-              <a:tailEnd type="triangle"/>
-            </a:ln>
-          </p:spPr>
-          <p:style>
-            <a:lnRef idx="1">
-              <a:schemeClr val="accent1"/>
-            </a:lnRef>
-            <a:fillRef idx="0">
-              <a:schemeClr val="accent1"/>
-            </a:fillRef>
-            <a:effectRef idx="0">
-              <a:schemeClr val="accent1"/>
-            </a:effectRef>
-            <a:fontRef idx="minor">
-              <a:schemeClr val="tx1"/>
-            </a:fontRef>
-          </p:style>
-        </p:cxnSp>
-        <p:cxnSp>
-          <p:nvCxnSpPr>
-            <p:cNvPr id="6" name="Straight Arrow Connector 5">
-              <a:extLst>
-                <a:ext uri="{FF2B5EF4-FFF2-40B4-BE49-F238E27FC236}">
-                  <a16:creationId xmlns:a16="http://schemas.microsoft.com/office/drawing/2014/main" id="{D07ED127-87E0-4B93-9490-0599FE9F8B43}"/>
-                </a:ext>
-              </a:extLst>
-            </p:cNvPr>
-            <p:cNvCxnSpPr>
-              <a:cxnSpLocks/>
-            </p:cNvCxnSpPr>
-            <p:nvPr/>
-          </p:nvCxnSpPr>
-          <p:spPr>
-            <a:xfrm flipV="1">
-              <a:off x="2139518" y="4232429"/>
-              <a:ext cx="1953087" cy="51844"/>
-            </a:xfrm>
-            <a:prstGeom prst="straightConnector1">
-              <a:avLst/>
-            </a:prstGeom>
-            <a:ln>
-              <a:tailEnd type="triangle"/>
-            </a:ln>
-          </p:spPr>
-          <p:style>
-            <a:lnRef idx="1">
-              <a:schemeClr val="accent1"/>
-            </a:lnRef>
-            <a:fillRef idx="0">
-              <a:schemeClr val="accent1"/>
-            </a:fillRef>
-            <a:effectRef idx="0">
-              <a:schemeClr val="accent1"/>
-            </a:effectRef>
-            <a:fontRef idx="minor">
-              <a:schemeClr val="tx1"/>
-            </a:fontRef>
-          </p:style>
-        </p:cxnSp>
-        <p:cxnSp>
-          <p:nvCxnSpPr>
-            <p:cNvPr id="7" name="Straight Arrow Connector 6">
-              <a:extLst>
-                <a:ext uri="{FF2B5EF4-FFF2-40B4-BE49-F238E27FC236}">
-                  <a16:creationId xmlns:a16="http://schemas.microsoft.com/office/drawing/2014/main" id="{9D538869-0F80-481D-B077-65FDE2436724}"/>
-                </a:ext>
-              </a:extLst>
-            </p:cNvPr>
-            <p:cNvCxnSpPr>
-              <a:cxnSpLocks/>
-              <a:endCxn id="4" idx="3"/>
-            </p:cNvCxnSpPr>
-            <p:nvPr/>
-          </p:nvCxnSpPr>
-          <p:spPr>
-            <a:xfrm flipV="1">
-              <a:off x="2396971" y="4800540"/>
-              <a:ext cx="1938754" cy="586610"/>
-            </a:xfrm>
-            <a:prstGeom prst="straightConnector1">
-              <a:avLst/>
-            </a:prstGeom>
-            <a:ln>
-              <a:tailEnd type="triangle"/>
-            </a:ln>
-          </p:spPr>
-          <p:style>
-            <a:lnRef idx="1">
-              <a:schemeClr val="accent1"/>
-            </a:lnRef>
-            <a:fillRef idx="0">
-              <a:schemeClr val="accent1"/>
-            </a:fillRef>
-            <a:effectRef idx="0">
-              <a:schemeClr val="accent1"/>
-            </a:effectRef>
-            <a:fontRef idx="minor">
-              <a:schemeClr val="tx1"/>
-            </a:fontRef>
-          </p:style>
-        </p:cxnSp>
-      </p:grpSp>
       <p:sp>
         <p:nvSpPr>
-          <p:cNvPr id="8" name="Rectangle 7">
-            <a:extLst>
-              <a:ext uri="{FF2B5EF4-FFF2-40B4-BE49-F238E27FC236}">
-                <a16:creationId xmlns:a16="http://schemas.microsoft.com/office/drawing/2014/main" id="{172EB3E3-AFE0-4A74-8B5C-6E15CCF9BC46}"/>
+          <p:cNvPr id="3" name="Content Placeholder 2">
+            <a:extLst>
+              <a:ext uri="{FF2B5EF4-FFF2-40B4-BE49-F238E27FC236}">
+                <a16:creationId xmlns:a16="http://schemas.microsoft.com/office/drawing/2014/main" id="{985890B0-8FB2-4CB4-B5E5-CC049D3D272D}"/>
+              </a:ext>
+            </a:extLst>
+          </p:cNvPr>
+          <p:cNvSpPr>
+            <a:spLocks noGrp="1"/>
+          </p:cNvSpPr>
+          <p:nvPr>
+            <p:ph idx="1"/>
+          </p:nvPr>
+        </p:nvSpPr>
+        <p:spPr/>
+        <p:txBody>
+          <a:bodyPr/>
+          <a:lstStyle/>
+          <a:p>
+            <a:r>
+              <a:rPr lang="nl-NL" dirty="0" err="1"/>
+              <a:t>ReLU</a:t>
+            </a:r>
+            <a:r>
+              <a:rPr lang="nl-NL" dirty="0"/>
+              <a:t>/</a:t>
+            </a:r>
+            <a:r>
+              <a:rPr lang="nl-NL" dirty="0" err="1"/>
+              <a:t>Sigmoid</a:t>
+            </a:r>
+            <a:r>
+              <a:rPr lang="nl-NL" dirty="0"/>
+              <a:t>/</a:t>
+            </a:r>
+            <a:r>
+              <a:rPr lang="nl-NL" dirty="0" err="1"/>
+              <a:t>TanH</a:t>
+            </a:r>
+            <a:r>
+              <a:rPr lang="nl-NL" dirty="0"/>
+              <a:t>/ </a:t>
+            </a:r>
+            <a:r>
+              <a:rPr lang="nl-NL" dirty="0" err="1"/>
+              <a:t>etc</a:t>
+            </a:r>
+            <a:r>
+              <a:rPr lang="nl-NL" dirty="0"/>
+              <a:t>…</a:t>
+            </a:r>
+            <a:endParaRPr lang="en-NL" dirty="0"/>
+          </a:p>
+        </p:txBody>
+      </p:sp>
+      <p:sp>
+        <p:nvSpPr>
+          <p:cNvPr id="6" name="Oval 5">
+            <a:extLst>
+              <a:ext uri="{FF2B5EF4-FFF2-40B4-BE49-F238E27FC236}">
+                <a16:creationId xmlns:a16="http://schemas.microsoft.com/office/drawing/2014/main" id="{DB0408EA-4BEC-4325-8A58-65AD58F5E4A5}"/>
               </a:ext>
             </a:extLst>
           </p:cNvPr>
@@ -8598,7 +8536,213 @@
         </p:nvSpPr>
         <p:spPr>
           <a:xfrm>
-            <a:off x="5293926" y="3844356"/>
+            <a:off x="3036162" y="3757474"/>
+            <a:ext cx="1660124" cy="1606859"/>
+          </a:xfrm>
+          <a:prstGeom prst="ellipse">
+            <a:avLst/>
+          </a:prstGeom>
+        </p:spPr>
+        <p:style>
+          <a:lnRef idx="2">
+            <a:schemeClr val="accent1">
+              <a:shade val="50000"/>
+            </a:schemeClr>
+          </a:lnRef>
+          <a:fillRef idx="1">
+            <a:schemeClr val="accent1"/>
+          </a:fillRef>
+          <a:effectRef idx="0">
+            <a:schemeClr val="accent1"/>
+          </a:effectRef>
+          <a:fontRef idx="minor">
+            <a:schemeClr val="lt1"/>
+          </a:fontRef>
+        </p:style>
+        <p:txBody>
+          <a:bodyPr rtlCol="0" anchor="ctr"/>
+          <a:lstStyle/>
+          <a:p>
+            <a:pPr algn="ctr"/>
+            <a:endParaRPr lang="en-NL" dirty="0"/>
+          </a:p>
+        </p:txBody>
+      </p:sp>
+      <p:cxnSp>
+        <p:nvCxnSpPr>
+          <p:cNvPr id="7" name="Straight Arrow Connector 6">
+            <a:extLst>
+              <a:ext uri="{FF2B5EF4-FFF2-40B4-BE49-F238E27FC236}">
+                <a16:creationId xmlns:a16="http://schemas.microsoft.com/office/drawing/2014/main" id="{74BB1E5E-7A6A-4192-A341-9CF113F4DEE8}"/>
+              </a:ext>
+            </a:extLst>
+          </p:cNvPr>
+          <p:cNvCxnSpPr>
+            <a:cxnSpLocks/>
+          </p:cNvCxnSpPr>
+          <p:nvPr/>
+        </p:nvCxnSpPr>
+        <p:spPr>
+          <a:xfrm>
+            <a:off x="1953087" y="3084991"/>
+            <a:ext cx="1326195" cy="892321"/>
+          </a:xfrm>
+          <a:prstGeom prst="straightConnector1">
+            <a:avLst/>
+          </a:prstGeom>
+          <a:ln>
+            <a:tailEnd type="triangle"/>
+          </a:ln>
+        </p:spPr>
+        <p:style>
+          <a:lnRef idx="1">
+            <a:schemeClr val="accent1"/>
+          </a:lnRef>
+          <a:fillRef idx="0">
+            <a:schemeClr val="accent1"/>
+          </a:fillRef>
+          <a:effectRef idx="0">
+            <a:schemeClr val="accent1"/>
+          </a:effectRef>
+          <a:fontRef idx="minor">
+            <a:schemeClr val="tx1"/>
+          </a:fontRef>
+        </p:style>
+      </p:cxnSp>
+      <p:cxnSp>
+        <p:nvCxnSpPr>
+          <p:cNvPr id="8" name="Straight Arrow Connector 7">
+            <a:extLst>
+              <a:ext uri="{FF2B5EF4-FFF2-40B4-BE49-F238E27FC236}">
+                <a16:creationId xmlns:a16="http://schemas.microsoft.com/office/drawing/2014/main" id="{CC98C479-B052-497E-81DB-60B7CCEB8526}"/>
+              </a:ext>
+            </a:extLst>
+          </p:cNvPr>
+          <p:cNvCxnSpPr>
+            <a:cxnSpLocks/>
+          </p:cNvCxnSpPr>
+          <p:nvPr/>
+        </p:nvCxnSpPr>
+        <p:spPr>
+          <a:xfrm flipV="1">
+            <a:off x="1083075" y="4560903"/>
+            <a:ext cx="1953087" cy="51844"/>
+          </a:xfrm>
+          <a:prstGeom prst="straightConnector1">
+            <a:avLst/>
+          </a:prstGeom>
+          <a:ln>
+            <a:tailEnd type="triangle"/>
+          </a:ln>
+        </p:spPr>
+        <p:style>
+          <a:lnRef idx="1">
+            <a:schemeClr val="accent1"/>
+          </a:lnRef>
+          <a:fillRef idx="0">
+            <a:schemeClr val="accent1"/>
+          </a:fillRef>
+          <a:effectRef idx="0">
+            <a:schemeClr val="accent1"/>
+          </a:effectRef>
+          <a:fontRef idx="minor">
+            <a:schemeClr val="tx1"/>
+          </a:fontRef>
+        </p:style>
+      </p:cxnSp>
+      <p:cxnSp>
+        <p:nvCxnSpPr>
+          <p:cNvPr id="9" name="Straight Arrow Connector 8">
+            <a:extLst>
+              <a:ext uri="{FF2B5EF4-FFF2-40B4-BE49-F238E27FC236}">
+                <a16:creationId xmlns:a16="http://schemas.microsoft.com/office/drawing/2014/main" id="{9DCD171B-7642-46C6-9C8F-0BF96E74093B}"/>
+              </a:ext>
+            </a:extLst>
+          </p:cNvPr>
+          <p:cNvCxnSpPr>
+            <a:cxnSpLocks/>
+            <a:endCxn id="6" idx="3"/>
+          </p:cNvCxnSpPr>
+          <p:nvPr/>
+        </p:nvCxnSpPr>
+        <p:spPr>
+          <a:xfrm flipV="1">
+            <a:off x="1340528" y="5129014"/>
+            <a:ext cx="1938754" cy="586610"/>
+          </a:xfrm>
+          <a:prstGeom prst="straightConnector1">
+            <a:avLst/>
+          </a:prstGeom>
+          <a:ln>
+            <a:tailEnd type="triangle"/>
+          </a:ln>
+        </p:spPr>
+        <p:style>
+          <a:lnRef idx="1">
+            <a:schemeClr val="accent1"/>
+          </a:lnRef>
+          <a:fillRef idx="0">
+            <a:schemeClr val="accent1"/>
+          </a:fillRef>
+          <a:effectRef idx="0">
+            <a:schemeClr val="accent1"/>
+          </a:effectRef>
+          <a:fontRef idx="minor">
+            <a:schemeClr val="tx1"/>
+          </a:fontRef>
+        </p:style>
+      </p:cxnSp>
+      <p:sp>
+        <p:nvSpPr>
+          <p:cNvPr id="10" name="TextBox 9">
+            <a:extLst>
+              <a:ext uri="{FF2B5EF4-FFF2-40B4-BE49-F238E27FC236}">
+                <a16:creationId xmlns:a16="http://schemas.microsoft.com/office/drawing/2014/main" id="{BA07E404-17CB-4E12-8C2E-7E9AF7028824}"/>
+              </a:ext>
+            </a:extLst>
+          </p:cNvPr>
+          <p:cNvSpPr txBox="1"/>
+          <p:nvPr/>
+        </p:nvSpPr>
+        <p:spPr>
+          <a:xfrm>
+            <a:off x="1491448" y="2467992"/>
+            <a:ext cx="896645" cy="369332"/>
+          </a:xfrm>
+          <a:prstGeom prst="rect">
+            <a:avLst/>
+          </a:prstGeom>
+          <a:noFill/>
+        </p:spPr>
+        <p:txBody>
+          <a:bodyPr wrap="square" rtlCol="0">
+            <a:spAutoFit/>
+          </a:bodyPr>
+          <a:lstStyle/>
+          <a:p>
+            <a:r>
+              <a:rPr lang="nl-NL" dirty="0"/>
+              <a:t>bias</a:t>
+            </a:r>
+            <a:endParaRPr lang="en-NL" dirty="0"/>
+          </a:p>
+        </p:txBody>
+      </p:sp>
+      <p:sp>
+        <p:nvSpPr>
+          <p:cNvPr id="11" name="Rectangle 10">
+            <a:extLst>
+              <a:ext uri="{FF2B5EF4-FFF2-40B4-BE49-F238E27FC236}">
+                <a16:creationId xmlns:a16="http://schemas.microsoft.com/office/drawing/2014/main" id="{F43E6207-71E0-4AC5-B915-B65AA320E2BB}"/>
+              </a:ext>
+            </a:extLst>
+          </p:cNvPr>
+          <p:cNvSpPr/>
+          <p:nvPr/>
+        </p:nvSpPr>
+        <p:spPr>
+          <a:xfrm>
+            <a:off x="5433133" y="4136995"/>
             <a:ext cx="1180729" cy="710213"/>
           </a:xfrm>
           <a:prstGeom prst="rect">
@@ -8644,24 +8788,23 @@
       </p:sp>
       <p:cxnSp>
         <p:nvCxnSpPr>
-          <p:cNvPr id="9" name="Straight Arrow Connector 8">
-            <a:extLst>
-              <a:ext uri="{FF2B5EF4-FFF2-40B4-BE49-F238E27FC236}">
-                <a16:creationId xmlns:a16="http://schemas.microsoft.com/office/drawing/2014/main" id="{73E42B11-9B74-4733-857B-C68E9D92CCEB}"/>
+          <p:cNvPr id="12" name="Straight Arrow Connector 11">
+            <a:extLst>
+              <a:ext uri="{FF2B5EF4-FFF2-40B4-BE49-F238E27FC236}">
+                <a16:creationId xmlns:a16="http://schemas.microsoft.com/office/drawing/2014/main" id="{F8B4E078-30DC-4664-8F5C-A456BD26C836}"/>
               </a:ext>
             </a:extLst>
           </p:cNvPr>
           <p:cNvCxnSpPr>
             <a:cxnSpLocks/>
-            <a:stCxn id="12" idx="6"/>
-            <a:endCxn id="8" idx="1"/>
+            <a:stCxn id="6" idx="6"/>
           </p:cNvCxnSpPr>
           <p:nvPr/>
         </p:nvCxnSpPr>
         <p:spPr>
-          <a:xfrm flipV="1">
-            <a:off x="4310708" y="4199463"/>
-            <a:ext cx="983218" cy="553534"/>
+          <a:xfrm>
+            <a:off x="4696286" y="4560904"/>
+            <a:ext cx="701337" cy="0"/>
           </a:xfrm>
           <a:prstGeom prst="straightConnector1">
             <a:avLst/>
@@ -8685,243 +8828,40 @@
           </a:fontRef>
         </p:style>
       </p:cxnSp>
-      <p:grpSp>
-        <p:nvGrpSpPr>
-          <p:cNvPr id="11" name="Group 10">
-            <a:extLst>
-              <a:ext uri="{FF2B5EF4-FFF2-40B4-BE49-F238E27FC236}">
-                <a16:creationId xmlns:a16="http://schemas.microsoft.com/office/drawing/2014/main" id="{5986151F-ED29-4E9C-804A-35D29A68F0DD}"/>
-              </a:ext>
-            </a:extLst>
-          </p:cNvPr>
-          <p:cNvGrpSpPr/>
+      <p:pic>
+        <p:nvPicPr>
+          <p:cNvPr id="5" name="Picture 4">
+            <a:extLst>
+              <a:ext uri="{FF2B5EF4-FFF2-40B4-BE49-F238E27FC236}">
+                <a16:creationId xmlns:a16="http://schemas.microsoft.com/office/drawing/2014/main" id="{BDAEC2A7-E099-46CE-A484-755966209954}"/>
+              </a:ext>
+            </a:extLst>
+          </p:cNvPr>
+          <p:cNvPicPr>
+            <a:picLocks noChangeAspect="1"/>
+          </p:cNvPicPr>
           <p:nvPr/>
-        </p:nvGrpSpPr>
-        <p:grpSpPr>
-          <a:xfrm>
-            <a:off x="2215577" y="3968520"/>
-            <a:ext cx="2095131" cy="1398233"/>
-            <a:chOff x="2139518" y="2756517"/>
-            <a:chExt cx="3613211" cy="2630633"/>
-          </a:xfrm>
-        </p:grpSpPr>
-        <p:sp>
-          <p:nvSpPr>
-            <p:cNvPr id="12" name="Oval 11">
-              <a:extLst>
-                <a:ext uri="{FF2B5EF4-FFF2-40B4-BE49-F238E27FC236}">
-                  <a16:creationId xmlns:a16="http://schemas.microsoft.com/office/drawing/2014/main" id="{1F8E1FCA-48AC-48BB-AB04-6F01AA945637}"/>
-                </a:ext>
-              </a:extLst>
-            </p:cNvPr>
-            <p:cNvSpPr/>
-            <p:nvPr/>
-          </p:nvSpPr>
-          <p:spPr>
-            <a:xfrm>
-              <a:off x="4092605" y="3429000"/>
-              <a:ext cx="1660124" cy="1606859"/>
-            </a:xfrm>
-            <a:prstGeom prst="ellipse">
-              <a:avLst/>
-            </a:prstGeom>
-          </p:spPr>
-          <p:style>
-            <a:lnRef idx="2">
-              <a:schemeClr val="accent1">
-                <a:shade val="50000"/>
-              </a:schemeClr>
-            </a:lnRef>
-            <a:fillRef idx="1">
-              <a:schemeClr val="accent1"/>
-            </a:fillRef>
-            <a:effectRef idx="0">
-              <a:schemeClr val="accent1"/>
-            </a:effectRef>
-            <a:fontRef idx="minor">
-              <a:schemeClr val="lt1"/>
-            </a:fontRef>
-          </p:style>
-          <p:txBody>
-            <a:bodyPr rtlCol="0" anchor="ctr"/>
-            <a:lstStyle/>
-            <a:p>
-              <a:pPr algn="ctr"/>
-              <a:endParaRPr lang="en-NL" dirty="0"/>
-            </a:p>
-          </p:txBody>
-        </p:sp>
-        <p:cxnSp>
-          <p:nvCxnSpPr>
-            <p:cNvPr id="13" name="Straight Arrow Connector 12">
-              <a:extLst>
-                <a:ext uri="{FF2B5EF4-FFF2-40B4-BE49-F238E27FC236}">
-                  <a16:creationId xmlns:a16="http://schemas.microsoft.com/office/drawing/2014/main" id="{01FF5564-3733-4309-8FC6-9401D3453290}"/>
-                </a:ext>
-              </a:extLst>
-            </p:cNvPr>
-            <p:cNvCxnSpPr>
-              <a:cxnSpLocks/>
-            </p:cNvCxnSpPr>
-            <p:nvPr/>
-          </p:nvCxnSpPr>
-          <p:spPr>
-            <a:xfrm>
-              <a:off x="3009530" y="2756517"/>
-              <a:ext cx="1326195" cy="892321"/>
-            </a:xfrm>
-            <a:prstGeom prst="straightConnector1">
-              <a:avLst/>
-            </a:prstGeom>
-            <a:ln>
-              <a:tailEnd type="triangle"/>
-            </a:ln>
-          </p:spPr>
-          <p:style>
-            <a:lnRef idx="1">
-              <a:schemeClr val="accent1"/>
-            </a:lnRef>
-            <a:fillRef idx="0">
-              <a:schemeClr val="accent1"/>
-            </a:fillRef>
-            <a:effectRef idx="0">
-              <a:schemeClr val="accent1"/>
-            </a:effectRef>
-            <a:fontRef idx="minor">
-              <a:schemeClr val="tx1"/>
-            </a:fontRef>
-          </p:style>
-        </p:cxnSp>
-        <p:cxnSp>
-          <p:nvCxnSpPr>
-            <p:cNvPr id="14" name="Straight Arrow Connector 13">
-              <a:extLst>
-                <a:ext uri="{FF2B5EF4-FFF2-40B4-BE49-F238E27FC236}">
-                  <a16:creationId xmlns:a16="http://schemas.microsoft.com/office/drawing/2014/main" id="{152FD90F-0702-44DC-9E87-A88AF3CCC7FB}"/>
-                </a:ext>
-              </a:extLst>
-            </p:cNvPr>
-            <p:cNvCxnSpPr>
-              <a:cxnSpLocks/>
-            </p:cNvCxnSpPr>
-            <p:nvPr/>
-          </p:nvCxnSpPr>
-          <p:spPr>
-            <a:xfrm flipV="1">
-              <a:off x="2139518" y="4232429"/>
-              <a:ext cx="1953087" cy="51844"/>
-            </a:xfrm>
-            <a:prstGeom prst="straightConnector1">
-              <a:avLst/>
-            </a:prstGeom>
-            <a:ln>
-              <a:tailEnd type="triangle"/>
-            </a:ln>
-          </p:spPr>
-          <p:style>
-            <a:lnRef idx="1">
-              <a:schemeClr val="accent1"/>
-            </a:lnRef>
-            <a:fillRef idx="0">
-              <a:schemeClr val="accent1"/>
-            </a:fillRef>
-            <a:effectRef idx="0">
-              <a:schemeClr val="accent1"/>
-            </a:effectRef>
-            <a:fontRef idx="minor">
-              <a:schemeClr val="tx1"/>
-            </a:fontRef>
-          </p:style>
-        </p:cxnSp>
-        <p:cxnSp>
-          <p:nvCxnSpPr>
-            <p:cNvPr id="15" name="Straight Arrow Connector 14">
-              <a:extLst>
-                <a:ext uri="{FF2B5EF4-FFF2-40B4-BE49-F238E27FC236}">
-                  <a16:creationId xmlns:a16="http://schemas.microsoft.com/office/drawing/2014/main" id="{F0FB1252-A133-4A45-A4D5-0E401F33D695}"/>
-                </a:ext>
-              </a:extLst>
-            </p:cNvPr>
-            <p:cNvCxnSpPr>
-              <a:cxnSpLocks/>
-              <a:endCxn id="12" idx="3"/>
-            </p:cNvCxnSpPr>
-            <p:nvPr/>
-          </p:nvCxnSpPr>
-          <p:spPr>
-            <a:xfrm flipV="1">
-              <a:off x="2396971" y="4800540"/>
-              <a:ext cx="1938754" cy="586610"/>
-            </a:xfrm>
-            <a:prstGeom prst="straightConnector1">
-              <a:avLst/>
-            </a:prstGeom>
-            <a:ln>
-              <a:tailEnd type="triangle"/>
-            </a:ln>
-          </p:spPr>
-          <p:style>
-            <a:lnRef idx="1">
-              <a:schemeClr val="accent1"/>
-            </a:lnRef>
-            <a:fillRef idx="0">
-              <a:schemeClr val="accent1"/>
-            </a:fillRef>
-            <a:effectRef idx="0">
-              <a:schemeClr val="accent1"/>
-            </a:effectRef>
-            <a:fontRef idx="minor">
-              <a:schemeClr val="tx1"/>
-            </a:fontRef>
-          </p:style>
-        </p:cxnSp>
-      </p:grpSp>
-      <p:cxnSp>
-        <p:nvCxnSpPr>
-          <p:cNvPr id="16" name="Straight Arrow Connector 15">
-            <a:extLst>
-              <a:ext uri="{FF2B5EF4-FFF2-40B4-BE49-F238E27FC236}">
-                <a16:creationId xmlns:a16="http://schemas.microsoft.com/office/drawing/2014/main" id="{BC62190D-7C68-4C6F-99E0-4826BF664376}"/>
-              </a:ext>
-            </a:extLst>
-          </p:cNvPr>
-          <p:cNvCxnSpPr>
-            <a:cxnSpLocks/>
-            <a:endCxn id="8" idx="1"/>
-          </p:cNvCxnSpPr>
-          <p:nvPr/>
-        </p:nvCxnSpPr>
+        </p:nvPicPr>
+        <p:blipFill>
+          <a:blip r:embed="rId2"/>
+          <a:stretch>
+            <a:fillRect/>
+          </a:stretch>
+        </p:blipFill>
         <p:spPr>
           <a:xfrm>
-            <a:off x="4225771" y="3110113"/>
-            <a:ext cx="1068155" cy="1089350"/>
+            <a:off x="7206325" y="3135172"/>
+            <a:ext cx="3762900" cy="2229161"/>
           </a:xfrm>
-          <a:prstGeom prst="straightConnector1">
+          <a:prstGeom prst="rect">
             <a:avLst/>
           </a:prstGeom>
-          <a:ln>
-            <a:tailEnd type="triangle"/>
-          </a:ln>
         </p:spPr>
-        <p:style>
-          <a:lnRef idx="1">
-            <a:schemeClr val="accent1"/>
-          </a:lnRef>
-          <a:fillRef idx="0">
-            <a:schemeClr val="accent1"/>
-          </a:fillRef>
-          <a:effectRef idx="0">
-            <a:schemeClr val="accent1"/>
-          </a:effectRef>
-          <a:fontRef idx="minor">
-            <a:schemeClr val="tx1"/>
-          </a:fontRef>
-        </p:style>
-      </p:cxnSp>
+      </p:pic>
     </p:spTree>
     <p:extLst>
       <p:ext uri="{BB962C8B-B14F-4D97-AF65-F5344CB8AC3E}">
-        <p14:creationId xmlns:p14="http://schemas.microsoft.com/office/powerpoint/2010/main" val="3689991879"/>
+        <p14:creationId xmlns:p14="http://schemas.microsoft.com/office/powerpoint/2010/main" val="467819374"/>
       </p:ext>
     </p:extLst>
   </p:cSld>
@@ -8953,7 +8893,7 @@
           <p:cNvPr id="2" name="Title 1">
             <a:extLst>
               <a:ext uri="{FF2B5EF4-FFF2-40B4-BE49-F238E27FC236}">
-                <a16:creationId xmlns:a16="http://schemas.microsoft.com/office/drawing/2014/main" id="{CB81F083-E379-42EA-93C1-242C916398EE}"/>
+                <a16:creationId xmlns:a16="http://schemas.microsoft.com/office/drawing/2014/main" id="{139ACD00-8CAE-4B34-B003-B0314897DC48}"/>
               </a:ext>
             </a:extLst>
           </p:cNvPr>
@@ -8970,53 +8910,767 @@
           <a:lstStyle/>
           <a:p>
             <a:r>
+              <a:rPr lang="nl-NL" dirty="0" err="1"/>
+              <a:t>Multilayer</a:t>
+            </a:r>
+            <a:r>
               <a:rPr lang="nl-NL" dirty="0"/>
-              <a:t>(</a:t>
+              <a:t> </a:t>
             </a:r>
             <a:r>
               <a:rPr lang="nl-NL" dirty="0" err="1"/>
-              <a:t>Deep</a:t>
-            </a:r>
-            <a:r>
-              <a:rPr lang="nl-NL" dirty="0"/>
-              <a:t>) </a:t>
-            </a:r>
-            <a:r>
-              <a:rPr lang="nl-NL" dirty="0" err="1"/>
-              <a:t>Neural</a:t>
-            </a:r>
-            <a:r>
-              <a:rPr lang="nl-NL" dirty="0"/>
-              <a:t> Networks</a:t>
+              <a:t>perceptron</a:t>
             </a:r>
             <a:endParaRPr lang="en-NL" dirty="0"/>
+          </a:p>
+        </p:txBody>
+      </p:sp>
+      <p:pic>
+        <p:nvPicPr>
+          <p:cNvPr id="17" name="Picture 16">
+            <a:extLst>
+              <a:ext uri="{FF2B5EF4-FFF2-40B4-BE49-F238E27FC236}">
+                <a16:creationId xmlns:a16="http://schemas.microsoft.com/office/drawing/2014/main" id="{05B5D22E-C7D3-4A37-8C87-1E591724C01C}"/>
+              </a:ext>
+            </a:extLst>
+          </p:cNvPr>
+          <p:cNvPicPr>
+            <a:picLocks noChangeAspect="1"/>
+          </p:cNvPicPr>
+          <p:nvPr/>
+        </p:nvPicPr>
+        <p:blipFill>
+          <a:blip r:embed="rId2"/>
+          <a:stretch>
+            <a:fillRect/>
+          </a:stretch>
+        </p:blipFill>
+        <p:spPr>
+          <a:xfrm>
+            <a:off x="137866" y="1887138"/>
+            <a:ext cx="8431100" cy="4605737"/>
+          </a:xfrm>
+          <a:prstGeom prst="rect">
+            <a:avLst/>
+          </a:prstGeom>
+        </p:spPr>
+      </p:pic>
+      <p:sp>
+        <p:nvSpPr>
+          <p:cNvPr id="18" name="Oval 17">
+            <a:extLst>
+              <a:ext uri="{FF2B5EF4-FFF2-40B4-BE49-F238E27FC236}">
+                <a16:creationId xmlns:a16="http://schemas.microsoft.com/office/drawing/2014/main" id="{77EBDEC8-4B94-4938-9921-02CC1C6B3ED3}"/>
+              </a:ext>
+            </a:extLst>
+          </p:cNvPr>
+          <p:cNvSpPr/>
+          <p:nvPr/>
+        </p:nvSpPr>
+        <p:spPr>
+          <a:xfrm>
+            <a:off x="8808098" y="2612571"/>
+            <a:ext cx="345233" cy="317241"/>
+          </a:xfrm>
+          <a:prstGeom prst="ellipse">
+            <a:avLst/>
+          </a:prstGeom>
+        </p:spPr>
+        <p:style>
+          <a:lnRef idx="2">
+            <a:schemeClr val="accent1">
+              <a:shade val="50000"/>
+            </a:schemeClr>
+          </a:lnRef>
+          <a:fillRef idx="1">
+            <a:schemeClr val="accent1"/>
+          </a:fillRef>
+          <a:effectRef idx="0">
+            <a:schemeClr val="accent1"/>
+          </a:effectRef>
+          <a:fontRef idx="minor">
+            <a:schemeClr val="lt1"/>
+          </a:fontRef>
+        </p:style>
+        <p:txBody>
+          <a:bodyPr rtlCol="0" anchor="ctr"/>
+          <a:lstStyle/>
+          <a:p>
+            <a:pPr algn="ctr"/>
+            <a:endParaRPr lang="en-NL"/>
           </a:p>
         </p:txBody>
       </p:sp>
       <p:sp>
         <p:nvSpPr>
-          <p:cNvPr id="3" name="Content Placeholder 2">
-            <a:extLst>
-              <a:ext uri="{FF2B5EF4-FFF2-40B4-BE49-F238E27FC236}">
-                <a16:creationId xmlns:a16="http://schemas.microsoft.com/office/drawing/2014/main" id="{289E854E-692E-4FBE-826F-4DACDC1A6D5F}"/>
-              </a:ext>
-            </a:extLst>
-          </p:cNvPr>
-          <p:cNvSpPr>
-            <a:spLocks noGrp="1"/>
-          </p:cNvSpPr>
-          <p:nvPr>
-            <p:ph idx="1"/>
-          </p:nvPr>
+          <p:cNvPr id="19" name="Oval 18">
+            <a:extLst>
+              <a:ext uri="{FF2B5EF4-FFF2-40B4-BE49-F238E27FC236}">
+                <a16:creationId xmlns:a16="http://schemas.microsoft.com/office/drawing/2014/main" id="{5811A906-D29E-4274-B60D-99DDF13A1299}"/>
+              </a:ext>
+            </a:extLst>
+          </p:cNvPr>
+          <p:cNvSpPr/>
+          <p:nvPr/>
         </p:nvSpPr>
-        <p:spPr/>
+        <p:spPr>
+          <a:xfrm>
+            <a:off x="8808551" y="3234612"/>
+            <a:ext cx="345233" cy="317241"/>
+          </a:xfrm>
+          <a:prstGeom prst="ellipse">
+            <a:avLst/>
+          </a:prstGeom>
+        </p:spPr>
+        <p:style>
+          <a:lnRef idx="2">
+            <a:schemeClr val="accent1">
+              <a:shade val="50000"/>
+            </a:schemeClr>
+          </a:lnRef>
+          <a:fillRef idx="1">
+            <a:schemeClr val="accent1"/>
+          </a:fillRef>
+          <a:effectRef idx="0">
+            <a:schemeClr val="accent1"/>
+          </a:effectRef>
+          <a:fontRef idx="minor">
+            <a:schemeClr val="lt1"/>
+          </a:fontRef>
+        </p:style>
         <p:txBody>
-          <a:bodyPr/>
+          <a:bodyPr rtlCol="0" anchor="ctr"/>
           <a:lstStyle/>
           <a:p>
+            <a:pPr algn="ctr"/>
+            <a:endParaRPr lang="en-NL"/>
+          </a:p>
+        </p:txBody>
+      </p:sp>
+      <p:sp>
+        <p:nvSpPr>
+          <p:cNvPr id="20" name="Oval 19">
+            <a:extLst>
+              <a:ext uri="{FF2B5EF4-FFF2-40B4-BE49-F238E27FC236}">
+                <a16:creationId xmlns:a16="http://schemas.microsoft.com/office/drawing/2014/main" id="{3B666B47-BB15-4D82-B908-AA8D73F63379}"/>
+              </a:ext>
+            </a:extLst>
+          </p:cNvPr>
+          <p:cNvSpPr/>
+          <p:nvPr/>
+        </p:nvSpPr>
+        <p:spPr>
+          <a:xfrm>
+            <a:off x="9972552" y="2161289"/>
+            <a:ext cx="345233" cy="317241"/>
+          </a:xfrm>
+          <a:prstGeom prst="ellipse">
+            <a:avLst/>
+          </a:prstGeom>
+        </p:spPr>
+        <p:style>
+          <a:lnRef idx="2">
+            <a:schemeClr val="accent1">
+              <a:shade val="50000"/>
+            </a:schemeClr>
+          </a:lnRef>
+          <a:fillRef idx="1">
+            <a:schemeClr val="accent1"/>
+          </a:fillRef>
+          <a:effectRef idx="0">
+            <a:schemeClr val="accent1"/>
+          </a:effectRef>
+          <a:fontRef idx="minor">
+            <a:schemeClr val="lt1"/>
+          </a:fontRef>
+        </p:style>
+        <p:txBody>
+          <a:bodyPr rtlCol="0" anchor="ctr"/>
+          <a:lstStyle/>
+          <a:p>
+            <a:pPr algn="ctr"/>
+            <a:endParaRPr lang="en-NL"/>
+          </a:p>
+        </p:txBody>
+      </p:sp>
+      <p:sp>
+        <p:nvSpPr>
+          <p:cNvPr id="21" name="Oval 20">
+            <a:extLst>
+              <a:ext uri="{FF2B5EF4-FFF2-40B4-BE49-F238E27FC236}">
+                <a16:creationId xmlns:a16="http://schemas.microsoft.com/office/drawing/2014/main" id="{FFEF76C4-B5F5-4E6A-81E3-25ABE5C6CB2C}"/>
+              </a:ext>
+            </a:extLst>
+          </p:cNvPr>
+          <p:cNvSpPr/>
+          <p:nvPr/>
+        </p:nvSpPr>
+        <p:spPr>
+          <a:xfrm>
+            <a:off x="9973005" y="2783330"/>
+            <a:ext cx="345233" cy="306099"/>
+          </a:xfrm>
+          <a:prstGeom prst="ellipse">
+            <a:avLst/>
+          </a:prstGeom>
+        </p:spPr>
+        <p:style>
+          <a:lnRef idx="2">
+            <a:schemeClr val="accent1">
+              <a:shade val="50000"/>
+            </a:schemeClr>
+          </a:lnRef>
+          <a:fillRef idx="1">
+            <a:schemeClr val="accent1"/>
+          </a:fillRef>
+          <a:effectRef idx="0">
+            <a:schemeClr val="accent1"/>
+          </a:effectRef>
+          <a:fontRef idx="minor">
+            <a:schemeClr val="lt1"/>
+          </a:fontRef>
+        </p:style>
+        <p:txBody>
+          <a:bodyPr rtlCol="0" anchor="ctr"/>
+          <a:lstStyle/>
+          <a:p>
+            <a:pPr algn="ctr"/>
+            <a:endParaRPr lang="en-NL"/>
+          </a:p>
+        </p:txBody>
+      </p:sp>
+      <p:sp>
+        <p:nvSpPr>
+          <p:cNvPr id="22" name="Oval 21">
+            <a:extLst>
+              <a:ext uri="{FF2B5EF4-FFF2-40B4-BE49-F238E27FC236}">
+                <a16:creationId xmlns:a16="http://schemas.microsoft.com/office/drawing/2014/main" id="{7D4F0A19-80BC-46A7-9AB3-BF434D1F2507}"/>
+              </a:ext>
+            </a:extLst>
+          </p:cNvPr>
+          <p:cNvSpPr/>
+          <p:nvPr/>
+        </p:nvSpPr>
+        <p:spPr>
+          <a:xfrm>
+            <a:off x="9972099" y="3253931"/>
+            <a:ext cx="345233" cy="317241"/>
+          </a:xfrm>
+          <a:prstGeom prst="ellipse">
+            <a:avLst/>
+          </a:prstGeom>
+        </p:spPr>
+        <p:style>
+          <a:lnRef idx="2">
+            <a:schemeClr val="accent1">
+              <a:shade val="50000"/>
+            </a:schemeClr>
+          </a:lnRef>
+          <a:fillRef idx="1">
+            <a:schemeClr val="accent1"/>
+          </a:fillRef>
+          <a:effectRef idx="0">
+            <a:schemeClr val="accent1"/>
+          </a:effectRef>
+          <a:fontRef idx="minor">
+            <a:schemeClr val="lt1"/>
+          </a:fontRef>
+        </p:style>
+        <p:txBody>
+          <a:bodyPr rtlCol="0" anchor="ctr"/>
+          <a:lstStyle/>
+          <a:p>
+            <a:pPr algn="ctr"/>
+            <a:endParaRPr lang="en-NL"/>
+          </a:p>
+        </p:txBody>
+      </p:sp>
+      <p:sp>
+        <p:nvSpPr>
+          <p:cNvPr id="23" name="Oval 22">
+            <a:extLst>
+              <a:ext uri="{FF2B5EF4-FFF2-40B4-BE49-F238E27FC236}">
+                <a16:creationId xmlns:a16="http://schemas.microsoft.com/office/drawing/2014/main" id="{221B4332-C41A-47E4-99F0-6C1EC74A078C}"/>
+              </a:ext>
+            </a:extLst>
+          </p:cNvPr>
+          <p:cNvSpPr/>
+          <p:nvPr/>
+        </p:nvSpPr>
+        <p:spPr>
+          <a:xfrm>
+            <a:off x="9972552" y="3875972"/>
+            <a:ext cx="345233" cy="317241"/>
+          </a:xfrm>
+          <a:prstGeom prst="ellipse">
+            <a:avLst/>
+          </a:prstGeom>
+        </p:spPr>
+        <p:style>
+          <a:lnRef idx="2">
+            <a:schemeClr val="accent1">
+              <a:shade val="50000"/>
+            </a:schemeClr>
+          </a:lnRef>
+          <a:fillRef idx="1">
+            <a:schemeClr val="accent1"/>
+          </a:fillRef>
+          <a:effectRef idx="0">
+            <a:schemeClr val="accent1"/>
+          </a:effectRef>
+          <a:fontRef idx="minor">
+            <a:schemeClr val="lt1"/>
+          </a:fontRef>
+        </p:style>
+        <p:txBody>
+          <a:bodyPr rtlCol="0" anchor="ctr"/>
+          <a:lstStyle/>
+          <a:p>
+            <a:pPr algn="ctr"/>
+            <a:endParaRPr lang="en-NL"/>
+          </a:p>
+        </p:txBody>
+      </p:sp>
+      <p:cxnSp>
+        <p:nvCxnSpPr>
+          <p:cNvPr id="25" name="Straight Arrow Connector 24">
+            <a:extLst>
+              <a:ext uri="{FF2B5EF4-FFF2-40B4-BE49-F238E27FC236}">
+                <a16:creationId xmlns:a16="http://schemas.microsoft.com/office/drawing/2014/main" id="{D025B1AB-618B-4532-996F-4AC7FB80D082}"/>
+              </a:ext>
+            </a:extLst>
+          </p:cNvPr>
+          <p:cNvCxnSpPr>
+            <a:stCxn id="18" idx="6"/>
+            <a:endCxn id="20" idx="2"/>
+          </p:cNvCxnSpPr>
+          <p:nvPr/>
+        </p:nvCxnSpPr>
+        <p:spPr>
+          <a:xfrm flipV="1">
+            <a:off x="9153331" y="2319910"/>
+            <a:ext cx="819221" cy="451282"/>
+          </a:xfrm>
+          <a:prstGeom prst="straightConnector1">
+            <a:avLst/>
+          </a:prstGeom>
+          <a:ln>
+            <a:tailEnd type="triangle"/>
+          </a:ln>
+        </p:spPr>
+        <p:style>
+          <a:lnRef idx="1">
+            <a:schemeClr val="accent1"/>
+          </a:lnRef>
+          <a:fillRef idx="0">
+            <a:schemeClr val="accent1"/>
+          </a:fillRef>
+          <a:effectRef idx="0">
+            <a:schemeClr val="accent1"/>
+          </a:effectRef>
+          <a:fontRef idx="minor">
+            <a:schemeClr val="tx1"/>
+          </a:fontRef>
+        </p:style>
+      </p:cxnSp>
+      <p:cxnSp>
+        <p:nvCxnSpPr>
+          <p:cNvPr id="27" name="Straight Arrow Connector 26">
+            <a:extLst>
+              <a:ext uri="{FF2B5EF4-FFF2-40B4-BE49-F238E27FC236}">
+                <a16:creationId xmlns:a16="http://schemas.microsoft.com/office/drawing/2014/main" id="{D7FC00B7-D323-4CB9-924D-E14F140C3A54}"/>
+              </a:ext>
+            </a:extLst>
+          </p:cNvPr>
+          <p:cNvCxnSpPr>
+            <a:cxnSpLocks/>
+            <a:stCxn id="18" idx="6"/>
+            <a:endCxn id="21" idx="2"/>
+          </p:cNvCxnSpPr>
+          <p:nvPr/>
+        </p:nvCxnSpPr>
+        <p:spPr>
+          <a:xfrm>
+            <a:off x="9153331" y="2771192"/>
+            <a:ext cx="819674" cy="165188"/>
+          </a:xfrm>
+          <a:prstGeom prst="straightConnector1">
+            <a:avLst/>
+          </a:prstGeom>
+          <a:ln>
+            <a:tailEnd type="triangle"/>
+          </a:ln>
+        </p:spPr>
+        <p:style>
+          <a:lnRef idx="1">
+            <a:schemeClr val="accent1"/>
+          </a:lnRef>
+          <a:fillRef idx="0">
+            <a:schemeClr val="accent1"/>
+          </a:fillRef>
+          <a:effectRef idx="0">
+            <a:schemeClr val="accent1"/>
+          </a:effectRef>
+          <a:fontRef idx="minor">
+            <a:schemeClr val="tx1"/>
+          </a:fontRef>
+        </p:style>
+      </p:cxnSp>
+      <p:cxnSp>
+        <p:nvCxnSpPr>
+          <p:cNvPr id="30" name="Straight Arrow Connector 29">
+            <a:extLst>
+              <a:ext uri="{FF2B5EF4-FFF2-40B4-BE49-F238E27FC236}">
+                <a16:creationId xmlns:a16="http://schemas.microsoft.com/office/drawing/2014/main" id="{2749B7E0-5307-47FE-900F-9E77008CBA69}"/>
+              </a:ext>
+            </a:extLst>
+          </p:cNvPr>
+          <p:cNvCxnSpPr>
+            <a:cxnSpLocks/>
+            <a:stCxn id="18" idx="6"/>
+            <a:endCxn id="22" idx="2"/>
+          </p:cNvCxnSpPr>
+          <p:nvPr/>
+        </p:nvCxnSpPr>
+        <p:spPr>
+          <a:xfrm>
+            <a:off x="9153331" y="2771192"/>
+            <a:ext cx="818768" cy="641360"/>
+          </a:xfrm>
+          <a:prstGeom prst="straightConnector1">
+            <a:avLst/>
+          </a:prstGeom>
+          <a:ln>
+            <a:tailEnd type="triangle"/>
+          </a:ln>
+        </p:spPr>
+        <p:style>
+          <a:lnRef idx="1">
+            <a:schemeClr val="accent1"/>
+          </a:lnRef>
+          <a:fillRef idx="0">
+            <a:schemeClr val="accent1"/>
+          </a:fillRef>
+          <a:effectRef idx="0">
+            <a:schemeClr val="accent1"/>
+          </a:effectRef>
+          <a:fontRef idx="minor">
+            <a:schemeClr val="tx1"/>
+          </a:fontRef>
+        </p:style>
+      </p:cxnSp>
+      <p:cxnSp>
+        <p:nvCxnSpPr>
+          <p:cNvPr id="33" name="Straight Arrow Connector 32">
+            <a:extLst>
+              <a:ext uri="{FF2B5EF4-FFF2-40B4-BE49-F238E27FC236}">
+                <a16:creationId xmlns:a16="http://schemas.microsoft.com/office/drawing/2014/main" id="{0FD6192E-14A8-4E8B-AD33-3EFD374FF266}"/>
+              </a:ext>
+            </a:extLst>
+          </p:cNvPr>
+          <p:cNvCxnSpPr>
+            <a:cxnSpLocks/>
+            <a:stCxn id="18" idx="6"/>
+            <a:endCxn id="23" idx="2"/>
+          </p:cNvCxnSpPr>
+          <p:nvPr/>
+        </p:nvCxnSpPr>
+        <p:spPr>
+          <a:xfrm>
+            <a:off x="9153331" y="2771192"/>
+            <a:ext cx="819221" cy="1263401"/>
+          </a:xfrm>
+          <a:prstGeom prst="straightConnector1">
+            <a:avLst/>
+          </a:prstGeom>
+          <a:ln>
+            <a:tailEnd type="triangle"/>
+          </a:ln>
+        </p:spPr>
+        <p:style>
+          <a:lnRef idx="1">
+            <a:schemeClr val="accent1"/>
+          </a:lnRef>
+          <a:fillRef idx="0">
+            <a:schemeClr val="accent1"/>
+          </a:fillRef>
+          <a:effectRef idx="0">
+            <a:schemeClr val="accent1"/>
+          </a:effectRef>
+          <a:fontRef idx="minor">
+            <a:schemeClr val="tx1"/>
+          </a:fontRef>
+        </p:style>
+      </p:cxnSp>
+      <p:cxnSp>
+        <p:nvCxnSpPr>
+          <p:cNvPr id="38" name="Straight Arrow Connector 37">
+            <a:extLst>
+              <a:ext uri="{FF2B5EF4-FFF2-40B4-BE49-F238E27FC236}">
+                <a16:creationId xmlns:a16="http://schemas.microsoft.com/office/drawing/2014/main" id="{C442C282-A4AF-48FF-840E-F437360FDA65}"/>
+              </a:ext>
+            </a:extLst>
+          </p:cNvPr>
+          <p:cNvCxnSpPr>
+            <a:cxnSpLocks/>
+            <a:stCxn id="19" idx="6"/>
+            <a:endCxn id="20" idx="2"/>
+          </p:cNvCxnSpPr>
+          <p:nvPr/>
+        </p:nvCxnSpPr>
+        <p:spPr>
+          <a:xfrm flipV="1">
+            <a:off x="9153784" y="2319910"/>
+            <a:ext cx="818768" cy="1073323"/>
+          </a:xfrm>
+          <a:prstGeom prst="straightConnector1">
+            <a:avLst/>
+          </a:prstGeom>
+          <a:ln>
+            <a:tailEnd type="triangle"/>
+          </a:ln>
+        </p:spPr>
+        <p:style>
+          <a:lnRef idx="1">
+            <a:schemeClr val="accent1"/>
+          </a:lnRef>
+          <a:fillRef idx="0">
+            <a:schemeClr val="accent1"/>
+          </a:fillRef>
+          <a:effectRef idx="0">
+            <a:schemeClr val="accent1"/>
+          </a:effectRef>
+          <a:fontRef idx="minor">
+            <a:schemeClr val="tx1"/>
+          </a:fontRef>
+        </p:style>
+      </p:cxnSp>
+      <p:cxnSp>
+        <p:nvCxnSpPr>
+          <p:cNvPr id="41" name="Straight Arrow Connector 40">
+            <a:extLst>
+              <a:ext uri="{FF2B5EF4-FFF2-40B4-BE49-F238E27FC236}">
+                <a16:creationId xmlns:a16="http://schemas.microsoft.com/office/drawing/2014/main" id="{87E2FAD5-9856-4560-8EF5-BEF496E20A27}"/>
+              </a:ext>
+            </a:extLst>
+          </p:cNvPr>
+          <p:cNvCxnSpPr>
+            <a:cxnSpLocks/>
+            <a:stCxn id="19" idx="6"/>
+            <a:endCxn id="21" idx="2"/>
+          </p:cNvCxnSpPr>
+          <p:nvPr/>
+        </p:nvCxnSpPr>
+        <p:spPr>
+          <a:xfrm flipV="1">
+            <a:off x="9153784" y="2936380"/>
+            <a:ext cx="819221" cy="456853"/>
+          </a:xfrm>
+          <a:prstGeom prst="straightConnector1">
+            <a:avLst/>
+          </a:prstGeom>
+          <a:ln>
+            <a:tailEnd type="triangle"/>
+          </a:ln>
+        </p:spPr>
+        <p:style>
+          <a:lnRef idx="1">
+            <a:schemeClr val="accent1"/>
+          </a:lnRef>
+          <a:fillRef idx="0">
+            <a:schemeClr val="accent1"/>
+          </a:fillRef>
+          <a:effectRef idx="0">
+            <a:schemeClr val="accent1"/>
+          </a:effectRef>
+          <a:fontRef idx="minor">
+            <a:schemeClr val="tx1"/>
+          </a:fontRef>
+        </p:style>
+      </p:cxnSp>
+      <p:cxnSp>
+        <p:nvCxnSpPr>
+          <p:cNvPr id="44" name="Straight Arrow Connector 43">
+            <a:extLst>
+              <a:ext uri="{FF2B5EF4-FFF2-40B4-BE49-F238E27FC236}">
+                <a16:creationId xmlns:a16="http://schemas.microsoft.com/office/drawing/2014/main" id="{21F8AB14-DF63-4F5A-86F7-38A89CB2B5CE}"/>
+              </a:ext>
+            </a:extLst>
+          </p:cNvPr>
+          <p:cNvCxnSpPr>
+            <a:cxnSpLocks/>
+            <a:stCxn id="19" idx="6"/>
+            <a:endCxn id="22" idx="2"/>
+          </p:cNvCxnSpPr>
+          <p:nvPr/>
+        </p:nvCxnSpPr>
+        <p:spPr>
+          <a:xfrm>
+            <a:off x="9153784" y="3393233"/>
+            <a:ext cx="818315" cy="19319"/>
+          </a:xfrm>
+          <a:prstGeom prst="straightConnector1">
+            <a:avLst/>
+          </a:prstGeom>
+          <a:ln>
+            <a:tailEnd type="triangle"/>
+          </a:ln>
+        </p:spPr>
+        <p:style>
+          <a:lnRef idx="1">
+            <a:schemeClr val="accent1"/>
+          </a:lnRef>
+          <a:fillRef idx="0">
+            <a:schemeClr val="accent1"/>
+          </a:fillRef>
+          <a:effectRef idx="0">
+            <a:schemeClr val="accent1"/>
+          </a:effectRef>
+          <a:fontRef idx="minor">
+            <a:schemeClr val="tx1"/>
+          </a:fontRef>
+        </p:style>
+      </p:cxnSp>
+      <p:cxnSp>
+        <p:nvCxnSpPr>
+          <p:cNvPr id="47" name="Straight Arrow Connector 46">
+            <a:extLst>
+              <a:ext uri="{FF2B5EF4-FFF2-40B4-BE49-F238E27FC236}">
+                <a16:creationId xmlns:a16="http://schemas.microsoft.com/office/drawing/2014/main" id="{29942A87-AADE-4670-8636-4DEF81A6713E}"/>
+              </a:ext>
+            </a:extLst>
+          </p:cNvPr>
+          <p:cNvCxnSpPr>
+            <a:cxnSpLocks/>
+            <a:stCxn id="19" idx="6"/>
+            <a:endCxn id="23" idx="2"/>
+          </p:cNvCxnSpPr>
+          <p:nvPr/>
+        </p:nvCxnSpPr>
+        <p:spPr>
+          <a:xfrm>
+            <a:off x="9153784" y="3393233"/>
+            <a:ext cx="818768" cy="641360"/>
+          </a:xfrm>
+          <a:prstGeom prst="straightConnector1">
+            <a:avLst/>
+          </a:prstGeom>
+          <a:ln>
+            <a:tailEnd type="triangle"/>
+          </a:ln>
+        </p:spPr>
+        <p:style>
+          <a:lnRef idx="1">
+            <a:schemeClr val="accent1"/>
+          </a:lnRef>
+          <a:fillRef idx="0">
+            <a:schemeClr val="accent1"/>
+          </a:fillRef>
+          <a:effectRef idx="0">
+            <a:schemeClr val="accent1"/>
+          </a:effectRef>
+          <a:fontRef idx="minor">
+            <a:schemeClr val="tx1"/>
+          </a:fontRef>
+        </p:style>
+      </p:cxnSp>
+      <p:sp>
+        <p:nvSpPr>
+          <p:cNvPr id="50" name="TextBox 49">
+            <a:extLst>
+              <a:ext uri="{FF2B5EF4-FFF2-40B4-BE49-F238E27FC236}">
+                <a16:creationId xmlns:a16="http://schemas.microsoft.com/office/drawing/2014/main" id="{69959974-EC1A-4B1A-9B5B-D62C18A78E3E}"/>
+              </a:ext>
+            </a:extLst>
+          </p:cNvPr>
+          <p:cNvSpPr txBox="1"/>
+          <p:nvPr/>
+        </p:nvSpPr>
+        <p:spPr>
+          <a:xfrm>
+            <a:off x="8808097" y="2237173"/>
+            <a:ext cx="469067" cy="369332"/>
+          </a:xfrm>
+          <a:prstGeom prst="rect">
+            <a:avLst/>
+          </a:prstGeom>
+          <a:noFill/>
+        </p:spPr>
+        <p:txBody>
+          <a:bodyPr wrap="square" rtlCol="0">
+            <a:spAutoFit/>
+          </a:bodyPr>
+          <a:lstStyle/>
+          <a:p>
             <a:r>
               <a:rPr lang="nl-NL" dirty="0"/>
-              <a:t>https://stats.stackexchange.com/questions/315402/multi-layer-perceptron-vs-deep-neural-network</a:t>
+              <a:t>IN</a:t>
+            </a:r>
+            <a:endParaRPr lang="en-NL" dirty="0"/>
+          </a:p>
+        </p:txBody>
+      </p:sp>
+      <p:pic>
+        <p:nvPicPr>
+          <p:cNvPr id="54" name="Picture 53">
+            <a:extLst>
+              <a:ext uri="{FF2B5EF4-FFF2-40B4-BE49-F238E27FC236}">
+                <a16:creationId xmlns:a16="http://schemas.microsoft.com/office/drawing/2014/main" id="{0FE46A6D-EE8F-4FF1-AF7A-B6E08E60AC0E}"/>
+              </a:ext>
+            </a:extLst>
+          </p:cNvPr>
+          <p:cNvPicPr>
+            <a:picLocks noChangeAspect="1"/>
+          </p:cNvPicPr>
+          <p:nvPr/>
+        </p:nvPicPr>
+        <p:blipFill>
+          <a:blip r:embed="rId3"/>
+          <a:stretch>
+            <a:fillRect/>
+          </a:stretch>
+        </p:blipFill>
+        <p:spPr>
+          <a:xfrm>
+            <a:off x="9427593" y="4671846"/>
+            <a:ext cx="2478318" cy="1696056"/>
+          </a:xfrm>
+          <a:prstGeom prst="rect">
+            <a:avLst/>
+          </a:prstGeom>
+        </p:spPr>
+      </p:pic>
+      <p:sp>
+        <p:nvSpPr>
+          <p:cNvPr id="55" name="TextBox 54">
+            <a:extLst>
+              <a:ext uri="{FF2B5EF4-FFF2-40B4-BE49-F238E27FC236}">
+                <a16:creationId xmlns:a16="http://schemas.microsoft.com/office/drawing/2014/main" id="{E94DACF6-A8E3-45C2-8638-E0F63D5BB44A}"/>
+              </a:ext>
+            </a:extLst>
+          </p:cNvPr>
+          <p:cNvSpPr txBox="1"/>
+          <p:nvPr/>
+        </p:nvSpPr>
+        <p:spPr>
+          <a:xfrm>
+            <a:off x="8855545" y="5169203"/>
+            <a:ext cx="942393" cy="369332"/>
+          </a:xfrm>
+          <a:prstGeom prst="rect">
+            <a:avLst/>
+          </a:prstGeom>
+          <a:noFill/>
+        </p:spPr>
+        <p:txBody>
+          <a:bodyPr wrap="square" rtlCol="0">
+            <a:spAutoFit/>
+          </a:bodyPr>
+          <a:lstStyle/>
+          <a:p>
+            <a:r>
+              <a:rPr lang="nl-NL" dirty="0"/>
+              <a:t>F(x)</a:t>
             </a:r>
             <a:endParaRPr lang="en-NL" dirty="0"/>
           </a:p>
@@ -9025,7 +9679,7 @@
     </p:spTree>
     <p:extLst>
       <p:ext uri="{BB962C8B-B14F-4D97-AF65-F5344CB8AC3E}">
-        <p14:creationId xmlns:p14="http://schemas.microsoft.com/office/powerpoint/2010/main" val="3991129261"/>
+        <p14:creationId xmlns:p14="http://schemas.microsoft.com/office/powerpoint/2010/main" val="3689991879"/>
       </p:ext>
     </p:extLst>
   </p:cSld>
@@ -9052,68 +9706,76 @@
           <a:chExt cx="0" cy="0"/>
         </a:xfrm>
       </p:grpSpPr>
-      <p:sp>
-        <p:nvSpPr>
-          <p:cNvPr id="2" name="Title 1">
-            <a:extLst>
-              <a:ext uri="{FF2B5EF4-FFF2-40B4-BE49-F238E27FC236}">
-                <a16:creationId xmlns:a16="http://schemas.microsoft.com/office/drawing/2014/main" id="{186AFA6C-9AB5-4AF5-8A04-4A379A13CB12}"/>
-              </a:ext>
-            </a:extLst>
-          </p:cNvPr>
-          <p:cNvSpPr>
-            <a:spLocks noGrp="1"/>
-          </p:cNvSpPr>
-          <p:nvPr>
-            <p:ph type="title"/>
-          </p:nvPr>
-        </p:nvSpPr>
-        <p:spPr/>
-        <p:txBody>
-          <a:bodyPr/>
-          <a:lstStyle/>
-          <a:p>
-            <a:r>
-              <a:rPr lang="en-US" dirty="0"/>
-              <a:t>Insert gif</a:t>
-            </a:r>
-            <a:endParaRPr lang="en-NL" dirty="0"/>
-          </a:p>
-        </p:txBody>
-      </p:sp>
-      <p:sp>
-        <p:nvSpPr>
-          <p:cNvPr id="3" name="Content Placeholder 2">
-            <a:extLst>
-              <a:ext uri="{FF2B5EF4-FFF2-40B4-BE49-F238E27FC236}">
-                <a16:creationId xmlns:a16="http://schemas.microsoft.com/office/drawing/2014/main" id="{71E4BC89-4920-4741-B3DB-B7A136648002}"/>
-              </a:ext>
-            </a:extLst>
-          </p:cNvPr>
-          <p:cNvSpPr>
-            <a:spLocks noGrp="1"/>
-          </p:cNvSpPr>
-          <p:nvPr>
-            <p:ph idx="1"/>
-          </p:nvPr>
-        </p:nvSpPr>
-        <p:spPr/>
-        <p:txBody>
-          <a:bodyPr/>
-          <a:lstStyle/>
-          <a:p>
-            <a:r>
-              <a:rPr lang="en-US" dirty="0"/>
-              <a:t>Why not use NN</a:t>
-            </a:r>
-            <a:endParaRPr lang="en-NL" dirty="0"/>
-          </a:p>
-        </p:txBody>
-      </p:sp>
+      <p:pic>
+        <p:nvPicPr>
+          <p:cNvPr id="5" name="Picture 4">
+            <a:extLst>
+              <a:ext uri="{FF2B5EF4-FFF2-40B4-BE49-F238E27FC236}">
+                <a16:creationId xmlns:a16="http://schemas.microsoft.com/office/drawing/2014/main" id="{F9A3388E-DFE9-4A32-A3AE-0B1D170C949D}"/>
+              </a:ext>
+            </a:extLst>
+          </p:cNvPr>
+          <p:cNvPicPr>
+            <a:picLocks noChangeAspect="1"/>
+          </p:cNvPicPr>
+          <p:nvPr/>
+        </p:nvPicPr>
+        <p:blipFill>
+          <a:blip r:embed="rId2"/>
+          <a:stretch>
+            <a:fillRect/>
+          </a:stretch>
+        </p:blipFill>
+        <p:spPr>
+          <a:xfrm>
+            <a:off x="0" y="184997"/>
+            <a:ext cx="12192000" cy="5502584"/>
+          </a:xfrm>
+          <a:prstGeom prst="rect">
+            <a:avLst/>
+          </a:prstGeom>
+        </p:spPr>
+      </p:pic>
+      <p:pic>
+        <p:nvPicPr>
+          <p:cNvPr id="6" name="Picture 5" descr="A picture containing application&#10;&#10;Description automatically generated">
+            <a:extLst>
+              <a:ext uri="{FF2B5EF4-FFF2-40B4-BE49-F238E27FC236}">
+                <a16:creationId xmlns:a16="http://schemas.microsoft.com/office/drawing/2014/main" id="{2B07803A-D55D-4D61-A0EB-7EDC787A706C}"/>
+              </a:ext>
+            </a:extLst>
+          </p:cNvPr>
+          <p:cNvPicPr>
+            <a:picLocks noChangeAspect="1"/>
+          </p:cNvPicPr>
+          <p:nvPr/>
+        </p:nvPicPr>
+        <p:blipFill>
+          <a:blip r:embed="rId3">
+            <a:extLst>
+              <a:ext uri="{28A0092B-C50C-407E-A947-70E740481C1C}">
+                <a14:useLocalDpi xmlns:a14="http://schemas.microsoft.com/office/drawing/2010/main" val="0"/>
+              </a:ext>
+            </a:extLst>
+          </a:blip>
+          <a:stretch>
+            <a:fillRect/>
+          </a:stretch>
+        </p:blipFill>
+        <p:spPr>
+          <a:xfrm>
+            <a:off x="8257592" y="556107"/>
+            <a:ext cx="2914529" cy="2872893"/>
+          </a:xfrm>
+          <a:prstGeom prst="rect">
+            <a:avLst/>
+          </a:prstGeom>
+        </p:spPr>
+      </p:pic>
     </p:spTree>
     <p:extLst>
       <p:ext uri="{BB962C8B-B14F-4D97-AF65-F5344CB8AC3E}">
-        <p14:creationId xmlns:p14="http://schemas.microsoft.com/office/powerpoint/2010/main" val="234860269"/>
+        <p14:creationId xmlns:p14="http://schemas.microsoft.com/office/powerpoint/2010/main" val="1481529768"/>
       </p:ext>
     </p:extLst>
   </p:cSld>
@@ -9140,42 +9802,12 @@
           <a:chExt cx="0" cy="0"/>
         </a:xfrm>
       </p:grpSpPr>
-      <p:pic>
-        <p:nvPicPr>
-          <p:cNvPr id="4" name="Picture 3">
-            <a:extLst>
-              <a:ext uri="{FF2B5EF4-FFF2-40B4-BE49-F238E27FC236}">
-                <a16:creationId xmlns:a16="http://schemas.microsoft.com/office/drawing/2014/main" id="{C35D6A4D-DEC2-4922-8044-9F911A63E7CC}"/>
-              </a:ext>
-            </a:extLst>
-          </p:cNvPr>
-          <p:cNvPicPr>
-            <a:picLocks noChangeAspect="1"/>
-          </p:cNvPicPr>
-          <p:nvPr/>
-        </p:nvPicPr>
-        <p:blipFill>
-          <a:blip r:embed="rId2"/>
-          <a:stretch>
-            <a:fillRect/>
-          </a:stretch>
-        </p:blipFill>
-        <p:spPr>
-          <a:xfrm>
-            <a:off x="544130" y="744376"/>
-            <a:ext cx="11096625" cy="5833888"/>
-          </a:xfrm>
-          <a:prstGeom prst="rect">
-            <a:avLst/>
-          </a:prstGeom>
-        </p:spPr>
-      </p:pic>
       <p:sp>
         <p:nvSpPr>
           <p:cNvPr id="2" name="Title 1">
             <a:extLst>
               <a:ext uri="{FF2B5EF4-FFF2-40B4-BE49-F238E27FC236}">
-                <a16:creationId xmlns:a16="http://schemas.microsoft.com/office/drawing/2014/main" id="{03D04F4F-7CA9-45BA-ADC6-D4E91F8B75CF}"/>
+                <a16:creationId xmlns:a16="http://schemas.microsoft.com/office/drawing/2014/main" id="{CB81F083-E379-42EA-93C1-242C916398EE}"/>
               </a:ext>
             </a:extLst>
           </p:cNvPr>
@@ -9186,23 +9818,22 @@
             <p:ph type="title"/>
           </p:nvPr>
         </p:nvSpPr>
-        <p:spPr>
-          <a:xfrm>
-            <a:off x="834642" y="365125"/>
-            <a:ext cx="10515600" cy="1325563"/>
-          </a:xfrm>
-        </p:spPr>
+        <p:spPr/>
         <p:txBody>
           <a:bodyPr/>
           <a:lstStyle/>
           <a:p>
             <a:r>
+              <a:rPr lang="nl-NL" dirty="0"/>
+              <a:t>(</a:t>
+            </a:r>
+            <a:r>
               <a:rPr lang="nl-NL" dirty="0" err="1"/>
-              <a:t>Convolutional</a:t>
+              <a:t>Deep</a:t>
             </a:r>
             <a:r>
               <a:rPr lang="nl-NL" dirty="0"/>
-              <a:t> </a:t>
+              <a:t>) </a:t>
             </a:r>
             <a:r>
               <a:rPr lang="nl-NL" dirty="0" err="1"/>
@@ -9210,7 +9841,7 @@
             </a:r>
             <a:r>
               <a:rPr lang="nl-NL" dirty="0"/>
-              <a:t> Network</a:t>
+              <a:t> Networks</a:t>
             </a:r>
             <a:endParaRPr lang="en-NL" dirty="0"/>
           </a:p>
@@ -9218,51 +9849,91 @@
       </p:sp>
       <p:sp>
         <p:nvSpPr>
-          <p:cNvPr id="5" name="TextBox 4">
-            <a:extLst>
-              <a:ext uri="{FF2B5EF4-FFF2-40B4-BE49-F238E27FC236}">
-                <a16:creationId xmlns:a16="http://schemas.microsoft.com/office/drawing/2014/main" id="{3FD3CF14-911A-4DF2-AC3A-5065E7BAA14A}"/>
-              </a:ext>
-            </a:extLst>
-          </p:cNvPr>
-          <p:cNvSpPr txBox="1"/>
-          <p:nvPr/>
+          <p:cNvPr id="3" name="Content Placeholder 2">
+            <a:extLst>
+              <a:ext uri="{FF2B5EF4-FFF2-40B4-BE49-F238E27FC236}">
+                <a16:creationId xmlns:a16="http://schemas.microsoft.com/office/drawing/2014/main" id="{289E854E-692E-4FBE-826F-4DACDC1A6D5F}"/>
+              </a:ext>
+            </a:extLst>
+          </p:cNvPr>
+          <p:cNvSpPr>
+            <a:spLocks noGrp="1"/>
+          </p:cNvSpPr>
+          <p:nvPr>
+            <p:ph idx="1"/>
+          </p:nvPr>
         </p:nvSpPr>
         <p:spPr>
           <a:xfrm>
-            <a:off x="95250" y="6301690"/>
-            <a:ext cx="11334750" cy="523220"/>
+            <a:off x="931506" y="5736998"/>
+            <a:ext cx="10515600" cy="755877"/>
+          </a:xfrm>
+        </p:spPr>
+        <p:txBody>
+          <a:bodyPr>
+            <a:normAutofit fontScale="92500" lnSpcReduction="10000"/>
+          </a:bodyPr>
+          <a:lstStyle/>
+          <a:p>
+            <a:r>
+              <a:rPr lang="nl-NL" dirty="0"/>
+              <a:t>https://stats.stackexchange.com/questions/315402/multi-layer-perceptron-vs-deep-neural-network</a:t>
+            </a:r>
+            <a:endParaRPr lang="en-NL" dirty="0"/>
+          </a:p>
+        </p:txBody>
+      </p:sp>
+      <p:pic>
+        <p:nvPicPr>
+          <p:cNvPr id="1026" name="Picture 2" descr="What is the difference between a neural network and a deep neural network,  and why do the deep ones work better? - Cross Validated">
+            <a:extLst>
+              <a:ext uri="{FF2B5EF4-FFF2-40B4-BE49-F238E27FC236}">
+                <a16:creationId xmlns:a16="http://schemas.microsoft.com/office/drawing/2014/main" id="{0E68CAF3-B36F-4779-AA70-67FAE0F525AB}"/>
+              </a:ext>
+            </a:extLst>
+          </p:cNvPr>
+          <p:cNvPicPr>
+            <a:picLocks noChangeAspect="1" noChangeArrowheads="1"/>
+          </p:cNvPicPr>
+          <p:nvPr/>
+        </p:nvPicPr>
+        <p:blipFill>
+          <a:blip r:embed="rId2">
+            <a:extLst>
+              <a:ext uri="{28A0092B-C50C-407E-A947-70E740481C1C}">
+                <a14:useLocalDpi xmlns:a14="http://schemas.microsoft.com/office/drawing/2010/main" val="0"/>
+              </a:ext>
+            </a:extLst>
+          </a:blip>
+          <a:srcRect/>
+          <a:stretch>
+            <a:fillRect/>
+          </a:stretch>
+        </p:blipFill>
+        <p:spPr bwMode="auto">
+          <a:xfrm>
+            <a:off x="1333500" y="1604963"/>
+            <a:ext cx="9525000" cy="3648075"/>
           </a:xfrm>
           <a:prstGeom prst="rect">
             <a:avLst/>
           </a:prstGeom>
           <a:noFill/>
+          <a:extLst>
+            <a:ext uri="{909E8E84-426E-40DD-AFC4-6F175D3DCCD1}">
+              <a14:hiddenFill xmlns:a14="http://schemas.microsoft.com/office/drawing/2010/main">
+                <a:solidFill>
+                  <a:srgbClr val="FFFFFF"/>
+                </a:solidFill>
+              </a14:hiddenFill>
+            </a:ext>
+          </a:extLst>
         </p:spPr>
-        <p:txBody>
-          <a:bodyPr wrap="square" rtlCol="0">
-            <a:spAutoFit/>
-          </a:bodyPr>
-          <a:lstStyle/>
-          <a:p>
-            <a:r>
-              <a:rPr lang="en-US" sz="1400" i="1" dirty="0"/>
-              <a:t>Source:</a:t>
-            </a:r>
-            <a:br>
-              <a:rPr lang="en-US" sz="1400" i="1" dirty="0"/>
-            </a:br>
-            <a:r>
-              <a:rPr lang="en-US" sz="1400" i="1" dirty="0"/>
-              <a:t>https://towardsdatascience.com/a-comprehensive-guide-to-convolutional-neural-networks-the-eli5-way-3bd2b1164a53</a:t>
-            </a:r>
-            <a:endParaRPr lang="en-NL" sz="1400" i="1" dirty="0"/>
-          </a:p>
-        </p:txBody>
-      </p:sp>
+      </p:pic>
     </p:spTree>
     <p:extLst>
       <p:ext uri="{BB962C8B-B14F-4D97-AF65-F5344CB8AC3E}">
-        <p14:creationId xmlns:p14="http://schemas.microsoft.com/office/powerpoint/2010/main" val="1505611136"/>
+        <p14:creationId xmlns:p14="http://schemas.microsoft.com/office/powerpoint/2010/main" val="3991129261"/>
       </p:ext>
     </p:extLst>
   </p:cSld>
@@ -9443,7 +10114,7 @@
           <p:cNvPr id="2" name="Title 1">
             <a:extLst>
               <a:ext uri="{FF2B5EF4-FFF2-40B4-BE49-F238E27FC236}">
-                <a16:creationId xmlns:a16="http://schemas.microsoft.com/office/drawing/2014/main" id="{4CBBFF87-E1FA-42DF-B39A-051C58CF2B5F}"/>
+                <a16:creationId xmlns:a16="http://schemas.microsoft.com/office/drawing/2014/main" id="{186AFA6C-9AB5-4AF5-8A04-4A379A13CB12}"/>
               </a:ext>
             </a:extLst>
           </p:cNvPr>
@@ -9460,42 +10131,10 @@
           <a:lstStyle/>
           <a:p>
             <a:r>
-              <a:rPr lang="nl-NL" dirty="0" err="1"/>
-              <a:t>Insert</a:t>
-            </a:r>
-            <a:r>
-              <a:rPr lang="nl-NL" dirty="0"/>
-              <a:t> </a:t>
-            </a:r>
-            <a:r>
-              <a:rPr lang="nl-NL" dirty="0" err="1"/>
-              <a:t>img</a:t>
-            </a:r>
-            <a:r>
-              <a:rPr lang="nl-NL" dirty="0"/>
-              <a:t> of </a:t>
-            </a:r>
-            <a:r>
-              <a:rPr lang="nl-NL" dirty="0" err="1"/>
-              <a:t>img</a:t>
-            </a:r>
-            <a:r>
-              <a:rPr lang="nl-NL" dirty="0"/>
-              <a:t> </a:t>
-            </a:r>
-            <a:r>
-              <a:rPr lang="nl-NL" dirty="0" err="1"/>
-              <a:t>classification</a:t>
-            </a:r>
-            <a:r>
-              <a:rPr lang="nl-NL" dirty="0"/>
-              <a:t> without </a:t>
-            </a:r>
-            <a:r>
-              <a:rPr lang="nl-NL"/>
-              <a:t>cnn</a:t>
-            </a:r>
-            <a:endParaRPr lang="en-NL"/>
+              <a:rPr lang="en-US" dirty="0"/>
+              <a:t>Image classification</a:t>
+            </a:r>
+            <a:endParaRPr lang="en-NL" dirty="0"/>
           </a:p>
         </p:txBody>
       </p:sp>
@@ -9504,7 +10143,7 @@
           <p:cNvPr id="3" name="Content Placeholder 2">
             <a:extLst>
               <a:ext uri="{FF2B5EF4-FFF2-40B4-BE49-F238E27FC236}">
-                <a16:creationId xmlns:a16="http://schemas.microsoft.com/office/drawing/2014/main" id="{6405443A-04F7-4A3C-AC60-5D7E9BF264C6}"/>
+                <a16:creationId xmlns:a16="http://schemas.microsoft.com/office/drawing/2014/main" id="{71E4BC89-4920-4741-B3DB-B7A136648002}"/>
               </a:ext>
             </a:extLst>
           </p:cNvPr>
@@ -9520,14 +10159,836 @@
           <a:bodyPr/>
           <a:lstStyle/>
           <a:p>
-            <a:endParaRPr lang="en-NL"/>
+            <a:r>
+              <a:rPr lang="en-US" dirty="0"/>
+              <a:t>Why not use NN</a:t>
+            </a:r>
+          </a:p>
+          <a:p>
+            <a:r>
+              <a:rPr lang="en-US" dirty="0"/>
+              <a:t>Insert gif</a:t>
+            </a:r>
+            <a:endParaRPr lang="en-NL" dirty="0"/>
           </a:p>
         </p:txBody>
       </p:sp>
     </p:spTree>
     <p:extLst>
       <p:ext uri="{BB962C8B-B14F-4D97-AF65-F5344CB8AC3E}">
-        <p14:creationId xmlns:p14="http://schemas.microsoft.com/office/powerpoint/2010/main" val="931138271"/>
+        <p14:creationId xmlns:p14="http://schemas.microsoft.com/office/powerpoint/2010/main" val="234860269"/>
+      </p:ext>
+    </p:extLst>
+  </p:cSld>
+  <p:clrMapOvr>
+    <a:masterClrMapping/>
+  </p:clrMapOvr>
+</p:sld>
+</file>
+
+<file path=ppt/slides/slide21.xml><?xml version="1.0" encoding="utf-8"?>
+<p:sld xmlns:a="http://schemas.openxmlformats.org/drawingml/2006/main" xmlns:r="http://schemas.openxmlformats.org/officeDocument/2006/relationships" xmlns:p="http://schemas.openxmlformats.org/presentationml/2006/main">
+  <p:cSld>
+    <p:spTree>
+      <p:nvGrpSpPr>
+        <p:cNvPr id="1" name=""/>
+        <p:cNvGrpSpPr/>
+        <p:nvPr/>
+      </p:nvGrpSpPr>
+      <p:grpSpPr>
+        <a:xfrm>
+          <a:off x="0" y="0"/>
+          <a:ext cx="0" cy="0"/>
+          <a:chOff x="0" y="0"/>
+          <a:chExt cx="0" cy="0"/>
+        </a:xfrm>
+      </p:grpSpPr>
+      <p:pic>
+        <p:nvPicPr>
+          <p:cNvPr id="4" name="Picture 3">
+            <a:extLst>
+              <a:ext uri="{FF2B5EF4-FFF2-40B4-BE49-F238E27FC236}">
+                <a16:creationId xmlns:a16="http://schemas.microsoft.com/office/drawing/2014/main" id="{C35D6A4D-DEC2-4922-8044-9F911A63E7CC}"/>
+              </a:ext>
+            </a:extLst>
+          </p:cNvPr>
+          <p:cNvPicPr>
+            <a:picLocks noChangeAspect="1"/>
+          </p:cNvPicPr>
+          <p:nvPr/>
+        </p:nvPicPr>
+        <p:blipFill>
+          <a:blip r:embed="rId2"/>
+          <a:stretch>
+            <a:fillRect/>
+          </a:stretch>
+        </p:blipFill>
+        <p:spPr>
+          <a:xfrm>
+            <a:off x="544130" y="744376"/>
+            <a:ext cx="11096625" cy="5833888"/>
+          </a:xfrm>
+          <a:prstGeom prst="rect">
+            <a:avLst/>
+          </a:prstGeom>
+        </p:spPr>
+      </p:pic>
+      <p:sp>
+        <p:nvSpPr>
+          <p:cNvPr id="2" name="Title 1">
+            <a:extLst>
+              <a:ext uri="{FF2B5EF4-FFF2-40B4-BE49-F238E27FC236}">
+                <a16:creationId xmlns:a16="http://schemas.microsoft.com/office/drawing/2014/main" id="{03D04F4F-7CA9-45BA-ADC6-D4E91F8B75CF}"/>
+              </a:ext>
+            </a:extLst>
+          </p:cNvPr>
+          <p:cNvSpPr>
+            <a:spLocks noGrp="1"/>
+          </p:cNvSpPr>
+          <p:nvPr>
+            <p:ph type="title"/>
+          </p:nvPr>
+        </p:nvSpPr>
+        <p:spPr>
+          <a:xfrm>
+            <a:off x="834642" y="365125"/>
+            <a:ext cx="10515600" cy="1325563"/>
+          </a:xfrm>
+        </p:spPr>
+        <p:txBody>
+          <a:bodyPr/>
+          <a:lstStyle/>
+          <a:p>
+            <a:r>
+              <a:rPr lang="nl-NL" dirty="0" err="1"/>
+              <a:t>Convolutional</a:t>
+            </a:r>
+            <a:r>
+              <a:rPr lang="nl-NL" dirty="0"/>
+              <a:t> </a:t>
+            </a:r>
+            <a:r>
+              <a:rPr lang="nl-NL" dirty="0" err="1"/>
+              <a:t>Neural</a:t>
+            </a:r>
+            <a:r>
+              <a:rPr lang="nl-NL" dirty="0"/>
+              <a:t> Network</a:t>
+            </a:r>
+            <a:endParaRPr lang="en-NL" dirty="0"/>
+          </a:p>
+        </p:txBody>
+      </p:sp>
+      <p:sp>
+        <p:nvSpPr>
+          <p:cNvPr id="5" name="TextBox 4">
+            <a:extLst>
+              <a:ext uri="{FF2B5EF4-FFF2-40B4-BE49-F238E27FC236}">
+                <a16:creationId xmlns:a16="http://schemas.microsoft.com/office/drawing/2014/main" id="{3FD3CF14-911A-4DF2-AC3A-5065E7BAA14A}"/>
+              </a:ext>
+            </a:extLst>
+          </p:cNvPr>
+          <p:cNvSpPr txBox="1"/>
+          <p:nvPr/>
+        </p:nvSpPr>
+        <p:spPr>
+          <a:xfrm>
+            <a:off x="95250" y="6301690"/>
+            <a:ext cx="11334750" cy="523220"/>
+          </a:xfrm>
+          <a:prstGeom prst="rect">
+            <a:avLst/>
+          </a:prstGeom>
+          <a:noFill/>
+        </p:spPr>
+        <p:txBody>
+          <a:bodyPr wrap="square" rtlCol="0">
+            <a:spAutoFit/>
+          </a:bodyPr>
+          <a:lstStyle/>
+          <a:p>
+            <a:r>
+              <a:rPr lang="en-US" sz="1400" i="1" dirty="0"/>
+              <a:t>Source:</a:t>
+            </a:r>
+            <a:br>
+              <a:rPr lang="en-US" sz="1400" i="1" dirty="0"/>
+            </a:br>
+            <a:r>
+              <a:rPr lang="en-US" sz="1400" i="1" dirty="0"/>
+              <a:t>https://towardsdatascience.com/a-comprehensive-guide-to-convolutional-neural-networks-the-eli5-way-3bd2b1164a53</a:t>
+            </a:r>
+            <a:endParaRPr lang="en-NL" sz="1400" i="1" dirty="0"/>
+          </a:p>
+        </p:txBody>
+      </p:sp>
+    </p:spTree>
+    <p:extLst>
+      <p:ext uri="{BB962C8B-B14F-4D97-AF65-F5344CB8AC3E}">
+        <p14:creationId xmlns:p14="http://schemas.microsoft.com/office/powerpoint/2010/main" val="1505611136"/>
+      </p:ext>
+    </p:extLst>
+  </p:cSld>
+  <p:clrMapOvr>
+    <a:masterClrMapping/>
+  </p:clrMapOvr>
+</p:sld>
+</file>
+
+<file path=ppt/slides/slide22.xml><?xml version="1.0" encoding="utf-8"?>
+<p:sld xmlns:a="http://schemas.openxmlformats.org/drawingml/2006/main" xmlns:r="http://schemas.openxmlformats.org/officeDocument/2006/relationships" xmlns:p="http://schemas.openxmlformats.org/presentationml/2006/main">
+  <p:cSld>
+    <p:spTree>
+      <p:nvGrpSpPr>
+        <p:cNvPr id="1" name=""/>
+        <p:cNvGrpSpPr/>
+        <p:nvPr/>
+      </p:nvGrpSpPr>
+      <p:grpSpPr>
+        <a:xfrm>
+          <a:off x="0" y="0"/>
+          <a:ext cx="0" cy="0"/>
+          <a:chOff x="0" y="0"/>
+          <a:chExt cx="0" cy="0"/>
+        </a:xfrm>
+      </p:grpSpPr>
+      <p:pic>
+        <p:nvPicPr>
+          <p:cNvPr id="19" name="Picture 18" descr="Shape&#10;&#10;Description automatically generated">
+            <a:extLst>
+              <a:ext uri="{FF2B5EF4-FFF2-40B4-BE49-F238E27FC236}">
+                <a16:creationId xmlns:a16="http://schemas.microsoft.com/office/drawing/2014/main" id="{1E59BB01-7027-424D-B087-B857EB2B47FD}"/>
+              </a:ext>
+            </a:extLst>
+          </p:cNvPr>
+          <p:cNvPicPr>
+            <a:picLocks noChangeAspect="1"/>
+          </p:cNvPicPr>
+          <p:nvPr/>
+        </p:nvPicPr>
+        <p:blipFill>
+          <a:blip r:embed="rId2">
+            <a:extLst>
+              <a:ext uri="{28A0092B-C50C-407E-A947-70E740481C1C}">
+                <a14:useLocalDpi xmlns:a14="http://schemas.microsoft.com/office/drawing/2010/main" val="0"/>
+              </a:ext>
+            </a:extLst>
+          </a:blip>
+          <a:stretch>
+            <a:fillRect/>
+          </a:stretch>
+        </p:blipFill>
+        <p:spPr>
+          <a:xfrm>
+            <a:off x="5933320" y="143240"/>
+            <a:ext cx="3524250" cy="4006046"/>
+          </a:xfrm>
+          <a:prstGeom prst="rect">
+            <a:avLst/>
+          </a:prstGeom>
+        </p:spPr>
+      </p:pic>
+      <p:pic>
+        <p:nvPicPr>
+          <p:cNvPr id="20" name="Picture 19">
+            <a:extLst>
+              <a:ext uri="{FF2B5EF4-FFF2-40B4-BE49-F238E27FC236}">
+                <a16:creationId xmlns:a16="http://schemas.microsoft.com/office/drawing/2014/main" id="{FFE53D63-921A-457C-8431-6913E83F9D0A}"/>
+              </a:ext>
+            </a:extLst>
+          </p:cNvPr>
+          <p:cNvPicPr>
+            <a:picLocks noChangeAspect="1"/>
+          </p:cNvPicPr>
+          <p:nvPr/>
+        </p:nvPicPr>
+        <p:blipFill>
+          <a:blip r:embed="rId3"/>
+          <a:stretch>
+            <a:fillRect/>
+          </a:stretch>
+        </p:blipFill>
+        <p:spPr>
+          <a:xfrm>
+            <a:off x="169867" y="965046"/>
+            <a:ext cx="5916018" cy="3453241"/>
+          </a:xfrm>
+          <a:prstGeom prst="rect">
+            <a:avLst/>
+          </a:prstGeom>
+        </p:spPr>
+      </p:pic>
+      <p:pic>
+        <p:nvPicPr>
+          <p:cNvPr id="21" name="Picture 20">
+            <a:extLst>
+              <a:ext uri="{FF2B5EF4-FFF2-40B4-BE49-F238E27FC236}">
+                <a16:creationId xmlns:a16="http://schemas.microsoft.com/office/drawing/2014/main" id="{A7B7E9D8-3151-428A-9E34-BE743961583B}"/>
+              </a:ext>
+            </a:extLst>
+          </p:cNvPr>
+          <p:cNvPicPr>
+            <a:picLocks noChangeAspect="1"/>
+          </p:cNvPicPr>
+          <p:nvPr/>
+        </p:nvPicPr>
+        <p:blipFill>
+          <a:blip r:embed="rId4"/>
+          <a:stretch>
+            <a:fillRect/>
+          </a:stretch>
+        </p:blipFill>
+        <p:spPr>
+          <a:xfrm>
+            <a:off x="9002287" y="3385784"/>
+            <a:ext cx="3019846" cy="2362530"/>
+          </a:xfrm>
+          <a:prstGeom prst="rect">
+            <a:avLst/>
+          </a:prstGeom>
+        </p:spPr>
+      </p:pic>
+      <p:grpSp>
+        <p:nvGrpSpPr>
+          <p:cNvPr id="22" name="Group 21">
+            <a:extLst>
+              <a:ext uri="{FF2B5EF4-FFF2-40B4-BE49-F238E27FC236}">
+                <a16:creationId xmlns:a16="http://schemas.microsoft.com/office/drawing/2014/main" id="{ADE72C43-4057-4CA1-B038-7C0535095983}"/>
+              </a:ext>
+            </a:extLst>
+          </p:cNvPr>
+          <p:cNvGrpSpPr/>
+          <p:nvPr/>
+        </p:nvGrpSpPr>
+        <p:grpSpPr>
+          <a:xfrm>
+            <a:off x="9002287" y="643122"/>
+            <a:ext cx="1780200" cy="2484720"/>
+            <a:chOff x="8791245" y="1494105"/>
+            <a:chExt cx="1780200" cy="2484720"/>
+          </a:xfrm>
+        </p:grpSpPr>
+        <mc:AlternateContent xmlns:mc="http://schemas.openxmlformats.org/markup-compatibility/2006" xmlns:p14="http://schemas.microsoft.com/office/powerpoint/2010/main">
+          <mc:Choice Requires="p14">
+            <p:contentPart p14:bwMode="auto" r:id="rId5">
+              <p14:nvContentPartPr>
+                <p14:cNvPr id="23" name="Ink 22">
+                  <a:extLst>
+                    <a:ext uri="{FF2B5EF4-FFF2-40B4-BE49-F238E27FC236}">
+                      <a16:creationId xmlns:a16="http://schemas.microsoft.com/office/drawing/2014/main" id="{D3F041D4-A1C8-43CD-B243-EAA80C46738C}"/>
+                    </a:ext>
+                  </a:extLst>
+                </p14:cNvPr>
+                <p14:cNvContentPartPr/>
+                <p14:nvPr/>
+              </p14:nvContentPartPr>
+              <p14:xfrm>
+                <a:off x="8791245" y="1494105"/>
+                <a:ext cx="1696320" cy="2372040"/>
+              </p14:xfrm>
+            </p:contentPart>
+          </mc:Choice>
+          <mc:Fallback xmlns="">
+            <p:pic>
+              <p:nvPicPr>
+                <p:cNvPr id="25" name="Ink 24">
+                  <a:extLst>
+                    <a:ext uri="{FF2B5EF4-FFF2-40B4-BE49-F238E27FC236}">
+                      <a16:creationId xmlns:a16="http://schemas.microsoft.com/office/drawing/2014/main" id="{3B2F6048-A33F-401C-B3D5-3E707FCCBEE0}"/>
+                    </a:ext>
+                  </a:extLst>
+                </p:cNvPr>
+                <p:cNvPicPr/>
+                <p:nvPr/>
+              </p:nvPicPr>
+              <p:blipFill>
+                <a:blip r:embed="rId8"/>
+                <a:stretch>
+                  <a:fillRect/>
+                </a:stretch>
+              </p:blipFill>
+              <p:spPr>
+                <a:xfrm>
+                  <a:off x="8782605" y="1485465"/>
+                  <a:ext cx="1713960" cy="2389680"/>
+                </a:xfrm>
+                <a:prstGeom prst="rect">
+                  <a:avLst/>
+                </a:prstGeom>
+              </p:spPr>
+            </p:pic>
+          </mc:Fallback>
+        </mc:AlternateContent>
+        <mc:AlternateContent xmlns:mc="http://schemas.openxmlformats.org/markup-compatibility/2006" xmlns:p14="http://schemas.microsoft.com/office/powerpoint/2010/main">
+          <mc:Choice Requires="p14">
+            <p:contentPart p14:bwMode="auto" r:id="rId9">
+              <p14:nvContentPartPr>
+                <p14:cNvPr id="24" name="Ink 23">
+                  <a:extLst>
+                    <a:ext uri="{FF2B5EF4-FFF2-40B4-BE49-F238E27FC236}">
+                      <a16:creationId xmlns:a16="http://schemas.microsoft.com/office/drawing/2014/main" id="{8E5B822A-B2D0-41A9-B7FA-93EF1B3C6199}"/>
+                    </a:ext>
+                  </a:extLst>
+                </p14:cNvPr>
+                <p14:cNvContentPartPr/>
+                <p14:nvPr/>
+              </p14:nvContentPartPr>
+              <p14:xfrm>
+                <a:off x="10400805" y="3800265"/>
+                <a:ext cx="170640" cy="178560"/>
+              </p14:xfrm>
+            </p:contentPart>
+          </mc:Choice>
+          <mc:Fallback xmlns="">
+            <p:pic>
+              <p:nvPicPr>
+                <p:cNvPr id="26" name="Ink 25">
+                  <a:extLst>
+                    <a:ext uri="{FF2B5EF4-FFF2-40B4-BE49-F238E27FC236}">
+                      <a16:creationId xmlns:a16="http://schemas.microsoft.com/office/drawing/2014/main" id="{770A20AC-DEB6-4C6B-A003-AE82E2B0B81D}"/>
+                    </a:ext>
+                  </a:extLst>
+                </p:cNvPr>
+                <p:cNvPicPr/>
+                <p:nvPr/>
+              </p:nvPicPr>
+              <p:blipFill>
+                <a:blip r:embed="rId10"/>
+                <a:stretch>
+                  <a:fillRect/>
+                </a:stretch>
+              </p:blipFill>
+              <p:spPr>
+                <a:xfrm>
+                  <a:off x="10392165" y="3791265"/>
+                  <a:ext cx="188280" cy="196200"/>
+                </a:xfrm>
+                <a:prstGeom prst="rect">
+                  <a:avLst/>
+                </a:prstGeom>
+              </p:spPr>
+            </p:pic>
+          </mc:Fallback>
+        </mc:AlternateContent>
+      </p:grpSp>
+      <p:sp>
+        <p:nvSpPr>
+          <p:cNvPr id="25" name="Title 1">
+            <a:extLst>
+              <a:ext uri="{FF2B5EF4-FFF2-40B4-BE49-F238E27FC236}">
+                <a16:creationId xmlns:a16="http://schemas.microsoft.com/office/drawing/2014/main" id="{F914BDCA-A432-44AB-A15B-2D35C79DA5D9}"/>
+              </a:ext>
+            </a:extLst>
+          </p:cNvPr>
+          <p:cNvSpPr>
+            <a:spLocks noGrp="1"/>
+          </p:cNvSpPr>
+          <p:nvPr>
+            <p:ph type="title"/>
+          </p:nvPr>
+        </p:nvSpPr>
+        <p:spPr>
+          <a:xfrm>
+            <a:off x="361950" y="-91517"/>
+            <a:ext cx="10515600" cy="1325563"/>
+          </a:xfrm>
+        </p:spPr>
+        <p:txBody>
+          <a:bodyPr/>
+          <a:lstStyle/>
+          <a:p>
+            <a:r>
+              <a:rPr lang="en-US" dirty="0"/>
+              <a:t>Convolutions</a:t>
+            </a:r>
+            <a:endParaRPr lang="en-NL" dirty="0"/>
+          </a:p>
+        </p:txBody>
+      </p:sp>
+      <p:pic>
+        <p:nvPicPr>
+          <p:cNvPr id="26" name="Picture 25">
+            <a:extLst>
+              <a:ext uri="{FF2B5EF4-FFF2-40B4-BE49-F238E27FC236}">
+                <a16:creationId xmlns:a16="http://schemas.microsoft.com/office/drawing/2014/main" id="{B612DD69-1079-4363-854B-9A2C674C2564}"/>
+              </a:ext>
+            </a:extLst>
+          </p:cNvPr>
+          <p:cNvPicPr>
+            <a:picLocks noChangeAspect="1"/>
+          </p:cNvPicPr>
+          <p:nvPr/>
+        </p:nvPicPr>
+        <p:blipFill>
+          <a:blip r:embed="rId11"/>
+          <a:stretch>
+            <a:fillRect/>
+          </a:stretch>
+        </p:blipFill>
+        <p:spPr>
+          <a:xfrm>
+            <a:off x="809006" y="4846315"/>
+            <a:ext cx="1428949" cy="1381318"/>
+          </a:xfrm>
+          <a:prstGeom prst="rect">
+            <a:avLst/>
+          </a:prstGeom>
+        </p:spPr>
+      </p:pic>
+      <p:grpSp>
+        <p:nvGrpSpPr>
+          <p:cNvPr id="27" name="Group 26">
+            <a:extLst>
+              <a:ext uri="{FF2B5EF4-FFF2-40B4-BE49-F238E27FC236}">
+                <a16:creationId xmlns:a16="http://schemas.microsoft.com/office/drawing/2014/main" id="{A20AD25F-F99F-4CC9-B510-6912137E8EB4}"/>
+              </a:ext>
+            </a:extLst>
+          </p:cNvPr>
+          <p:cNvGrpSpPr/>
+          <p:nvPr/>
+        </p:nvGrpSpPr>
+        <p:grpSpPr>
+          <a:xfrm rot="733366">
+            <a:off x="3110868" y="4630568"/>
+            <a:ext cx="5378505" cy="240480"/>
+            <a:chOff x="5937726" y="5514632"/>
+            <a:chExt cx="2869560" cy="240480"/>
+          </a:xfrm>
+        </p:grpSpPr>
+        <mc:AlternateContent xmlns:mc="http://schemas.openxmlformats.org/markup-compatibility/2006" xmlns:p14="http://schemas.microsoft.com/office/powerpoint/2010/main">
+          <mc:Choice Requires="p14">
+            <p:contentPart p14:bwMode="auto" r:id="rId12">
+              <p14:nvContentPartPr>
+                <p14:cNvPr id="28" name="Ink 27">
+                  <a:extLst>
+                    <a:ext uri="{FF2B5EF4-FFF2-40B4-BE49-F238E27FC236}">
+                      <a16:creationId xmlns:a16="http://schemas.microsoft.com/office/drawing/2014/main" id="{13A69F9D-0009-49A6-A308-7B9C4E609227}"/>
+                    </a:ext>
+                  </a:extLst>
+                </p14:cNvPr>
+                <p14:cNvContentPartPr/>
+                <p14:nvPr/>
+              </p14:nvContentPartPr>
+              <p14:xfrm>
+                <a:off x="6151206" y="5629832"/>
+                <a:ext cx="2656080" cy="51480"/>
+              </p14:xfrm>
+            </p:contentPart>
+          </mc:Choice>
+          <mc:Fallback xmlns="">
+            <p:pic>
+              <p:nvPicPr>
+                <p:cNvPr id="5" name="Ink 4">
+                  <a:extLst>
+                    <a:ext uri="{FF2B5EF4-FFF2-40B4-BE49-F238E27FC236}">
+                      <a16:creationId xmlns:a16="http://schemas.microsoft.com/office/drawing/2014/main" id="{D5CE8377-4EA7-4EED-9F09-B5E9886B9D92}"/>
+                    </a:ext>
+                  </a:extLst>
+                </p:cNvPr>
+                <p:cNvPicPr/>
+                <p:nvPr/>
+              </p:nvPicPr>
+              <p:blipFill>
+                <a:blip r:embed="rId13"/>
+                <a:stretch>
+                  <a:fillRect/>
+                </a:stretch>
+              </p:blipFill>
+              <p:spPr>
+                <a:xfrm>
+                  <a:off x="6142566" y="5621192"/>
+                  <a:ext cx="2673720" cy="69120"/>
+                </a:xfrm>
+                <a:prstGeom prst="rect">
+                  <a:avLst/>
+                </a:prstGeom>
+              </p:spPr>
+            </p:pic>
+          </mc:Fallback>
+        </mc:AlternateContent>
+        <mc:AlternateContent xmlns:mc="http://schemas.openxmlformats.org/markup-compatibility/2006" xmlns:p14="http://schemas.microsoft.com/office/powerpoint/2010/main">
+          <mc:Choice Requires="p14">
+            <p:contentPart p14:bwMode="auto" r:id="rId14">
+              <p14:nvContentPartPr>
+                <p14:cNvPr id="29" name="Ink 28">
+                  <a:extLst>
+                    <a:ext uri="{FF2B5EF4-FFF2-40B4-BE49-F238E27FC236}">
+                      <a16:creationId xmlns:a16="http://schemas.microsoft.com/office/drawing/2014/main" id="{E842494B-4728-4D58-B7EE-48AA4B3ED7C6}"/>
+                    </a:ext>
+                  </a:extLst>
+                </p14:cNvPr>
+                <p14:cNvContentPartPr/>
+                <p14:nvPr/>
+              </p14:nvContentPartPr>
+              <p14:xfrm>
+                <a:off x="5937726" y="5514632"/>
+                <a:ext cx="212400" cy="240480"/>
+              </p14:xfrm>
+            </p:contentPart>
+          </mc:Choice>
+          <mc:Fallback xmlns="">
+            <p:pic>
+              <p:nvPicPr>
+                <p:cNvPr id="6" name="Ink 5">
+                  <a:extLst>
+                    <a:ext uri="{FF2B5EF4-FFF2-40B4-BE49-F238E27FC236}">
+                      <a16:creationId xmlns:a16="http://schemas.microsoft.com/office/drawing/2014/main" id="{4048D7B2-8E5D-495E-A3B4-AE50645B5CA3}"/>
+                    </a:ext>
+                  </a:extLst>
+                </p:cNvPr>
+                <p:cNvPicPr/>
+                <p:nvPr/>
+              </p:nvPicPr>
+              <p:blipFill>
+                <a:blip r:embed="rId15"/>
+                <a:stretch>
+                  <a:fillRect/>
+                </a:stretch>
+              </p:blipFill>
+              <p:spPr>
+                <a:xfrm>
+                  <a:off x="5929086" y="5505632"/>
+                  <a:ext cx="230040" cy="258120"/>
+                </a:xfrm>
+                <a:prstGeom prst="rect">
+                  <a:avLst/>
+                </a:prstGeom>
+              </p:spPr>
+            </p:pic>
+          </mc:Fallback>
+        </mc:AlternateContent>
+      </p:grpSp>
+      <p:sp>
+        <p:nvSpPr>
+          <p:cNvPr id="30" name="TextBox 29">
+            <a:extLst>
+              <a:ext uri="{FF2B5EF4-FFF2-40B4-BE49-F238E27FC236}">
+                <a16:creationId xmlns:a16="http://schemas.microsoft.com/office/drawing/2014/main" id="{88D76D4C-A760-4094-8DE5-3F878FBE5E90}"/>
+              </a:ext>
+            </a:extLst>
+          </p:cNvPr>
+          <p:cNvSpPr txBox="1"/>
+          <p:nvPr/>
+        </p:nvSpPr>
+        <p:spPr>
+          <a:xfrm>
+            <a:off x="834313" y="4473984"/>
+            <a:ext cx="1553769" cy="369332"/>
+          </a:xfrm>
+          <a:prstGeom prst="rect">
+            <a:avLst/>
+          </a:prstGeom>
+          <a:noFill/>
+        </p:spPr>
+        <p:txBody>
+          <a:bodyPr wrap="square" rtlCol="0">
+            <a:spAutoFit/>
+          </a:bodyPr>
+          <a:lstStyle/>
+          <a:p>
+            <a:r>
+              <a:rPr lang="en-US" dirty="0"/>
+              <a:t>Feature map</a:t>
+            </a:r>
+            <a:endParaRPr lang="en-NL" dirty="0"/>
+          </a:p>
+        </p:txBody>
+      </p:sp>
+      <p:sp>
+        <p:nvSpPr>
+          <p:cNvPr id="31" name="TextBox 30">
+            <a:extLst>
+              <a:ext uri="{FF2B5EF4-FFF2-40B4-BE49-F238E27FC236}">
+                <a16:creationId xmlns:a16="http://schemas.microsoft.com/office/drawing/2014/main" id="{71B7AB1D-04F7-4AA2-A0BC-305FCA640245}"/>
+              </a:ext>
+            </a:extLst>
+          </p:cNvPr>
+          <p:cNvSpPr txBox="1"/>
+          <p:nvPr/>
+        </p:nvSpPr>
+        <p:spPr>
+          <a:xfrm>
+            <a:off x="5781873" y="4301254"/>
+            <a:ext cx="1553769" cy="369332"/>
+          </a:xfrm>
+          <a:prstGeom prst="rect">
+            <a:avLst/>
+          </a:prstGeom>
+          <a:noFill/>
+        </p:spPr>
+        <p:txBody>
+          <a:bodyPr wrap="square" rtlCol="0">
+            <a:spAutoFit/>
+          </a:bodyPr>
+          <a:lstStyle/>
+          <a:p>
+            <a:r>
+              <a:rPr lang="en-US" dirty="0" err="1"/>
+              <a:t>Maxpooling</a:t>
+            </a:r>
+            <a:endParaRPr lang="en-NL" dirty="0"/>
+          </a:p>
+        </p:txBody>
+      </p:sp>
+      <p:sp>
+        <p:nvSpPr>
+          <p:cNvPr id="32" name="TextBox 31">
+            <a:extLst>
+              <a:ext uri="{FF2B5EF4-FFF2-40B4-BE49-F238E27FC236}">
+                <a16:creationId xmlns:a16="http://schemas.microsoft.com/office/drawing/2014/main" id="{71A852CB-00B2-46FE-A025-6751665709CC}"/>
+              </a:ext>
+            </a:extLst>
+          </p:cNvPr>
+          <p:cNvSpPr txBox="1"/>
+          <p:nvPr/>
+        </p:nvSpPr>
+        <p:spPr>
+          <a:xfrm>
+            <a:off x="2388082" y="5075309"/>
+            <a:ext cx="2995392" cy="923330"/>
+          </a:xfrm>
+          <a:prstGeom prst="rect">
+            <a:avLst/>
+          </a:prstGeom>
+          <a:noFill/>
+        </p:spPr>
+        <p:txBody>
+          <a:bodyPr wrap="square" rtlCol="0">
+            <a:spAutoFit/>
+          </a:bodyPr>
+          <a:lstStyle/>
+          <a:p>
+            <a:r>
+              <a:rPr lang="en-US" dirty="0"/>
+              <a:t>At the last layer of the architecture, it might look something like this… </a:t>
+            </a:r>
+            <a:endParaRPr lang="en-NL" dirty="0"/>
+          </a:p>
+        </p:txBody>
+      </p:sp>
+      <p:sp>
+        <p:nvSpPr>
+          <p:cNvPr id="33" name="Slide Number Placeholder 14">
+            <a:extLst>
+              <a:ext uri="{FF2B5EF4-FFF2-40B4-BE49-F238E27FC236}">
+                <a16:creationId xmlns:a16="http://schemas.microsoft.com/office/drawing/2014/main" id="{16C9D100-5C7E-49FD-8D9F-C2CDC12932D3}"/>
+              </a:ext>
+            </a:extLst>
+          </p:cNvPr>
+          <p:cNvSpPr>
+            <a:spLocks noGrp="1"/>
+          </p:cNvSpPr>
+          <p:nvPr>
+            <p:ph type="sldNum" sz="quarter" idx="12"/>
+          </p:nvPr>
+        </p:nvSpPr>
+        <p:spPr>
+          <a:xfrm>
+            <a:off x="9900458" y="6459785"/>
+            <a:ext cx="1312025" cy="365125"/>
+          </a:xfrm>
+        </p:spPr>
+        <p:txBody>
+          <a:bodyPr/>
+          <a:lstStyle/>
+          <a:p>
+            <a:fld id="{9C43744A-E2CB-4CEE-8002-787CD845CF77}" type="slidenum">
+              <a:rPr lang="en-NL" smtClean="0"/>
+              <a:pPr/>
+              <a:t>22</a:t>
+            </a:fld>
+            <a:r>
+              <a:rPr lang="en-US"/>
+              <a:t>/34</a:t>
+            </a:r>
+            <a:endParaRPr lang="en-NL" dirty="0"/>
+          </a:p>
+        </p:txBody>
+      </p:sp>
+    </p:spTree>
+    <p:extLst>
+      <p:ext uri="{BB962C8B-B14F-4D97-AF65-F5344CB8AC3E}">
+        <p14:creationId xmlns:p14="http://schemas.microsoft.com/office/powerpoint/2010/main" val="3785066101"/>
+      </p:ext>
+    </p:extLst>
+  </p:cSld>
+  <p:clrMapOvr>
+    <a:masterClrMapping/>
+  </p:clrMapOvr>
+</p:sld>
+</file>
+
+<file path=ppt/slides/slide23.xml><?xml version="1.0" encoding="utf-8"?>
+<p:sld xmlns:a="http://schemas.openxmlformats.org/drawingml/2006/main" xmlns:r="http://schemas.openxmlformats.org/officeDocument/2006/relationships" xmlns:p="http://schemas.openxmlformats.org/presentationml/2006/main">
+  <p:cSld>
+    <p:spTree>
+      <p:nvGrpSpPr>
+        <p:cNvPr id="1" name=""/>
+        <p:cNvGrpSpPr/>
+        <p:nvPr/>
+      </p:nvGrpSpPr>
+      <p:grpSpPr>
+        <a:xfrm>
+          <a:off x="0" y="0"/>
+          <a:ext cx="0" cy="0"/>
+          <a:chOff x="0" y="0"/>
+          <a:chExt cx="0" cy="0"/>
+        </a:xfrm>
+      </p:grpSpPr>
+      <p:sp>
+        <p:nvSpPr>
+          <p:cNvPr id="2" name="Title 1">
+            <a:extLst>
+              <a:ext uri="{FF2B5EF4-FFF2-40B4-BE49-F238E27FC236}">
+                <a16:creationId xmlns:a16="http://schemas.microsoft.com/office/drawing/2014/main" id="{42ECDE0F-08A7-49F0-9A34-F640AABF322C}"/>
+              </a:ext>
+            </a:extLst>
+          </p:cNvPr>
+          <p:cNvSpPr>
+            <a:spLocks noGrp="1"/>
+          </p:cNvSpPr>
+          <p:nvPr>
+            <p:ph type="title"/>
+          </p:nvPr>
+        </p:nvSpPr>
+        <p:spPr/>
+        <p:txBody>
+          <a:bodyPr/>
+          <a:lstStyle/>
+          <a:p>
+            <a:endParaRPr lang="en-NL"/>
+          </a:p>
+        </p:txBody>
+      </p:sp>
+      <p:sp>
+        <p:nvSpPr>
+          <p:cNvPr id="3" name="Content Placeholder 2">
+            <a:extLst>
+              <a:ext uri="{FF2B5EF4-FFF2-40B4-BE49-F238E27FC236}">
+                <a16:creationId xmlns:a16="http://schemas.microsoft.com/office/drawing/2014/main" id="{A134EFEB-0F0F-49BD-9549-7FFC9894D012}"/>
+              </a:ext>
+            </a:extLst>
+          </p:cNvPr>
+          <p:cNvSpPr>
+            <a:spLocks noGrp="1"/>
+          </p:cNvSpPr>
+          <p:nvPr>
+            <p:ph idx="1"/>
+          </p:nvPr>
+        </p:nvSpPr>
+        <p:spPr/>
+        <p:txBody>
+          <a:bodyPr/>
+          <a:lstStyle/>
+          <a:p>
+            <a:endParaRPr lang="en-NL"/>
+          </a:p>
+        </p:txBody>
+      </p:sp>
+    </p:spTree>
+    <p:extLst>
+      <p:ext uri="{BB962C8B-B14F-4D97-AF65-F5344CB8AC3E}">
+        <p14:creationId xmlns:p14="http://schemas.microsoft.com/office/powerpoint/2010/main" val="1600709919"/>
       </p:ext>
     </p:extLst>
   </p:cSld>
@@ -9779,8 +11240,8 @@
           </a:p>
         </p:txBody>
       </p:sp>
-      <mc:AlternateContent xmlns:mc="http://schemas.openxmlformats.org/markup-compatibility/2006" xmlns:a14="http://schemas.microsoft.com/office/drawing/2010/main">
-        <mc:Choice Requires="a14">
+      <mc:AlternateContent xmlns:mc="http://schemas.openxmlformats.org/markup-compatibility/2006">
+        <mc:Choice xmlns:a14="http://schemas.microsoft.com/office/drawing/2010/main" Requires="a14">
           <p:sp>
             <p:nvSpPr>
               <p:cNvPr id="4" name="Oval 3">
@@ -9824,86 +11285,132 @@
               <a:p>
                 <a:pPr algn="ctr"/>
                 <a14:m>
-                  <m:oMath xmlns:m="http://schemas.openxmlformats.org/officeDocument/2006/math">
-                    <m:r>
-                      <a:rPr lang="en-US" sz="1600" b="0" i="1" smtClean="0">
-                        <a:latin typeface="Cambria Math" panose="02040503050406030204" pitchFamily="18" charset="0"/>
-                      </a:rPr>
-                      <m:t>∑</m:t>
-                    </m:r>
-                    <m:d>
-                      <m:dPr>
-                        <m:ctrlPr>
-                          <a:rPr lang="en-US" sz="1600" b="0" i="1" smtClean="0">
-                            <a:latin typeface="Cambria Math" panose="02040503050406030204" pitchFamily="18" charset="0"/>
-                          </a:rPr>
-                        </m:ctrlPr>
-                      </m:dPr>
-                      <m:e>
-                        <m:sSub>
-                          <m:sSubPr>
-                            <m:ctrlPr>
-                              <a:rPr lang="en-US" sz="1600" b="0" i="1" smtClean="0">
-                                <a:latin typeface="Cambria Math" panose="02040503050406030204" pitchFamily="18" charset="0"/>
-                              </a:rPr>
-                            </m:ctrlPr>
-                          </m:sSubPr>
-                          <m:e>
-                            <m:r>
-                              <a:rPr lang="en-US" sz="1600" b="0" i="1" smtClean="0">
-                                <a:latin typeface="Cambria Math" panose="02040503050406030204" pitchFamily="18" charset="0"/>
-                              </a:rPr>
-                              <m:t>𝑤</m:t>
-                            </m:r>
-                          </m:e>
-                          <m:sub>
-                            <m:r>
-                              <a:rPr lang="en-US" sz="1600" b="0" i="1" smtClean="0">
-                                <a:latin typeface="Cambria Math" panose="02040503050406030204" pitchFamily="18" charset="0"/>
-                              </a:rPr>
-                              <m:t>𝑖</m:t>
-                            </m:r>
-                          </m:sub>
-                        </m:sSub>
-                        <m:sSub>
-                          <m:sSubPr>
-                            <m:ctrlPr>
-                              <a:rPr lang="en-US" sz="1600" b="0" i="1" smtClean="0">
-                                <a:latin typeface="Cambria Math" panose="02040503050406030204" pitchFamily="18" charset="0"/>
-                              </a:rPr>
-                            </m:ctrlPr>
-                          </m:sSubPr>
-                          <m:e>
-                            <m:r>
-                              <a:rPr lang="en-US" sz="1600" b="0" i="1" smtClean="0">
-                                <a:latin typeface="Cambria Math" panose="02040503050406030204" pitchFamily="18" charset="0"/>
-                              </a:rPr>
-                              <m:t>𝑥</m:t>
-                            </m:r>
-                          </m:e>
-                          <m:sub>
-                            <m:r>
-                              <a:rPr lang="en-US" sz="1600" b="0" i="1" smtClean="0">
-                                <a:latin typeface="Cambria Math" panose="02040503050406030204" pitchFamily="18" charset="0"/>
-                              </a:rPr>
-                              <m:t>𝑖</m:t>
-                            </m:r>
-                          </m:sub>
-                        </m:sSub>
-                      </m:e>
-                    </m:d>
-                  </m:oMath>
+                  <m:oMathPara xmlns:m="http://schemas.openxmlformats.org/officeDocument/2006/math">
+                    <m:oMathParaPr>
+                      <m:jc m:val="centerGroup"/>
+                    </m:oMathParaPr>
+                    <m:oMath xmlns:m="http://schemas.openxmlformats.org/officeDocument/2006/math">
+                      <m:nary>
+                        <m:naryPr>
+                          <m:chr m:val="∑"/>
+                          <m:ctrlPr>
+                            <a:rPr lang="en-US" sz="1600" b="0" i="1" smtClean="0">
+                              <a:latin typeface="Cambria Math" panose="02040503050406030204" pitchFamily="18" charset="0"/>
+                            </a:rPr>
+                          </m:ctrlPr>
+                        </m:naryPr>
+                        <m:sub>
+                          <m:r>
+                            <m:rPr>
+                              <m:brk m:alnAt="23"/>
+                            </m:rPr>
+                            <a:rPr lang="nl-NL" sz="1600" b="0" i="1" smtClean="0">
+                              <a:latin typeface="Cambria Math" panose="02040503050406030204" pitchFamily="18" charset="0"/>
+                            </a:rPr>
+                            <m:t>𝑖</m:t>
+                          </m:r>
+                          <m:r>
+                            <a:rPr lang="nl-NL" sz="1600" b="0" i="1" smtClean="0">
+                              <a:latin typeface="Cambria Math" panose="02040503050406030204" pitchFamily="18" charset="0"/>
+                            </a:rPr>
+                            <m:t>=1</m:t>
+                          </m:r>
+                        </m:sub>
+                        <m:sup>
+                          <m:r>
+                            <a:rPr lang="nl-NL" sz="1600" b="0" i="1" smtClean="0">
+                              <a:latin typeface="Cambria Math" panose="02040503050406030204" pitchFamily="18" charset="0"/>
+                            </a:rPr>
+                            <m:t>𝑛</m:t>
+                          </m:r>
+                        </m:sup>
+                        <m:e>
+                          <m:d>
+                            <m:dPr>
+                              <m:ctrlPr>
+                                <a:rPr lang="en-US" sz="1600" i="1">
+                                  <a:latin typeface="Cambria Math" panose="02040503050406030204" pitchFamily="18" charset="0"/>
+                                </a:rPr>
+                              </m:ctrlPr>
+                            </m:dPr>
+                            <m:e>
+                              <m:sSub>
+                                <m:sSubPr>
+                                  <m:ctrlPr>
+                                    <a:rPr lang="en-US" sz="1600" i="1">
+                                      <a:latin typeface="Cambria Math" panose="02040503050406030204" pitchFamily="18" charset="0"/>
+                                    </a:rPr>
+                                  </m:ctrlPr>
+                                </m:sSubPr>
+                                <m:e>
+                                  <m:r>
+                                    <a:rPr lang="en-US" sz="1600" i="1">
+                                      <a:latin typeface="Cambria Math" panose="02040503050406030204" pitchFamily="18" charset="0"/>
+                                    </a:rPr>
+                                    <m:t>𝑤</m:t>
+                                  </m:r>
+                                </m:e>
+                                <m:sub>
+                                  <m:r>
+                                    <a:rPr lang="en-US" sz="1600" i="1">
+                                      <a:latin typeface="Cambria Math" panose="02040503050406030204" pitchFamily="18" charset="0"/>
+                                    </a:rPr>
+                                    <m:t>𝑖</m:t>
+                                  </m:r>
+                                </m:sub>
+                              </m:sSub>
+                              <m:sSub>
+                                <m:sSubPr>
+                                  <m:ctrlPr>
+                                    <a:rPr lang="en-US" sz="1600" i="1">
+                                      <a:latin typeface="Cambria Math" panose="02040503050406030204" pitchFamily="18" charset="0"/>
+                                    </a:rPr>
+                                  </m:ctrlPr>
+                                </m:sSubPr>
+                                <m:e>
+                                  <m:r>
+                                    <a:rPr lang="en-US" sz="1600" i="1">
+                                      <a:latin typeface="Cambria Math" panose="02040503050406030204" pitchFamily="18" charset="0"/>
+                                    </a:rPr>
+                                    <m:t>𝑥</m:t>
+                                  </m:r>
+                                </m:e>
+                                <m:sub>
+                                  <m:r>
+                                    <a:rPr lang="en-US" sz="1600" i="1">
+                                      <a:latin typeface="Cambria Math" panose="02040503050406030204" pitchFamily="18" charset="0"/>
+                                    </a:rPr>
+                                    <m:t>𝑖</m:t>
+                                  </m:r>
+                                </m:sub>
+                              </m:sSub>
+                            </m:e>
+                          </m:d>
+                          <m:r>
+                            <m:rPr>
+                              <m:nor/>
+                            </m:rPr>
+                            <a:rPr lang="en-US" sz="1600" dirty="0"/>
+                            <m:t>+</m:t>
+                          </m:r>
+                          <m:r>
+                            <m:rPr>
+                              <m:nor/>
+                            </m:rPr>
+                            <a:rPr lang="en-US" sz="1600" dirty="0"/>
+                            <m:t>b</m:t>
+                          </m:r>
+                        </m:e>
+                      </m:nary>
+                    </m:oMath>
+                  </m:oMathPara>
                 </a14:m>
-                <a:r>
-                  <a:rPr lang="en-US" sz="1600" dirty="0"/>
-                  <a:t>+b</a:t>
-                </a:r>
                 <a:endParaRPr lang="en-NL" sz="1600" dirty="0"/>
               </a:p>
             </p:txBody>
           </p:sp>
         </mc:Choice>
-        <mc:Fallback xmlns="">
+        <mc:Fallback>
           <p:sp>
             <p:nvSpPr>
               <p:cNvPr id="4" name="Oval 3">
@@ -10437,6 +11944,576 @@
           </a:prstGeom>
         </p:spPr>
       </p:pic>
+      <mc:AlternateContent xmlns:mc="http://schemas.openxmlformats.org/markup-compatibility/2006">
+        <mc:Choice xmlns:a14="http://schemas.microsoft.com/office/drawing/2010/main" Requires="a14">
+          <p:sp>
+            <p:nvSpPr>
+              <p:cNvPr id="5" name="TextBox 4">
+                <a:extLst>
+                  <a:ext uri="{FF2B5EF4-FFF2-40B4-BE49-F238E27FC236}">
+                    <a16:creationId xmlns:a16="http://schemas.microsoft.com/office/drawing/2014/main" id="{D80CDA03-7708-4304-9EA3-7F3CC0931D10}"/>
+                  </a:ext>
+                </a:extLst>
+              </p:cNvPr>
+              <p:cNvSpPr txBox="1"/>
+              <p:nvPr/>
+            </p:nvSpPr>
+            <p:spPr>
+              <a:xfrm>
+                <a:off x="336152" y="3817428"/>
+                <a:ext cx="221942" cy="369332"/>
+              </a:xfrm>
+              <a:prstGeom prst="rect">
+                <a:avLst/>
+              </a:prstGeom>
+              <a:noFill/>
+            </p:spPr>
+            <p:txBody>
+              <a:bodyPr wrap="square" rtlCol="0">
+                <a:spAutoFit/>
+              </a:bodyPr>
+              <a:lstStyle/>
+              <a:p>
+                <a14:m>
+                  <m:oMathPara xmlns:m="http://schemas.openxmlformats.org/officeDocument/2006/math">
+                    <m:oMathParaPr>
+                      <m:jc m:val="centerGroup"/>
+                    </m:oMathParaPr>
+                    <m:oMath xmlns:m="http://schemas.openxmlformats.org/officeDocument/2006/math">
+                      <m:sSub>
+                        <m:sSubPr>
+                          <m:ctrlPr>
+                            <a:rPr lang="nl-NL" b="0" i="1" smtClean="0">
+                              <a:latin typeface="Cambria Math" panose="02040503050406030204" pitchFamily="18" charset="0"/>
+                            </a:rPr>
+                          </m:ctrlPr>
+                        </m:sSubPr>
+                        <m:e>
+                          <m:r>
+                            <a:rPr lang="nl-NL" b="0" i="1" smtClean="0">
+                              <a:latin typeface="Cambria Math" panose="02040503050406030204" pitchFamily="18" charset="0"/>
+                            </a:rPr>
+                            <m:t>𝑥</m:t>
+                          </m:r>
+                        </m:e>
+                        <m:sub>
+                          <m:r>
+                            <a:rPr lang="nl-NL" b="0" i="1" smtClean="0">
+                              <a:latin typeface="Cambria Math" panose="02040503050406030204" pitchFamily="18" charset="0"/>
+                            </a:rPr>
+                            <m:t>1</m:t>
+                          </m:r>
+                        </m:sub>
+                      </m:sSub>
+                    </m:oMath>
+                  </m:oMathPara>
+                </a14:m>
+                <a:endParaRPr lang="en-NL" dirty="0"/>
+              </a:p>
+            </p:txBody>
+          </p:sp>
+        </mc:Choice>
+        <mc:Fallback>
+          <p:sp>
+            <p:nvSpPr>
+              <p:cNvPr id="5" name="TextBox 4">
+                <a:extLst>
+                  <a:ext uri="{FF2B5EF4-FFF2-40B4-BE49-F238E27FC236}">
+                    <a16:creationId xmlns:a16="http://schemas.microsoft.com/office/drawing/2014/main" id="{D80CDA03-7708-4304-9EA3-7F3CC0931D10}"/>
+                  </a:ext>
+                </a:extLst>
+              </p:cNvPr>
+              <p:cNvSpPr txBox="1">
+                <a:spLocks noRot="1" noChangeAspect="1" noMove="1" noResize="1" noEditPoints="1" noAdjustHandles="1" noChangeArrowheads="1" noChangeShapeType="1" noTextEdit="1"/>
+              </p:cNvSpPr>
+              <p:nvPr/>
+            </p:nvSpPr>
+            <p:spPr>
+              <a:xfrm>
+                <a:off x="336152" y="3817428"/>
+                <a:ext cx="221942" cy="369332"/>
+              </a:xfrm>
+              <a:prstGeom prst="rect">
+                <a:avLst/>
+              </a:prstGeom>
+              <a:blipFill>
+                <a:blip r:embed="rId6"/>
+                <a:stretch>
+                  <a:fillRect r="-62162"/>
+                </a:stretch>
+              </a:blipFill>
+            </p:spPr>
+            <p:txBody>
+              <a:bodyPr/>
+              <a:lstStyle/>
+              <a:p>
+                <a:r>
+                  <a:rPr lang="en-NL">
+                    <a:noFill/>
+                  </a:rPr>
+                  <a:t> </a:t>
+                </a:r>
+              </a:p>
+            </p:txBody>
+          </p:sp>
+        </mc:Fallback>
+      </mc:AlternateContent>
+      <mc:AlternateContent xmlns:mc="http://schemas.openxmlformats.org/markup-compatibility/2006">
+        <mc:Choice xmlns:a14="http://schemas.microsoft.com/office/drawing/2010/main" Requires="a14">
+          <p:sp>
+            <p:nvSpPr>
+              <p:cNvPr id="14" name="TextBox 13">
+                <a:extLst>
+                  <a:ext uri="{FF2B5EF4-FFF2-40B4-BE49-F238E27FC236}">
+                    <a16:creationId xmlns:a16="http://schemas.microsoft.com/office/drawing/2014/main" id="{80A53108-A27D-43F7-8ED8-36310FDF3346}"/>
+                  </a:ext>
+                </a:extLst>
+              </p:cNvPr>
+              <p:cNvSpPr txBox="1"/>
+              <p:nvPr/>
+            </p:nvSpPr>
+            <p:spPr>
+              <a:xfrm>
+                <a:off x="727229" y="4920305"/>
+                <a:ext cx="221942" cy="369332"/>
+              </a:xfrm>
+              <a:prstGeom prst="rect">
+                <a:avLst/>
+              </a:prstGeom>
+              <a:noFill/>
+            </p:spPr>
+            <p:txBody>
+              <a:bodyPr wrap="square" rtlCol="0">
+                <a:spAutoFit/>
+              </a:bodyPr>
+              <a:lstStyle/>
+              <a:p>
+                <a14:m>
+                  <m:oMathPara xmlns:m="http://schemas.openxmlformats.org/officeDocument/2006/math">
+                    <m:oMathParaPr>
+                      <m:jc m:val="centerGroup"/>
+                    </m:oMathParaPr>
+                    <m:oMath xmlns:m="http://schemas.openxmlformats.org/officeDocument/2006/math">
+                      <m:sSub>
+                        <m:sSubPr>
+                          <m:ctrlPr>
+                            <a:rPr lang="nl-NL" b="0" i="1" smtClean="0">
+                              <a:latin typeface="Cambria Math" panose="02040503050406030204" pitchFamily="18" charset="0"/>
+                            </a:rPr>
+                          </m:ctrlPr>
+                        </m:sSubPr>
+                        <m:e>
+                          <m:r>
+                            <a:rPr lang="nl-NL" b="0" i="1" smtClean="0">
+                              <a:latin typeface="Cambria Math" panose="02040503050406030204" pitchFamily="18" charset="0"/>
+                            </a:rPr>
+                            <m:t>𝑥</m:t>
+                          </m:r>
+                        </m:e>
+                        <m:sub>
+                          <m:r>
+                            <a:rPr lang="nl-NL" b="0" i="1" smtClean="0">
+                              <a:latin typeface="Cambria Math" panose="02040503050406030204" pitchFamily="18" charset="0"/>
+                            </a:rPr>
+                            <m:t>2</m:t>
+                          </m:r>
+                        </m:sub>
+                      </m:sSub>
+                    </m:oMath>
+                  </m:oMathPara>
+                </a14:m>
+                <a:endParaRPr lang="en-NL" dirty="0"/>
+              </a:p>
+            </p:txBody>
+          </p:sp>
+        </mc:Choice>
+        <mc:Fallback>
+          <p:sp>
+            <p:nvSpPr>
+              <p:cNvPr id="14" name="TextBox 13">
+                <a:extLst>
+                  <a:ext uri="{FF2B5EF4-FFF2-40B4-BE49-F238E27FC236}">
+                    <a16:creationId xmlns:a16="http://schemas.microsoft.com/office/drawing/2014/main" id="{80A53108-A27D-43F7-8ED8-36310FDF3346}"/>
+                  </a:ext>
+                </a:extLst>
+              </p:cNvPr>
+              <p:cNvSpPr txBox="1">
+                <a:spLocks noRot="1" noChangeAspect="1" noMove="1" noResize="1" noEditPoints="1" noAdjustHandles="1" noChangeArrowheads="1" noChangeShapeType="1" noTextEdit="1"/>
+              </p:cNvSpPr>
+              <p:nvPr/>
+            </p:nvSpPr>
+            <p:spPr>
+              <a:xfrm>
+                <a:off x="727229" y="4920305"/>
+                <a:ext cx="221942" cy="369332"/>
+              </a:xfrm>
+              <a:prstGeom prst="rect">
+                <a:avLst/>
+              </a:prstGeom>
+              <a:blipFill>
+                <a:blip r:embed="rId7"/>
+                <a:stretch>
+                  <a:fillRect r="-64865"/>
+                </a:stretch>
+              </a:blipFill>
+            </p:spPr>
+            <p:txBody>
+              <a:bodyPr/>
+              <a:lstStyle/>
+              <a:p>
+                <a:r>
+                  <a:rPr lang="en-NL">
+                    <a:noFill/>
+                  </a:rPr>
+                  <a:t> </a:t>
+                </a:r>
+              </a:p>
+            </p:txBody>
+          </p:sp>
+        </mc:Fallback>
+      </mc:AlternateContent>
+      <mc:AlternateContent xmlns:mc="http://schemas.openxmlformats.org/markup-compatibility/2006">
+        <mc:Choice xmlns:a14="http://schemas.microsoft.com/office/drawing/2010/main" Requires="a14">
+          <p:sp>
+            <p:nvSpPr>
+              <p:cNvPr id="18" name="TextBox 17">
+                <a:extLst>
+                  <a:ext uri="{FF2B5EF4-FFF2-40B4-BE49-F238E27FC236}">
+                    <a16:creationId xmlns:a16="http://schemas.microsoft.com/office/drawing/2014/main" id="{0D9EA0DE-B281-459F-AE92-73A4558DDA34}"/>
+                  </a:ext>
+                </a:extLst>
+              </p:cNvPr>
+              <p:cNvSpPr txBox="1"/>
+              <p:nvPr/>
+            </p:nvSpPr>
+            <p:spPr>
+              <a:xfrm>
+                <a:off x="2260338" y="2447973"/>
+                <a:ext cx="221942" cy="369332"/>
+              </a:xfrm>
+              <a:prstGeom prst="rect">
+                <a:avLst/>
+              </a:prstGeom>
+              <a:noFill/>
+            </p:spPr>
+            <p:txBody>
+              <a:bodyPr wrap="square" rtlCol="0">
+                <a:spAutoFit/>
+              </a:bodyPr>
+              <a:lstStyle/>
+              <a:p>
+                <a14:m>
+                  <m:oMathPara xmlns:m="http://schemas.openxmlformats.org/officeDocument/2006/math">
+                    <m:oMathParaPr>
+                      <m:jc m:val="centerGroup"/>
+                    </m:oMathParaPr>
+                    <m:oMath xmlns:m="http://schemas.openxmlformats.org/officeDocument/2006/math">
+                      <m:sSub>
+                        <m:sSubPr>
+                          <m:ctrlPr>
+                            <a:rPr lang="nl-NL" b="0" i="1" smtClean="0">
+                              <a:latin typeface="Cambria Math" panose="02040503050406030204" pitchFamily="18" charset="0"/>
+                            </a:rPr>
+                          </m:ctrlPr>
+                        </m:sSubPr>
+                        <m:e>
+                          <m:r>
+                            <a:rPr lang="nl-NL" b="0" i="1" smtClean="0">
+                              <a:latin typeface="Cambria Math" panose="02040503050406030204" pitchFamily="18" charset="0"/>
+                            </a:rPr>
+                            <m:t>𝑤</m:t>
+                          </m:r>
+                        </m:e>
+                        <m:sub>
+                          <m:r>
+                            <a:rPr lang="nl-NL" b="0" i="1" smtClean="0">
+                              <a:latin typeface="Cambria Math" panose="02040503050406030204" pitchFamily="18" charset="0"/>
+                            </a:rPr>
+                            <m:t>0</m:t>
+                          </m:r>
+                        </m:sub>
+                      </m:sSub>
+                    </m:oMath>
+                  </m:oMathPara>
+                </a14:m>
+                <a:endParaRPr lang="en-NL" dirty="0"/>
+              </a:p>
+            </p:txBody>
+          </p:sp>
+        </mc:Choice>
+        <mc:Fallback>
+          <p:sp>
+            <p:nvSpPr>
+              <p:cNvPr id="18" name="TextBox 17">
+                <a:extLst>
+                  <a:ext uri="{FF2B5EF4-FFF2-40B4-BE49-F238E27FC236}">
+                    <a16:creationId xmlns:a16="http://schemas.microsoft.com/office/drawing/2014/main" id="{0D9EA0DE-B281-459F-AE92-73A4558DDA34}"/>
+                  </a:ext>
+                </a:extLst>
+              </p:cNvPr>
+              <p:cNvSpPr txBox="1">
+                <a:spLocks noRot="1" noChangeAspect="1" noMove="1" noResize="1" noEditPoints="1" noAdjustHandles="1" noChangeArrowheads="1" noChangeShapeType="1" noTextEdit="1"/>
+              </p:cNvSpPr>
+              <p:nvPr/>
+            </p:nvSpPr>
+            <p:spPr>
+              <a:xfrm>
+                <a:off x="2260338" y="2447973"/>
+                <a:ext cx="221942" cy="369332"/>
+              </a:xfrm>
+              <a:prstGeom prst="rect">
+                <a:avLst/>
+              </a:prstGeom>
+              <a:blipFill>
+                <a:blip r:embed="rId8"/>
+                <a:stretch>
+                  <a:fillRect r="-86111"/>
+                </a:stretch>
+              </a:blipFill>
+            </p:spPr>
+            <p:txBody>
+              <a:bodyPr/>
+              <a:lstStyle/>
+              <a:p>
+                <a:r>
+                  <a:rPr lang="en-NL">
+                    <a:noFill/>
+                  </a:rPr>
+                  <a:t> </a:t>
+                </a:r>
+              </a:p>
+            </p:txBody>
+          </p:sp>
+        </mc:Fallback>
+      </mc:AlternateContent>
+      <mc:AlternateContent xmlns:mc="http://schemas.openxmlformats.org/markup-compatibility/2006">
+        <mc:Choice xmlns:a14="http://schemas.microsoft.com/office/drawing/2010/main" Requires="a14">
+          <p:sp>
+            <p:nvSpPr>
+              <p:cNvPr id="20" name="TextBox 19">
+                <a:extLst>
+                  <a:ext uri="{FF2B5EF4-FFF2-40B4-BE49-F238E27FC236}">
+                    <a16:creationId xmlns:a16="http://schemas.microsoft.com/office/drawing/2014/main" id="{79AB3CF3-91B1-46BE-A501-BD78BE836C97}"/>
+                  </a:ext>
+                </a:extLst>
+              </p:cNvPr>
+              <p:cNvSpPr txBox="1"/>
+              <p:nvPr/>
+            </p:nvSpPr>
+            <p:spPr>
+              <a:xfrm>
+                <a:off x="1481831" y="3568692"/>
+                <a:ext cx="221942" cy="369332"/>
+              </a:xfrm>
+              <a:prstGeom prst="rect">
+                <a:avLst/>
+              </a:prstGeom>
+              <a:noFill/>
+            </p:spPr>
+            <p:txBody>
+              <a:bodyPr wrap="square" rtlCol="0">
+                <a:spAutoFit/>
+              </a:bodyPr>
+              <a:lstStyle/>
+              <a:p>
+                <a14:m>
+                  <m:oMathPara xmlns:m="http://schemas.openxmlformats.org/officeDocument/2006/math">
+                    <m:oMathParaPr>
+                      <m:jc m:val="centerGroup"/>
+                    </m:oMathParaPr>
+                    <m:oMath xmlns:m="http://schemas.openxmlformats.org/officeDocument/2006/math">
+                      <m:sSub>
+                        <m:sSubPr>
+                          <m:ctrlPr>
+                            <a:rPr lang="nl-NL" b="0" i="1" smtClean="0">
+                              <a:latin typeface="Cambria Math" panose="02040503050406030204" pitchFamily="18" charset="0"/>
+                            </a:rPr>
+                          </m:ctrlPr>
+                        </m:sSubPr>
+                        <m:e>
+                          <m:r>
+                            <a:rPr lang="nl-NL" b="0" i="1" smtClean="0">
+                              <a:latin typeface="Cambria Math" panose="02040503050406030204" pitchFamily="18" charset="0"/>
+                            </a:rPr>
+                            <m:t>𝑤</m:t>
+                          </m:r>
+                        </m:e>
+                        <m:sub>
+                          <m:r>
+                            <a:rPr lang="nl-NL" b="0" i="1" smtClean="0">
+                              <a:latin typeface="Cambria Math" panose="02040503050406030204" pitchFamily="18" charset="0"/>
+                            </a:rPr>
+                            <m:t>1</m:t>
+                          </m:r>
+                        </m:sub>
+                      </m:sSub>
+                    </m:oMath>
+                  </m:oMathPara>
+                </a14:m>
+                <a:endParaRPr lang="en-NL" dirty="0"/>
+              </a:p>
+            </p:txBody>
+          </p:sp>
+        </mc:Choice>
+        <mc:Fallback>
+          <p:sp>
+            <p:nvSpPr>
+              <p:cNvPr id="20" name="TextBox 19">
+                <a:extLst>
+                  <a:ext uri="{FF2B5EF4-FFF2-40B4-BE49-F238E27FC236}">
+                    <a16:creationId xmlns:a16="http://schemas.microsoft.com/office/drawing/2014/main" id="{79AB3CF3-91B1-46BE-A501-BD78BE836C97}"/>
+                  </a:ext>
+                </a:extLst>
+              </p:cNvPr>
+              <p:cNvSpPr txBox="1">
+                <a:spLocks noRot="1" noChangeAspect="1" noMove="1" noResize="1" noEditPoints="1" noAdjustHandles="1" noChangeArrowheads="1" noChangeShapeType="1" noTextEdit="1"/>
+              </p:cNvSpPr>
+              <p:nvPr/>
+            </p:nvSpPr>
+            <p:spPr>
+              <a:xfrm>
+                <a:off x="1481831" y="3568692"/>
+                <a:ext cx="221942" cy="369332"/>
+              </a:xfrm>
+              <a:prstGeom prst="rect">
+                <a:avLst/>
+              </a:prstGeom>
+              <a:blipFill>
+                <a:blip r:embed="rId9"/>
+                <a:stretch>
+                  <a:fillRect r="-86111"/>
+                </a:stretch>
+              </a:blipFill>
+            </p:spPr>
+            <p:txBody>
+              <a:bodyPr/>
+              <a:lstStyle/>
+              <a:p>
+                <a:r>
+                  <a:rPr lang="en-NL">
+                    <a:noFill/>
+                  </a:rPr>
+                  <a:t> </a:t>
+                </a:r>
+              </a:p>
+            </p:txBody>
+          </p:sp>
+        </mc:Fallback>
+      </mc:AlternateContent>
+      <mc:AlternateContent xmlns:mc="http://schemas.openxmlformats.org/markup-compatibility/2006">
+        <mc:Choice xmlns:a14="http://schemas.microsoft.com/office/drawing/2010/main" Requires="a14">
+          <p:sp>
+            <p:nvSpPr>
+              <p:cNvPr id="21" name="TextBox 20">
+                <a:extLst>
+                  <a:ext uri="{FF2B5EF4-FFF2-40B4-BE49-F238E27FC236}">
+                    <a16:creationId xmlns:a16="http://schemas.microsoft.com/office/drawing/2014/main" id="{7CDBFAF1-4510-4199-A9A7-6AC58F14A7EB}"/>
+                  </a:ext>
+                </a:extLst>
+              </p:cNvPr>
+              <p:cNvSpPr txBox="1"/>
+              <p:nvPr/>
+            </p:nvSpPr>
+            <p:spPr>
+              <a:xfrm>
+                <a:off x="1563720" y="4509172"/>
+                <a:ext cx="221942" cy="369332"/>
+              </a:xfrm>
+              <a:prstGeom prst="rect">
+                <a:avLst/>
+              </a:prstGeom>
+              <a:noFill/>
+            </p:spPr>
+            <p:txBody>
+              <a:bodyPr wrap="square" rtlCol="0">
+                <a:spAutoFit/>
+              </a:bodyPr>
+              <a:lstStyle/>
+              <a:p>
+                <a14:m>
+                  <m:oMathPara xmlns:m="http://schemas.openxmlformats.org/officeDocument/2006/math">
+                    <m:oMathParaPr>
+                      <m:jc m:val="centerGroup"/>
+                    </m:oMathParaPr>
+                    <m:oMath xmlns:m="http://schemas.openxmlformats.org/officeDocument/2006/math">
+                      <m:sSub>
+                        <m:sSubPr>
+                          <m:ctrlPr>
+                            <a:rPr lang="nl-NL" b="0" i="1" smtClean="0">
+                              <a:latin typeface="Cambria Math" panose="02040503050406030204" pitchFamily="18" charset="0"/>
+                            </a:rPr>
+                          </m:ctrlPr>
+                        </m:sSubPr>
+                        <m:e>
+                          <m:r>
+                            <a:rPr lang="nl-NL" b="0" i="1" smtClean="0">
+                              <a:latin typeface="Cambria Math" panose="02040503050406030204" pitchFamily="18" charset="0"/>
+                            </a:rPr>
+                            <m:t>𝑤</m:t>
+                          </m:r>
+                        </m:e>
+                        <m:sub>
+                          <m:r>
+                            <a:rPr lang="nl-NL" b="0" i="1" smtClean="0">
+                              <a:latin typeface="Cambria Math" panose="02040503050406030204" pitchFamily="18" charset="0"/>
+                            </a:rPr>
+                            <m:t>2</m:t>
+                          </m:r>
+                        </m:sub>
+                      </m:sSub>
+                    </m:oMath>
+                  </m:oMathPara>
+                </a14:m>
+                <a:endParaRPr lang="en-NL" dirty="0"/>
+              </a:p>
+            </p:txBody>
+          </p:sp>
+        </mc:Choice>
+        <mc:Fallback>
+          <p:sp>
+            <p:nvSpPr>
+              <p:cNvPr id="21" name="TextBox 20">
+                <a:extLst>
+                  <a:ext uri="{FF2B5EF4-FFF2-40B4-BE49-F238E27FC236}">
+                    <a16:creationId xmlns:a16="http://schemas.microsoft.com/office/drawing/2014/main" id="{7CDBFAF1-4510-4199-A9A7-6AC58F14A7EB}"/>
+                  </a:ext>
+                </a:extLst>
+              </p:cNvPr>
+              <p:cNvSpPr txBox="1">
+                <a:spLocks noRot="1" noChangeAspect="1" noMove="1" noResize="1" noEditPoints="1" noAdjustHandles="1" noChangeArrowheads="1" noChangeShapeType="1" noTextEdit="1"/>
+              </p:cNvSpPr>
+              <p:nvPr/>
+            </p:nvSpPr>
+            <p:spPr>
+              <a:xfrm>
+                <a:off x="1563720" y="4509172"/>
+                <a:ext cx="221942" cy="369332"/>
+              </a:xfrm>
+              <a:prstGeom prst="rect">
+                <a:avLst/>
+              </a:prstGeom>
+              <a:blipFill>
+                <a:blip r:embed="rId10"/>
+                <a:stretch>
+                  <a:fillRect r="-86111"/>
+                </a:stretch>
+              </a:blipFill>
+            </p:spPr>
+            <p:txBody>
+              <a:bodyPr/>
+              <a:lstStyle/>
+              <a:p>
+                <a:r>
+                  <a:rPr lang="en-NL">
+                    <a:noFill/>
+                  </a:rPr>
+                  <a:t> </a:t>
+                </a:r>
+              </a:p>
+            </p:txBody>
+          </p:sp>
+        </mc:Fallback>
+      </mc:AlternateContent>
     </p:spTree>
     <p:extLst>
       <p:ext uri="{BB962C8B-B14F-4D97-AF65-F5344CB8AC3E}">
@@ -10574,8 +12651,8 @@
           </a:p>
         </p:txBody>
       </p:sp>
-      <mc:AlternateContent xmlns:mc="http://schemas.openxmlformats.org/markup-compatibility/2006" xmlns:a14="http://schemas.microsoft.com/office/drawing/2010/main">
-        <mc:Choice Requires="a14">
+      <mc:AlternateContent xmlns:mc="http://schemas.openxmlformats.org/markup-compatibility/2006">
+        <mc:Choice xmlns:a14="http://schemas.microsoft.com/office/drawing/2010/main" Requires="a14">
           <p:sp>
             <p:nvSpPr>
               <p:cNvPr id="16" name="TextBox 15">
@@ -10591,7 +12668,7 @@
             <p:spPr>
               <a:xfrm>
                 <a:off x="7785716" y="2450237"/>
-                <a:ext cx="2627791" cy="2302810"/>
+                <a:ext cx="2627791" cy="923330"/>
               </a:xfrm>
               <a:prstGeom prst="rect">
                 <a:avLst/>
@@ -10768,185 +12845,10 @@
                 </a14:m>
                 <a:endParaRPr lang="en-US" b="0" dirty="0"/>
               </a:p>
-              <a:p>
-                <a:endParaRPr lang="en-US" b="0" dirty="0"/>
-              </a:p>
-              <a:p>
-                <a:r>
-                  <a:rPr lang="en-US" dirty="0"/>
-                  <a:t>Then</a:t>
-                </a:r>
-              </a:p>
-              <a:p>
-                <a:endParaRPr lang="en-US" dirty="0"/>
-              </a:p>
-              <a:p>
-                <a:pPr/>
-                <a14:m>
-                  <m:oMathPara xmlns:m="http://schemas.openxmlformats.org/officeDocument/2006/math">
-                    <m:oMathParaPr>
-                      <m:jc m:val="centerGroup"/>
-                    </m:oMathParaPr>
-                    <m:oMath xmlns:m="http://schemas.openxmlformats.org/officeDocument/2006/math">
-                      <m:sSub>
-                        <m:sSubPr>
-                          <m:ctrlPr>
-                            <a:rPr lang="en-US" b="0" i="1" smtClean="0">
-                              <a:latin typeface="Cambria Math" panose="02040503050406030204" pitchFamily="18" charset="0"/>
-                            </a:rPr>
-                          </m:ctrlPr>
-                        </m:sSubPr>
-                        <m:e>
-                          <m:r>
-                            <a:rPr lang="en-US" b="0" i="1" smtClean="0">
-                              <a:latin typeface="Cambria Math" panose="02040503050406030204" pitchFamily="18" charset="0"/>
-                            </a:rPr>
-                            <m:t>𝑥</m:t>
-                          </m:r>
-                        </m:e>
-                        <m:sub>
-                          <m:r>
-                            <a:rPr lang="en-US" b="0" i="1" smtClean="0">
-                              <a:latin typeface="Cambria Math" panose="02040503050406030204" pitchFamily="18" charset="0"/>
-                            </a:rPr>
-                            <m:t>1</m:t>
-                          </m:r>
-                        </m:sub>
-                      </m:sSub>
-                      <m:r>
-                        <a:rPr lang="en-US" b="0" i="1" smtClean="0">
-                          <a:latin typeface="Cambria Math" panose="02040503050406030204" pitchFamily="18" charset="0"/>
-                        </a:rPr>
-                        <m:t>=</m:t>
-                      </m:r>
-                      <m:f>
-                        <m:fPr>
-                          <m:ctrlPr>
-                            <a:rPr lang="en-US" b="0" i="1" smtClean="0">
-                              <a:latin typeface="Cambria Math" panose="02040503050406030204" pitchFamily="18" charset="0"/>
-                            </a:rPr>
-                          </m:ctrlPr>
-                        </m:fPr>
-                        <m:num>
-                          <m:sSub>
-                            <m:sSubPr>
-                              <m:ctrlPr>
-                                <a:rPr lang="en-US" b="0" i="1" smtClean="0">
-                                  <a:latin typeface="Cambria Math" panose="02040503050406030204" pitchFamily="18" charset="0"/>
-                                </a:rPr>
-                              </m:ctrlPr>
-                            </m:sSubPr>
-                            <m:e>
-                              <m:r>
-                                <a:rPr lang="en-US" b="0" i="1" smtClean="0">
-                                  <a:latin typeface="Cambria Math" panose="02040503050406030204" pitchFamily="18" charset="0"/>
-                                </a:rPr>
-                                <m:t>𝑤</m:t>
-                              </m:r>
-                            </m:e>
-                            <m:sub>
-                              <m:r>
-                                <a:rPr lang="en-US" b="0" i="1" smtClean="0">
-                                  <a:latin typeface="Cambria Math" panose="02040503050406030204" pitchFamily="18" charset="0"/>
-                                </a:rPr>
-                                <m:t>2</m:t>
-                              </m:r>
-                            </m:sub>
-                          </m:sSub>
-                          <m:sSub>
-                            <m:sSubPr>
-                              <m:ctrlPr>
-                                <a:rPr lang="en-US" b="0" i="1" smtClean="0">
-                                  <a:latin typeface="Cambria Math" panose="02040503050406030204" pitchFamily="18" charset="0"/>
-                                </a:rPr>
-                              </m:ctrlPr>
-                            </m:sSubPr>
-                            <m:e>
-                              <m:r>
-                                <a:rPr lang="en-US" b="0" i="1" smtClean="0">
-                                  <a:latin typeface="Cambria Math" panose="02040503050406030204" pitchFamily="18" charset="0"/>
-                                </a:rPr>
-                                <m:t>𝑥</m:t>
-                              </m:r>
-                            </m:e>
-                            <m:sub>
-                              <m:r>
-                                <a:rPr lang="en-US" b="0" i="1" smtClean="0">
-                                  <a:latin typeface="Cambria Math" panose="02040503050406030204" pitchFamily="18" charset="0"/>
-                                </a:rPr>
-                                <m:t>2</m:t>
-                              </m:r>
-                            </m:sub>
-                          </m:sSub>
-                          <m:r>
-                            <a:rPr lang="en-US" b="0" i="1" smtClean="0">
-                              <a:latin typeface="Cambria Math" panose="02040503050406030204" pitchFamily="18" charset="0"/>
-                            </a:rPr>
-                            <m:t>+</m:t>
-                          </m:r>
-                          <m:sSub>
-                            <m:sSubPr>
-                              <m:ctrlPr>
-                                <a:rPr lang="en-US" b="0" i="1" smtClean="0">
-                                  <a:latin typeface="Cambria Math" panose="02040503050406030204" pitchFamily="18" charset="0"/>
-                                </a:rPr>
-                              </m:ctrlPr>
-                            </m:sSubPr>
-                            <m:e>
-                              <m:r>
-                                <a:rPr lang="en-US" b="0" i="1" smtClean="0">
-                                  <a:latin typeface="Cambria Math" panose="02040503050406030204" pitchFamily="18" charset="0"/>
-                                </a:rPr>
-                                <m:t>𝑤</m:t>
-                              </m:r>
-                            </m:e>
-                            <m:sub>
-                              <m:r>
-                                <a:rPr lang="en-US" b="0" i="1" smtClean="0">
-                                  <a:latin typeface="Cambria Math" panose="02040503050406030204" pitchFamily="18" charset="0"/>
-                                </a:rPr>
-                                <m:t>0</m:t>
-                              </m:r>
-                            </m:sub>
-                          </m:sSub>
-                        </m:num>
-                        <m:den>
-                          <m:sSub>
-                            <m:sSubPr>
-                              <m:ctrlPr>
-                                <a:rPr lang="en-US" b="0" i="1" smtClean="0">
-                                  <a:latin typeface="Cambria Math" panose="02040503050406030204" pitchFamily="18" charset="0"/>
-                                </a:rPr>
-                              </m:ctrlPr>
-                            </m:sSubPr>
-                            <m:e>
-                              <m:r>
-                                <a:rPr lang="en-US" b="0" i="1" smtClean="0">
-                                  <a:latin typeface="Cambria Math" panose="02040503050406030204" pitchFamily="18" charset="0"/>
-                                </a:rPr>
-                                <m:t>𝑤</m:t>
-                              </m:r>
-                            </m:e>
-                            <m:sub>
-                              <m:r>
-                                <a:rPr lang="en-US" b="0" i="1" smtClean="0">
-                                  <a:latin typeface="Cambria Math" panose="02040503050406030204" pitchFamily="18" charset="0"/>
-                                </a:rPr>
-                                <m:t>1</m:t>
-                              </m:r>
-                            </m:sub>
-                          </m:sSub>
-                        </m:den>
-                      </m:f>
-                    </m:oMath>
-                  </m:oMathPara>
-                </a14:m>
-                <a:endParaRPr lang="en-NL" dirty="0"/>
-              </a:p>
             </p:txBody>
           </p:sp>
         </mc:Choice>
-        <mc:Fallback xmlns="">
+        <mc:Fallback>
           <p:sp>
             <p:nvSpPr>
               <p:cNvPr id="16" name="TextBox 15">
@@ -10964,7 +12866,7 @@
             <p:spPr>
               <a:xfrm>
                 <a:off x="7785716" y="2450237"/>
-                <a:ext cx="2627791" cy="2302810"/>
+                <a:ext cx="2627791" cy="923330"/>
               </a:xfrm>
               <a:prstGeom prst="rect">
                 <a:avLst/>
@@ -10972,7 +12874,7 @@
               <a:blipFill>
                 <a:blip r:embed="rId3"/>
                 <a:stretch>
-                  <a:fillRect l="-1856" t="-1587"/>
+                  <a:fillRect l="-1856" t="-3974"/>
                 </a:stretch>
               </a:blipFill>
             </p:spPr>
@@ -11334,6 +13236,255 @@
           </a:p>
         </p:txBody>
       </p:sp>
+      <mc:AlternateContent xmlns:mc="http://schemas.openxmlformats.org/markup-compatibility/2006">
+        <mc:Choice xmlns:a14="http://schemas.microsoft.com/office/drawing/2010/main" Requires="a14">
+          <p:sp>
+            <p:nvSpPr>
+              <p:cNvPr id="8" name="TextBox 7">
+                <a:extLst>
+                  <a:ext uri="{FF2B5EF4-FFF2-40B4-BE49-F238E27FC236}">
+                    <a16:creationId xmlns:a16="http://schemas.microsoft.com/office/drawing/2014/main" id="{DF7099B4-E0FD-4017-8EF7-60F99F177FFC}"/>
+                  </a:ext>
+                </a:extLst>
+              </p:cNvPr>
+              <p:cNvSpPr txBox="1"/>
+              <p:nvPr/>
+            </p:nvSpPr>
+            <p:spPr>
+              <a:xfrm>
+                <a:off x="7359587" y="3135957"/>
+                <a:ext cx="4196919" cy="1194814"/>
+              </a:xfrm>
+              <a:prstGeom prst="rect">
+                <a:avLst/>
+              </a:prstGeom>
+              <a:noFill/>
+            </p:spPr>
+            <p:txBody>
+              <a:bodyPr wrap="square">
+                <a:spAutoFit/>
+              </a:bodyPr>
+              <a:lstStyle/>
+              <a:p>
+                <a:r>
+                  <a:rPr lang="en-US" dirty="0"/>
+                  <a:t>Discriminant can be plotted as</a:t>
+                </a:r>
+              </a:p>
+              <a:p>
+                <a:endParaRPr lang="en-US" dirty="0"/>
+              </a:p>
+              <a:p>
+                <a:pPr/>
+                <a14:m>
+                  <m:oMathPara xmlns:m="http://schemas.openxmlformats.org/officeDocument/2006/math">
+                    <m:oMathParaPr>
+                      <m:jc m:val="centerGroup"/>
+                    </m:oMathParaPr>
+                    <m:oMath xmlns:m="http://schemas.openxmlformats.org/officeDocument/2006/math">
+                      <m:sSub>
+                        <m:sSubPr>
+                          <m:ctrlPr>
+                            <a:rPr lang="en-US" b="0" i="1" smtClean="0">
+                              <a:latin typeface="Cambria Math" panose="02040503050406030204" pitchFamily="18" charset="0"/>
+                            </a:rPr>
+                          </m:ctrlPr>
+                        </m:sSubPr>
+                        <m:e>
+                          <m:r>
+                            <a:rPr lang="en-US" b="0" i="1" smtClean="0">
+                              <a:latin typeface="Cambria Math" panose="02040503050406030204" pitchFamily="18" charset="0"/>
+                            </a:rPr>
+                            <m:t>𝑥</m:t>
+                          </m:r>
+                        </m:e>
+                        <m:sub>
+                          <m:r>
+                            <a:rPr lang="en-US" b="0" i="1" smtClean="0">
+                              <a:latin typeface="Cambria Math" panose="02040503050406030204" pitchFamily="18" charset="0"/>
+                            </a:rPr>
+                            <m:t>1</m:t>
+                          </m:r>
+                        </m:sub>
+                      </m:sSub>
+                      <m:r>
+                        <a:rPr lang="en-US" b="0" i="1" smtClean="0">
+                          <a:latin typeface="Cambria Math" panose="02040503050406030204" pitchFamily="18" charset="0"/>
+                        </a:rPr>
+                        <m:t>=</m:t>
+                      </m:r>
+                      <m:f>
+                        <m:fPr>
+                          <m:ctrlPr>
+                            <a:rPr lang="en-US" b="0" i="1" smtClean="0">
+                              <a:latin typeface="Cambria Math" panose="02040503050406030204" pitchFamily="18" charset="0"/>
+                            </a:rPr>
+                          </m:ctrlPr>
+                        </m:fPr>
+                        <m:num>
+                          <m:sSub>
+                            <m:sSubPr>
+                              <m:ctrlPr>
+                                <a:rPr lang="en-US" b="0" i="1" smtClean="0">
+                                  <a:latin typeface="Cambria Math" panose="02040503050406030204" pitchFamily="18" charset="0"/>
+                                </a:rPr>
+                              </m:ctrlPr>
+                            </m:sSubPr>
+                            <m:e>
+                              <m:r>
+                                <a:rPr lang="en-US" b="0" i="1" smtClean="0">
+                                  <a:latin typeface="Cambria Math" panose="02040503050406030204" pitchFamily="18" charset="0"/>
+                                </a:rPr>
+                                <m:t>𝑤</m:t>
+                              </m:r>
+                            </m:e>
+                            <m:sub>
+                              <m:r>
+                                <a:rPr lang="en-US" b="0" i="1" smtClean="0">
+                                  <a:latin typeface="Cambria Math" panose="02040503050406030204" pitchFamily="18" charset="0"/>
+                                </a:rPr>
+                                <m:t>2</m:t>
+                              </m:r>
+                            </m:sub>
+                          </m:sSub>
+                          <m:sSub>
+                            <m:sSubPr>
+                              <m:ctrlPr>
+                                <a:rPr lang="en-US" b="0" i="1" smtClean="0">
+                                  <a:latin typeface="Cambria Math" panose="02040503050406030204" pitchFamily="18" charset="0"/>
+                                </a:rPr>
+                              </m:ctrlPr>
+                            </m:sSubPr>
+                            <m:e>
+                              <m:r>
+                                <a:rPr lang="en-US" b="0" i="1" smtClean="0">
+                                  <a:latin typeface="Cambria Math" panose="02040503050406030204" pitchFamily="18" charset="0"/>
+                                </a:rPr>
+                                <m:t>𝑥</m:t>
+                              </m:r>
+                            </m:e>
+                            <m:sub>
+                              <m:r>
+                                <a:rPr lang="en-US" b="0" i="1" smtClean="0">
+                                  <a:latin typeface="Cambria Math" panose="02040503050406030204" pitchFamily="18" charset="0"/>
+                                </a:rPr>
+                                <m:t>2</m:t>
+                              </m:r>
+                            </m:sub>
+                          </m:sSub>
+                          <m:r>
+                            <a:rPr lang="en-US" b="0" i="1" smtClean="0">
+                              <a:latin typeface="Cambria Math" panose="02040503050406030204" pitchFamily="18" charset="0"/>
+                            </a:rPr>
+                            <m:t>+</m:t>
+                          </m:r>
+                          <m:sSub>
+                            <m:sSubPr>
+                              <m:ctrlPr>
+                                <a:rPr lang="en-US" b="0" i="1" smtClean="0">
+                                  <a:latin typeface="Cambria Math" panose="02040503050406030204" pitchFamily="18" charset="0"/>
+                                </a:rPr>
+                              </m:ctrlPr>
+                            </m:sSubPr>
+                            <m:e>
+                              <m:r>
+                                <a:rPr lang="en-US" b="0" i="1" smtClean="0">
+                                  <a:latin typeface="Cambria Math" panose="02040503050406030204" pitchFamily="18" charset="0"/>
+                                </a:rPr>
+                                <m:t>𝑤</m:t>
+                              </m:r>
+                            </m:e>
+                            <m:sub>
+                              <m:r>
+                                <a:rPr lang="en-US" b="0" i="1" smtClean="0">
+                                  <a:latin typeface="Cambria Math" panose="02040503050406030204" pitchFamily="18" charset="0"/>
+                                </a:rPr>
+                                <m:t>0</m:t>
+                              </m:r>
+                            </m:sub>
+                          </m:sSub>
+                        </m:num>
+                        <m:den>
+                          <m:sSub>
+                            <m:sSubPr>
+                              <m:ctrlPr>
+                                <a:rPr lang="en-US" b="0" i="1" smtClean="0">
+                                  <a:latin typeface="Cambria Math" panose="02040503050406030204" pitchFamily="18" charset="0"/>
+                                </a:rPr>
+                              </m:ctrlPr>
+                            </m:sSubPr>
+                            <m:e>
+                              <m:r>
+                                <a:rPr lang="en-US" b="0" i="1" smtClean="0">
+                                  <a:latin typeface="Cambria Math" panose="02040503050406030204" pitchFamily="18" charset="0"/>
+                                </a:rPr>
+                                <m:t>𝑤</m:t>
+                              </m:r>
+                            </m:e>
+                            <m:sub>
+                              <m:r>
+                                <a:rPr lang="en-US" b="0" i="1" smtClean="0">
+                                  <a:latin typeface="Cambria Math" panose="02040503050406030204" pitchFamily="18" charset="0"/>
+                                </a:rPr>
+                                <m:t>1</m:t>
+                              </m:r>
+                            </m:sub>
+                          </m:sSub>
+                        </m:den>
+                      </m:f>
+                    </m:oMath>
+                  </m:oMathPara>
+                </a14:m>
+                <a:endParaRPr lang="en-NL" dirty="0"/>
+              </a:p>
+            </p:txBody>
+          </p:sp>
+        </mc:Choice>
+        <mc:Fallback>
+          <p:sp>
+            <p:nvSpPr>
+              <p:cNvPr id="8" name="TextBox 7">
+                <a:extLst>
+                  <a:ext uri="{FF2B5EF4-FFF2-40B4-BE49-F238E27FC236}">
+                    <a16:creationId xmlns:a16="http://schemas.microsoft.com/office/drawing/2014/main" id="{DF7099B4-E0FD-4017-8EF7-60F99F177FFC}"/>
+                  </a:ext>
+                </a:extLst>
+              </p:cNvPr>
+              <p:cNvSpPr txBox="1">
+                <a:spLocks noRot="1" noChangeAspect="1" noMove="1" noResize="1" noEditPoints="1" noAdjustHandles="1" noChangeArrowheads="1" noChangeShapeType="1" noTextEdit="1"/>
+              </p:cNvSpPr>
+              <p:nvPr/>
+            </p:nvSpPr>
+            <p:spPr>
+              <a:xfrm>
+                <a:off x="7359587" y="3135957"/>
+                <a:ext cx="4196919" cy="1194814"/>
+              </a:xfrm>
+              <a:prstGeom prst="rect">
+                <a:avLst/>
+              </a:prstGeom>
+              <a:blipFill>
+                <a:blip r:embed="rId4"/>
+                <a:stretch>
+                  <a:fillRect l="-1161" t="-2551"/>
+                </a:stretch>
+              </a:blipFill>
+            </p:spPr>
+            <p:txBody>
+              <a:bodyPr/>
+              <a:lstStyle/>
+              <a:p>
+                <a:r>
+                  <a:rPr lang="en-NL">
+                    <a:noFill/>
+                  </a:rPr>
+                  <a:t> </a:t>
+                </a:r>
+              </a:p>
+            </p:txBody>
+          </p:sp>
+        </mc:Fallback>
+      </mc:AlternateContent>
     </p:spTree>
     <p:extLst>
       <p:ext uri="{BB962C8B-B14F-4D97-AF65-F5344CB8AC3E}">
@@ -11385,375 +13536,9 @@
           <a:bodyPr/>
           <a:lstStyle/>
           <a:p>
-            <a:endParaRPr lang="en-NL" dirty="0"/>
-          </a:p>
-        </p:txBody>
-      </p:sp>
-      <p:sp>
-        <p:nvSpPr>
-          <p:cNvPr id="3" name="Content Placeholder 2">
-            <a:extLst>
-              <a:ext uri="{FF2B5EF4-FFF2-40B4-BE49-F238E27FC236}">
-                <a16:creationId xmlns:a16="http://schemas.microsoft.com/office/drawing/2014/main" id="{3643DCFA-E8EB-4CEF-8B6B-A7E36F03FC23}"/>
-              </a:ext>
-            </a:extLst>
-          </p:cNvPr>
-          <p:cNvSpPr>
-            <a:spLocks noGrp="1"/>
-          </p:cNvSpPr>
-          <p:nvPr>
-            <p:ph idx="1"/>
-          </p:nvPr>
-        </p:nvSpPr>
-        <p:spPr/>
-        <p:txBody>
-          <a:bodyPr/>
-          <a:lstStyle/>
-          <a:p>
             <a:r>
               <a:rPr lang="nl-NL" dirty="0" err="1"/>
-              <a:t>Insert</a:t>
-            </a:r>
-            <a:r>
-              <a:rPr lang="nl-NL" dirty="0"/>
-              <a:t> </a:t>
-            </a:r>
-            <a:r>
-              <a:rPr lang="nl-NL" dirty="0" err="1"/>
-              <a:t>regression</a:t>
-            </a:r>
-            <a:r>
-              <a:rPr lang="nl-NL" dirty="0"/>
-              <a:t> </a:t>
-            </a:r>
-            <a:endParaRPr lang="en-NL" dirty="0"/>
-          </a:p>
-        </p:txBody>
-      </p:sp>
-      <mc:AlternateContent xmlns:mc="http://schemas.openxmlformats.org/markup-compatibility/2006" xmlns:a14="http://schemas.microsoft.com/office/drawing/2010/main">
-        <mc:Choice Requires="a14">
-          <p:sp>
-            <p:nvSpPr>
-              <p:cNvPr id="4" name="Oval 3">
-                <a:extLst>
-                  <a:ext uri="{FF2B5EF4-FFF2-40B4-BE49-F238E27FC236}">
-                    <a16:creationId xmlns:a16="http://schemas.microsoft.com/office/drawing/2014/main" id="{3D2CCD92-E9FD-4380-9436-2DD15AF63FA8}"/>
-                  </a:ext>
-                </a:extLst>
-              </p:cNvPr>
-              <p:cNvSpPr/>
-              <p:nvPr/>
-            </p:nvSpPr>
-            <p:spPr>
-              <a:xfrm>
-                <a:off x="4154749" y="3775229"/>
-                <a:ext cx="1660124" cy="1606859"/>
-              </a:xfrm>
-              <a:prstGeom prst="ellipse">
-                <a:avLst/>
-              </a:prstGeom>
-            </p:spPr>
-            <p:style>
-              <a:lnRef idx="2">
-                <a:schemeClr val="accent1">
-                  <a:shade val="50000"/>
-                </a:schemeClr>
-              </a:lnRef>
-              <a:fillRef idx="1">
-                <a:schemeClr val="accent1"/>
-              </a:fillRef>
-              <a:effectRef idx="0">
-                <a:schemeClr val="accent1"/>
-              </a:effectRef>
-              <a:fontRef idx="minor">
-                <a:schemeClr val="lt1"/>
-              </a:fontRef>
-            </p:style>
-            <p:txBody>
-              <a:bodyPr rtlCol="0" anchor="ctr"/>
-              <a:lstStyle/>
-              <a:p>
-                <a:pPr algn="ctr"/>
-                <a14:m>
-                  <m:oMath xmlns:m="http://schemas.openxmlformats.org/officeDocument/2006/math">
-                    <m:r>
-                      <a:rPr lang="en-US" sz="1600" b="0" i="1" smtClean="0">
-                        <a:latin typeface="Cambria Math" panose="02040503050406030204" pitchFamily="18" charset="0"/>
-                      </a:rPr>
-                      <m:t>∑</m:t>
-                    </m:r>
-                    <m:d>
-                      <m:dPr>
-                        <m:ctrlPr>
-                          <a:rPr lang="en-US" sz="1600" b="0" i="1" smtClean="0">
-                            <a:latin typeface="Cambria Math" panose="02040503050406030204" pitchFamily="18" charset="0"/>
-                          </a:rPr>
-                        </m:ctrlPr>
-                      </m:dPr>
-                      <m:e>
-                        <m:sSub>
-                          <m:sSubPr>
-                            <m:ctrlPr>
-                              <a:rPr lang="en-US" sz="1600" b="0" i="1" smtClean="0">
-                                <a:latin typeface="Cambria Math" panose="02040503050406030204" pitchFamily="18" charset="0"/>
-                              </a:rPr>
-                            </m:ctrlPr>
-                          </m:sSubPr>
-                          <m:e>
-                            <m:r>
-                              <a:rPr lang="en-US" sz="1600" b="0" i="1" smtClean="0">
-                                <a:latin typeface="Cambria Math" panose="02040503050406030204" pitchFamily="18" charset="0"/>
-                              </a:rPr>
-                              <m:t>𝑤</m:t>
-                            </m:r>
-                          </m:e>
-                          <m:sub>
-                            <m:r>
-                              <a:rPr lang="en-US" sz="1600" b="0" i="1" smtClean="0">
-                                <a:latin typeface="Cambria Math" panose="02040503050406030204" pitchFamily="18" charset="0"/>
-                              </a:rPr>
-                              <m:t>𝑖</m:t>
-                            </m:r>
-                          </m:sub>
-                        </m:sSub>
-                        <m:sSub>
-                          <m:sSubPr>
-                            <m:ctrlPr>
-                              <a:rPr lang="en-US" sz="1600" b="0" i="1" smtClean="0">
-                                <a:latin typeface="Cambria Math" panose="02040503050406030204" pitchFamily="18" charset="0"/>
-                              </a:rPr>
-                            </m:ctrlPr>
-                          </m:sSubPr>
-                          <m:e>
-                            <m:r>
-                              <a:rPr lang="en-US" sz="1600" b="0" i="1" smtClean="0">
-                                <a:latin typeface="Cambria Math" panose="02040503050406030204" pitchFamily="18" charset="0"/>
-                              </a:rPr>
-                              <m:t>𝑥</m:t>
-                            </m:r>
-                          </m:e>
-                          <m:sub>
-                            <m:r>
-                              <a:rPr lang="en-US" sz="1600" b="0" i="1" smtClean="0">
-                                <a:latin typeface="Cambria Math" panose="02040503050406030204" pitchFamily="18" charset="0"/>
-                              </a:rPr>
-                              <m:t>𝑖</m:t>
-                            </m:r>
-                          </m:sub>
-                        </m:sSub>
-                      </m:e>
-                    </m:d>
-                  </m:oMath>
-                </a14:m>
-                <a:r>
-                  <a:rPr lang="en-US" sz="1600" dirty="0"/>
-                  <a:t>+b</a:t>
-                </a:r>
-                <a:endParaRPr lang="en-NL" sz="1600" dirty="0"/>
-              </a:p>
-            </p:txBody>
-          </p:sp>
-        </mc:Choice>
-        <mc:Fallback xmlns="">
-          <p:sp>
-            <p:nvSpPr>
-              <p:cNvPr id="4" name="Oval 3">
-                <a:extLst>
-                  <a:ext uri="{FF2B5EF4-FFF2-40B4-BE49-F238E27FC236}">
-                    <a16:creationId xmlns:a16="http://schemas.microsoft.com/office/drawing/2014/main" id="{3D2CCD92-E9FD-4380-9436-2DD15AF63FA8}"/>
-                  </a:ext>
-                </a:extLst>
-              </p:cNvPr>
-              <p:cNvSpPr>
-                <a:spLocks noRot="1" noChangeAspect="1" noMove="1" noResize="1" noEditPoints="1" noAdjustHandles="1" noChangeArrowheads="1" noChangeShapeType="1" noTextEdit="1"/>
-              </p:cNvSpPr>
-              <p:nvPr/>
-            </p:nvSpPr>
-            <p:spPr>
-              <a:xfrm>
-                <a:off x="4154749" y="3775229"/>
-                <a:ext cx="1660124" cy="1606859"/>
-              </a:xfrm>
-              <a:prstGeom prst="ellipse">
-                <a:avLst/>
-              </a:prstGeom>
-              <a:blipFill>
-                <a:blip r:embed="rId2"/>
-                <a:stretch>
-                  <a:fillRect/>
-                </a:stretch>
-              </a:blipFill>
-            </p:spPr>
-            <p:txBody>
-              <a:bodyPr/>
-              <a:lstStyle/>
-              <a:p>
-                <a:r>
-                  <a:rPr lang="en-NL">
-                    <a:noFill/>
-                  </a:rPr>
-                  <a:t> </a:t>
-                </a:r>
-              </a:p>
-            </p:txBody>
-          </p:sp>
-        </mc:Fallback>
-      </mc:AlternateContent>
-      <p:cxnSp>
-        <p:nvCxnSpPr>
-          <p:cNvPr id="5" name="Straight Arrow Connector 4">
-            <a:extLst>
-              <a:ext uri="{FF2B5EF4-FFF2-40B4-BE49-F238E27FC236}">
-                <a16:creationId xmlns:a16="http://schemas.microsoft.com/office/drawing/2014/main" id="{8582CD8C-31E6-4F47-8B8C-E443245D6972}"/>
-              </a:ext>
-            </a:extLst>
-          </p:cNvPr>
-          <p:cNvCxnSpPr>
-            <a:cxnSpLocks/>
-          </p:cNvCxnSpPr>
-          <p:nvPr/>
-        </p:nvCxnSpPr>
-        <p:spPr>
-          <a:xfrm>
-            <a:off x="3071674" y="3102746"/>
-            <a:ext cx="1326195" cy="892321"/>
-          </a:xfrm>
-          <a:prstGeom prst="straightConnector1">
-            <a:avLst/>
-          </a:prstGeom>
-          <a:ln>
-            <a:tailEnd type="triangle"/>
-          </a:ln>
-        </p:spPr>
-        <p:style>
-          <a:lnRef idx="1">
-            <a:schemeClr val="accent1"/>
-          </a:lnRef>
-          <a:fillRef idx="0">
-            <a:schemeClr val="accent1"/>
-          </a:fillRef>
-          <a:effectRef idx="0">
-            <a:schemeClr val="accent1"/>
-          </a:effectRef>
-          <a:fontRef idx="minor">
-            <a:schemeClr val="tx1"/>
-          </a:fontRef>
-        </p:style>
-      </p:cxnSp>
-      <p:cxnSp>
-        <p:nvCxnSpPr>
-          <p:cNvPr id="6" name="Straight Arrow Connector 5">
-            <a:extLst>
-              <a:ext uri="{FF2B5EF4-FFF2-40B4-BE49-F238E27FC236}">
-                <a16:creationId xmlns:a16="http://schemas.microsoft.com/office/drawing/2014/main" id="{60E575FB-E429-4FED-B30C-FA0865BD386A}"/>
-              </a:ext>
-            </a:extLst>
-          </p:cNvPr>
-          <p:cNvCxnSpPr>
-            <a:cxnSpLocks/>
-          </p:cNvCxnSpPr>
-          <p:nvPr/>
-        </p:nvCxnSpPr>
-        <p:spPr>
-          <a:xfrm flipV="1">
-            <a:off x="2201662" y="4578658"/>
-            <a:ext cx="1953087" cy="51844"/>
-          </a:xfrm>
-          <a:prstGeom prst="straightConnector1">
-            <a:avLst/>
-          </a:prstGeom>
-          <a:ln>
-            <a:tailEnd type="triangle"/>
-          </a:ln>
-        </p:spPr>
-        <p:style>
-          <a:lnRef idx="1">
-            <a:schemeClr val="accent1"/>
-          </a:lnRef>
-          <a:fillRef idx="0">
-            <a:schemeClr val="accent1"/>
-          </a:fillRef>
-          <a:effectRef idx="0">
-            <a:schemeClr val="accent1"/>
-          </a:effectRef>
-          <a:fontRef idx="minor">
-            <a:schemeClr val="tx1"/>
-          </a:fontRef>
-        </p:style>
-      </p:cxnSp>
-      <p:cxnSp>
-        <p:nvCxnSpPr>
-          <p:cNvPr id="7" name="Straight Arrow Connector 6">
-            <a:extLst>
-              <a:ext uri="{FF2B5EF4-FFF2-40B4-BE49-F238E27FC236}">
-                <a16:creationId xmlns:a16="http://schemas.microsoft.com/office/drawing/2014/main" id="{72F97E81-5262-4F1A-B787-9A8DC5B06B3B}"/>
-              </a:ext>
-            </a:extLst>
-          </p:cNvPr>
-          <p:cNvCxnSpPr>
-            <a:cxnSpLocks/>
-            <a:endCxn id="4" idx="3"/>
-          </p:cNvCxnSpPr>
-          <p:nvPr/>
-        </p:nvCxnSpPr>
-        <p:spPr>
-          <a:xfrm flipV="1">
-            <a:off x="2459115" y="5146769"/>
-            <a:ext cx="1938754" cy="586610"/>
-          </a:xfrm>
-          <a:prstGeom prst="straightConnector1">
-            <a:avLst/>
-          </a:prstGeom>
-          <a:ln>
-            <a:tailEnd type="triangle"/>
-          </a:ln>
-        </p:spPr>
-        <p:style>
-          <a:lnRef idx="1">
-            <a:schemeClr val="accent1"/>
-          </a:lnRef>
-          <a:fillRef idx="0">
-            <a:schemeClr val="accent1"/>
-          </a:fillRef>
-          <a:effectRef idx="0">
-            <a:schemeClr val="accent1"/>
-          </a:effectRef>
-          <a:fontRef idx="minor">
-            <a:schemeClr val="tx1"/>
-          </a:fontRef>
-        </p:style>
-      </p:cxnSp>
-      <p:sp>
-        <p:nvSpPr>
-          <p:cNvPr id="8" name="TextBox 7">
-            <a:extLst>
-              <a:ext uri="{FF2B5EF4-FFF2-40B4-BE49-F238E27FC236}">
-                <a16:creationId xmlns:a16="http://schemas.microsoft.com/office/drawing/2014/main" id="{E45EB6F9-B365-4E89-BA78-0CEDD34739A6}"/>
-              </a:ext>
-            </a:extLst>
-          </p:cNvPr>
-          <p:cNvSpPr txBox="1"/>
-          <p:nvPr/>
-        </p:nvSpPr>
-        <p:spPr>
-          <a:xfrm>
-            <a:off x="2610035" y="2485747"/>
-            <a:ext cx="896645" cy="369332"/>
-          </a:xfrm>
-          <a:prstGeom prst="rect">
-            <a:avLst/>
-          </a:prstGeom>
-          <a:noFill/>
-        </p:spPr>
-        <p:txBody>
-          <a:bodyPr wrap="square" rtlCol="0">
-            <a:spAutoFit/>
-          </a:bodyPr>
-          <a:lstStyle/>
-          <a:p>
-            <a:r>
-              <a:rPr lang="nl-NL" dirty="0"/>
-              <a:t>bias</a:t>
+              <a:t>Regression</a:t>
             </a:r>
             <a:endParaRPr lang="en-NL" dirty="0"/>
           </a:p>
@@ -11998,6 +13783,951 @@
           </p:sp>
         </mc:Fallback>
       </mc:AlternateContent>
+      <mc:AlternateContent xmlns:mc="http://schemas.openxmlformats.org/markup-compatibility/2006">
+        <mc:Choice xmlns:a14="http://schemas.microsoft.com/office/drawing/2010/main" Requires="a14">
+          <p:sp>
+            <p:nvSpPr>
+              <p:cNvPr id="11" name="Oval 10">
+                <a:extLst>
+                  <a:ext uri="{FF2B5EF4-FFF2-40B4-BE49-F238E27FC236}">
+                    <a16:creationId xmlns:a16="http://schemas.microsoft.com/office/drawing/2014/main" id="{0D3FBC41-3CC6-4EA7-8378-FBBB3C4ADD48}"/>
+                  </a:ext>
+                </a:extLst>
+              </p:cNvPr>
+              <p:cNvSpPr/>
+              <p:nvPr/>
+            </p:nvSpPr>
+            <p:spPr>
+              <a:xfrm>
+                <a:off x="4185082" y="3599582"/>
+                <a:ext cx="1660124" cy="1606859"/>
+              </a:xfrm>
+              <a:prstGeom prst="ellipse">
+                <a:avLst/>
+              </a:prstGeom>
+            </p:spPr>
+            <p:style>
+              <a:lnRef idx="2">
+                <a:schemeClr val="accent1">
+                  <a:shade val="50000"/>
+                </a:schemeClr>
+              </a:lnRef>
+              <a:fillRef idx="1">
+                <a:schemeClr val="accent1"/>
+              </a:fillRef>
+              <a:effectRef idx="0">
+                <a:schemeClr val="accent1"/>
+              </a:effectRef>
+              <a:fontRef idx="minor">
+                <a:schemeClr val="lt1"/>
+              </a:fontRef>
+            </p:style>
+            <p:txBody>
+              <a:bodyPr rtlCol="0" anchor="ctr"/>
+              <a:lstStyle/>
+              <a:p>
+                <a:pPr algn="ctr"/>
+                <a14:m>
+                  <m:oMathPara xmlns:m="http://schemas.openxmlformats.org/officeDocument/2006/math">
+                    <m:oMathParaPr>
+                      <m:jc m:val="centerGroup"/>
+                    </m:oMathParaPr>
+                    <m:oMath xmlns:m="http://schemas.openxmlformats.org/officeDocument/2006/math">
+                      <m:nary>
+                        <m:naryPr>
+                          <m:chr m:val="∑"/>
+                          <m:ctrlPr>
+                            <a:rPr lang="en-US" sz="1600" b="0" i="1" smtClean="0">
+                              <a:latin typeface="Cambria Math" panose="02040503050406030204" pitchFamily="18" charset="0"/>
+                            </a:rPr>
+                          </m:ctrlPr>
+                        </m:naryPr>
+                        <m:sub>
+                          <m:r>
+                            <m:rPr>
+                              <m:brk m:alnAt="23"/>
+                            </m:rPr>
+                            <a:rPr lang="nl-NL" sz="1600" b="0" i="1" smtClean="0">
+                              <a:latin typeface="Cambria Math" panose="02040503050406030204" pitchFamily="18" charset="0"/>
+                            </a:rPr>
+                            <m:t>𝑖</m:t>
+                          </m:r>
+                          <m:r>
+                            <a:rPr lang="nl-NL" sz="1600" b="0" i="1" smtClean="0">
+                              <a:latin typeface="Cambria Math" panose="02040503050406030204" pitchFamily="18" charset="0"/>
+                            </a:rPr>
+                            <m:t>=1</m:t>
+                          </m:r>
+                        </m:sub>
+                        <m:sup>
+                          <m:r>
+                            <a:rPr lang="nl-NL" sz="1600" b="0" i="1" smtClean="0">
+                              <a:latin typeface="Cambria Math" panose="02040503050406030204" pitchFamily="18" charset="0"/>
+                            </a:rPr>
+                            <m:t>𝑛</m:t>
+                          </m:r>
+                        </m:sup>
+                        <m:e>
+                          <m:d>
+                            <m:dPr>
+                              <m:ctrlPr>
+                                <a:rPr lang="en-US" sz="1600" i="1">
+                                  <a:latin typeface="Cambria Math" panose="02040503050406030204" pitchFamily="18" charset="0"/>
+                                </a:rPr>
+                              </m:ctrlPr>
+                            </m:dPr>
+                            <m:e>
+                              <m:sSub>
+                                <m:sSubPr>
+                                  <m:ctrlPr>
+                                    <a:rPr lang="en-US" sz="1600" i="1">
+                                      <a:latin typeface="Cambria Math" panose="02040503050406030204" pitchFamily="18" charset="0"/>
+                                    </a:rPr>
+                                  </m:ctrlPr>
+                                </m:sSubPr>
+                                <m:e>
+                                  <m:r>
+                                    <a:rPr lang="en-US" sz="1600" i="1">
+                                      <a:latin typeface="Cambria Math" panose="02040503050406030204" pitchFamily="18" charset="0"/>
+                                    </a:rPr>
+                                    <m:t>𝑤</m:t>
+                                  </m:r>
+                                </m:e>
+                                <m:sub>
+                                  <m:r>
+                                    <a:rPr lang="en-US" sz="1600" i="1">
+                                      <a:latin typeface="Cambria Math" panose="02040503050406030204" pitchFamily="18" charset="0"/>
+                                    </a:rPr>
+                                    <m:t>𝑖</m:t>
+                                  </m:r>
+                                </m:sub>
+                              </m:sSub>
+                              <m:sSub>
+                                <m:sSubPr>
+                                  <m:ctrlPr>
+                                    <a:rPr lang="en-US" sz="1600" i="1">
+                                      <a:latin typeface="Cambria Math" panose="02040503050406030204" pitchFamily="18" charset="0"/>
+                                    </a:rPr>
+                                  </m:ctrlPr>
+                                </m:sSubPr>
+                                <m:e>
+                                  <m:r>
+                                    <a:rPr lang="en-US" sz="1600" i="1">
+                                      <a:latin typeface="Cambria Math" panose="02040503050406030204" pitchFamily="18" charset="0"/>
+                                    </a:rPr>
+                                    <m:t>𝑥</m:t>
+                                  </m:r>
+                                </m:e>
+                                <m:sub>
+                                  <m:r>
+                                    <a:rPr lang="en-US" sz="1600" i="1">
+                                      <a:latin typeface="Cambria Math" panose="02040503050406030204" pitchFamily="18" charset="0"/>
+                                    </a:rPr>
+                                    <m:t>𝑖</m:t>
+                                  </m:r>
+                                </m:sub>
+                              </m:sSub>
+                            </m:e>
+                          </m:d>
+                          <m:r>
+                            <m:rPr>
+                              <m:nor/>
+                            </m:rPr>
+                            <a:rPr lang="en-US" sz="1600" dirty="0"/>
+                            <m:t>+</m:t>
+                          </m:r>
+                          <m:r>
+                            <m:rPr>
+                              <m:nor/>
+                            </m:rPr>
+                            <a:rPr lang="en-US" sz="1600" dirty="0"/>
+                            <m:t>b</m:t>
+                          </m:r>
+                        </m:e>
+                      </m:nary>
+                    </m:oMath>
+                  </m:oMathPara>
+                </a14:m>
+                <a:endParaRPr lang="en-NL" sz="1600" dirty="0"/>
+              </a:p>
+            </p:txBody>
+          </p:sp>
+        </mc:Choice>
+        <mc:Fallback>
+          <p:sp>
+            <p:nvSpPr>
+              <p:cNvPr id="11" name="Oval 10">
+                <a:extLst>
+                  <a:ext uri="{FF2B5EF4-FFF2-40B4-BE49-F238E27FC236}">
+                    <a16:creationId xmlns:a16="http://schemas.microsoft.com/office/drawing/2014/main" id="{0D3FBC41-3CC6-4EA7-8378-FBBB3C4ADD48}"/>
+                  </a:ext>
+                </a:extLst>
+              </p:cNvPr>
+              <p:cNvSpPr>
+                <a:spLocks noRot="1" noChangeAspect="1" noMove="1" noResize="1" noEditPoints="1" noAdjustHandles="1" noChangeArrowheads="1" noChangeShapeType="1" noTextEdit="1"/>
+              </p:cNvSpPr>
+              <p:nvPr/>
+            </p:nvSpPr>
+            <p:spPr>
+              <a:xfrm>
+                <a:off x="4185082" y="3599582"/>
+                <a:ext cx="1660124" cy="1606859"/>
+              </a:xfrm>
+              <a:prstGeom prst="ellipse">
+                <a:avLst/>
+              </a:prstGeom>
+              <a:blipFill>
+                <a:blip r:embed="rId4"/>
+                <a:stretch>
+                  <a:fillRect/>
+                </a:stretch>
+              </a:blipFill>
+            </p:spPr>
+            <p:txBody>
+              <a:bodyPr/>
+              <a:lstStyle/>
+              <a:p>
+                <a:r>
+                  <a:rPr lang="en-NL">
+                    <a:noFill/>
+                  </a:rPr>
+                  <a:t> </a:t>
+                </a:r>
+              </a:p>
+            </p:txBody>
+          </p:sp>
+        </mc:Fallback>
+      </mc:AlternateContent>
+      <p:cxnSp>
+        <p:nvCxnSpPr>
+          <p:cNvPr id="12" name="Straight Arrow Connector 11">
+            <a:extLst>
+              <a:ext uri="{FF2B5EF4-FFF2-40B4-BE49-F238E27FC236}">
+                <a16:creationId xmlns:a16="http://schemas.microsoft.com/office/drawing/2014/main" id="{290E2798-A461-4B52-9C83-CA311236C041}"/>
+              </a:ext>
+            </a:extLst>
+          </p:cNvPr>
+          <p:cNvCxnSpPr>
+            <a:cxnSpLocks/>
+          </p:cNvCxnSpPr>
+          <p:nvPr/>
+        </p:nvCxnSpPr>
+        <p:spPr>
+          <a:xfrm>
+            <a:off x="3102007" y="2927099"/>
+            <a:ext cx="1326195" cy="892321"/>
+          </a:xfrm>
+          <a:prstGeom prst="straightConnector1">
+            <a:avLst/>
+          </a:prstGeom>
+          <a:ln>
+            <a:tailEnd type="triangle"/>
+          </a:ln>
+        </p:spPr>
+        <p:style>
+          <a:lnRef idx="1">
+            <a:schemeClr val="accent1"/>
+          </a:lnRef>
+          <a:fillRef idx="0">
+            <a:schemeClr val="accent1"/>
+          </a:fillRef>
+          <a:effectRef idx="0">
+            <a:schemeClr val="accent1"/>
+          </a:effectRef>
+          <a:fontRef idx="minor">
+            <a:schemeClr val="tx1"/>
+          </a:fontRef>
+        </p:style>
+      </p:cxnSp>
+      <p:cxnSp>
+        <p:nvCxnSpPr>
+          <p:cNvPr id="13" name="Straight Arrow Connector 12">
+            <a:extLst>
+              <a:ext uri="{FF2B5EF4-FFF2-40B4-BE49-F238E27FC236}">
+                <a16:creationId xmlns:a16="http://schemas.microsoft.com/office/drawing/2014/main" id="{619A72C7-0B8C-435B-8500-6E4E20135B29}"/>
+              </a:ext>
+            </a:extLst>
+          </p:cNvPr>
+          <p:cNvCxnSpPr>
+            <a:cxnSpLocks/>
+          </p:cNvCxnSpPr>
+          <p:nvPr/>
+        </p:nvCxnSpPr>
+        <p:spPr>
+          <a:xfrm flipV="1">
+            <a:off x="2231995" y="4403011"/>
+            <a:ext cx="1953087" cy="51844"/>
+          </a:xfrm>
+          <a:prstGeom prst="straightConnector1">
+            <a:avLst/>
+          </a:prstGeom>
+          <a:ln>
+            <a:tailEnd type="triangle"/>
+          </a:ln>
+        </p:spPr>
+        <p:style>
+          <a:lnRef idx="1">
+            <a:schemeClr val="accent1"/>
+          </a:lnRef>
+          <a:fillRef idx="0">
+            <a:schemeClr val="accent1"/>
+          </a:fillRef>
+          <a:effectRef idx="0">
+            <a:schemeClr val="accent1"/>
+          </a:effectRef>
+          <a:fontRef idx="minor">
+            <a:schemeClr val="tx1"/>
+          </a:fontRef>
+        </p:style>
+      </p:cxnSp>
+      <p:cxnSp>
+        <p:nvCxnSpPr>
+          <p:cNvPr id="14" name="Straight Arrow Connector 13">
+            <a:extLst>
+              <a:ext uri="{FF2B5EF4-FFF2-40B4-BE49-F238E27FC236}">
+                <a16:creationId xmlns:a16="http://schemas.microsoft.com/office/drawing/2014/main" id="{E9654F54-FDEE-42FF-883E-7D70B0D8E61D}"/>
+              </a:ext>
+            </a:extLst>
+          </p:cNvPr>
+          <p:cNvCxnSpPr>
+            <a:cxnSpLocks/>
+            <a:endCxn id="11" idx="3"/>
+          </p:cNvCxnSpPr>
+          <p:nvPr/>
+        </p:nvCxnSpPr>
+        <p:spPr>
+          <a:xfrm flipV="1">
+            <a:off x="2489448" y="4971122"/>
+            <a:ext cx="1938754" cy="586610"/>
+          </a:xfrm>
+          <a:prstGeom prst="straightConnector1">
+            <a:avLst/>
+          </a:prstGeom>
+          <a:ln>
+            <a:tailEnd type="triangle"/>
+          </a:ln>
+        </p:spPr>
+        <p:style>
+          <a:lnRef idx="1">
+            <a:schemeClr val="accent1"/>
+          </a:lnRef>
+          <a:fillRef idx="0">
+            <a:schemeClr val="accent1"/>
+          </a:fillRef>
+          <a:effectRef idx="0">
+            <a:schemeClr val="accent1"/>
+          </a:effectRef>
+          <a:fontRef idx="minor">
+            <a:schemeClr val="tx1"/>
+          </a:fontRef>
+        </p:style>
+      </p:cxnSp>
+      <p:sp>
+        <p:nvSpPr>
+          <p:cNvPr id="15" name="TextBox 14">
+            <a:extLst>
+              <a:ext uri="{FF2B5EF4-FFF2-40B4-BE49-F238E27FC236}">
+                <a16:creationId xmlns:a16="http://schemas.microsoft.com/office/drawing/2014/main" id="{7B3039A7-B85A-4630-805A-775CE958E870}"/>
+              </a:ext>
+            </a:extLst>
+          </p:cNvPr>
+          <p:cNvSpPr txBox="1"/>
+          <p:nvPr/>
+        </p:nvSpPr>
+        <p:spPr>
+          <a:xfrm>
+            <a:off x="2640368" y="2310100"/>
+            <a:ext cx="896645" cy="369332"/>
+          </a:xfrm>
+          <a:prstGeom prst="rect">
+            <a:avLst/>
+          </a:prstGeom>
+          <a:noFill/>
+        </p:spPr>
+        <p:txBody>
+          <a:bodyPr wrap="square" rtlCol="0">
+            <a:spAutoFit/>
+          </a:bodyPr>
+          <a:lstStyle/>
+          <a:p>
+            <a:r>
+              <a:rPr lang="nl-NL" dirty="0"/>
+              <a:t>bias</a:t>
+            </a:r>
+            <a:endParaRPr lang="en-NL" dirty="0"/>
+          </a:p>
+        </p:txBody>
+      </p:sp>
+      <mc:AlternateContent xmlns:mc="http://schemas.openxmlformats.org/markup-compatibility/2006">
+        <mc:Choice xmlns:a14="http://schemas.microsoft.com/office/drawing/2010/main" Requires="a14">
+          <p:sp>
+            <p:nvSpPr>
+              <p:cNvPr id="16" name="TextBox 15">
+                <a:extLst>
+                  <a:ext uri="{FF2B5EF4-FFF2-40B4-BE49-F238E27FC236}">
+                    <a16:creationId xmlns:a16="http://schemas.microsoft.com/office/drawing/2014/main" id="{42271F26-3D94-4667-8C01-DEE326DA45C3}"/>
+                  </a:ext>
+                </a:extLst>
+              </p:cNvPr>
+              <p:cNvSpPr txBox="1"/>
+              <p:nvPr/>
+            </p:nvSpPr>
+            <p:spPr>
+              <a:xfrm>
+                <a:off x="1729947" y="4270189"/>
+                <a:ext cx="221942" cy="369332"/>
+              </a:xfrm>
+              <a:prstGeom prst="rect">
+                <a:avLst/>
+              </a:prstGeom>
+              <a:noFill/>
+            </p:spPr>
+            <p:txBody>
+              <a:bodyPr wrap="square" rtlCol="0">
+                <a:spAutoFit/>
+              </a:bodyPr>
+              <a:lstStyle/>
+              <a:p>
+                <a14:m>
+                  <m:oMathPara xmlns:m="http://schemas.openxmlformats.org/officeDocument/2006/math">
+                    <m:oMathParaPr>
+                      <m:jc m:val="centerGroup"/>
+                    </m:oMathParaPr>
+                    <m:oMath xmlns:m="http://schemas.openxmlformats.org/officeDocument/2006/math">
+                      <m:sSub>
+                        <m:sSubPr>
+                          <m:ctrlPr>
+                            <a:rPr lang="nl-NL" b="0" i="1" smtClean="0">
+                              <a:latin typeface="Cambria Math" panose="02040503050406030204" pitchFamily="18" charset="0"/>
+                            </a:rPr>
+                          </m:ctrlPr>
+                        </m:sSubPr>
+                        <m:e>
+                          <m:r>
+                            <a:rPr lang="nl-NL" b="0" i="1" smtClean="0">
+                              <a:latin typeface="Cambria Math" panose="02040503050406030204" pitchFamily="18" charset="0"/>
+                            </a:rPr>
+                            <m:t>𝑥</m:t>
+                          </m:r>
+                        </m:e>
+                        <m:sub>
+                          <m:r>
+                            <a:rPr lang="nl-NL" b="0" i="1" smtClean="0">
+                              <a:latin typeface="Cambria Math" panose="02040503050406030204" pitchFamily="18" charset="0"/>
+                            </a:rPr>
+                            <m:t>1</m:t>
+                          </m:r>
+                        </m:sub>
+                      </m:sSub>
+                    </m:oMath>
+                  </m:oMathPara>
+                </a14:m>
+                <a:endParaRPr lang="en-NL" dirty="0"/>
+              </a:p>
+            </p:txBody>
+          </p:sp>
+        </mc:Choice>
+        <mc:Fallback>
+          <p:sp>
+            <p:nvSpPr>
+              <p:cNvPr id="16" name="TextBox 15">
+                <a:extLst>
+                  <a:ext uri="{FF2B5EF4-FFF2-40B4-BE49-F238E27FC236}">
+                    <a16:creationId xmlns:a16="http://schemas.microsoft.com/office/drawing/2014/main" id="{42271F26-3D94-4667-8C01-DEE326DA45C3}"/>
+                  </a:ext>
+                </a:extLst>
+              </p:cNvPr>
+              <p:cNvSpPr txBox="1">
+                <a:spLocks noRot="1" noChangeAspect="1" noMove="1" noResize="1" noEditPoints="1" noAdjustHandles="1" noChangeArrowheads="1" noChangeShapeType="1" noTextEdit="1"/>
+              </p:cNvSpPr>
+              <p:nvPr/>
+            </p:nvSpPr>
+            <p:spPr>
+              <a:xfrm>
+                <a:off x="1729947" y="4270189"/>
+                <a:ext cx="221942" cy="369332"/>
+              </a:xfrm>
+              <a:prstGeom prst="rect">
+                <a:avLst/>
+              </a:prstGeom>
+              <a:blipFill>
+                <a:blip r:embed="rId5"/>
+                <a:stretch>
+                  <a:fillRect r="-63889"/>
+                </a:stretch>
+              </a:blipFill>
+            </p:spPr>
+            <p:txBody>
+              <a:bodyPr/>
+              <a:lstStyle/>
+              <a:p>
+                <a:r>
+                  <a:rPr lang="en-NL">
+                    <a:noFill/>
+                  </a:rPr>
+                  <a:t> </a:t>
+                </a:r>
+              </a:p>
+            </p:txBody>
+          </p:sp>
+        </mc:Fallback>
+      </mc:AlternateContent>
+      <mc:AlternateContent xmlns:mc="http://schemas.openxmlformats.org/markup-compatibility/2006">
+        <mc:Choice xmlns:a14="http://schemas.microsoft.com/office/drawing/2010/main" Requires="a14">
+          <p:sp>
+            <p:nvSpPr>
+              <p:cNvPr id="17" name="TextBox 16">
+                <a:extLst>
+                  <a:ext uri="{FF2B5EF4-FFF2-40B4-BE49-F238E27FC236}">
+                    <a16:creationId xmlns:a16="http://schemas.microsoft.com/office/drawing/2014/main" id="{04FE6984-00C3-4F13-B118-40DA8DDA7F8E}"/>
+                  </a:ext>
+                </a:extLst>
+              </p:cNvPr>
+              <p:cNvSpPr txBox="1"/>
+              <p:nvPr/>
+            </p:nvSpPr>
+            <p:spPr>
+              <a:xfrm>
+                <a:off x="2121024" y="5373066"/>
+                <a:ext cx="221942" cy="369332"/>
+              </a:xfrm>
+              <a:prstGeom prst="rect">
+                <a:avLst/>
+              </a:prstGeom>
+              <a:noFill/>
+            </p:spPr>
+            <p:txBody>
+              <a:bodyPr wrap="square" rtlCol="0">
+                <a:spAutoFit/>
+              </a:bodyPr>
+              <a:lstStyle/>
+              <a:p>
+                <a14:m>
+                  <m:oMathPara xmlns:m="http://schemas.openxmlformats.org/officeDocument/2006/math">
+                    <m:oMathParaPr>
+                      <m:jc m:val="centerGroup"/>
+                    </m:oMathParaPr>
+                    <m:oMath xmlns:m="http://schemas.openxmlformats.org/officeDocument/2006/math">
+                      <m:sSub>
+                        <m:sSubPr>
+                          <m:ctrlPr>
+                            <a:rPr lang="nl-NL" b="0" i="1" smtClean="0">
+                              <a:latin typeface="Cambria Math" panose="02040503050406030204" pitchFamily="18" charset="0"/>
+                            </a:rPr>
+                          </m:ctrlPr>
+                        </m:sSubPr>
+                        <m:e>
+                          <m:r>
+                            <a:rPr lang="nl-NL" b="0" i="1" smtClean="0">
+                              <a:latin typeface="Cambria Math" panose="02040503050406030204" pitchFamily="18" charset="0"/>
+                            </a:rPr>
+                            <m:t>𝑥</m:t>
+                          </m:r>
+                        </m:e>
+                        <m:sub>
+                          <m:r>
+                            <a:rPr lang="nl-NL" b="0" i="1" smtClean="0">
+                              <a:latin typeface="Cambria Math" panose="02040503050406030204" pitchFamily="18" charset="0"/>
+                            </a:rPr>
+                            <m:t>2</m:t>
+                          </m:r>
+                        </m:sub>
+                      </m:sSub>
+                    </m:oMath>
+                  </m:oMathPara>
+                </a14:m>
+                <a:endParaRPr lang="en-NL" dirty="0"/>
+              </a:p>
+            </p:txBody>
+          </p:sp>
+        </mc:Choice>
+        <mc:Fallback>
+          <p:sp>
+            <p:nvSpPr>
+              <p:cNvPr id="17" name="TextBox 16">
+                <a:extLst>
+                  <a:ext uri="{FF2B5EF4-FFF2-40B4-BE49-F238E27FC236}">
+                    <a16:creationId xmlns:a16="http://schemas.microsoft.com/office/drawing/2014/main" id="{04FE6984-00C3-4F13-B118-40DA8DDA7F8E}"/>
+                  </a:ext>
+                </a:extLst>
+              </p:cNvPr>
+              <p:cNvSpPr txBox="1">
+                <a:spLocks noRot="1" noChangeAspect="1" noMove="1" noResize="1" noEditPoints="1" noAdjustHandles="1" noChangeArrowheads="1" noChangeShapeType="1" noTextEdit="1"/>
+              </p:cNvSpPr>
+              <p:nvPr/>
+            </p:nvSpPr>
+            <p:spPr>
+              <a:xfrm>
+                <a:off x="2121024" y="5373066"/>
+                <a:ext cx="221942" cy="369332"/>
+              </a:xfrm>
+              <a:prstGeom prst="rect">
+                <a:avLst/>
+              </a:prstGeom>
+              <a:blipFill>
+                <a:blip r:embed="rId6"/>
+                <a:stretch>
+                  <a:fillRect r="-66667"/>
+                </a:stretch>
+              </a:blipFill>
+            </p:spPr>
+            <p:txBody>
+              <a:bodyPr/>
+              <a:lstStyle/>
+              <a:p>
+                <a:r>
+                  <a:rPr lang="en-NL">
+                    <a:noFill/>
+                  </a:rPr>
+                  <a:t> </a:t>
+                </a:r>
+              </a:p>
+            </p:txBody>
+          </p:sp>
+        </mc:Fallback>
+      </mc:AlternateContent>
+      <mc:AlternateContent xmlns:mc="http://schemas.openxmlformats.org/markup-compatibility/2006">
+        <mc:Choice xmlns:a14="http://schemas.microsoft.com/office/drawing/2010/main" Requires="a14">
+          <p:sp>
+            <p:nvSpPr>
+              <p:cNvPr id="18" name="TextBox 17">
+                <a:extLst>
+                  <a:ext uri="{FF2B5EF4-FFF2-40B4-BE49-F238E27FC236}">
+                    <a16:creationId xmlns:a16="http://schemas.microsoft.com/office/drawing/2014/main" id="{4F119673-0C41-4314-A33B-636A60F6ED0C}"/>
+                  </a:ext>
+                </a:extLst>
+              </p:cNvPr>
+              <p:cNvSpPr txBox="1"/>
+              <p:nvPr/>
+            </p:nvSpPr>
+            <p:spPr>
+              <a:xfrm>
+                <a:off x="3654133" y="2900734"/>
+                <a:ext cx="221942" cy="369332"/>
+              </a:xfrm>
+              <a:prstGeom prst="rect">
+                <a:avLst/>
+              </a:prstGeom>
+              <a:noFill/>
+            </p:spPr>
+            <p:txBody>
+              <a:bodyPr wrap="square" rtlCol="0">
+                <a:spAutoFit/>
+              </a:bodyPr>
+              <a:lstStyle/>
+              <a:p>
+                <a14:m>
+                  <m:oMathPara xmlns:m="http://schemas.openxmlformats.org/officeDocument/2006/math">
+                    <m:oMathParaPr>
+                      <m:jc m:val="centerGroup"/>
+                    </m:oMathParaPr>
+                    <m:oMath xmlns:m="http://schemas.openxmlformats.org/officeDocument/2006/math">
+                      <m:sSub>
+                        <m:sSubPr>
+                          <m:ctrlPr>
+                            <a:rPr lang="nl-NL" b="0" i="1" smtClean="0">
+                              <a:latin typeface="Cambria Math" panose="02040503050406030204" pitchFamily="18" charset="0"/>
+                            </a:rPr>
+                          </m:ctrlPr>
+                        </m:sSubPr>
+                        <m:e>
+                          <m:r>
+                            <a:rPr lang="nl-NL" b="0" i="1" smtClean="0">
+                              <a:latin typeface="Cambria Math" panose="02040503050406030204" pitchFamily="18" charset="0"/>
+                            </a:rPr>
+                            <m:t>𝑤</m:t>
+                          </m:r>
+                        </m:e>
+                        <m:sub>
+                          <m:r>
+                            <a:rPr lang="nl-NL" b="0" i="1" smtClean="0">
+                              <a:latin typeface="Cambria Math" panose="02040503050406030204" pitchFamily="18" charset="0"/>
+                            </a:rPr>
+                            <m:t>0</m:t>
+                          </m:r>
+                        </m:sub>
+                      </m:sSub>
+                    </m:oMath>
+                  </m:oMathPara>
+                </a14:m>
+                <a:endParaRPr lang="en-NL" dirty="0"/>
+              </a:p>
+            </p:txBody>
+          </p:sp>
+        </mc:Choice>
+        <mc:Fallback>
+          <p:sp>
+            <p:nvSpPr>
+              <p:cNvPr id="18" name="TextBox 17">
+                <a:extLst>
+                  <a:ext uri="{FF2B5EF4-FFF2-40B4-BE49-F238E27FC236}">
+                    <a16:creationId xmlns:a16="http://schemas.microsoft.com/office/drawing/2014/main" id="{4F119673-0C41-4314-A33B-636A60F6ED0C}"/>
+                  </a:ext>
+                </a:extLst>
+              </p:cNvPr>
+              <p:cNvSpPr txBox="1">
+                <a:spLocks noRot="1" noChangeAspect="1" noMove="1" noResize="1" noEditPoints="1" noAdjustHandles="1" noChangeArrowheads="1" noChangeShapeType="1" noTextEdit="1"/>
+              </p:cNvSpPr>
+              <p:nvPr/>
+            </p:nvSpPr>
+            <p:spPr>
+              <a:xfrm>
+                <a:off x="3654133" y="2900734"/>
+                <a:ext cx="221942" cy="369332"/>
+              </a:xfrm>
+              <a:prstGeom prst="rect">
+                <a:avLst/>
+              </a:prstGeom>
+              <a:blipFill>
+                <a:blip r:embed="rId7"/>
+                <a:stretch>
+                  <a:fillRect r="-83784"/>
+                </a:stretch>
+              </a:blipFill>
+            </p:spPr>
+            <p:txBody>
+              <a:bodyPr/>
+              <a:lstStyle/>
+              <a:p>
+                <a:r>
+                  <a:rPr lang="en-NL">
+                    <a:noFill/>
+                  </a:rPr>
+                  <a:t> </a:t>
+                </a:r>
+              </a:p>
+            </p:txBody>
+          </p:sp>
+        </mc:Fallback>
+      </mc:AlternateContent>
+      <mc:AlternateContent xmlns:mc="http://schemas.openxmlformats.org/markup-compatibility/2006">
+        <mc:Choice xmlns:a14="http://schemas.microsoft.com/office/drawing/2010/main" Requires="a14">
+          <p:sp>
+            <p:nvSpPr>
+              <p:cNvPr id="19" name="TextBox 18">
+                <a:extLst>
+                  <a:ext uri="{FF2B5EF4-FFF2-40B4-BE49-F238E27FC236}">
+                    <a16:creationId xmlns:a16="http://schemas.microsoft.com/office/drawing/2014/main" id="{C84CB072-7EDC-493E-8420-7B48B7FECEF7}"/>
+                  </a:ext>
+                </a:extLst>
+              </p:cNvPr>
+              <p:cNvSpPr txBox="1"/>
+              <p:nvPr/>
+            </p:nvSpPr>
+            <p:spPr>
+              <a:xfrm>
+                <a:off x="2875626" y="4021453"/>
+                <a:ext cx="221942" cy="369332"/>
+              </a:xfrm>
+              <a:prstGeom prst="rect">
+                <a:avLst/>
+              </a:prstGeom>
+              <a:noFill/>
+            </p:spPr>
+            <p:txBody>
+              <a:bodyPr wrap="square" rtlCol="0">
+                <a:spAutoFit/>
+              </a:bodyPr>
+              <a:lstStyle/>
+              <a:p>
+                <a14:m>
+                  <m:oMathPara xmlns:m="http://schemas.openxmlformats.org/officeDocument/2006/math">
+                    <m:oMathParaPr>
+                      <m:jc m:val="centerGroup"/>
+                    </m:oMathParaPr>
+                    <m:oMath xmlns:m="http://schemas.openxmlformats.org/officeDocument/2006/math">
+                      <m:sSub>
+                        <m:sSubPr>
+                          <m:ctrlPr>
+                            <a:rPr lang="nl-NL" b="0" i="1" smtClean="0">
+                              <a:latin typeface="Cambria Math" panose="02040503050406030204" pitchFamily="18" charset="0"/>
+                            </a:rPr>
+                          </m:ctrlPr>
+                        </m:sSubPr>
+                        <m:e>
+                          <m:r>
+                            <a:rPr lang="nl-NL" b="0" i="1" smtClean="0">
+                              <a:latin typeface="Cambria Math" panose="02040503050406030204" pitchFamily="18" charset="0"/>
+                            </a:rPr>
+                            <m:t>𝑤</m:t>
+                          </m:r>
+                        </m:e>
+                        <m:sub>
+                          <m:r>
+                            <a:rPr lang="nl-NL" b="0" i="1" smtClean="0">
+                              <a:latin typeface="Cambria Math" panose="02040503050406030204" pitchFamily="18" charset="0"/>
+                            </a:rPr>
+                            <m:t>1</m:t>
+                          </m:r>
+                        </m:sub>
+                      </m:sSub>
+                    </m:oMath>
+                  </m:oMathPara>
+                </a14:m>
+                <a:endParaRPr lang="en-NL" dirty="0"/>
+              </a:p>
+            </p:txBody>
+          </p:sp>
+        </mc:Choice>
+        <mc:Fallback>
+          <p:sp>
+            <p:nvSpPr>
+              <p:cNvPr id="19" name="TextBox 18">
+                <a:extLst>
+                  <a:ext uri="{FF2B5EF4-FFF2-40B4-BE49-F238E27FC236}">
+                    <a16:creationId xmlns:a16="http://schemas.microsoft.com/office/drawing/2014/main" id="{C84CB072-7EDC-493E-8420-7B48B7FECEF7}"/>
+                  </a:ext>
+                </a:extLst>
+              </p:cNvPr>
+              <p:cNvSpPr txBox="1">
+                <a:spLocks noRot="1" noChangeAspect="1" noMove="1" noResize="1" noEditPoints="1" noAdjustHandles="1" noChangeArrowheads="1" noChangeShapeType="1" noTextEdit="1"/>
+              </p:cNvSpPr>
+              <p:nvPr/>
+            </p:nvSpPr>
+            <p:spPr>
+              <a:xfrm>
+                <a:off x="2875626" y="4021453"/>
+                <a:ext cx="221942" cy="369332"/>
+              </a:xfrm>
+              <a:prstGeom prst="rect">
+                <a:avLst/>
+              </a:prstGeom>
+              <a:blipFill>
+                <a:blip r:embed="rId8"/>
+                <a:stretch>
+                  <a:fillRect r="-83333"/>
+                </a:stretch>
+              </a:blipFill>
+            </p:spPr>
+            <p:txBody>
+              <a:bodyPr/>
+              <a:lstStyle/>
+              <a:p>
+                <a:r>
+                  <a:rPr lang="en-NL">
+                    <a:noFill/>
+                  </a:rPr>
+                  <a:t> </a:t>
+                </a:r>
+              </a:p>
+            </p:txBody>
+          </p:sp>
+        </mc:Fallback>
+      </mc:AlternateContent>
+      <mc:AlternateContent xmlns:mc="http://schemas.openxmlformats.org/markup-compatibility/2006">
+        <mc:Choice xmlns:a14="http://schemas.microsoft.com/office/drawing/2010/main" Requires="a14">
+          <p:sp>
+            <p:nvSpPr>
+              <p:cNvPr id="20" name="TextBox 19">
+                <a:extLst>
+                  <a:ext uri="{FF2B5EF4-FFF2-40B4-BE49-F238E27FC236}">
+                    <a16:creationId xmlns:a16="http://schemas.microsoft.com/office/drawing/2014/main" id="{D052CA55-2365-463D-85F3-050695448ECB}"/>
+                  </a:ext>
+                </a:extLst>
+              </p:cNvPr>
+              <p:cNvSpPr txBox="1"/>
+              <p:nvPr/>
+            </p:nvSpPr>
+            <p:spPr>
+              <a:xfrm>
+                <a:off x="2957515" y="4961933"/>
+                <a:ext cx="221942" cy="369332"/>
+              </a:xfrm>
+              <a:prstGeom prst="rect">
+                <a:avLst/>
+              </a:prstGeom>
+              <a:noFill/>
+            </p:spPr>
+            <p:txBody>
+              <a:bodyPr wrap="square" rtlCol="0">
+                <a:spAutoFit/>
+              </a:bodyPr>
+              <a:lstStyle/>
+              <a:p>
+                <a14:m>
+                  <m:oMathPara xmlns:m="http://schemas.openxmlformats.org/officeDocument/2006/math">
+                    <m:oMathParaPr>
+                      <m:jc m:val="centerGroup"/>
+                    </m:oMathParaPr>
+                    <m:oMath xmlns:m="http://schemas.openxmlformats.org/officeDocument/2006/math">
+                      <m:sSub>
+                        <m:sSubPr>
+                          <m:ctrlPr>
+                            <a:rPr lang="nl-NL" b="0" i="1" smtClean="0">
+                              <a:latin typeface="Cambria Math" panose="02040503050406030204" pitchFamily="18" charset="0"/>
+                            </a:rPr>
+                          </m:ctrlPr>
+                        </m:sSubPr>
+                        <m:e>
+                          <m:r>
+                            <a:rPr lang="nl-NL" b="0" i="1" smtClean="0">
+                              <a:latin typeface="Cambria Math" panose="02040503050406030204" pitchFamily="18" charset="0"/>
+                            </a:rPr>
+                            <m:t>𝑤</m:t>
+                          </m:r>
+                        </m:e>
+                        <m:sub>
+                          <m:r>
+                            <a:rPr lang="nl-NL" b="0" i="1" smtClean="0">
+                              <a:latin typeface="Cambria Math" panose="02040503050406030204" pitchFamily="18" charset="0"/>
+                            </a:rPr>
+                            <m:t>2</m:t>
+                          </m:r>
+                        </m:sub>
+                      </m:sSub>
+                    </m:oMath>
+                  </m:oMathPara>
+                </a14:m>
+                <a:endParaRPr lang="en-NL" dirty="0"/>
+              </a:p>
+            </p:txBody>
+          </p:sp>
+        </mc:Choice>
+        <mc:Fallback>
+          <p:sp>
+            <p:nvSpPr>
+              <p:cNvPr id="20" name="TextBox 19">
+                <a:extLst>
+                  <a:ext uri="{FF2B5EF4-FFF2-40B4-BE49-F238E27FC236}">
+                    <a16:creationId xmlns:a16="http://schemas.microsoft.com/office/drawing/2014/main" id="{D052CA55-2365-463D-85F3-050695448ECB}"/>
+                  </a:ext>
+                </a:extLst>
+              </p:cNvPr>
+              <p:cNvSpPr txBox="1">
+                <a:spLocks noRot="1" noChangeAspect="1" noMove="1" noResize="1" noEditPoints="1" noAdjustHandles="1" noChangeArrowheads="1" noChangeShapeType="1" noTextEdit="1"/>
+              </p:cNvSpPr>
+              <p:nvPr/>
+            </p:nvSpPr>
+            <p:spPr>
+              <a:xfrm>
+                <a:off x="2957515" y="4961933"/>
+                <a:ext cx="221942" cy="369332"/>
+              </a:xfrm>
+              <a:prstGeom prst="rect">
+                <a:avLst/>
+              </a:prstGeom>
+              <a:blipFill>
+                <a:blip r:embed="rId9"/>
+                <a:stretch>
+                  <a:fillRect r="-83784"/>
+                </a:stretch>
+              </a:blipFill>
+            </p:spPr>
+            <p:txBody>
+              <a:bodyPr/>
+              <a:lstStyle/>
+              <a:p>
+                <a:r>
+                  <a:rPr lang="en-NL">
+                    <a:noFill/>
+                  </a:rPr>
+                  <a:t> </a:t>
+                </a:r>
+              </a:p>
+            </p:txBody>
+          </p:sp>
+        </mc:Fallback>
+      </mc:AlternateContent>
     </p:spTree>
     <p:extLst>
       <p:ext uri="{BB962C8B-B14F-4D97-AF65-F5344CB8AC3E}">
@@ -12050,7 +14780,7 @@
         </p:blipFill>
         <p:spPr>
           <a:xfrm>
-            <a:off x="149289" y="195308"/>
+            <a:off x="149289" y="159797"/>
             <a:ext cx="6698056" cy="6467383"/>
           </a:xfrm>
           <a:prstGeom prst="rect">
@@ -12521,6 +15251,189 @@
                 <a:blip r:embed="rId3"/>
                 <a:stretch>
                   <a:fillRect l="-1341" t="-1749" b="-3499"/>
+                </a:stretch>
+              </a:blipFill>
+            </p:spPr>
+            <p:txBody>
+              <a:bodyPr/>
+              <a:lstStyle/>
+              <a:p>
+                <a:r>
+                  <a:rPr lang="en-NL">
+                    <a:noFill/>
+                  </a:rPr>
+                  <a:t> </a:t>
+                </a:r>
+              </a:p>
+            </p:txBody>
+          </p:sp>
+        </mc:Fallback>
+      </mc:AlternateContent>
+      <mc:AlternateContent xmlns:mc="http://schemas.openxmlformats.org/markup-compatibility/2006">
+        <mc:Choice xmlns:a14="http://schemas.microsoft.com/office/drawing/2010/main" Requires="a14">
+          <p:sp>
+            <p:nvSpPr>
+              <p:cNvPr id="8" name="TextBox 7">
+                <a:extLst>
+                  <a:ext uri="{FF2B5EF4-FFF2-40B4-BE49-F238E27FC236}">
+                    <a16:creationId xmlns:a16="http://schemas.microsoft.com/office/drawing/2014/main" id="{819BB974-36AD-43D1-8C76-9A9AC45CD420}"/>
+                  </a:ext>
+                </a:extLst>
+              </p:cNvPr>
+              <p:cNvSpPr txBox="1"/>
+              <p:nvPr/>
+            </p:nvSpPr>
+            <p:spPr>
+              <a:xfrm>
+                <a:off x="6001305" y="591221"/>
+                <a:ext cx="6094520" cy="369332"/>
+              </a:xfrm>
+              <a:prstGeom prst="rect">
+                <a:avLst/>
+              </a:prstGeom>
+              <a:noFill/>
+            </p:spPr>
+            <p:txBody>
+              <a:bodyPr wrap="square">
+                <a:spAutoFit/>
+              </a:bodyPr>
+              <a:lstStyle/>
+              <a:p>
+                <a:pPr/>
+                <a14:m>
+                  <m:oMathPara xmlns:m="http://schemas.openxmlformats.org/officeDocument/2006/math">
+                    <m:oMathParaPr>
+                      <m:jc m:val="centerGroup"/>
+                    </m:oMathParaPr>
+                    <m:oMath xmlns:m="http://schemas.openxmlformats.org/officeDocument/2006/math">
+                      <m:sSub>
+                        <m:sSubPr>
+                          <m:ctrlPr>
+                            <a:rPr lang="en-US" b="0" i="1" smtClean="0">
+                              <a:latin typeface="Cambria Math" panose="02040503050406030204" pitchFamily="18" charset="0"/>
+                            </a:rPr>
+                          </m:ctrlPr>
+                        </m:sSubPr>
+                        <m:e>
+                          <m:r>
+                            <a:rPr lang="en-US" b="0" i="1" smtClean="0">
+                              <a:latin typeface="Cambria Math" panose="02040503050406030204" pitchFamily="18" charset="0"/>
+                            </a:rPr>
+                            <m:t>𝑤</m:t>
+                          </m:r>
+                        </m:e>
+                        <m:sub>
+                          <m:r>
+                            <a:rPr lang="en-US" b="0" i="1" smtClean="0">
+                              <a:latin typeface="Cambria Math" panose="02040503050406030204" pitchFamily="18" charset="0"/>
+                            </a:rPr>
+                            <m:t>0</m:t>
+                          </m:r>
+                        </m:sub>
+                      </m:sSub>
+                      <m:r>
+                        <a:rPr lang="en-US" b="0" i="1" smtClean="0">
+                          <a:latin typeface="Cambria Math" panose="02040503050406030204" pitchFamily="18" charset="0"/>
+                        </a:rPr>
+                        <m:t>+</m:t>
+                      </m:r>
+                      <m:sSub>
+                        <m:sSubPr>
+                          <m:ctrlPr>
+                            <a:rPr lang="en-US" b="0" i="1" smtClean="0">
+                              <a:latin typeface="Cambria Math" panose="02040503050406030204" pitchFamily="18" charset="0"/>
+                            </a:rPr>
+                          </m:ctrlPr>
+                        </m:sSubPr>
+                        <m:e>
+                          <m:r>
+                            <a:rPr lang="en-US" b="0" i="1" smtClean="0">
+                              <a:latin typeface="Cambria Math" panose="02040503050406030204" pitchFamily="18" charset="0"/>
+                            </a:rPr>
+                            <m:t>𝑤</m:t>
+                          </m:r>
+                        </m:e>
+                        <m:sub>
+                          <m:r>
+                            <a:rPr lang="en-US" b="0" i="1" smtClean="0">
+                              <a:latin typeface="Cambria Math" panose="02040503050406030204" pitchFamily="18" charset="0"/>
+                            </a:rPr>
+                            <m:t>1</m:t>
+                          </m:r>
+                        </m:sub>
+                      </m:sSub>
+                      <m:sSub>
+                        <m:sSubPr>
+                          <m:ctrlPr>
+                            <a:rPr lang="en-US" b="0" i="1" smtClean="0">
+                              <a:latin typeface="Cambria Math" panose="02040503050406030204" pitchFamily="18" charset="0"/>
+                            </a:rPr>
+                          </m:ctrlPr>
+                        </m:sSubPr>
+                        <m:e>
+                          <m:r>
+                            <a:rPr lang="en-US" b="0" i="1" smtClean="0">
+                              <a:latin typeface="Cambria Math" panose="02040503050406030204" pitchFamily="18" charset="0"/>
+                            </a:rPr>
+                            <m:t>𝑥</m:t>
+                          </m:r>
+                        </m:e>
+                        <m:sub>
+                          <m:r>
+                            <a:rPr lang="en-US" b="0" i="1" smtClean="0">
+                              <a:latin typeface="Cambria Math" panose="02040503050406030204" pitchFamily="18" charset="0"/>
+                            </a:rPr>
+                            <m:t>1</m:t>
+                          </m:r>
+                        </m:sub>
+                      </m:sSub>
+                      <m:r>
+                        <a:rPr lang="en-US" b="0" i="1" smtClean="0">
+                          <a:latin typeface="Cambria Math" panose="02040503050406030204" pitchFamily="18" charset="0"/>
+                        </a:rPr>
+                        <m:t>=</m:t>
+                      </m:r>
+                      <m:r>
+                        <a:rPr lang="en-US" b="0" i="1" smtClean="0">
+                          <a:latin typeface="Cambria Math" panose="02040503050406030204" pitchFamily="18" charset="0"/>
+                        </a:rPr>
+                        <m:t>𝑡𝑎𝑟𝑔𝑒𝑡</m:t>
+                      </m:r>
+                    </m:oMath>
+                  </m:oMathPara>
+                </a14:m>
+                <a:endParaRPr lang="en-US" b="0" dirty="0"/>
+              </a:p>
+            </p:txBody>
+          </p:sp>
+        </mc:Choice>
+        <mc:Fallback>
+          <p:sp>
+            <p:nvSpPr>
+              <p:cNvPr id="8" name="TextBox 7">
+                <a:extLst>
+                  <a:ext uri="{FF2B5EF4-FFF2-40B4-BE49-F238E27FC236}">
+                    <a16:creationId xmlns:a16="http://schemas.microsoft.com/office/drawing/2014/main" id="{819BB974-36AD-43D1-8C76-9A9AC45CD420}"/>
+                  </a:ext>
+                </a:extLst>
+              </p:cNvPr>
+              <p:cNvSpPr txBox="1">
+                <a:spLocks noRot="1" noChangeAspect="1" noMove="1" noResize="1" noEditPoints="1" noAdjustHandles="1" noChangeArrowheads="1" noChangeShapeType="1" noTextEdit="1"/>
+              </p:cNvSpPr>
+              <p:nvPr/>
+            </p:nvSpPr>
+            <p:spPr>
+              <a:xfrm>
+                <a:off x="6001305" y="591221"/>
+                <a:ext cx="6094520" cy="369332"/>
+              </a:xfrm>
+              <a:prstGeom prst="rect">
+                <a:avLst/>
+              </a:prstGeom>
+              <a:blipFill>
+                <a:blip r:embed="rId4"/>
+                <a:stretch>
+                  <a:fillRect b="-9836"/>
                 </a:stretch>
               </a:blipFill>
             </p:spPr>
